--- a/课件/历史/九下/八年级/八上第一单元/初三一轮复习—《中国开始沦为半殖民地半封建社会》.pptx
+++ b/课件/历史/九下/八年级/八上第一单元/初三一轮复习—《中国开始沦为半殖民地半封建社会》.pptx
@@ -5,7 +5,7 @@
     <p:sldMasterId id="2147483648" r:id="rId1"/>
   </p:sldMasterIdLst>
   <p:notesMasterIdLst>
-    <p:notesMasterId r:id="rId17"/>
+    <p:notesMasterId r:id="rId21"/>
   </p:notesMasterIdLst>
   <p:sldIdLst>
     <p:sldId id="256" r:id="rId2"/>
@@ -23,6 +23,10 @@
     <p:sldId id="266" r:id="rId14"/>
     <p:sldId id="268" r:id="rId15"/>
     <p:sldId id="271" r:id="rId16"/>
+    <p:sldId id="314" r:id="rId17"/>
+    <p:sldId id="355" r:id="rId18"/>
+    <p:sldId id="356" r:id="rId19"/>
+    <p:sldId id="293" r:id="rId20"/>
   </p:sldIdLst>
   <p:sldSz cx="12192000" cy="6858000"/>
   <p:notesSz cx="6858000" cy="9144000"/>
@@ -126,7 +130,7 @@
       <p15:sldGuideLst xmlns:p15="http://schemas.microsoft.com/office/powerpoint/2012/main"/>
     </p:ext>
     <p:ext uri="{505F2C04-C923-438B-8C0F-E0CD2BADF298}">
-      <wppc:fontMiss xmlns:wppc="http://www.wps.cn/officeDocument/PresentationCustomData" xmlns="" type="true"/>
+      <wppc:fontMiss xmlns="" xmlns:wppc="http://www.wps.cn/officeDocument/PresentationCustomData" type="true"/>
     </p:ext>
   </p:extLst>
 </p:presentation>
@@ -214,7 +218,7 @@
           <a:p>
             <a:fld id="{D2A48B96-639E-45A3-A0BA-2464DFDB1FAA}" type="datetimeFigureOut">
               <a:rPr lang="zh-CN" altLang="en-US" smtClean="0"/>
-              <a:t>2020/2/16</a:t>
+              <a:t>2020/3/25</a:t>
             </a:fld>
             <a:endParaRPr lang="zh-CN" altLang="en-US"/>
           </a:p>
@@ -884,7 +888,7 @@
           <a:p>
             <a:fld id="{D997B5FA-0921-464F-AAE1-844C04324D75}" type="datetimeFigureOut">
               <a:rPr lang="zh-CN" altLang="en-US" smtClean="0"/>
-              <a:t>2020/2/16</a:t>
+              <a:t>2020/3/25</a:t>
             </a:fld>
             <a:endParaRPr lang="zh-CN" altLang="en-US"/>
           </a:p>
@@ -1047,7 +1051,7 @@
           <a:p>
             <a:fld id="{D997B5FA-0921-464F-AAE1-844C04324D75}" type="datetimeFigureOut">
               <a:rPr lang="zh-CN" altLang="en-US" smtClean="0"/>
-              <a:t>2020/2/16</a:t>
+              <a:t>2020/3/25</a:t>
             </a:fld>
             <a:endParaRPr lang="zh-CN" altLang="en-US"/>
           </a:p>
@@ -1220,7 +1224,7 @@
           <a:p>
             <a:fld id="{D997B5FA-0921-464F-AAE1-844C04324D75}" type="datetimeFigureOut">
               <a:rPr lang="zh-CN" altLang="en-US" smtClean="0"/>
-              <a:t>2020/2/16</a:t>
+              <a:t>2020/3/25</a:t>
             </a:fld>
             <a:endParaRPr lang="zh-CN" altLang="en-US"/>
           </a:p>
@@ -1383,7 +1387,7 @@
           <a:p>
             <a:fld id="{D997B5FA-0921-464F-AAE1-844C04324D75}" type="datetimeFigureOut">
               <a:rPr lang="zh-CN" altLang="en-US" smtClean="0"/>
-              <a:t>2020/2/16</a:t>
+              <a:t>2020/3/25</a:t>
             </a:fld>
             <a:endParaRPr lang="zh-CN" altLang="en-US"/>
           </a:p>
@@ -1623,7 +1627,7 @@
           <a:p>
             <a:fld id="{D997B5FA-0921-464F-AAE1-844C04324D75}" type="datetimeFigureOut">
               <a:rPr lang="zh-CN" altLang="en-US" smtClean="0"/>
-              <a:t>2020/2/16</a:t>
+              <a:t>2020/3/25</a:t>
             </a:fld>
             <a:endParaRPr lang="zh-CN" altLang="en-US"/>
           </a:p>
@@ -1847,7 +1851,7 @@
           <a:p>
             <a:fld id="{D997B5FA-0921-464F-AAE1-844C04324D75}" type="datetimeFigureOut">
               <a:rPr lang="zh-CN" altLang="en-US" smtClean="0"/>
-              <a:t>2020/2/16</a:t>
+              <a:t>2020/3/25</a:t>
             </a:fld>
             <a:endParaRPr lang="zh-CN" altLang="en-US"/>
           </a:p>
@@ -2206,7 +2210,7 @@
           <a:p>
             <a:fld id="{D997B5FA-0921-464F-AAE1-844C04324D75}" type="datetimeFigureOut">
               <a:rPr lang="zh-CN" altLang="en-US" smtClean="0"/>
-              <a:t>2020/2/16</a:t>
+              <a:t>2020/3/25</a:t>
             </a:fld>
             <a:endParaRPr lang="zh-CN" altLang="en-US"/>
           </a:p>
@@ -2318,7 +2322,7 @@
           <a:p>
             <a:fld id="{D997B5FA-0921-464F-AAE1-844C04324D75}" type="datetimeFigureOut">
               <a:rPr lang="zh-CN" altLang="en-US" smtClean="0"/>
-              <a:t>2020/2/16</a:t>
+              <a:t>2020/3/25</a:t>
             </a:fld>
             <a:endParaRPr lang="zh-CN" altLang="en-US"/>
           </a:p>
@@ -2408,7 +2412,7 @@
           <a:p>
             <a:fld id="{D997B5FA-0921-464F-AAE1-844C04324D75}" type="datetimeFigureOut">
               <a:rPr lang="zh-CN" altLang="en-US" smtClean="0"/>
-              <a:t>2020/2/16</a:t>
+              <a:t>2020/3/25</a:t>
             </a:fld>
             <a:endParaRPr lang="zh-CN" altLang="en-US"/>
           </a:p>
@@ -2678,7 +2682,7 @@
           <a:p>
             <a:fld id="{D997B5FA-0921-464F-AAE1-844C04324D75}" type="datetimeFigureOut">
               <a:rPr lang="zh-CN" altLang="en-US" smtClean="0"/>
-              <a:t>2020/2/16</a:t>
+              <a:t>2020/3/25</a:t>
             </a:fld>
             <a:endParaRPr lang="zh-CN" altLang="en-US"/>
           </a:p>
@@ -2925,7 +2929,7 @@
           <a:p>
             <a:fld id="{D997B5FA-0921-464F-AAE1-844C04324D75}" type="datetimeFigureOut">
               <a:rPr lang="zh-CN" altLang="en-US" smtClean="0"/>
-              <a:t>2020/2/16</a:t>
+              <a:t>2020/3/25</a:t>
             </a:fld>
             <a:endParaRPr lang="zh-CN" altLang="en-US"/>
           </a:p>
@@ -3131,7 +3135,7 @@
           <a:p>
             <a:fld id="{D997B5FA-0921-464F-AAE1-844C04324D75}" type="datetimeFigureOut">
               <a:rPr lang="zh-CN" altLang="en-US" smtClean="0"/>
-              <a:t>2020/2/16</a:t>
+              <a:t>2020/3/25</a:t>
             </a:fld>
             <a:endParaRPr lang="zh-CN" altLang="en-US"/>
           </a:p>
@@ -8807,6 +8811,9441 @@
     <p:bldLst>
       <p:bldP spid="2" grpId="0"/>
       <p:bldP spid="4" grpId="0"/>
+    </p:bldLst>
+  </p:timing>
+</p:sld>
+</file>
+
+<file path=ppt/slides/slide16.xml><?xml version="1.0" encoding="utf-8"?>
+<p:sld xmlns:a="http://schemas.openxmlformats.org/drawingml/2006/main" xmlns:r="http://schemas.openxmlformats.org/officeDocument/2006/relationships" xmlns:p="http://schemas.openxmlformats.org/presentationml/2006/main">
+  <p:cSld>
+    <p:spTree>
+      <p:nvGrpSpPr>
+        <p:cNvPr id="1" name=""/>
+        <p:cNvGrpSpPr/>
+        <p:nvPr/>
+      </p:nvGrpSpPr>
+      <p:grpSpPr>
+        <a:xfrm>
+          <a:off x="0" y="0"/>
+          <a:ext cx="0" cy="0"/>
+          <a:chOff x="0" y="0"/>
+          <a:chExt cx="0" cy="0"/>
+        </a:xfrm>
+      </p:grpSpPr>
+      <p:pic>
+        <p:nvPicPr>
+          <p:cNvPr id="23554" name="Picture 36">
+            <a:extLst>
+              <a:ext uri="{FF2B5EF4-FFF2-40B4-BE49-F238E27FC236}">
+                <a16:creationId xmlns:a16="http://schemas.microsoft.com/office/drawing/2014/main" id="{70E49523-AAAA-40BD-A90C-CD92C41B7210}"/>
+              </a:ext>
+            </a:extLst>
+          </p:cNvPr>
+          <p:cNvPicPr>
+            <a:picLocks noChangeAspect="1" noChangeArrowheads="1"/>
+          </p:cNvPicPr>
+          <p:nvPr/>
+        </p:nvPicPr>
+        <p:blipFill>
+          <a:blip r:embed="rId3">
+            <a:extLst>
+              <a:ext uri="{28A0092B-C50C-407E-A947-70E740481C1C}">
+                <a14:useLocalDpi xmlns:a14="http://schemas.microsoft.com/office/drawing/2010/main" val="0"/>
+              </a:ext>
+            </a:extLst>
+          </a:blip>
+          <a:srcRect/>
+          <a:stretch>
+            <a:fillRect/>
+          </a:stretch>
+        </p:blipFill>
+        <p:spPr bwMode="auto">
+          <a:xfrm>
+            <a:off x="1" y="836084"/>
+            <a:ext cx="11444817" cy="5376333"/>
+          </a:xfrm>
+          <a:prstGeom prst="rect">
+            <a:avLst/>
+          </a:prstGeom>
+          <a:noFill/>
+          <a:ln>
+            <a:noFill/>
+          </a:ln>
+          <a:extLst>
+            <a:ext uri="{909E8E84-426E-40DD-AFC4-6F175D3DCCD1}">
+              <a14:hiddenFill xmlns:a14="http://schemas.microsoft.com/office/drawing/2010/main">
+                <a:solidFill>
+                  <a:srgbClr val="FFFFFF"/>
+                </a:solidFill>
+              </a14:hiddenFill>
+            </a:ext>
+            <a:ext uri="{91240B29-F687-4F45-9708-019B960494DF}">
+              <a14:hiddenLine xmlns:a14="http://schemas.microsoft.com/office/drawing/2010/main" w="9525">
+                <a:solidFill>
+                  <a:srgbClr val="000000"/>
+                </a:solidFill>
+                <a:miter lim="800000"/>
+                <a:headEnd/>
+                <a:tailEnd/>
+              </a14:hiddenLine>
+            </a:ext>
+          </a:extLst>
+        </p:spPr>
+      </p:pic>
+      <p:sp>
+        <p:nvSpPr>
+          <p:cNvPr id="4" name="Rectangle 2">
+            <a:extLst>
+              <a:ext uri="{FF2B5EF4-FFF2-40B4-BE49-F238E27FC236}">
+                <a16:creationId xmlns:a16="http://schemas.microsoft.com/office/drawing/2014/main" id="{54A7ABB4-CB44-4835-BB28-27F84A7CB929}"/>
+              </a:ext>
+            </a:extLst>
+          </p:cNvPr>
+          <p:cNvSpPr>
+            <a:spLocks noChangeArrowheads="1"/>
+          </p:cNvSpPr>
+          <p:nvPr/>
+        </p:nvSpPr>
+        <p:spPr bwMode="auto">
+          <a:xfrm>
+            <a:off x="11472334" y="2592917"/>
+            <a:ext cx="531284" cy="4265083"/>
+          </a:xfrm>
+          <a:prstGeom prst="rect">
+            <a:avLst/>
+          </a:prstGeom>
+          <a:gradFill rotWithShape="1">
+            <a:gsLst>
+              <a:gs pos="0">
+                <a:srgbClr val="3366FF"/>
+              </a:gs>
+              <a:gs pos="25000">
+                <a:srgbClr val="01A78F"/>
+              </a:gs>
+              <a:gs pos="50000">
+                <a:srgbClr val="FFFF00"/>
+              </a:gs>
+              <a:gs pos="75000">
+                <a:srgbClr val="FF6633"/>
+              </a:gs>
+              <a:gs pos="100000">
+                <a:srgbClr val="FF3399"/>
+              </a:gs>
+            </a:gsLst>
+            <a:lin ang="5400000" scaled="1"/>
+          </a:gradFill>
+          <a:ln>
+            <a:noFill/>
+          </a:ln>
+          <a:extLst>
+            <a:ext uri="{91240B29-F687-4F45-9708-019B960494DF}">
+              <a14:hiddenLine xmlns:a14="http://schemas.microsoft.com/office/drawing/2010/main" w="9525">
+                <a:solidFill>
+                  <a:srgbClr val="000000"/>
+                </a:solidFill>
+                <a:miter lim="800000"/>
+                <a:headEnd/>
+                <a:tailEnd/>
+              </a14:hiddenLine>
+            </a:ext>
+          </a:extLst>
+        </p:spPr>
+        <p:txBody>
+          <a:bodyPr wrap="none" lIns="91440" tIns="45720" rIns="91440" bIns="45720" anchor="ctr"/>
+          <a:lstStyle>
+            <a:lvl1pPr>
+              <a:spcBef>
+                <a:spcPct val="20000"/>
+              </a:spcBef>
+              <a:buFont typeface="Arial" panose="020B0604020202020204" pitchFamily="34" charset="0"/>
+              <a:buChar char="•"/>
+              <a:defRPr sz="3200">
+                <a:solidFill>
+                  <a:schemeClr val="tx1"/>
+                </a:solidFill>
+                <a:latin typeface="Calibri" panose="020F0502020204030204" pitchFamily="34" charset="0"/>
+                <a:ea typeface="宋体" panose="02010600030101010101" pitchFamily="2" charset="-122"/>
+              </a:defRPr>
+            </a:lvl1pPr>
+            <a:lvl2pPr marL="742950" indent="-285750">
+              <a:spcBef>
+                <a:spcPct val="20000"/>
+              </a:spcBef>
+              <a:buFont typeface="Arial" panose="020B0604020202020204" pitchFamily="34" charset="0"/>
+              <a:buChar char="–"/>
+              <a:defRPr sz="2800">
+                <a:solidFill>
+                  <a:schemeClr val="tx1"/>
+                </a:solidFill>
+                <a:latin typeface="Calibri" panose="020F0502020204030204" pitchFamily="34" charset="0"/>
+                <a:ea typeface="宋体" panose="02010600030101010101" pitchFamily="2" charset="-122"/>
+              </a:defRPr>
+            </a:lvl2pPr>
+            <a:lvl3pPr marL="1143000" indent="-228600">
+              <a:spcBef>
+                <a:spcPct val="20000"/>
+              </a:spcBef>
+              <a:buFont typeface="Arial" panose="020B0604020202020204" pitchFamily="34" charset="0"/>
+              <a:buChar char="•"/>
+              <a:defRPr sz="2400">
+                <a:solidFill>
+                  <a:schemeClr val="tx1"/>
+                </a:solidFill>
+                <a:latin typeface="Calibri" panose="020F0502020204030204" pitchFamily="34" charset="0"/>
+                <a:ea typeface="宋体" panose="02010600030101010101" pitchFamily="2" charset="-122"/>
+              </a:defRPr>
+            </a:lvl3pPr>
+            <a:lvl4pPr marL="1600200" indent="-228600">
+              <a:spcBef>
+                <a:spcPct val="20000"/>
+              </a:spcBef>
+              <a:buFont typeface="Arial" panose="020B0604020202020204" pitchFamily="34" charset="0"/>
+              <a:buChar char="–"/>
+              <a:defRPr sz="2000">
+                <a:solidFill>
+                  <a:schemeClr val="tx1"/>
+                </a:solidFill>
+                <a:latin typeface="Calibri" panose="020F0502020204030204" pitchFamily="34" charset="0"/>
+                <a:ea typeface="宋体" panose="02010600030101010101" pitchFamily="2" charset="-122"/>
+              </a:defRPr>
+            </a:lvl4pPr>
+            <a:lvl5pPr marL="2057400" indent="-228600">
+              <a:spcBef>
+                <a:spcPct val="20000"/>
+              </a:spcBef>
+              <a:buFont typeface="Arial" panose="020B0604020202020204" pitchFamily="34" charset="0"/>
+              <a:buChar char="»"/>
+              <a:defRPr sz="2000">
+                <a:solidFill>
+                  <a:schemeClr val="tx1"/>
+                </a:solidFill>
+                <a:latin typeface="Calibri" panose="020F0502020204030204" pitchFamily="34" charset="0"/>
+                <a:ea typeface="宋体" panose="02010600030101010101" pitchFamily="2" charset="-122"/>
+              </a:defRPr>
+            </a:lvl5pPr>
+            <a:lvl6pPr marL="2514600" indent="-228600" eaLnBrk="0" fontAlgn="base" hangingPunct="0">
+              <a:spcBef>
+                <a:spcPct val="20000"/>
+              </a:spcBef>
+              <a:spcAft>
+                <a:spcPct val="0"/>
+              </a:spcAft>
+              <a:buFont typeface="Arial" panose="020B0604020202020204" pitchFamily="34" charset="0"/>
+              <a:buChar char="»"/>
+              <a:defRPr sz="2000">
+                <a:solidFill>
+                  <a:schemeClr val="tx1"/>
+                </a:solidFill>
+                <a:latin typeface="Calibri" panose="020F0502020204030204" pitchFamily="34" charset="0"/>
+                <a:ea typeface="宋体" panose="02010600030101010101" pitchFamily="2" charset="-122"/>
+              </a:defRPr>
+            </a:lvl6pPr>
+            <a:lvl7pPr marL="2971800" indent="-228600" eaLnBrk="0" fontAlgn="base" hangingPunct="0">
+              <a:spcBef>
+                <a:spcPct val="20000"/>
+              </a:spcBef>
+              <a:spcAft>
+                <a:spcPct val="0"/>
+              </a:spcAft>
+              <a:buFont typeface="Arial" panose="020B0604020202020204" pitchFamily="34" charset="0"/>
+              <a:buChar char="»"/>
+              <a:defRPr sz="2000">
+                <a:solidFill>
+                  <a:schemeClr val="tx1"/>
+                </a:solidFill>
+                <a:latin typeface="Calibri" panose="020F0502020204030204" pitchFamily="34" charset="0"/>
+                <a:ea typeface="宋体" panose="02010600030101010101" pitchFamily="2" charset="-122"/>
+              </a:defRPr>
+            </a:lvl7pPr>
+            <a:lvl8pPr marL="3429000" indent="-228600" eaLnBrk="0" fontAlgn="base" hangingPunct="0">
+              <a:spcBef>
+                <a:spcPct val="20000"/>
+              </a:spcBef>
+              <a:spcAft>
+                <a:spcPct val="0"/>
+              </a:spcAft>
+              <a:buFont typeface="Arial" panose="020B0604020202020204" pitchFamily="34" charset="0"/>
+              <a:buChar char="»"/>
+              <a:defRPr sz="2000">
+                <a:solidFill>
+                  <a:schemeClr val="tx1"/>
+                </a:solidFill>
+                <a:latin typeface="Calibri" panose="020F0502020204030204" pitchFamily="34" charset="0"/>
+                <a:ea typeface="宋体" panose="02010600030101010101" pitchFamily="2" charset="-122"/>
+              </a:defRPr>
+            </a:lvl8pPr>
+            <a:lvl9pPr marL="3886200" indent="-228600" eaLnBrk="0" fontAlgn="base" hangingPunct="0">
+              <a:spcBef>
+                <a:spcPct val="20000"/>
+              </a:spcBef>
+              <a:spcAft>
+                <a:spcPct val="0"/>
+              </a:spcAft>
+              <a:buFont typeface="Arial" panose="020B0604020202020204" pitchFamily="34" charset="0"/>
+              <a:buChar char="»"/>
+              <a:defRPr sz="2000">
+                <a:solidFill>
+                  <a:schemeClr val="tx1"/>
+                </a:solidFill>
+                <a:latin typeface="Calibri" panose="020F0502020204030204" pitchFamily="34" charset="0"/>
+                <a:ea typeface="宋体" panose="02010600030101010101" pitchFamily="2" charset="-122"/>
+              </a:defRPr>
+            </a:lvl9pPr>
+          </a:lstStyle>
+          <a:p>
+            <a:pPr eaLnBrk="1" hangingPunct="1">
+              <a:spcBef>
+                <a:spcPct val="0"/>
+              </a:spcBef>
+              <a:buFontTx/>
+              <a:buNone/>
+            </a:pPr>
+            <a:endParaRPr lang="zh-CN" altLang="en-US" sz="2400">
+              <a:latin typeface="Arial" panose="020B0604020202020204" pitchFamily="34" charset="0"/>
+            </a:endParaRPr>
+          </a:p>
+        </p:txBody>
+      </p:sp>
+      <p:grpSp>
+        <p:nvGrpSpPr>
+          <p:cNvPr id="23556" name="Group 3">
+            <a:extLst>
+              <a:ext uri="{FF2B5EF4-FFF2-40B4-BE49-F238E27FC236}">
+                <a16:creationId xmlns:a16="http://schemas.microsoft.com/office/drawing/2014/main" id="{1EE754EF-DD42-4A00-A9DD-AA28A53611D8}"/>
+              </a:ext>
+            </a:extLst>
+          </p:cNvPr>
+          <p:cNvGrpSpPr>
+            <a:grpSpLocks/>
+          </p:cNvGrpSpPr>
+          <p:nvPr/>
+        </p:nvGrpSpPr>
+        <p:grpSpPr bwMode="auto">
+          <a:xfrm>
+            <a:off x="11472335" y="112184"/>
+            <a:ext cx="572508" cy="6745816"/>
+            <a:chOff x="3750" y="617"/>
+            <a:chExt cx="355" cy="3584"/>
+          </a:xfrm>
+        </p:grpSpPr>
+        <p:sp>
+          <p:nvSpPr>
+            <p:cNvPr id="23558" name="Text Box 4">
+              <a:extLst>
+                <a:ext uri="{FF2B5EF4-FFF2-40B4-BE49-F238E27FC236}">
+                  <a16:creationId xmlns:a16="http://schemas.microsoft.com/office/drawing/2014/main" id="{37F5574B-55F2-438B-B4A1-A6ABE77A3DED}"/>
+                </a:ext>
+              </a:extLst>
+            </p:cNvPr>
+            <p:cNvSpPr txBox="1">
+              <a:spLocks noChangeArrowheads="1"/>
+            </p:cNvSpPr>
+            <p:nvPr/>
+          </p:nvSpPr>
+          <p:spPr bwMode="auto">
+            <a:xfrm>
+              <a:off x="3804" y="672"/>
+              <a:ext cx="55" cy="11"/>
+            </a:xfrm>
+            <a:prstGeom prst="rect">
+              <a:avLst/>
+            </a:prstGeom>
+            <a:noFill/>
+            <a:ln>
+              <a:noFill/>
+            </a:ln>
+            <a:extLst>
+              <a:ext uri="{909E8E84-426E-40DD-AFC4-6F175D3DCCD1}">
+                <a14:hiddenFill xmlns:a14="http://schemas.microsoft.com/office/drawing/2010/main">
+                  <a:solidFill>
+                    <a:srgbClr val="FFFFFF"/>
+                  </a:solidFill>
+                </a14:hiddenFill>
+              </a:ext>
+              <a:ext uri="{91240B29-F687-4F45-9708-019B960494DF}">
+                <a14:hiddenLine xmlns:a14="http://schemas.microsoft.com/office/drawing/2010/main" w="9525">
+                  <a:solidFill>
+                    <a:srgbClr val="000000"/>
+                  </a:solidFill>
+                  <a:miter lim="800000"/>
+                  <a:headEnd/>
+                  <a:tailEnd/>
+                </a14:hiddenLine>
+              </a:ext>
+            </a:extLst>
+          </p:spPr>
+          <p:txBody>
+            <a:bodyPr wrap="none" lIns="0" tIns="0" rIns="0" bIns="0">
+              <a:spAutoFit/>
+            </a:bodyPr>
+            <a:lstStyle>
+              <a:lvl1pPr>
+                <a:spcBef>
+                  <a:spcPct val="20000"/>
+                </a:spcBef>
+                <a:buFont typeface="Arial" panose="020B0604020202020204" pitchFamily="34" charset="0"/>
+                <a:buChar char="•"/>
+                <a:defRPr sz="3200">
+                  <a:solidFill>
+                    <a:schemeClr val="tx1"/>
+                  </a:solidFill>
+                  <a:latin typeface="Calibri" panose="020F0502020204030204" pitchFamily="34" charset="0"/>
+                  <a:ea typeface="宋体" panose="02010600030101010101" pitchFamily="2" charset="-122"/>
+                </a:defRPr>
+              </a:lvl1pPr>
+              <a:lvl2pPr marL="742950" indent="-285750">
+                <a:spcBef>
+                  <a:spcPct val="20000"/>
+                </a:spcBef>
+                <a:buFont typeface="Arial" panose="020B0604020202020204" pitchFamily="34" charset="0"/>
+                <a:buChar char="–"/>
+                <a:defRPr sz="2800">
+                  <a:solidFill>
+                    <a:schemeClr val="tx1"/>
+                  </a:solidFill>
+                  <a:latin typeface="Calibri" panose="020F0502020204030204" pitchFamily="34" charset="0"/>
+                  <a:ea typeface="宋体" panose="02010600030101010101" pitchFamily="2" charset="-122"/>
+                </a:defRPr>
+              </a:lvl2pPr>
+              <a:lvl3pPr marL="1143000" indent="-228600">
+                <a:spcBef>
+                  <a:spcPct val="20000"/>
+                </a:spcBef>
+                <a:buFont typeface="Arial" panose="020B0604020202020204" pitchFamily="34" charset="0"/>
+                <a:buChar char="•"/>
+                <a:defRPr sz="2400">
+                  <a:solidFill>
+                    <a:schemeClr val="tx1"/>
+                  </a:solidFill>
+                  <a:latin typeface="Calibri" panose="020F0502020204030204" pitchFamily="34" charset="0"/>
+                  <a:ea typeface="宋体" panose="02010600030101010101" pitchFamily="2" charset="-122"/>
+                </a:defRPr>
+              </a:lvl3pPr>
+              <a:lvl4pPr marL="1600200" indent="-228600">
+                <a:spcBef>
+                  <a:spcPct val="20000"/>
+                </a:spcBef>
+                <a:buFont typeface="Arial" panose="020B0604020202020204" pitchFamily="34" charset="0"/>
+                <a:buChar char="–"/>
+                <a:defRPr sz="2000">
+                  <a:solidFill>
+                    <a:schemeClr val="tx1"/>
+                  </a:solidFill>
+                  <a:latin typeface="Calibri" panose="020F0502020204030204" pitchFamily="34" charset="0"/>
+                  <a:ea typeface="宋体" panose="02010600030101010101" pitchFamily="2" charset="-122"/>
+                </a:defRPr>
+              </a:lvl4pPr>
+              <a:lvl5pPr marL="2057400" indent="-228600">
+                <a:spcBef>
+                  <a:spcPct val="20000"/>
+                </a:spcBef>
+                <a:buFont typeface="Arial" panose="020B0604020202020204" pitchFamily="34" charset="0"/>
+                <a:buChar char="»"/>
+                <a:defRPr sz="2000">
+                  <a:solidFill>
+                    <a:schemeClr val="tx1"/>
+                  </a:solidFill>
+                  <a:latin typeface="Calibri" panose="020F0502020204030204" pitchFamily="34" charset="0"/>
+                  <a:ea typeface="宋体" panose="02010600030101010101" pitchFamily="2" charset="-122"/>
+                </a:defRPr>
+              </a:lvl5pPr>
+              <a:lvl6pPr marL="2514600" indent="-228600" eaLnBrk="0" fontAlgn="base" hangingPunct="0">
+                <a:spcBef>
+                  <a:spcPct val="20000"/>
+                </a:spcBef>
+                <a:spcAft>
+                  <a:spcPct val="0"/>
+                </a:spcAft>
+                <a:buFont typeface="Arial" panose="020B0604020202020204" pitchFamily="34" charset="0"/>
+                <a:buChar char="»"/>
+                <a:defRPr sz="2000">
+                  <a:solidFill>
+                    <a:schemeClr val="tx1"/>
+                  </a:solidFill>
+                  <a:latin typeface="Calibri" panose="020F0502020204030204" pitchFamily="34" charset="0"/>
+                  <a:ea typeface="宋体" panose="02010600030101010101" pitchFamily="2" charset="-122"/>
+                </a:defRPr>
+              </a:lvl6pPr>
+              <a:lvl7pPr marL="2971800" indent="-228600" eaLnBrk="0" fontAlgn="base" hangingPunct="0">
+                <a:spcBef>
+                  <a:spcPct val="20000"/>
+                </a:spcBef>
+                <a:spcAft>
+                  <a:spcPct val="0"/>
+                </a:spcAft>
+                <a:buFont typeface="Arial" panose="020B0604020202020204" pitchFamily="34" charset="0"/>
+                <a:buChar char="»"/>
+                <a:defRPr sz="2000">
+                  <a:solidFill>
+                    <a:schemeClr val="tx1"/>
+                  </a:solidFill>
+                  <a:latin typeface="Calibri" panose="020F0502020204030204" pitchFamily="34" charset="0"/>
+                  <a:ea typeface="宋体" panose="02010600030101010101" pitchFamily="2" charset="-122"/>
+                </a:defRPr>
+              </a:lvl7pPr>
+              <a:lvl8pPr marL="3429000" indent="-228600" eaLnBrk="0" fontAlgn="base" hangingPunct="0">
+                <a:spcBef>
+                  <a:spcPct val="20000"/>
+                </a:spcBef>
+                <a:spcAft>
+                  <a:spcPct val="0"/>
+                </a:spcAft>
+                <a:buFont typeface="Arial" panose="020B0604020202020204" pitchFamily="34" charset="0"/>
+                <a:buChar char="»"/>
+                <a:defRPr sz="2000">
+                  <a:solidFill>
+                    <a:schemeClr val="tx1"/>
+                  </a:solidFill>
+                  <a:latin typeface="Calibri" panose="020F0502020204030204" pitchFamily="34" charset="0"/>
+                  <a:ea typeface="宋体" panose="02010600030101010101" pitchFamily="2" charset="-122"/>
+                </a:defRPr>
+              </a:lvl8pPr>
+              <a:lvl9pPr marL="3886200" indent="-228600" eaLnBrk="0" fontAlgn="base" hangingPunct="0">
+                <a:spcBef>
+                  <a:spcPct val="20000"/>
+                </a:spcBef>
+                <a:spcAft>
+                  <a:spcPct val="0"/>
+                </a:spcAft>
+                <a:buFont typeface="Arial" panose="020B0604020202020204" pitchFamily="34" charset="0"/>
+                <a:buChar char="»"/>
+                <a:defRPr sz="2000">
+                  <a:solidFill>
+                    <a:schemeClr val="tx1"/>
+                  </a:solidFill>
+                  <a:latin typeface="Calibri" panose="020F0502020204030204" pitchFamily="34" charset="0"/>
+                  <a:ea typeface="宋体" panose="02010600030101010101" pitchFamily="2" charset="-122"/>
+                </a:defRPr>
+              </a:lvl9pPr>
+            </a:lstStyle>
+            <a:p>
+              <a:pPr eaLnBrk="1" hangingPunct="1">
+                <a:spcBef>
+                  <a:spcPct val="0"/>
+                </a:spcBef>
+                <a:buFontTx/>
+                <a:buNone/>
+              </a:pPr>
+              <a:r>
+                <a:rPr lang="zh-CN" altLang="en-US" sz="133" i="1">
+                  <a:solidFill>
+                    <a:schemeClr val="bg1"/>
+                  </a:solidFill>
+                  <a:latin typeface="Arial" panose="020B0604020202020204" pitchFamily="34" charset="0"/>
+                  <a:ea typeface="黑体" panose="02010609060101010101" pitchFamily="49" charset="-122"/>
+                </a:rPr>
+                <a:t>陈禾谷原创</a:t>
+              </a:r>
+            </a:p>
+          </p:txBody>
+        </p:sp>
+        <p:sp>
+          <p:nvSpPr>
+            <p:cNvPr id="23559" name="Rectangle 5">
+              <a:extLst>
+                <a:ext uri="{FF2B5EF4-FFF2-40B4-BE49-F238E27FC236}">
+                  <a16:creationId xmlns:a16="http://schemas.microsoft.com/office/drawing/2014/main" id="{C1F67C27-3C9A-4BA7-A9CD-0BACDB19D042}"/>
+                </a:ext>
+              </a:extLst>
+            </p:cNvPr>
+            <p:cNvSpPr>
+              <a:spLocks noChangeArrowheads="1"/>
+            </p:cNvSpPr>
+            <p:nvPr/>
+          </p:nvSpPr>
+          <p:spPr bwMode="auto">
+            <a:xfrm>
+              <a:off x="3750" y="617"/>
+              <a:ext cx="355" cy="3583"/>
+            </a:xfrm>
+            <a:prstGeom prst="rect">
+              <a:avLst/>
+            </a:prstGeom>
+            <a:noFill/>
+            <a:ln w="28575">
+              <a:solidFill>
+                <a:schemeClr val="tx1"/>
+              </a:solidFill>
+              <a:miter lim="800000"/>
+              <a:headEnd/>
+              <a:tailEnd/>
+            </a:ln>
+            <a:extLst>
+              <a:ext uri="{909E8E84-426E-40DD-AFC4-6F175D3DCCD1}">
+                <a14:hiddenFill xmlns:a14="http://schemas.microsoft.com/office/drawing/2010/main">
+                  <a:solidFill>
+                    <a:srgbClr val="FFFFFF"/>
+                  </a:solidFill>
+                </a14:hiddenFill>
+              </a:ext>
+            </a:extLst>
+          </p:spPr>
+          <p:txBody>
+            <a:bodyPr wrap="none" anchor="ctr"/>
+            <a:lstStyle>
+              <a:lvl1pPr>
+                <a:spcBef>
+                  <a:spcPct val="20000"/>
+                </a:spcBef>
+                <a:buFont typeface="Arial" panose="020B0604020202020204" pitchFamily="34" charset="0"/>
+                <a:buChar char="•"/>
+                <a:defRPr sz="3200">
+                  <a:solidFill>
+                    <a:schemeClr val="tx1"/>
+                  </a:solidFill>
+                  <a:latin typeface="Calibri" panose="020F0502020204030204" pitchFamily="34" charset="0"/>
+                  <a:ea typeface="宋体" panose="02010600030101010101" pitchFamily="2" charset="-122"/>
+                </a:defRPr>
+              </a:lvl1pPr>
+              <a:lvl2pPr marL="742950" indent="-285750">
+                <a:spcBef>
+                  <a:spcPct val="20000"/>
+                </a:spcBef>
+                <a:buFont typeface="Arial" panose="020B0604020202020204" pitchFamily="34" charset="0"/>
+                <a:buChar char="–"/>
+                <a:defRPr sz="2800">
+                  <a:solidFill>
+                    <a:schemeClr val="tx1"/>
+                  </a:solidFill>
+                  <a:latin typeface="Calibri" panose="020F0502020204030204" pitchFamily="34" charset="0"/>
+                  <a:ea typeface="宋体" panose="02010600030101010101" pitchFamily="2" charset="-122"/>
+                </a:defRPr>
+              </a:lvl2pPr>
+              <a:lvl3pPr marL="1143000" indent="-228600">
+                <a:spcBef>
+                  <a:spcPct val="20000"/>
+                </a:spcBef>
+                <a:buFont typeface="Arial" panose="020B0604020202020204" pitchFamily="34" charset="0"/>
+                <a:buChar char="•"/>
+                <a:defRPr sz="2400">
+                  <a:solidFill>
+                    <a:schemeClr val="tx1"/>
+                  </a:solidFill>
+                  <a:latin typeface="Calibri" panose="020F0502020204030204" pitchFamily="34" charset="0"/>
+                  <a:ea typeface="宋体" panose="02010600030101010101" pitchFamily="2" charset="-122"/>
+                </a:defRPr>
+              </a:lvl3pPr>
+              <a:lvl4pPr marL="1600200" indent="-228600">
+                <a:spcBef>
+                  <a:spcPct val="20000"/>
+                </a:spcBef>
+                <a:buFont typeface="Arial" panose="020B0604020202020204" pitchFamily="34" charset="0"/>
+                <a:buChar char="–"/>
+                <a:defRPr sz="2000">
+                  <a:solidFill>
+                    <a:schemeClr val="tx1"/>
+                  </a:solidFill>
+                  <a:latin typeface="Calibri" panose="020F0502020204030204" pitchFamily="34" charset="0"/>
+                  <a:ea typeface="宋体" panose="02010600030101010101" pitchFamily="2" charset="-122"/>
+                </a:defRPr>
+              </a:lvl4pPr>
+              <a:lvl5pPr marL="2057400" indent="-228600">
+                <a:spcBef>
+                  <a:spcPct val="20000"/>
+                </a:spcBef>
+                <a:buFont typeface="Arial" panose="020B0604020202020204" pitchFamily="34" charset="0"/>
+                <a:buChar char="»"/>
+                <a:defRPr sz="2000">
+                  <a:solidFill>
+                    <a:schemeClr val="tx1"/>
+                  </a:solidFill>
+                  <a:latin typeface="Calibri" panose="020F0502020204030204" pitchFamily="34" charset="0"/>
+                  <a:ea typeface="宋体" panose="02010600030101010101" pitchFamily="2" charset="-122"/>
+                </a:defRPr>
+              </a:lvl5pPr>
+              <a:lvl6pPr marL="2514600" indent="-228600" eaLnBrk="0" fontAlgn="base" hangingPunct="0">
+                <a:spcBef>
+                  <a:spcPct val="20000"/>
+                </a:spcBef>
+                <a:spcAft>
+                  <a:spcPct val="0"/>
+                </a:spcAft>
+                <a:buFont typeface="Arial" panose="020B0604020202020204" pitchFamily="34" charset="0"/>
+                <a:buChar char="»"/>
+                <a:defRPr sz="2000">
+                  <a:solidFill>
+                    <a:schemeClr val="tx1"/>
+                  </a:solidFill>
+                  <a:latin typeface="Calibri" panose="020F0502020204030204" pitchFamily="34" charset="0"/>
+                  <a:ea typeface="宋体" panose="02010600030101010101" pitchFamily="2" charset="-122"/>
+                </a:defRPr>
+              </a:lvl6pPr>
+              <a:lvl7pPr marL="2971800" indent="-228600" eaLnBrk="0" fontAlgn="base" hangingPunct="0">
+                <a:spcBef>
+                  <a:spcPct val="20000"/>
+                </a:spcBef>
+                <a:spcAft>
+                  <a:spcPct val="0"/>
+                </a:spcAft>
+                <a:buFont typeface="Arial" panose="020B0604020202020204" pitchFamily="34" charset="0"/>
+                <a:buChar char="»"/>
+                <a:defRPr sz="2000">
+                  <a:solidFill>
+                    <a:schemeClr val="tx1"/>
+                  </a:solidFill>
+                  <a:latin typeface="Calibri" panose="020F0502020204030204" pitchFamily="34" charset="0"/>
+                  <a:ea typeface="宋体" panose="02010600030101010101" pitchFamily="2" charset="-122"/>
+                </a:defRPr>
+              </a:lvl7pPr>
+              <a:lvl8pPr marL="3429000" indent="-228600" eaLnBrk="0" fontAlgn="base" hangingPunct="0">
+                <a:spcBef>
+                  <a:spcPct val="20000"/>
+                </a:spcBef>
+                <a:spcAft>
+                  <a:spcPct val="0"/>
+                </a:spcAft>
+                <a:buFont typeface="Arial" panose="020B0604020202020204" pitchFamily="34" charset="0"/>
+                <a:buChar char="»"/>
+                <a:defRPr sz="2000">
+                  <a:solidFill>
+                    <a:schemeClr val="tx1"/>
+                  </a:solidFill>
+                  <a:latin typeface="Calibri" panose="020F0502020204030204" pitchFamily="34" charset="0"/>
+                  <a:ea typeface="宋体" panose="02010600030101010101" pitchFamily="2" charset="-122"/>
+                </a:defRPr>
+              </a:lvl8pPr>
+              <a:lvl9pPr marL="3886200" indent="-228600" eaLnBrk="0" fontAlgn="base" hangingPunct="0">
+                <a:spcBef>
+                  <a:spcPct val="20000"/>
+                </a:spcBef>
+                <a:spcAft>
+                  <a:spcPct val="0"/>
+                </a:spcAft>
+                <a:buFont typeface="Arial" panose="020B0604020202020204" pitchFamily="34" charset="0"/>
+                <a:buChar char="»"/>
+                <a:defRPr sz="2000">
+                  <a:solidFill>
+                    <a:schemeClr val="tx1"/>
+                  </a:solidFill>
+                  <a:latin typeface="Calibri" panose="020F0502020204030204" pitchFamily="34" charset="0"/>
+                  <a:ea typeface="宋体" panose="02010600030101010101" pitchFamily="2" charset="-122"/>
+                </a:defRPr>
+              </a:lvl9pPr>
+            </a:lstStyle>
+            <a:p>
+              <a:pPr eaLnBrk="1" hangingPunct="1">
+                <a:spcBef>
+                  <a:spcPct val="0"/>
+                </a:spcBef>
+                <a:buFontTx/>
+                <a:buNone/>
+              </a:pPr>
+              <a:endParaRPr lang="zh-CN" altLang="en-US" sz="2400">
+                <a:latin typeface="Arial" panose="020B0604020202020204" pitchFamily="34" charset="0"/>
+              </a:endParaRPr>
+            </a:p>
+          </p:txBody>
+        </p:sp>
+        <p:grpSp>
+          <p:nvGrpSpPr>
+            <p:cNvPr id="23560" name="Group 6">
+              <a:extLst>
+                <a:ext uri="{FF2B5EF4-FFF2-40B4-BE49-F238E27FC236}">
+                  <a16:creationId xmlns:a16="http://schemas.microsoft.com/office/drawing/2014/main" id="{8AA9612A-792A-4C8C-A878-26F72C9649DD}"/>
+                </a:ext>
+              </a:extLst>
+            </p:cNvPr>
+            <p:cNvGrpSpPr>
+              <a:grpSpLocks/>
+            </p:cNvGrpSpPr>
+            <p:nvPr/>
+          </p:nvGrpSpPr>
+          <p:grpSpPr bwMode="auto">
+            <a:xfrm>
+              <a:off x="3750" y="1479"/>
+              <a:ext cx="113" cy="2722"/>
+              <a:chOff x="2290" y="1071"/>
+              <a:chExt cx="182" cy="2722"/>
+            </a:xfrm>
+          </p:grpSpPr>
+          <p:sp>
+            <p:nvSpPr>
+              <p:cNvPr id="23575" name="Line 7">
+                <a:extLst>
+                  <a:ext uri="{FF2B5EF4-FFF2-40B4-BE49-F238E27FC236}">
+                    <a16:creationId xmlns:a16="http://schemas.microsoft.com/office/drawing/2014/main" id="{B4D098A3-2581-40AE-8852-A2C37AF428E8}"/>
+                  </a:ext>
+                </a:extLst>
+              </p:cNvPr>
+              <p:cNvSpPr>
+                <a:spLocks noChangeShapeType="1"/>
+              </p:cNvSpPr>
+              <p:nvPr/>
+            </p:nvSpPr>
+            <p:spPr bwMode="auto">
+              <a:xfrm>
+                <a:off x="2290" y="3566"/>
+                <a:ext cx="182" cy="0"/>
+              </a:xfrm>
+              <a:prstGeom prst="line">
+                <a:avLst/>
+              </a:prstGeom>
+              <a:noFill/>
+              <a:ln w="9525">
+                <a:solidFill>
+                  <a:schemeClr val="tx1"/>
+                </a:solidFill>
+                <a:round/>
+                <a:headEnd/>
+                <a:tailEnd/>
+              </a:ln>
+              <a:extLst>
+                <a:ext uri="{909E8E84-426E-40DD-AFC4-6F175D3DCCD1}">
+                  <a14:hiddenFill xmlns:a14="http://schemas.microsoft.com/office/drawing/2010/main">
+                    <a:noFill/>
+                  </a14:hiddenFill>
+                </a:ext>
+              </a:extLst>
+            </p:spPr>
+            <p:txBody>
+              <a:bodyPr/>
+              <a:lstStyle/>
+              <a:p>
+                <a:endParaRPr lang="zh-CN" altLang="en-US" sz="2400"/>
+              </a:p>
+            </p:txBody>
+          </p:sp>
+          <p:sp>
+            <p:nvSpPr>
+              <p:cNvPr id="23576" name="Line 8">
+                <a:extLst>
+                  <a:ext uri="{FF2B5EF4-FFF2-40B4-BE49-F238E27FC236}">
+                    <a16:creationId xmlns:a16="http://schemas.microsoft.com/office/drawing/2014/main" id="{7E3E0862-FD67-4833-8507-BFF59CB83E48}"/>
+                  </a:ext>
+                </a:extLst>
+              </p:cNvPr>
+              <p:cNvSpPr>
+                <a:spLocks noChangeShapeType="1"/>
+              </p:cNvSpPr>
+              <p:nvPr/>
+            </p:nvSpPr>
+            <p:spPr bwMode="auto">
+              <a:xfrm>
+                <a:off x="2290" y="3793"/>
+                <a:ext cx="182" cy="0"/>
+              </a:xfrm>
+              <a:prstGeom prst="line">
+                <a:avLst/>
+              </a:prstGeom>
+              <a:noFill/>
+              <a:ln w="9525">
+                <a:solidFill>
+                  <a:schemeClr val="tx1"/>
+                </a:solidFill>
+                <a:round/>
+                <a:headEnd/>
+                <a:tailEnd/>
+              </a:ln>
+              <a:extLst>
+                <a:ext uri="{909E8E84-426E-40DD-AFC4-6F175D3DCCD1}">
+                  <a14:hiddenFill xmlns:a14="http://schemas.microsoft.com/office/drawing/2010/main">
+                    <a:noFill/>
+                  </a14:hiddenFill>
+                </a:ext>
+              </a:extLst>
+            </p:spPr>
+            <p:txBody>
+              <a:bodyPr/>
+              <a:lstStyle/>
+              <a:p>
+                <a:endParaRPr lang="zh-CN" altLang="en-US" sz="2400"/>
+              </a:p>
+            </p:txBody>
+          </p:sp>
+          <p:sp>
+            <p:nvSpPr>
+              <p:cNvPr id="23577" name="Line 9">
+                <a:extLst>
+                  <a:ext uri="{FF2B5EF4-FFF2-40B4-BE49-F238E27FC236}">
+                    <a16:creationId xmlns:a16="http://schemas.microsoft.com/office/drawing/2014/main" id="{BB05CE16-19A1-47B0-8542-4A520CA0FFC7}"/>
+                  </a:ext>
+                </a:extLst>
+              </p:cNvPr>
+              <p:cNvSpPr>
+                <a:spLocks noChangeShapeType="1"/>
+              </p:cNvSpPr>
+              <p:nvPr/>
+            </p:nvSpPr>
+            <p:spPr bwMode="auto">
+              <a:xfrm>
+                <a:off x="2290" y="3339"/>
+                <a:ext cx="182" cy="0"/>
+              </a:xfrm>
+              <a:prstGeom prst="line">
+                <a:avLst/>
+              </a:prstGeom>
+              <a:noFill/>
+              <a:ln w="9525">
+                <a:solidFill>
+                  <a:schemeClr val="tx1"/>
+                </a:solidFill>
+                <a:round/>
+                <a:headEnd/>
+                <a:tailEnd/>
+              </a:ln>
+              <a:extLst>
+                <a:ext uri="{909E8E84-426E-40DD-AFC4-6F175D3DCCD1}">
+                  <a14:hiddenFill xmlns:a14="http://schemas.microsoft.com/office/drawing/2010/main">
+                    <a:noFill/>
+                  </a14:hiddenFill>
+                </a:ext>
+              </a:extLst>
+            </p:spPr>
+            <p:txBody>
+              <a:bodyPr/>
+              <a:lstStyle/>
+              <a:p>
+                <a:endParaRPr lang="zh-CN" altLang="en-US" sz="2400"/>
+              </a:p>
+            </p:txBody>
+          </p:sp>
+          <p:sp>
+            <p:nvSpPr>
+              <p:cNvPr id="23578" name="Line 10">
+                <a:extLst>
+                  <a:ext uri="{FF2B5EF4-FFF2-40B4-BE49-F238E27FC236}">
+                    <a16:creationId xmlns:a16="http://schemas.microsoft.com/office/drawing/2014/main" id="{372FC87F-792A-4145-81D7-2845C840B920}"/>
+                  </a:ext>
+                </a:extLst>
+              </p:cNvPr>
+              <p:cNvSpPr>
+                <a:spLocks noChangeShapeType="1"/>
+              </p:cNvSpPr>
+              <p:nvPr/>
+            </p:nvSpPr>
+            <p:spPr bwMode="auto">
+              <a:xfrm>
+                <a:off x="2290" y="3112"/>
+                <a:ext cx="182" cy="0"/>
+              </a:xfrm>
+              <a:prstGeom prst="line">
+                <a:avLst/>
+              </a:prstGeom>
+              <a:noFill/>
+              <a:ln w="9525">
+                <a:solidFill>
+                  <a:schemeClr val="tx1"/>
+                </a:solidFill>
+                <a:round/>
+                <a:headEnd/>
+                <a:tailEnd/>
+              </a:ln>
+              <a:extLst>
+                <a:ext uri="{909E8E84-426E-40DD-AFC4-6F175D3DCCD1}">
+                  <a14:hiddenFill xmlns:a14="http://schemas.microsoft.com/office/drawing/2010/main">
+                    <a:noFill/>
+                  </a14:hiddenFill>
+                </a:ext>
+              </a:extLst>
+            </p:spPr>
+            <p:txBody>
+              <a:bodyPr/>
+              <a:lstStyle/>
+              <a:p>
+                <a:endParaRPr lang="zh-CN" altLang="en-US" sz="2400"/>
+              </a:p>
+            </p:txBody>
+          </p:sp>
+          <p:sp>
+            <p:nvSpPr>
+              <p:cNvPr id="23579" name="Line 11">
+                <a:extLst>
+                  <a:ext uri="{FF2B5EF4-FFF2-40B4-BE49-F238E27FC236}">
+                    <a16:creationId xmlns:a16="http://schemas.microsoft.com/office/drawing/2014/main" id="{ACBEC7FB-348B-4B2E-B3FA-A0E5F6F91103}"/>
+                  </a:ext>
+                </a:extLst>
+              </p:cNvPr>
+              <p:cNvSpPr>
+                <a:spLocks noChangeShapeType="1"/>
+              </p:cNvSpPr>
+              <p:nvPr/>
+            </p:nvSpPr>
+            <p:spPr bwMode="auto">
+              <a:xfrm>
+                <a:off x="2290" y="2886"/>
+                <a:ext cx="182" cy="0"/>
+              </a:xfrm>
+              <a:prstGeom prst="line">
+                <a:avLst/>
+              </a:prstGeom>
+              <a:noFill/>
+              <a:ln w="9525">
+                <a:solidFill>
+                  <a:schemeClr val="tx1"/>
+                </a:solidFill>
+                <a:round/>
+                <a:headEnd/>
+                <a:tailEnd/>
+              </a:ln>
+              <a:extLst>
+                <a:ext uri="{909E8E84-426E-40DD-AFC4-6F175D3DCCD1}">
+                  <a14:hiddenFill xmlns:a14="http://schemas.microsoft.com/office/drawing/2010/main">
+                    <a:noFill/>
+                  </a14:hiddenFill>
+                </a:ext>
+              </a:extLst>
+            </p:spPr>
+            <p:txBody>
+              <a:bodyPr/>
+              <a:lstStyle/>
+              <a:p>
+                <a:endParaRPr lang="zh-CN" altLang="en-US" sz="2400"/>
+              </a:p>
+            </p:txBody>
+          </p:sp>
+          <p:sp>
+            <p:nvSpPr>
+              <p:cNvPr id="23580" name="Line 12">
+                <a:extLst>
+                  <a:ext uri="{FF2B5EF4-FFF2-40B4-BE49-F238E27FC236}">
+                    <a16:creationId xmlns:a16="http://schemas.microsoft.com/office/drawing/2014/main" id="{291A401A-D72B-4DFE-B2AC-62EC43B2C6AE}"/>
+                  </a:ext>
+                </a:extLst>
+              </p:cNvPr>
+              <p:cNvSpPr>
+                <a:spLocks noChangeShapeType="1"/>
+              </p:cNvSpPr>
+              <p:nvPr/>
+            </p:nvSpPr>
+            <p:spPr bwMode="auto">
+              <a:xfrm>
+                <a:off x="2290" y="2659"/>
+                <a:ext cx="182" cy="0"/>
+              </a:xfrm>
+              <a:prstGeom prst="line">
+                <a:avLst/>
+              </a:prstGeom>
+              <a:noFill/>
+              <a:ln w="9525">
+                <a:solidFill>
+                  <a:schemeClr val="tx1"/>
+                </a:solidFill>
+                <a:round/>
+                <a:headEnd/>
+                <a:tailEnd/>
+              </a:ln>
+              <a:extLst>
+                <a:ext uri="{909E8E84-426E-40DD-AFC4-6F175D3DCCD1}">
+                  <a14:hiddenFill xmlns:a14="http://schemas.microsoft.com/office/drawing/2010/main">
+                    <a:noFill/>
+                  </a14:hiddenFill>
+                </a:ext>
+              </a:extLst>
+            </p:spPr>
+            <p:txBody>
+              <a:bodyPr/>
+              <a:lstStyle/>
+              <a:p>
+                <a:endParaRPr lang="zh-CN" altLang="en-US" sz="2400"/>
+              </a:p>
+            </p:txBody>
+          </p:sp>
+          <p:sp>
+            <p:nvSpPr>
+              <p:cNvPr id="23581" name="Line 13">
+                <a:extLst>
+                  <a:ext uri="{FF2B5EF4-FFF2-40B4-BE49-F238E27FC236}">
+                    <a16:creationId xmlns:a16="http://schemas.microsoft.com/office/drawing/2014/main" id="{846C2201-3D2F-4143-AFDA-AAD6B3EA5C8E}"/>
+                  </a:ext>
+                </a:extLst>
+              </p:cNvPr>
+              <p:cNvSpPr>
+                <a:spLocks noChangeShapeType="1"/>
+              </p:cNvSpPr>
+              <p:nvPr/>
+            </p:nvSpPr>
+            <p:spPr bwMode="auto">
+              <a:xfrm>
+                <a:off x="2290" y="2432"/>
+                <a:ext cx="182" cy="0"/>
+              </a:xfrm>
+              <a:prstGeom prst="line">
+                <a:avLst/>
+              </a:prstGeom>
+              <a:noFill/>
+              <a:ln w="9525">
+                <a:solidFill>
+                  <a:schemeClr val="tx1"/>
+                </a:solidFill>
+                <a:round/>
+                <a:headEnd/>
+                <a:tailEnd/>
+              </a:ln>
+              <a:extLst>
+                <a:ext uri="{909E8E84-426E-40DD-AFC4-6F175D3DCCD1}">
+                  <a14:hiddenFill xmlns:a14="http://schemas.microsoft.com/office/drawing/2010/main">
+                    <a:noFill/>
+                  </a14:hiddenFill>
+                </a:ext>
+              </a:extLst>
+            </p:spPr>
+            <p:txBody>
+              <a:bodyPr/>
+              <a:lstStyle/>
+              <a:p>
+                <a:endParaRPr lang="zh-CN" altLang="en-US" sz="2400"/>
+              </a:p>
+            </p:txBody>
+          </p:sp>
+          <p:sp>
+            <p:nvSpPr>
+              <p:cNvPr id="23582" name="Line 14">
+                <a:extLst>
+                  <a:ext uri="{FF2B5EF4-FFF2-40B4-BE49-F238E27FC236}">
+                    <a16:creationId xmlns:a16="http://schemas.microsoft.com/office/drawing/2014/main" id="{4431AC91-C8D1-451A-88EA-DE4D3E6D760E}"/>
+                  </a:ext>
+                </a:extLst>
+              </p:cNvPr>
+              <p:cNvSpPr>
+                <a:spLocks noChangeShapeType="1"/>
+              </p:cNvSpPr>
+              <p:nvPr/>
+            </p:nvSpPr>
+            <p:spPr bwMode="auto">
+              <a:xfrm>
+                <a:off x="2290" y="2205"/>
+                <a:ext cx="182" cy="0"/>
+              </a:xfrm>
+              <a:prstGeom prst="line">
+                <a:avLst/>
+              </a:prstGeom>
+              <a:noFill/>
+              <a:ln w="9525">
+                <a:solidFill>
+                  <a:schemeClr val="tx1"/>
+                </a:solidFill>
+                <a:round/>
+                <a:headEnd/>
+                <a:tailEnd/>
+              </a:ln>
+              <a:extLst>
+                <a:ext uri="{909E8E84-426E-40DD-AFC4-6F175D3DCCD1}">
+                  <a14:hiddenFill xmlns:a14="http://schemas.microsoft.com/office/drawing/2010/main">
+                    <a:noFill/>
+                  </a14:hiddenFill>
+                </a:ext>
+              </a:extLst>
+            </p:spPr>
+            <p:txBody>
+              <a:bodyPr/>
+              <a:lstStyle/>
+              <a:p>
+                <a:endParaRPr lang="zh-CN" altLang="en-US" sz="2400"/>
+              </a:p>
+            </p:txBody>
+          </p:sp>
+          <p:sp>
+            <p:nvSpPr>
+              <p:cNvPr id="23583" name="Line 15">
+                <a:extLst>
+                  <a:ext uri="{FF2B5EF4-FFF2-40B4-BE49-F238E27FC236}">
+                    <a16:creationId xmlns:a16="http://schemas.microsoft.com/office/drawing/2014/main" id="{A5E3FD60-CE2A-4A37-BAB6-90785A0D5DCC}"/>
+                  </a:ext>
+                </a:extLst>
+              </p:cNvPr>
+              <p:cNvSpPr>
+                <a:spLocks noChangeShapeType="1"/>
+              </p:cNvSpPr>
+              <p:nvPr/>
+            </p:nvSpPr>
+            <p:spPr bwMode="auto">
+              <a:xfrm>
+                <a:off x="2290" y="1978"/>
+                <a:ext cx="182" cy="0"/>
+              </a:xfrm>
+              <a:prstGeom prst="line">
+                <a:avLst/>
+              </a:prstGeom>
+              <a:noFill/>
+              <a:ln w="9525">
+                <a:solidFill>
+                  <a:schemeClr val="tx1"/>
+                </a:solidFill>
+                <a:round/>
+                <a:headEnd/>
+                <a:tailEnd/>
+              </a:ln>
+              <a:extLst>
+                <a:ext uri="{909E8E84-426E-40DD-AFC4-6F175D3DCCD1}">
+                  <a14:hiddenFill xmlns:a14="http://schemas.microsoft.com/office/drawing/2010/main">
+                    <a:noFill/>
+                  </a14:hiddenFill>
+                </a:ext>
+              </a:extLst>
+            </p:spPr>
+            <p:txBody>
+              <a:bodyPr/>
+              <a:lstStyle/>
+              <a:p>
+                <a:endParaRPr lang="zh-CN" altLang="en-US" sz="2400"/>
+              </a:p>
+            </p:txBody>
+          </p:sp>
+          <p:sp>
+            <p:nvSpPr>
+              <p:cNvPr id="23584" name="Line 16">
+                <a:extLst>
+                  <a:ext uri="{FF2B5EF4-FFF2-40B4-BE49-F238E27FC236}">
+                    <a16:creationId xmlns:a16="http://schemas.microsoft.com/office/drawing/2014/main" id="{6B370D19-0A2D-49B5-9D21-59C9DC5D319D}"/>
+                  </a:ext>
+                </a:extLst>
+              </p:cNvPr>
+              <p:cNvSpPr>
+                <a:spLocks noChangeShapeType="1"/>
+              </p:cNvSpPr>
+              <p:nvPr/>
+            </p:nvSpPr>
+            <p:spPr bwMode="auto">
+              <a:xfrm>
+                <a:off x="2290" y="1752"/>
+                <a:ext cx="182" cy="0"/>
+              </a:xfrm>
+              <a:prstGeom prst="line">
+                <a:avLst/>
+              </a:prstGeom>
+              <a:noFill/>
+              <a:ln w="9525">
+                <a:solidFill>
+                  <a:schemeClr val="tx1"/>
+                </a:solidFill>
+                <a:round/>
+                <a:headEnd/>
+                <a:tailEnd/>
+              </a:ln>
+              <a:extLst>
+                <a:ext uri="{909E8E84-426E-40DD-AFC4-6F175D3DCCD1}">
+                  <a14:hiddenFill xmlns:a14="http://schemas.microsoft.com/office/drawing/2010/main">
+                    <a:noFill/>
+                  </a14:hiddenFill>
+                </a:ext>
+              </a:extLst>
+            </p:spPr>
+            <p:txBody>
+              <a:bodyPr/>
+              <a:lstStyle/>
+              <a:p>
+                <a:endParaRPr lang="zh-CN" altLang="en-US" sz="2400"/>
+              </a:p>
+            </p:txBody>
+          </p:sp>
+          <p:sp>
+            <p:nvSpPr>
+              <p:cNvPr id="23585" name="Line 17">
+                <a:extLst>
+                  <a:ext uri="{FF2B5EF4-FFF2-40B4-BE49-F238E27FC236}">
+                    <a16:creationId xmlns:a16="http://schemas.microsoft.com/office/drawing/2014/main" id="{9CD8132B-7F21-45CF-9DAC-DD35264C99D7}"/>
+                  </a:ext>
+                </a:extLst>
+              </p:cNvPr>
+              <p:cNvSpPr>
+                <a:spLocks noChangeShapeType="1"/>
+              </p:cNvSpPr>
+              <p:nvPr/>
+            </p:nvSpPr>
+            <p:spPr bwMode="auto">
+              <a:xfrm>
+                <a:off x="2290" y="1525"/>
+                <a:ext cx="182" cy="0"/>
+              </a:xfrm>
+              <a:prstGeom prst="line">
+                <a:avLst/>
+              </a:prstGeom>
+              <a:noFill/>
+              <a:ln w="9525">
+                <a:solidFill>
+                  <a:schemeClr val="tx1"/>
+                </a:solidFill>
+                <a:round/>
+                <a:headEnd/>
+                <a:tailEnd/>
+              </a:ln>
+              <a:extLst>
+                <a:ext uri="{909E8E84-426E-40DD-AFC4-6F175D3DCCD1}">
+                  <a14:hiddenFill xmlns:a14="http://schemas.microsoft.com/office/drawing/2010/main">
+                    <a:noFill/>
+                  </a14:hiddenFill>
+                </a:ext>
+              </a:extLst>
+            </p:spPr>
+            <p:txBody>
+              <a:bodyPr/>
+              <a:lstStyle/>
+              <a:p>
+                <a:endParaRPr lang="zh-CN" altLang="en-US" sz="2400"/>
+              </a:p>
+            </p:txBody>
+          </p:sp>
+          <p:sp>
+            <p:nvSpPr>
+              <p:cNvPr id="23586" name="Line 18">
+                <a:extLst>
+                  <a:ext uri="{FF2B5EF4-FFF2-40B4-BE49-F238E27FC236}">
+                    <a16:creationId xmlns:a16="http://schemas.microsoft.com/office/drawing/2014/main" id="{E3DA526F-53D4-4579-86FF-44BED5A8E15C}"/>
+                  </a:ext>
+                </a:extLst>
+              </p:cNvPr>
+              <p:cNvSpPr>
+                <a:spLocks noChangeShapeType="1"/>
+              </p:cNvSpPr>
+              <p:nvPr/>
+            </p:nvSpPr>
+            <p:spPr bwMode="auto">
+              <a:xfrm>
+                <a:off x="2290" y="1298"/>
+                <a:ext cx="182" cy="0"/>
+              </a:xfrm>
+              <a:prstGeom prst="line">
+                <a:avLst/>
+              </a:prstGeom>
+              <a:noFill/>
+              <a:ln w="9525">
+                <a:solidFill>
+                  <a:schemeClr val="tx1"/>
+                </a:solidFill>
+                <a:round/>
+                <a:headEnd/>
+                <a:tailEnd/>
+              </a:ln>
+              <a:extLst>
+                <a:ext uri="{909E8E84-426E-40DD-AFC4-6F175D3DCCD1}">
+                  <a14:hiddenFill xmlns:a14="http://schemas.microsoft.com/office/drawing/2010/main">
+                    <a:noFill/>
+                  </a14:hiddenFill>
+                </a:ext>
+              </a:extLst>
+            </p:spPr>
+            <p:txBody>
+              <a:bodyPr/>
+              <a:lstStyle/>
+              <a:p>
+                <a:endParaRPr lang="zh-CN" altLang="en-US" sz="2400"/>
+              </a:p>
+            </p:txBody>
+          </p:sp>
+          <p:sp>
+            <p:nvSpPr>
+              <p:cNvPr id="23587" name="Line 19">
+                <a:extLst>
+                  <a:ext uri="{FF2B5EF4-FFF2-40B4-BE49-F238E27FC236}">
+                    <a16:creationId xmlns:a16="http://schemas.microsoft.com/office/drawing/2014/main" id="{CFADEA62-DEDA-4DA4-B05C-679740545B2F}"/>
+                  </a:ext>
+                </a:extLst>
+              </p:cNvPr>
+              <p:cNvSpPr>
+                <a:spLocks noChangeShapeType="1"/>
+              </p:cNvSpPr>
+              <p:nvPr/>
+            </p:nvSpPr>
+            <p:spPr bwMode="auto">
+              <a:xfrm>
+                <a:off x="2290" y="1071"/>
+                <a:ext cx="182" cy="0"/>
+              </a:xfrm>
+              <a:prstGeom prst="line">
+                <a:avLst/>
+              </a:prstGeom>
+              <a:noFill/>
+              <a:ln w="9525">
+                <a:solidFill>
+                  <a:schemeClr val="tx1"/>
+                </a:solidFill>
+                <a:round/>
+                <a:headEnd/>
+                <a:tailEnd/>
+              </a:ln>
+              <a:extLst>
+                <a:ext uri="{909E8E84-426E-40DD-AFC4-6F175D3DCCD1}">
+                  <a14:hiddenFill xmlns:a14="http://schemas.microsoft.com/office/drawing/2010/main">
+                    <a:noFill/>
+                  </a14:hiddenFill>
+                </a:ext>
+              </a:extLst>
+            </p:spPr>
+            <p:txBody>
+              <a:bodyPr/>
+              <a:lstStyle/>
+              <a:p>
+                <a:endParaRPr lang="zh-CN" altLang="en-US" sz="2400"/>
+              </a:p>
+            </p:txBody>
+          </p:sp>
+        </p:grpSp>
+        <p:grpSp>
+          <p:nvGrpSpPr>
+            <p:cNvPr id="23561" name="Group 20">
+              <a:extLst>
+                <a:ext uri="{FF2B5EF4-FFF2-40B4-BE49-F238E27FC236}">
+                  <a16:creationId xmlns:a16="http://schemas.microsoft.com/office/drawing/2014/main" id="{2F02A3AB-C250-45FB-8531-B50506CCC8C9}"/>
+                </a:ext>
+              </a:extLst>
+            </p:cNvPr>
+            <p:cNvGrpSpPr>
+              <a:grpSpLocks/>
+            </p:cNvGrpSpPr>
+            <p:nvPr/>
+          </p:nvGrpSpPr>
+          <p:grpSpPr bwMode="auto">
+            <a:xfrm>
+              <a:off x="3822" y="1371"/>
+              <a:ext cx="221" cy="2733"/>
+              <a:chOff x="5412" y="1221"/>
+              <a:chExt cx="221" cy="2733"/>
+            </a:xfrm>
+          </p:grpSpPr>
+          <p:sp>
+            <p:nvSpPr>
+              <p:cNvPr id="23563" name="Text Box 21">
+                <a:extLst>
+                  <a:ext uri="{FF2B5EF4-FFF2-40B4-BE49-F238E27FC236}">
+                    <a16:creationId xmlns:a16="http://schemas.microsoft.com/office/drawing/2014/main" id="{E36CC556-E1D1-428B-AA21-A9970EE0D64A}"/>
+                  </a:ext>
+                </a:extLst>
+              </p:cNvPr>
+              <p:cNvSpPr txBox="1">
+                <a:spLocks noChangeArrowheads="1"/>
+              </p:cNvSpPr>
+              <p:nvPr/>
+            </p:nvSpPr>
+            <p:spPr bwMode="auto">
+              <a:xfrm>
+                <a:off x="5412" y="1221"/>
+                <a:ext cx="221" cy="245"/>
+              </a:xfrm>
+              <a:prstGeom prst="rect">
+                <a:avLst/>
+              </a:prstGeom>
+              <a:noFill/>
+              <a:ln>
+                <a:noFill/>
+              </a:ln>
+              <a:extLst>
+                <a:ext uri="{909E8E84-426E-40DD-AFC4-6F175D3DCCD1}">
+                  <a14:hiddenFill xmlns:a14="http://schemas.microsoft.com/office/drawing/2010/main">
+                    <a:solidFill>
+                      <a:srgbClr val="FFFFFF"/>
+                    </a:solidFill>
+                  </a14:hiddenFill>
+                </a:ext>
+                <a:ext uri="{91240B29-F687-4F45-9708-019B960494DF}">
+                  <a14:hiddenLine xmlns:a14="http://schemas.microsoft.com/office/drawing/2010/main" w="9525">
+                    <a:solidFill>
+                      <a:srgbClr val="000000"/>
+                    </a:solidFill>
+                    <a:miter lim="800000"/>
+                    <a:headEnd/>
+                    <a:tailEnd/>
+                  </a14:hiddenLine>
+                </a:ext>
+              </a:extLst>
+            </p:spPr>
+            <p:txBody>
+              <a:bodyPr wrap="none">
+                <a:spAutoFit/>
+              </a:bodyPr>
+              <a:lstStyle>
+                <a:lvl1pPr>
+                  <a:spcBef>
+                    <a:spcPct val="20000"/>
+                  </a:spcBef>
+                  <a:buFont typeface="Arial" panose="020B0604020202020204" pitchFamily="34" charset="0"/>
+                  <a:buChar char="•"/>
+                  <a:defRPr sz="3200">
+                    <a:solidFill>
+                      <a:schemeClr val="tx1"/>
+                    </a:solidFill>
+                    <a:latin typeface="Calibri" panose="020F0502020204030204" pitchFamily="34" charset="0"/>
+                    <a:ea typeface="宋体" panose="02010600030101010101" pitchFamily="2" charset="-122"/>
+                  </a:defRPr>
+                </a:lvl1pPr>
+                <a:lvl2pPr marL="742950" indent="-285750">
+                  <a:spcBef>
+                    <a:spcPct val="20000"/>
+                  </a:spcBef>
+                  <a:buFont typeface="Arial" panose="020B0604020202020204" pitchFamily="34" charset="0"/>
+                  <a:buChar char="–"/>
+                  <a:defRPr sz="2800">
+                    <a:solidFill>
+                      <a:schemeClr val="tx1"/>
+                    </a:solidFill>
+                    <a:latin typeface="Calibri" panose="020F0502020204030204" pitchFamily="34" charset="0"/>
+                    <a:ea typeface="宋体" panose="02010600030101010101" pitchFamily="2" charset="-122"/>
+                  </a:defRPr>
+                </a:lvl2pPr>
+                <a:lvl3pPr marL="1143000" indent="-228600">
+                  <a:spcBef>
+                    <a:spcPct val="20000"/>
+                  </a:spcBef>
+                  <a:buFont typeface="Arial" panose="020B0604020202020204" pitchFamily="34" charset="0"/>
+                  <a:buChar char="•"/>
+                  <a:defRPr sz="2400">
+                    <a:solidFill>
+                      <a:schemeClr val="tx1"/>
+                    </a:solidFill>
+                    <a:latin typeface="Calibri" panose="020F0502020204030204" pitchFamily="34" charset="0"/>
+                    <a:ea typeface="宋体" panose="02010600030101010101" pitchFamily="2" charset="-122"/>
+                  </a:defRPr>
+                </a:lvl3pPr>
+                <a:lvl4pPr marL="1600200" indent="-228600">
+                  <a:spcBef>
+                    <a:spcPct val="20000"/>
+                  </a:spcBef>
+                  <a:buFont typeface="Arial" panose="020B0604020202020204" pitchFamily="34" charset="0"/>
+                  <a:buChar char="–"/>
+                  <a:defRPr sz="2000">
+                    <a:solidFill>
+                      <a:schemeClr val="tx1"/>
+                    </a:solidFill>
+                    <a:latin typeface="Calibri" panose="020F0502020204030204" pitchFamily="34" charset="0"/>
+                    <a:ea typeface="宋体" panose="02010600030101010101" pitchFamily="2" charset="-122"/>
+                  </a:defRPr>
+                </a:lvl4pPr>
+                <a:lvl5pPr marL="2057400" indent="-228600">
+                  <a:spcBef>
+                    <a:spcPct val="20000"/>
+                  </a:spcBef>
+                  <a:buFont typeface="Arial" panose="020B0604020202020204" pitchFamily="34" charset="0"/>
+                  <a:buChar char="»"/>
+                  <a:defRPr sz="2000">
+                    <a:solidFill>
+                      <a:schemeClr val="tx1"/>
+                    </a:solidFill>
+                    <a:latin typeface="Calibri" panose="020F0502020204030204" pitchFamily="34" charset="0"/>
+                    <a:ea typeface="宋体" panose="02010600030101010101" pitchFamily="2" charset="-122"/>
+                  </a:defRPr>
+                </a:lvl5pPr>
+                <a:lvl6pPr marL="2514600" indent="-228600" eaLnBrk="0" fontAlgn="base" hangingPunct="0">
+                  <a:spcBef>
+                    <a:spcPct val="20000"/>
+                  </a:spcBef>
+                  <a:spcAft>
+                    <a:spcPct val="0"/>
+                  </a:spcAft>
+                  <a:buFont typeface="Arial" panose="020B0604020202020204" pitchFamily="34" charset="0"/>
+                  <a:buChar char="»"/>
+                  <a:defRPr sz="2000">
+                    <a:solidFill>
+                      <a:schemeClr val="tx1"/>
+                    </a:solidFill>
+                    <a:latin typeface="Calibri" panose="020F0502020204030204" pitchFamily="34" charset="0"/>
+                    <a:ea typeface="宋体" panose="02010600030101010101" pitchFamily="2" charset="-122"/>
+                  </a:defRPr>
+                </a:lvl6pPr>
+                <a:lvl7pPr marL="2971800" indent="-228600" eaLnBrk="0" fontAlgn="base" hangingPunct="0">
+                  <a:spcBef>
+                    <a:spcPct val="20000"/>
+                  </a:spcBef>
+                  <a:spcAft>
+                    <a:spcPct val="0"/>
+                  </a:spcAft>
+                  <a:buFont typeface="Arial" panose="020B0604020202020204" pitchFamily="34" charset="0"/>
+                  <a:buChar char="»"/>
+                  <a:defRPr sz="2000">
+                    <a:solidFill>
+                      <a:schemeClr val="tx1"/>
+                    </a:solidFill>
+                    <a:latin typeface="Calibri" panose="020F0502020204030204" pitchFamily="34" charset="0"/>
+                    <a:ea typeface="宋体" panose="02010600030101010101" pitchFamily="2" charset="-122"/>
+                  </a:defRPr>
+                </a:lvl7pPr>
+                <a:lvl8pPr marL="3429000" indent="-228600" eaLnBrk="0" fontAlgn="base" hangingPunct="0">
+                  <a:spcBef>
+                    <a:spcPct val="20000"/>
+                  </a:spcBef>
+                  <a:spcAft>
+                    <a:spcPct val="0"/>
+                  </a:spcAft>
+                  <a:buFont typeface="Arial" panose="020B0604020202020204" pitchFamily="34" charset="0"/>
+                  <a:buChar char="»"/>
+                  <a:defRPr sz="2000">
+                    <a:solidFill>
+                      <a:schemeClr val="tx1"/>
+                    </a:solidFill>
+                    <a:latin typeface="Calibri" panose="020F0502020204030204" pitchFamily="34" charset="0"/>
+                    <a:ea typeface="宋体" panose="02010600030101010101" pitchFamily="2" charset="-122"/>
+                  </a:defRPr>
+                </a:lvl8pPr>
+                <a:lvl9pPr marL="3886200" indent="-228600" eaLnBrk="0" fontAlgn="base" hangingPunct="0">
+                  <a:spcBef>
+                    <a:spcPct val="20000"/>
+                  </a:spcBef>
+                  <a:spcAft>
+                    <a:spcPct val="0"/>
+                  </a:spcAft>
+                  <a:buFont typeface="Arial" panose="020B0604020202020204" pitchFamily="34" charset="0"/>
+                  <a:buChar char="»"/>
+                  <a:defRPr sz="2000">
+                    <a:solidFill>
+                      <a:schemeClr val="tx1"/>
+                    </a:solidFill>
+                    <a:latin typeface="Calibri" panose="020F0502020204030204" pitchFamily="34" charset="0"/>
+                    <a:ea typeface="宋体" panose="02010600030101010101" pitchFamily="2" charset="-122"/>
+                  </a:defRPr>
+                </a:lvl9pPr>
+              </a:lstStyle>
+              <a:p>
+                <a:pPr eaLnBrk="1" hangingPunct="1">
+                  <a:spcBef>
+                    <a:spcPct val="0"/>
+                  </a:spcBef>
+                  <a:buFontTx/>
+                  <a:buNone/>
+                </a:pPr>
+                <a:r>
+                  <a:rPr lang="en-US" altLang="zh-CN" sz="2400">
+                    <a:latin typeface="Arial" panose="020B0604020202020204" pitchFamily="34" charset="0"/>
+                  </a:rPr>
+                  <a:t>6</a:t>
+                </a:r>
+              </a:p>
+            </p:txBody>
+          </p:sp>
+          <p:sp>
+            <p:nvSpPr>
+              <p:cNvPr id="23564" name="Text Box 22">
+                <a:extLst>
+                  <a:ext uri="{FF2B5EF4-FFF2-40B4-BE49-F238E27FC236}">
+                    <a16:creationId xmlns:a16="http://schemas.microsoft.com/office/drawing/2014/main" id="{D2EBDE81-967A-4BD1-AD2F-88B882EFC155}"/>
+                  </a:ext>
+                </a:extLst>
+              </p:cNvPr>
+              <p:cNvSpPr txBox="1">
+                <a:spLocks noChangeArrowheads="1"/>
+              </p:cNvSpPr>
+              <p:nvPr/>
+            </p:nvSpPr>
+            <p:spPr bwMode="auto">
+              <a:xfrm>
+                <a:off x="5412" y="1439"/>
+                <a:ext cx="115" cy="245"/>
+              </a:xfrm>
+              <a:prstGeom prst="rect">
+                <a:avLst/>
+              </a:prstGeom>
+              <a:noFill/>
+              <a:ln>
+                <a:noFill/>
+              </a:ln>
+              <a:extLst>
+                <a:ext uri="{909E8E84-426E-40DD-AFC4-6F175D3DCCD1}">
+                  <a14:hiddenFill xmlns:a14="http://schemas.microsoft.com/office/drawing/2010/main">
+                    <a:solidFill>
+                      <a:srgbClr val="FFFFFF"/>
+                    </a:solidFill>
+                  </a14:hiddenFill>
+                </a:ext>
+                <a:ext uri="{91240B29-F687-4F45-9708-019B960494DF}">
+                  <a14:hiddenLine xmlns:a14="http://schemas.microsoft.com/office/drawing/2010/main" w="9525">
+                    <a:solidFill>
+                      <a:srgbClr val="000000"/>
+                    </a:solidFill>
+                    <a:miter lim="800000"/>
+                    <a:headEnd/>
+                    <a:tailEnd/>
+                  </a14:hiddenLine>
+                </a:ext>
+              </a:extLst>
+            </p:spPr>
+            <p:txBody>
+              <a:bodyPr wrap="none">
+                <a:spAutoFit/>
+              </a:bodyPr>
+              <a:lstStyle>
+                <a:lvl1pPr>
+                  <a:spcBef>
+                    <a:spcPct val="20000"/>
+                  </a:spcBef>
+                  <a:buFont typeface="Arial" panose="020B0604020202020204" pitchFamily="34" charset="0"/>
+                  <a:buChar char="•"/>
+                  <a:defRPr sz="3200">
+                    <a:solidFill>
+                      <a:schemeClr val="tx1"/>
+                    </a:solidFill>
+                    <a:latin typeface="Calibri" panose="020F0502020204030204" pitchFamily="34" charset="0"/>
+                    <a:ea typeface="宋体" panose="02010600030101010101" pitchFamily="2" charset="-122"/>
+                  </a:defRPr>
+                </a:lvl1pPr>
+                <a:lvl2pPr marL="742950" indent="-285750">
+                  <a:spcBef>
+                    <a:spcPct val="20000"/>
+                  </a:spcBef>
+                  <a:buFont typeface="Arial" panose="020B0604020202020204" pitchFamily="34" charset="0"/>
+                  <a:buChar char="–"/>
+                  <a:defRPr sz="2800">
+                    <a:solidFill>
+                      <a:schemeClr val="tx1"/>
+                    </a:solidFill>
+                    <a:latin typeface="Calibri" panose="020F0502020204030204" pitchFamily="34" charset="0"/>
+                    <a:ea typeface="宋体" panose="02010600030101010101" pitchFamily="2" charset="-122"/>
+                  </a:defRPr>
+                </a:lvl2pPr>
+                <a:lvl3pPr marL="1143000" indent="-228600">
+                  <a:spcBef>
+                    <a:spcPct val="20000"/>
+                  </a:spcBef>
+                  <a:buFont typeface="Arial" panose="020B0604020202020204" pitchFamily="34" charset="0"/>
+                  <a:buChar char="•"/>
+                  <a:defRPr sz="2400">
+                    <a:solidFill>
+                      <a:schemeClr val="tx1"/>
+                    </a:solidFill>
+                    <a:latin typeface="Calibri" panose="020F0502020204030204" pitchFamily="34" charset="0"/>
+                    <a:ea typeface="宋体" panose="02010600030101010101" pitchFamily="2" charset="-122"/>
+                  </a:defRPr>
+                </a:lvl3pPr>
+                <a:lvl4pPr marL="1600200" indent="-228600">
+                  <a:spcBef>
+                    <a:spcPct val="20000"/>
+                  </a:spcBef>
+                  <a:buFont typeface="Arial" panose="020B0604020202020204" pitchFamily="34" charset="0"/>
+                  <a:buChar char="–"/>
+                  <a:defRPr sz="2000">
+                    <a:solidFill>
+                      <a:schemeClr val="tx1"/>
+                    </a:solidFill>
+                    <a:latin typeface="Calibri" panose="020F0502020204030204" pitchFamily="34" charset="0"/>
+                    <a:ea typeface="宋体" panose="02010600030101010101" pitchFamily="2" charset="-122"/>
+                  </a:defRPr>
+                </a:lvl4pPr>
+                <a:lvl5pPr marL="2057400" indent="-228600">
+                  <a:spcBef>
+                    <a:spcPct val="20000"/>
+                  </a:spcBef>
+                  <a:buFont typeface="Arial" panose="020B0604020202020204" pitchFamily="34" charset="0"/>
+                  <a:buChar char="»"/>
+                  <a:defRPr sz="2000">
+                    <a:solidFill>
+                      <a:schemeClr val="tx1"/>
+                    </a:solidFill>
+                    <a:latin typeface="Calibri" panose="020F0502020204030204" pitchFamily="34" charset="0"/>
+                    <a:ea typeface="宋体" panose="02010600030101010101" pitchFamily="2" charset="-122"/>
+                  </a:defRPr>
+                </a:lvl5pPr>
+                <a:lvl6pPr marL="2514600" indent="-228600" eaLnBrk="0" fontAlgn="base" hangingPunct="0">
+                  <a:spcBef>
+                    <a:spcPct val="20000"/>
+                  </a:spcBef>
+                  <a:spcAft>
+                    <a:spcPct val="0"/>
+                  </a:spcAft>
+                  <a:buFont typeface="Arial" panose="020B0604020202020204" pitchFamily="34" charset="0"/>
+                  <a:buChar char="»"/>
+                  <a:defRPr sz="2000">
+                    <a:solidFill>
+                      <a:schemeClr val="tx1"/>
+                    </a:solidFill>
+                    <a:latin typeface="Calibri" panose="020F0502020204030204" pitchFamily="34" charset="0"/>
+                    <a:ea typeface="宋体" panose="02010600030101010101" pitchFamily="2" charset="-122"/>
+                  </a:defRPr>
+                </a:lvl6pPr>
+                <a:lvl7pPr marL="2971800" indent="-228600" eaLnBrk="0" fontAlgn="base" hangingPunct="0">
+                  <a:spcBef>
+                    <a:spcPct val="20000"/>
+                  </a:spcBef>
+                  <a:spcAft>
+                    <a:spcPct val="0"/>
+                  </a:spcAft>
+                  <a:buFont typeface="Arial" panose="020B0604020202020204" pitchFamily="34" charset="0"/>
+                  <a:buChar char="»"/>
+                  <a:defRPr sz="2000">
+                    <a:solidFill>
+                      <a:schemeClr val="tx1"/>
+                    </a:solidFill>
+                    <a:latin typeface="Calibri" panose="020F0502020204030204" pitchFamily="34" charset="0"/>
+                    <a:ea typeface="宋体" panose="02010600030101010101" pitchFamily="2" charset="-122"/>
+                  </a:defRPr>
+                </a:lvl7pPr>
+                <a:lvl8pPr marL="3429000" indent="-228600" eaLnBrk="0" fontAlgn="base" hangingPunct="0">
+                  <a:spcBef>
+                    <a:spcPct val="20000"/>
+                  </a:spcBef>
+                  <a:spcAft>
+                    <a:spcPct val="0"/>
+                  </a:spcAft>
+                  <a:buFont typeface="Arial" panose="020B0604020202020204" pitchFamily="34" charset="0"/>
+                  <a:buChar char="»"/>
+                  <a:defRPr sz="2000">
+                    <a:solidFill>
+                      <a:schemeClr val="tx1"/>
+                    </a:solidFill>
+                    <a:latin typeface="Calibri" panose="020F0502020204030204" pitchFamily="34" charset="0"/>
+                    <a:ea typeface="宋体" panose="02010600030101010101" pitchFamily="2" charset="-122"/>
+                  </a:defRPr>
+                </a:lvl8pPr>
+                <a:lvl9pPr marL="3886200" indent="-228600" eaLnBrk="0" fontAlgn="base" hangingPunct="0">
+                  <a:spcBef>
+                    <a:spcPct val="20000"/>
+                  </a:spcBef>
+                  <a:spcAft>
+                    <a:spcPct val="0"/>
+                  </a:spcAft>
+                  <a:buFont typeface="Arial" panose="020B0604020202020204" pitchFamily="34" charset="0"/>
+                  <a:buChar char="»"/>
+                  <a:defRPr sz="2000">
+                    <a:solidFill>
+                      <a:schemeClr val="tx1"/>
+                    </a:solidFill>
+                    <a:latin typeface="Calibri" panose="020F0502020204030204" pitchFamily="34" charset="0"/>
+                    <a:ea typeface="宋体" panose="02010600030101010101" pitchFamily="2" charset="-122"/>
+                  </a:defRPr>
+                </a:lvl9pPr>
+              </a:lstStyle>
+              <a:p>
+                <a:pPr eaLnBrk="1" hangingPunct="1">
+                  <a:spcBef>
+                    <a:spcPct val="0"/>
+                  </a:spcBef>
+                  <a:buFontTx/>
+                  <a:buNone/>
+                </a:pPr>
+                <a:endParaRPr lang="zh-CN" altLang="zh-CN" sz="2400">
+                  <a:latin typeface="Arial" panose="020B0604020202020204" pitchFamily="34" charset="0"/>
+                </a:endParaRPr>
+              </a:p>
+            </p:txBody>
+          </p:sp>
+          <p:sp>
+            <p:nvSpPr>
+              <p:cNvPr id="23565" name="Text Box 23">
+                <a:extLst>
+                  <a:ext uri="{FF2B5EF4-FFF2-40B4-BE49-F238E27FC236}">
+                    <a16:creationId xmlns:a16="http://schemas.microsoft.com/office/drawing/2014/main" id="{C1914221-3B12-4106-899E-B7BAB9547A2B}"/>
+                  </a:ext>
+                </a:extLst>
+              </p:cNvPr>
+              <p:cNvSpPr txBox="1">
+                <a:spLocks noChangeArrowheads="1"/>
+              </p:cNvSpPr>
+              <p:nvPr/>
+            </p:nvSpPr>
+            <p:spPr bwMode="auto">
+              <a:xfrm>
+                <a:off x="5412" y="1675"/>
+                <a:ext cx="221" cy="245"/>
+              </a:xfrm>
+              <a:prstGeom prst="rect">
+                <a:avLst/>
+              </a:prstGeom>
+              <a:noFill/>
+              <a:ln>
+                <a:noFill/>
+              </a:ln>
+              <a:extLst>
+                <a:ext uri="{909E8E84-426E-40DD-AFC4-6F175D3DCCD1}">
+                  <a14:hiddenFill xmlns:a14="http://schemas.microsoft.com/office/drawing/2010/main">
+                    <a:solidFill>
+                      <a:srgbClr val="FFFFFF"/>
+                    </a:solidFill>
+                  </a14:hiddenFill>
+                </a:ext>
+                <a:ext uri="{91240B29-F687-4F45-9708-019B960494DF}">
+                  <a14:hiddenLine xmlns:a14="http://schemas.microsoft.com/office/drawing/2010/main" w="9525">
+                    <a:solidFill>
+                      <a:srgbClr val="000000"/>
+                    </a:solidFill>
+                    <a:miter lim="800000"/>
+                    <a:headEnd/>
+                    <a:tailEnd/>
+                  </a14:hiddenLine>
+                </a:ext>
+              </a:extLst>
+            </p:spPr>
+            <p:txBody>
+              <a:bodyPr wrap="none">
+                <a:spAutoFit/>
+              </a:bodyPr>
+              <a:lstStyle>
+                <a:lvl1pPr>
+                  <a:spcBef>
+                    <a:spcPct val="20000"/>
+                  </a:spcBef>
+                  <a:buFont typeface="Arial" panose="020B0604020202020204" pitchFamily="34" charset="0"/>
+                  <a:buChar char="•"/>
+                  <a:defRPr sz="3200">
+                    <a:solidFill>
+                      <a:schemeClr val="tx1"/>
+                    </a:solidFill>
+                    <a:latin typeface="Calibri" panose="020F0502020204030204" pitchFamily="34" charset="0"/>
+                    <a:ea typeface="宋体" panose="02010600030101010101" pitchFamily="2" charset="-122"/>
+                  </a:defRPr>
+                </a:lvl1pPr>
+                <a:lvl2pPr marL="742950" indent="-285750">
+                  <a:spcBef>
+                    <a:spcPct val="20000"/>
+                  </a:spcBef>
+                  <a:buFont typeface="Arial" panose="020B0604020202020204" pitchFamily="34" charset="0"/>
+                  <a:buChar char="–"/>
+                  <a:defRPr sz="2800">
+                    <a:solidFill>
+                      <a:schemeClr val="tx1"/>
+                    </a:solidFill>
+                    <a:latin typeface="Calibri" panose="020F0502020204030204" pitchFamily="34" charset="0"/>
+                    <a:ea typeface="宋体" panose="02010600030101010101" pitchFamily="2" charset="-122"/>
+                  </a:defRPr>
+                </a:lvl2pPr>
+                <a:lvl3pPr marL="1143000" indent="-228600">
+                  <a:spcBef>
+                    <a:spcPct val="20000"/>
+                  </a:spcBef>
+                  <a:buFont typeface="Arial" panose="020B0604020202020204" pitchFamily="34" charset="0"/>
+                  <a:buChar char="•"/>
+                  <a:defRPr sz="2400">
+                    <a:solidFill>
+                      <a:schemeClr val="tx1"/>
+                    </a:solidFill>
+                    <a:latin typeface="Calibri" panose="020F0502020204030204" pitchFamily="34" charset="0"/>
+                    <a:ea typeface="宋体" panose="02010600030101010101" pitchFamily="2" charset="-122"/>
+                  </a:defRPr>
+                </a:lvl3pPr>
+                <a:lvl4pPr marL="1600200" indent="-228600">
+                  <a:spcBef>
+                    <a:spcPct val="20000"/>
+                  </a:spcBef>
+                  <a:buFont typeface="Arial" panose="020B0604020202020204" pitchFamily="34" charset="0"/>
+                  <a:buChar char="–"/>
+                  <a:defRPr sz="2000">
+                    <a:solidFill>
+                      <a:schemeClr val="tx1"/>
+                    </a:solidFill>
+                    <a:latin typeface="Calibri" panose="020F0502020204030204" pitchFamily="34" charset="0"/>
+                    <a:ea typeface="宋体" panose="02010600030101010101" pitchFamily="2" charset="-122"/>
+                  </a:defRPr>
+                </a:lvl4pPr>
+                <a:lvl5pPr marL="2057400" indent="-228600">
+                  <a:spcBef>
+                    <a:spcPct val="20000"/>
+                  </a:spcBef>
+                  <a:buFont typeface="Arial" panose="020B0604020202020204" pitchFamily="34" charset="0"/>
+                  <a:buChar char="»"/>
+                  <a:defRPr sz="2000">
+                    <a:solidFill>
+                      <a:schemeClr val="tx1"/>
+                    </a:solidFill>
+                    <a:latin typeface="Calibri" panose="020F0502020204030204" pitchFamily="34" charset="0"/>
+                    <a:ea typeface="宋体" panose="02010600030101010101" pitchFamily="2" charset="-122"/>
+                  </a:defRPr>
+                </a:lvl5pPr>
+                <a:lvl6pPr marL="2514600" indent="-228600" eaLnBrk="0" fontAlgn="base" hangingPunct="0">
+                  <a:spcBef>
+                    <a:spcPct val="20000"/>
+                  </a:spcBef>
+                  <a:spcAft>
+                    <a:spcPct val="0"/>
+                  </a:spcAft>
+                  <a:buFont typeface="Arial" panose="020B0604020202020204" pitchFamily="34" charset="0"/>
+                  <a:buChar char="»"/>
+                  <a:defRPr sz="2000">
+                    <a:solidFill>
+                      <a:schemeClr val="tx1"/>
+                    </a:solidFill>
+                    <a:latin typeface="Calibri" panose="020F0502020204030204" pitchFamily="34" charset="0"/>
+                    <a:ea typeface="宋体" panose="02010600030101010101" pitchFamily="2" charset="-122"/>
+                  </a:defRPr>
+                </a:lvl6pPr>
+                <a:lvl7pPr marL="2971800" indent="-228600" eaLnBrk="0" fontAlgn="base" hangingPunct="0">
+                  <a:spcBef>
+                    <a:spcPct val="20000"/>
+                  </a:spcBef>
+                  <a:spcAft>
+                    <a:spcPct val="0"/>
+                  </a:spcAft>
+                  <a:buFont typeface="Arial" panose="020B0604020202020204" pitchFamily="34" charset="0"/>
+                  <a:buChar char="»"/>
+                  <a:defRPr sz="2000">
+                    <a:solidFill>
+                      <a:schemeClr val="tx1"/>
+                    </a:solidFill>
+                    <a:latin typeface="Calibri" panose="020F0502020204030204" pitchFamily="34" charset="0"/>
+                    <a:ea typeface="宋体" panose="02010600030101010101" pitchFamily="2" charset="-122"/>
+                  </a:defRPr>
+                </a:lvl7pPr>
+                <a:lvl8pPr marL="3429000" indent="-228600" eaLnBrk="0" fontAlgn="base" hangingPunct="0">
+                  <a:spcBef>
+                    <a:spcPct val="20000"/>
+                  </a:spcBef>
+                  <a:spcAft>
+                    <a:spcPct val="0"/>
+                  </a:spcAft>
+                  <a:buFont typeface="Arial" panose="020B0604020202020204" pitchFamily="34" charset="0"/>
+                  <a:buChar char="»"/>
+                  <a:defRPr sz="2000">
+                    <a:solidFill>
+                      <a:schemeClr val="tx1"/>
+                    </a:solidFill>
+                    <a:latin typeface="Calibri" panose="020F0502020204030204" pitchFamily="34" charset="0"/>
+                    <a:ea typeface="宋体" panose="02010600030101010101" pitchFamily="2" charset="-122"/>
+                  </a:defRPr>
+                </a:lvl8pPr>
+                <a:lvl9pPr marL="3886200" indent="-228600" eaLnBrk="0" fontAlgn="base" hangingPunct="0">
+                  <a:spcBef>
+                    <a:spcPct val="20000"/>
+                  </a:spcBef>
+                  <a:spcAft>
+                    <a:spcPct val="0"/>
+                  </a:spcAft>
+                  <a:buFont typeface="Arial" panose="020B0604020202020204" pitchFamily="34" charset="0"/>
+                  <a:buChar char="»"/>
+                  <a:defRPr sz="2000">
+                    <a:solidFill>
+                      <a:schemeClr val="tx1"/>
+                    </a:solidFill>
+                    <a:latin typeface="Calibri" panose="020F0502020204030204" pitchFamily="34" charset="0"/>
+                    <a:ea typeface="宋体" panose="02010600030101010101" pitchFamily="2" charset="-122"/>
+                  </a:defRPr>
+                </a:lvl9pPr>
+              </a:lstStyle>
+              <a:p>
+                <a:pPr eaLnBrk="1" hangingPunct="1">
+                  <a:spcBef>
+                    <a:spcPct val="0"/>
+                  </a:spcBef>
+                  <a:buFontTx/>
+                  <a:buNone/>
+                </a:pPr>
+                <a:r>
+                  <a:rPr lang="en-US" altLang="zh-CN" sz="2400">
+                    <a:latin typeface="Arial" panose="020B0604020202020204" pitchFamily="34" charset="0"/>
+                  </a:rPr>
+                  <a:t>5</a:t>
+                </a:r>
+              </a:p>
+            </p:txBody>
+          </p:sp>
+          <p:sp>
+            <p:nvSpPr>
+              <p:cNvPr id="23566" name="Text Box 24">
+                <a:extLst>
+                  <a:ext uri="{FF2B5EF4-FFF2-40B4-BE49-F238E27FC236}">
+                    <a16:creationId xmlns:a16="http://schemas.microsoft.com/office/drawing/2014/main" id="{DA1838F8-CE77-4AE3-AF48-287B6196D376}"/>
+                  </a:ext>
+                </a:extLst>
+              </p:cNvPr>
+              <p:cNvSpPr txBox="1">
+                <a:spLocks noChangeArrowheads="1"/>
+              </p:cNvSpPr>
+              <p:nvPr/>
+            </p:nvSpPr>
+            <p:spPr bwMode="auto">
+              <a:xfrm>
+                <a:off x="5412" y="1893"/>
+                <a:ext cx="115" cy="245"/>
+              </a:xfrm>
+              <a:prstGeom prst="rect">
+                <a:avLst/>
+              </a:prstGeom>
+              <a:noFill/>
+              <a:ln>
+                <a:noFill/>
+              </a:ln>
+              <a:extLst>
+                <a:ext uri="{909E8E84-426E-40DD-AFC4-6F175D3DCCD1}">
+                  <a14:hiddenFill xmlns:a14="http://schemas.microsoft.com/office/drawing/2010/main">
+                    <a:solidFill>
+                      <a:srgbClr val="FFFFFF"/>
+                    </a:solidFill>
+                  </a14:hiddenFill>
+                </a:ext>
+                <a:ext uri="{91240B29-F687-4F45-9708-019B960494DF}">
+                  <a14:hiddenLine xmlns:a14="http://schemas.microsoft.com/office/drawing/2010/main" w="9525">
+                    <a:solidFill>
+                      <a:srgbClr val="000000"/>
+                    </a:solidFill>
+                    <a:miter lim="800000"/>
+                    <a:headEnd/>
+                    <a:tailEnd/>
+                  </a14:hiddenLine>
+                </a:ext>
+              </a:extLst>
+            </p:spPr>
+            <p:txBody>
+              <a:bodyPr wrap="none">
+                <a:spAutoFit/>
+              </a:bodyPr>
+              <a:lstStyle>
+                <a:lvl1pPr>
+                  <a:spcBef>
+                    <a:spcPct val="20000"/>
+                  </a:spcBef>
+                  <a:buFont typeface="Arial" panose="020B0604020202020204" pitchFamily="34" charset="0"/>
+                  <a:buChar char="•"/>
+                  <a:defRPr sz="3200">
+                    <a:solidFill>
+                      <a:schemeClr val="tx1"/>
+                    </a:solidFill>
+                    <a:latin typeface="Calibri" panose="020F0502020204030204" pitchFamily="34" charset="0"/>
+                    <a:ea typeface="宋体" panose="02010600030101010101" pitchFamily="2" charset="-122"/>
+                  </a:defRPr>
+                </a:lvl1pPr>
+                <a:lvl2pPr marL="742950" indent="-285750">
+                  <a:spcBef>
+                    <a:spcPct val="20000"/>
+                  </a:spcBef>
+                  <a:buFont typeface="Arial" panose="020B0604020202020204" pitchFamily="34" charset="0"/>
+                  <a:buChar char="–"/>
+                  <a:defRPr sz="2800">
+                    <a:solidFill>
+                      <a:schemeClr val="tx1"/>
+                    </a:solidFill>
+                    <a:latin typeface="Calibri" panose="020F0502020204030204" pitchFamily="34" charset="0"/>
+                    <a:ea typeface="宋体" panose="02010600030101010101" pitchFamily="2" charset="-122"/>
+                  </a:defRPr>
+                </a:lvl2pPr>
+                <a:lvl3pPr marL="1143000" indent="-228600">
+                  <a:spcBef>
+                    <a:spcPct val="20000"/>
+                  </a:spcBef>
+                  <a:buFont typeface="Arial" panose="020B0604020202020204" pitchFamily="34" charset="0"/>
+                  <a:buChar char="•"/>
+                  <a:defRPr sz="2400">
+                    <a:solidFill>
+                      <a:schemeClr val="tx1"/>
+                    </a:solidFill>
+                    <a:latin typeface="Calibri" panose="020F0502020204030204" pitchFamily="34" charset="0"/>
+                    <a:ea typeface="宋体" panose="02010600030101010101" pitchFamily="2" charset="-122"/>
+                  </a:defRPr>
+                </a:lvl3pPr>
+                <a:lvl4pPr marL="1600200" indent="-228600">
+                  <a:spcBef>
+                    <a:spcPct val="20000"/>
+                  </a:spcBef>
+                  <a:buFont typeface="Arial" panose="020B0604020202020204" pitchFamily="34" charset="0"/>
+                  <a:buChar char="–"/>
+                  <a:defRPr sz="2000">
+                    <a:solidFill>
+                      <a:schemeClr val="tx1"/>
+                    </a:solidFill>
+                    <a:latin typeface="Calibri" panose="020F0502020204030204" pitchFamily="34" charset="0"/>
+                    <a:ea typeface="宋体" panose="02010600030101010101" pitchFamily="2" charset="-122"/>
+                  </a:defRPr>
+                </a:lvl4pPr>
+                <a:lvl5pPr marL="2057400" indent="-228600">
+                  <a:spcBef>
+                    <a:spcPct val="20000"/>
+                  </a:spcBef>
+                  <a:buFont typeface="Arial" panose="020B0604020202020204" pitchFamily="34" charset="0"/>
+                  <a:buChar char="»"/>
+                  <a:defRPr sz="2000">
+                    <a:solidFill>
+                      <a:schemeClr val="tx1"/>
+                    </a:solidFill>
+                    <a:latin typeface="Calibri" panose="020F0502020204030204" pitchFamily="34" charset="0"/>
+                    <a:ea typeface="宋体" panose="02010600030101010101" pitchFamily="2" charset="-122"/>
+                  </a:defRPr>
+                </a:lvl5pPr>
+                <a:lvl6pPr marL="2514600" indent="-228600" eaLnBrk="0" fontAlgn="base" hangingPunct="0">
+                  <a:spcBef>
+                    <a:spcPct val="20000"/>
+                  </a:spcBef>
+                  <a:spcAft>
+                    <a:spcPct val="0"/>
+                  </a:spcAft>
+                  <a:buFont typeface="Arial" panose="020B0604020202020204" pitchFamily="34" charset="0"/>
+                  <a:buChar char="»"/>
+                  <a:defRPr sz="2000">
+                    <a:solidFill>
+                      <a:schemeClr val="tx1"/>
+                    </a:solidFill>
+                    <a:latin typeface="Calibri" panose="020F0502020204030204" pitchFamily="34" charset="0"/>
+                    <a:ea typeface="宋体" panose="02010600030101010101" pitchFamily="2" charset="-122"/>
+                  </a:defRPr>
+                </a:lvl6pPr>
+                <a:lvl7pPr marL="2971800" indent="-228600" eaLnBrk="0" fontAlgn="base" hangingPunct="0">
+                  <a:spcBef>
+                    <a:spcPct val="20000"/>
+                  </a:spcBef>
+                  <a:spcAft>
+                    <a:spcPct val="0"/>
+                  </a:spcAft>
+                  <a:buFont typeface="Arial" panose="020B0604020202020204" pitchFamily="34" charset="0"/>
+                  <a:buChar char="»"/>
+                  <a:defRPr sz="2000">
+                    <a:solidFill>
+                      <a:schemeClr val="tx1"/>
+                    </a:solidFill>
+                    <a:latin typeface="Calibri" panose="020F0502020204030204" pitchFamily="34" charset="0"/>
+                    <a:ea typeface="宋体" panose="02010600030101010101" pitchFamily="2" charset="-122"/>
+                  </a:defRPr>
+                </a:lvl7pPr>
+                <a:lvl8pPr marL="3429000" indent="-228600" eaLnBrk="0" fontAlgn="base" hangingPunct="0">
+                  <a:spcBef>
+                    <a:spcPct val="20000"/>
+                  </a:spcBef>
+                  <a:spcAft>
+                    <a:spcPct val="0"/>
+                  </a:spcAft>
+                  <a:buFont typeface="Arial" panose="020B0604020202020204" pitchFamily="34" charset="0"/>
+                  <a:buChar char="»"/>
+                  <a:defRPr sz="2000">
+                    <a:solidFill>
+                      <a:schemeClr val="tx1"/>
+                    </a:solidFill>
+                    <a:latin typeface="Calibri" panose="020F0502020204030204" pitchFamily="34" charset="0"/>
+                    <a:ea typeface="宋体" panose="02010600030101010101" pitchFamily="2" charset="-122"/>
+                  </a:defRPr>
+                </a:lvl8pPr>
+                <a:lvl9pPr marL="3886200" indent="-228600" eaLnBrk="0" fontAlgn="base" hangingPunct="0">
+                  <a:spcBef>
+                    <a:spcPct val="20000"/>
+                  </a:spcBef>
+                  <a:spcAft>
+                    <a:spcPct val="0"/>
+                  </a:spcAft>
+                  <a:buFont typeface="Arial" panose="020B0604020202020204" pitchFamily="34" charset="0"/>
+                  <a:buChar char="»"/>
+                  <a:defRPr sz="2000">
+                    <a:solidFill>
+                      <a:schemeClr val="tx1"/>
+                    </a:solidFill>
+                    <a:latin typeface="Calibri" panose="020F0502020204030204" pitchFamily="34" charset="0"/>
+                    <a:ea typeface="宋体" panose="02010600030101010101" pitchFamily="2" charset="-122"/>
+                  </a:defRPr>
+                </a:lvl9pPr>
+              </a:lstStyle>
+              <a:p>
+                <a:pPr eaLnBrk="1" hangingPunct="1">
+                  <a:spcBef>
+                    <a:spcPct val="0"/>
+                  </a:spcBef>
+                  <a:buFontTx/>
+                  <a:buNone/>
+                </a:pPr>
+                <a:endParaRPr lang="zh-CN" altLang="zh-CN" sz="2400">
+                  <a:latin typeface="Arial" panose="020B0604020202020204" pitchFamily="34" charset="0"/>
+                </a:endParaRPr>
+              </a:p>
+            </p:txBody>
+          </p:sp>
+          <p:sp>
+            <p:nvSpPr>
+              <p:cNvPr id="23567" name="Text Box 25">
+                <a:extLst>
+                  <a:ext uri="{FF2B5EF4-FFF2-40B4-BE49-F238E27FC236}">
+                    <a16:creationId xmlns:a16="http://schemas.microsoft.com/office/drawing/2014/main" id="{86731F75-61CC-4E8A-BABE-879B10146DE4}"/>
+                  </a:ext>
+                </a:extLst>
+              </p:cNvPr>
+              <p:cNvSpPr txBox="1">
+                <a:spLocks noChangeArrowheads="1"/>
+              </p:cNvSpPr>
+              <p:nvPr/>
+            </p:nvSpPr>
+            <p:spPr bwMode="auto">
+              <a:xfrm>
+                <a:off x="5412" y="2129"/>
+                <a:ext cx="221" cy="245"/>
+              </a:xfrm>
+              <a:prstGeom prst="rect">
+                <a:avLst/>
+              </a:prstGeom>
+              <a:noFill/>
+              <a:ln>
+                <a:noFill/>
+              </a:ln>
+              <a:extLst>
+                <a:ext uri="{909E8E84-426E-40DD-AFC4-6F175D3DCCD1}">
+                  <a14:hiddenFill xmlns:a14="http://schemas.microsoft.com/office/drawing/2010/main">
+                    <a:solidFill>
+                      <a:srgbClr val="FFFFFF"/>
+                    </a:solidFill>
+                  </a14:hiddenFill>
+                </a:ext>
+                <a:ext uri="{91240B29-F687-4F45-9708-019B960494DF}">
+                  <a14:hiddenLine xmlns:a14="http://schemas.microsoft.com/office/drawing/2010/main" w="9525">
+                    <a:solidFill>
+                      <a:srgbClr val="000000"/>
+                    </a:solidFill>
+                    <a:miter lim="800000"/>
+                    <a:headEnd/>
+                    <a:tailEnd/>
+                  </a14:hiddenLine>
+                </a:ext>
+              </a:extLst>
+            </p:spPr>
+            <p:txBody>
+              <a:bodyPr wrap="none">
+                <a:spAutoFit/>
+              </a:bodyPr>
+              <a:lstStyle>
+                <a:lvl1pPr>
+                  <a:spcBef>
+                    <a:spcPct val="20000"/>
+                  </a:spcBef>
+                  <a:buFont typeface="Arial" panose="020B0604020202020204" pitchFamily="34" charset="0"/>
+                  <a:buChar char="•"/>
+                  <a:defRPr sz="3200">
+                    <a:solidFill>
+                      <a:schemeClr val="tx1"/>
+                    </a:solidFill>
+                    <a:latin typeface="Calibri" panose="020F0502020204030204" pitchFamily="34" charset="0"/>
+                    <a:ea typeface="宋体" panose="02010600030101010101" pitchFamily="2" charset="-122"/>
+                  </a:defRPr>
+                </a:lvl1pPr>
+                <a:lvl2pPr marL="742950" indent="-285750">
+                  <a:spcBef>
+                    <a:spcPct val="20000"/>
+                  </a:spcBef>
+                  <a:buFont typeface="Arial" panose="020B0604020202020204" pitchFamily="34" charset="0"/>
+                  <a:buChar char="–"/>
+                  <a:defRPr sz="2800">
+                    <a:solidFill>
+                      <a:schemeClr val="tx1"/>
+                    </a:solidFill>
+                    <a:latin typeface="Calibri" panose="020F0502020204030204" pitchFamily="34" charset="0"/>
+                    <a:ea typeface="宋体" panose="02010600030101010101" pitchFamily="2" charset="-122"/>
+                  </a:defRPr>
+                </a:lvl2pPr>
+                <a:lvl3pPr marL="1143000" indent="-228600">
+                  <a:spcBef>
+                    <a:spcPct val="20000"/>
+                  </a:spcBef>
+                  <a:buFont typeface="Arial" panose="020B0604020202020204" pitchFamily="34" charset="0"/>
+                  <a:buChar char="•"/>
+                  <a:defRPr sz="2400">
+                    <a:solidFill>
+                      <a:schemeClr val="tx1"/>
+                    </a:solidFill>
+                    <a:latin typeface="Calibri" panose="020F0502020204030204" pitchFamily="34" charset="0"/>
+                    <a:ea typeface="宋体" panose="02010600030101010101" pitchFamily="2" charset="-122"/>
+                  </a:defRPr>
+                </a:lvl3pPr>
+                <a:lvl4pPr marL="1600200" indent="-228600">
+                  <a:spcBef>
+                    <a:spcPct val="20000"/>
+                  </a:spcBef>
+                  <a:buFont typeface="Arial" panose="020B0604020202020204" pitchFamily="34" charset="0"/>
+                  <a:buChar char="–"/>
+                  <a:defRPr sz="2000">
+                    <a:solidFill>
+                      <a:schemeClr val="tx1"/>
+                    </a:solidFill>
+                    <a:latin typeface="Calibri" panose="020F0502020204030204" pitchFamily="34" charset="0"/>
+                    <a:ea typeface="宋体" panose="02010600030101010101" pitchFamily="2" charset="-122"/>
+                  </a:defRPr>
+                </a:lvl4pPr>
+                <a:lvl5pPr marL="2057400" indent="-228600">
+                  <a:spcBef>
+                    <a:spcPct val="20000"/>
+                  </a:spcBef>
+                  <a:buFont typeface="Arial" panose="020B0604020202020204" pitchFamily="34" charset="0"/>
+                  <a:buChar char="»"/>
+                  <a:defRPr sz="2000">
+                    <a:solidFill>
+                      <a:schemeClr val="tx1"/>
+                    </a:solidFill>
+                    <a:latin typeface="Calibri" panose="020F0502020204030204" pitchFamily="34" charset="0"/>
+                    <a:ea typeface="宋体" panose="02010600030101010101" pitchFamily="2" charset="-122"/>
+                  </a:defRPr>
+                </a:lvl5pPr>
+                <a:lvl6pPr marL="2514600" indent="-228600" eaLnBrk="0" fontAlgn="base" hangingPunct="0">
+                  <a:spcBef>
+                    <a:spcPct val="20000"/>
+                  </a:spcBef>
+                  <a:spcAft>
+                    <a:spcPct val="0"/>
+                  </a:spcAft>
+                  <a:buFont typeface="Arial" panose="020B0604020202020204" pitchFamily="34" charset="0"/>
+                  <a:buChar char="»"/>
+                  <a:defRPr sz="2000">
+                    <a:solidFill>
+                      <a:schemeClr val="tx1"/>
+                    </a:solidFill>
+                    <a:latin typeface="Calibri" panose="020F0502020204030204" pitchFamily="34" charset="0"/>
+                    <a:ea typeface="宋体" panose="02010600030101010101" pitchFamily="2" charset="-122"/>
+                  </a:defRPr>
+                </a:lvl6pPr>
+                <a:lvl7pPr marL="2971800" indent="-228600" eaLnBrk="0" fontAlgn="base" hangingPunct="0">
+                  <a:spcBef>
+                    <a:spcPct val="20000"/>
+                  </a:spcBef>
+                  <a:spcAft>
+                    <a:spcPct val="0"/>
+                  </a:spcAft>
+                  <a:buFont typeface="Arial" panose="020B0604020202020204" pitchFamily="34" charset="0"/>
+                  <a:buChar char="»"/>
+                  <a:defRPr sz="2000">
+                    <a:solidFill>
+                      <a:schemeClr val="tx1"/>
+                    </a:solidFill>
+                    <a:latin typeface="Calibri" panose="020F0502020204030204" pitchFamily="34" charset="0"/>
+                    <a:ea typeface="宋体" panose="02010600030101010101" pitchFamily="2" charset="-122"/>
+                  </a:defRPr>
+                </a:lvl7pPr>
+                <a:lvl8pPr marL="3429000" indent="-228600" eaLnBrk="0" fontAlgn="base" hangingPunct="0">
+                  <a:spcBef>
+                    <a:spcPct val="20000"/>
+                  </a:spcBef>
+                  <a:spcAft>
+                    <a:spcPct val="0"/>
+                  </a:spcAft>
+                  <a:buFont typeface="Arial" panose="020B0604020202020204" pitchFamily="34" charset="0"/>
+                  <a:buChar char="»"/>
+                  <a:defRPr sz="2000">
+                    <a:solidFill>
+                      <a:schemeClr val="tx1"/>
+                    </a:solidFill>
+                    <a:latin typeface="Calibri" panose="020F0502020204030204" pitchFamily="34" charset="0"/>
+                    <a:ea typeface="宋体" panose="02010600030101010101" pitchFamily="2" charset="-122"/>
+                  </a:defRPr>
+                </a:lvl8pPr>
+                <a:lvl9pPr marL="3886200" indent="-228600" eaLnBrk="0" fontAlgn="base" hangingPunct="0">
+                  <a:spcBef>
+                    <a:spcPct val="20000"/>
+                  </a:spcBef>
+                  <a:spcAft>
+                    <a:spcPct val="0"/>
+                  </a:spcAft>
+                  <a:buFont typeface="Arial" panose="020B0604020202020204" pitchFamily="34" charset="0"/>
+                  <a:buChar char="»"/>
+                  <a:defRPr sz="2000">
+                    <a:solidFill>
+                      <a:schemeClr val="tx1"/>
+                    </a:solidFill>
+                    <a:latin typeface="Calibri" panose="020F0502020204030204" pitchFamily="34" charset="0"/>
+                    <a:ea typeface="宋体" panose="02010600030101010101" pitchFamily="2" charset="-122"/>
+                  </a:defRPr>
+                </a:lvl9pPr>
+              </a:lstStyle>
+              <a:p>
+                <a:pPr eaLnBrk="1" hangingPunct="1">
+                  <a:spcBef>
+                    <a:spcPct val="0"/>
+                  </a:spcBef>
+                  <a:buFontTx/>
+                  <a:buNone/>
+                </a:pPr>
+                <a:r>
+                  <a:rPr lang="en-US" altLang="zh-CN" sz="2400">
+                    <a:latin typeface="Arial" panose="020B0604020202020204" pitchFamily="34" charset="0"/>
+                  </a:rPr>
+                  <a:t>4</a:t>
+                </a:r>
+              </a:p>
+            </p:txBody>
+          </p:sp>
+          <p:sp>
+            <p:nvSpPr>
+              <p:cNvPr id="23568" name="Text Box 26">
+                <a:extLst>
+                  <a:ext uri="{FF2B5EF4-FFF2-40B4-BE49-F238E27FC236}">
+                    <a16:creationId xmlns:a16="http://schemas.microsoft.com/office/drawing/2014/main" id="{842F1C76-5B85-4FAB-BB8F-58DF4E4CAFEE}"/>
+                  </a:ext>
+                </a:extLst>
+              </p:cNvPr>
+              <p:cNvSpPr txBox="1">
+                <a:spLocks noChangeArrowheads="1"/>
+              </p:cNvSpPr>
+              <p:nvPr/>
+            </p:nvSpPr>
+            <p:spPr bwMode="auto">
+              <a:xfrm>
+                <a:off x="5412" y="2347"/>
+                <a:ext cx="115" cy="245"/>
+              </a:xfrm>
+              <a:prstGeom prst="rect">
+                <a:avLst/>
+              </a:prstGeom>
+              <a:noFill/>
+              <a:ln>
+                <a:noFill/>
+              </a:ln>
+              <a:extLst>
+                <a:ext uri="{909E8E84-426E-40DD-AFC4-6F175D3DCCD1}">
+                  <a14:hiddenFill xmlns:a14="http://schemas.microsoft.com/office/drawing/2010/main">
+                    <a:solidFill>
+                      <a:srgbClr val="FFFFFF"/>
+                    </a:solidFill>
+                  </a14:hiddenFill>
+                </a:ext>
+                <a:ext uri="{91240B29-F687-4F45-9708-019B960494DF}">
+                  <a14:hiddenLine xmlns:a14="http://schemas.microsoft.com/office/drawing/2010/main" w="9525">
+                    <a:solidFill>
+                      <a:srgbClr val="000000"/>
+                    </a:solidFill>
+                    <a:miter lim="800000"/>
+                    <a:headEnd/>
+                    <a:tailEnd/>
+                  </a14:hiddenLine>
+                </a:ext>
+              </a:extLst>
+            </p:spPr>
+            <p:txBody>
+              <a:bodyPr wrap="none">
+                <a:spAutoFit/>
+              </a:bodyPr>
+              <a:lstStyle>
+                <a:lvl1pPr>
+                  <a:spcBef>
+                    <a:spcPct val="20000"/>
+                  </a:spcBef>
+                  <a:buFont typeface="Arial" panose="020B0604020202020204" pitchFamily="34" charset="0"/>
+                  <a:buChar char="•"/>
+                  <a:defRPr sz="3200">
+                    <a:solidFill>
+                      <a:schemeClr val="tx1"/>
+                    </a:solidFill>
+                    <a:latin typeface="Calibri" panose="020F0502020204030204" pitchFamily="34" charset="0"/>
+                    <a:ea typeface="宋体" panose="02010600030101010101" pitchFamily="2" charset="-122"/>
+                  </a:defRPr>
+                </a:lvl1pPr>
+                <a:lvl2pPr marL="742950" indent="-285750">
+                  <a:spcBef>
+                    <a:spcPct val="20000"/>
+                  </a:spcBef>
+                  <a:buFont typeface="Arial" panose="020B0604020202020204" pitchFamily="34" charset="0"/>
+                  <a:buChar char="–"/>
+                  <a:defRPr sz="2800">
+                    <a:solidFill>
+                      <a:schemeClr val="tx1"/>
+                    </a:solidFill>
+                    <a:latin typeface="Calibri" panose="020F0502020204030204" pitchFamily="34" charset="0"/>
+                    <a:ea typeface="宋体" panose="02010600030101010101" pitchFamily="2" charset="-122"/>
+                  </a:defRPr>
+                </a:lvl2pPr>
+                <a:lvl3pPr marL="1143000" indent="-228600">
+                  <a:spcBef>
+                    <a:spcPct val="20000"/>
+                  </a:spcBef>
+                  <a:buFont typeface="Arial" panose="020B0604020202020204" pitchFamily="34" charset="0"/>
+                  <a:buChar char="•"/>
+                  <a:defRPr sz="2400">
+                    <a:solidFill>
+                      <a:schemeClr val="tx1"/>
+                    </a:solidFill>
+                    <a:latin typeface="Calibri" panose="020F0502020204030204" pitchFamily="34" charset="0"/>
+                    <a:ea typeface="宋体" panose="02010600030101010101" pitchFamily="2" charset="-122"/>
+                  </a:defRPr>
+                </a:lvl3pPr>
+                <a:lvl4pPr marL="1600200" indent="-228600">
+                  <a:spcBef>
+                    <a:spcPct val="20000"/>
+                  </a:spcBef>
+                  <a:buFont typeface="Arial" panose="020B0604020202020204" pitchFamily="34" charset="0"/>
+                  <a:buChar char="–"/>
+                  <a:defRPr sz="2000">
+                    <a:solidFill>
+                      <a:schemeClr val="tx1"/>
+                    </a:solidFill>
+                    <a:latin typeface="Calibri" panose="020F0502020204030204" pitchFamily="34" charset="0"/>
+                    <a:ea typeface="宋体" panose="02010600030101010101" pitchFamily="2" charset="-122"/>
+                  </a:defRPr>
+                </a:lvl4pPr>
+                <a:lvl5pPr marL="2057400" indent="-228600">
+                  <a:spcBef>
+                    <a:spcPct val="20000"/>
+                  </a:spcBef>
+                  <a:buFont typeface="Arial" panose="020B0604020202020204" pitchFamily="34" charset="0"/>
+                  <a:buChar char="»"/>
+                  <a:defRPr sz="2000">
+                    <a:solidFill>
+                      <a:schemeClr val="tx1"/>
+                    </a:solidFill>
+                    <a:latin typeface="Calibri" panose="020F0502020204030204" pitchFamily="34" charset="0"/>
+                    <a:ea typeface="宋体" panose="02010600030101010101" pitchFamily="2" charset="-122"/>
+                  </a:defRPr>
+                </a:lvl5pPr>
+                <a:lvl6pPr marL="2514600" indent="-228600" eaLnBrk="0" fontAlgn="base" hangingPunct="0">
+                  <a:spcBef>
+                    <a:spcPct val="20000"/>
+                  </a:spcBef>
+                  <a:spcAft>
+                    <a:spcPct val="0"/>
+                  </a:spcAft>
+                  <a:buFont typeface="Arial" panose="020B0604020202020204" pitchFamily="34" charset="0"/>
+                  <a:buChar char="»"/>
+                  <a:defRPr sz="2000">
+                    <a:solidFill>
+                      <a:schemeClr val="tx1"/>
+                    </a:solidFill>
+                    <a:latin typeface="Calibri" panose="020F0502020204030204" pitchFamily="34" charset="0"/>
+                    <a:ea typeface="宋体" panose="02010600030101010101" pitchFamily="2" charset="-122"/>
+                  </a:defRPr>
+                </a:lvl6pPr>
+                <a:lvl7pPr marL="2971800" indent="-228600" eaLnBrk="0" fontAlgn="base" hangingPunct="0">
+                  <a:spcBef>
+                    <a:spcPct val="20000"/>
+                  </a:spcBef>
+                  <a:spcAft>
+                    <a:spcPct val="0"/>
+                  </a:spcAft>
+                  <a:buFont typeface="Arial" panose="020B0604020202020204" pitchFamily="34" charset="0"/>
+                  <a:buChar char="»"/>
+                  <a:defRPr sz="2000">
+                    <a:solidFill>
+                      <a:schemeClr val="tx1"/>
+                    </a:solidFill>
+                    <a:latin typeface="Calibri" panose="020F0502020204030204" pitchFamily="34" charset="0"/>
+                    <a:ea typeface="宋体" panose="02010600030101010101" pitchFamily="2" charset="-122"/>
+                  </a:defRPr>
+                </a:lvl7pPr>
+                <a:lvl8pPr marL="3429000" indent="-228600" eaLnBrk="0" fontAlgn="base" hangingPunct="0">
+                  <a:spcBef>
+                    <a:spcPct val="20000"/>
+                  </a:spcBef>
+                  <a:spcAft>
+                    <a:spcPct val="0"/>
+                  </a:spcAft>
+                  <a:buFont typeface="Arial" panose="020B0604020202020204" pitchFamily="34" charset="0"/>
+                  <a:buChar char="»"/>
+                  <a:defRPr sz="2000">
+                    <a:solidFill>
+                      <a:schemeClr val="tx1"/>
+                    </a:solidFill>
+                    <a:latin typeface="Calibri" panose="020F0502020204030204" pitchFamily="34" charset="0"/>
+                    <a:ea typeface="宋体" panose="02010600030101010101" pitchFamily="2" charset="-122"/>
+                  </a:defRPr>
+                </a:lvl8pPr>
+                <a:lvl9pPr marL="3886200" indent="-228600" eaLnBrk="0" fontAlgn="base" hangingPunct="0">
+                  <a:spcBef>
+                    <a:spcPct val="20000"/>
+                  </a:spcBef>
+                  <a:spcAft>
+                    <a:spcPct val="0"/>
+                  </a:spcAft>
+                  <a:buFont typeface="Arial" panose="020B0604020202020204" pitchFamily="34" charset="0"/>
+                  <a:buChar char="»"/>
+                  <a:defRPr sz="2000">
+                    <a:solidFill>
+                      <a:schemeClr val="tx1"/>
+                    </a:solidFill>
+                    <a:latin typeface="Calibri" panose="020F0502020204030204" pitchFamily="34" charset="0"/>
+                    <a:ea typeface="宋体" panose="02010600030101010101" pitchFamily="2" charset="-122"/>
+                  </a:defRPr>
+                </a:lvl9pPr>
+              </a:lstStyle>
+              <a:p>
+                <a:pPr eaLnBrk="1" hangingPunct="1">
+                  <a:spcBef>
+                    <a:spcPct val="0"/>
+                  </a:spcBef>
+                  <a:buFontTx/>
+                  <a:buNone/>
+                </a:pPr>
+                <a:endParaRPr lang="zh-CN" altLang="zh-CN" sz="2400">
+                  <a:latin typeface="Arial" panose="020B0604020202020204" pitchFamily="34" charset="0"/>
+                </a:endParaRPr>
+              </a:p>
+            </p:txBody>
+          </p:sp>
+          <p:sp>
+            <p:nvSpPr>
+              <p:cNvPr id="23569" name="Text Box 27">
+                <a:extLst>
+                  <a:ext uri="{FF2B5EF4-FFF2-40B4-BE49-F238E27FC236}">
+                    <a16:creationId xmlns:a16="http://schemas.microsoft.com/office/drawing/2014/main" id="{5B4C57A9-6D20-4D5F-9971-3B0ABA227035}"/>
+                  </a:ext>
+                </a:extLst>
+              </p:cNvPr>
+              <p:cNvSpPr txBox="1">
+                <a:spLocks noChangeArrowheads="1"/>
+              </p:cNvSpPr>
+              <p:nvPr/>
+            </p:nvSpPr>
+            <p:spPr bwMode="auto">
+              <a:xfrm>
+                <a:off x="5412" y="2583"/>
+                <a:ext cx="221" cy="245"/>
+              </a:xfrm>
+              <a:prstGeom prst="rect">
+                <a:avLst/>
+              </a:prstGeom>
+              <a:noFill/>
+              <a:ln>
+                <a:noFill/>
+              </a:ln>
+              <a:extLst>
+                <a:ext uri="{909E8E84-426E-40DD-AFC4-6F175D3DCCD1}">
+                  <a14:hiddenFill xmlns:a14="http://schemas.microsoft.com/office/drawing/2010/main">
+                    <a:solidFill>
+                      <a:srgbClr val="FFFFFF"/>
+                    </a:solidFill>
+                  </a14:hiddenFill>
+                </a:ext>
+                <a:ext uri="{91240B29-F687-4F45-9708-019B960494DF}">
+                  <a14:hiddenLine xmlns:a14="http://schemas.microsoft.com/office/drawing/2010/main" w="9525">
+                    <a:solidFill>
+                      <a:srgbClr val="000000"/>
+                    </a:solidFill>
+                    <a:miter lim="800000"/>
+                    <a:headEnd/>
+                    <a:tailEnd/>
+                  </a14:hiddenLine>
+                </a:ext>
+              </a:extLst>
+            </p:spPr>
+            <p:txBody>
+              <a:bodyPr wrap="none">
+                <a:spAutoFit/>
+              </a:bodyPr>
+              <a:lstStyle>
+                <a:lvl1pPr>
+                  <a:spcBef>
+                    <a:spcPct val="20000"/>
+                  </a:spcBef>
+                  <a:buFont typeface="Arial" panose="020B0604020202020204" pitchFamily="34" charset="0"/>
+                  <a:buChar char="•"/>
+                  <a:defRPr sz="3200">
+                    <a:solidFill>
+                      <a:schemeClr val="tx1"/>
+                    </a:solidFill>
+                    <a:latin typeface="Calibri" panose="020F0502020204030204" pitchFamily="34" charset="0"/>
+                    <a:ea typeface="宋体" panose="02010600030101010101" pitchFamily="2" charset="-122"/>
+                  </a:defRPr>
+                </a:lvl1pPr>
+                <a:lvl2pPr marL="742950" indent="-285750">
+                  <a:spcBef>
+                    <a:spcPct val="20000"/>
+                  </a:spcBef>
+                  <a:buFont typeface="Arial" panose="020B0604020202020204" pitchFamily="34" charset="0"/>
+                  <a:buChar char="–"/>
+                  <a:defRPr sz="2800">
+                    <a:solidFill>
+                      <a:schemeClr val="tx1"/>
+                    </a:solidFill>
+                    <a:latin typeface="Calibri" panose="020F0502020204030204" pitchFamily="34" charset="0"/>
+                    <a:ea typeface="宋体" panose="02010600030101010101" pitchFamily="2" charset="-122"/>
+                  </a:defRPr>
+                </a:lvl2pPr>
+                <a:lvl3pPr marL="1143000" indent="-228600">
+                  <a:spcBef>
+                    <a:spcPct val="20000"/>
+                  </a:spcBef>
+                  <a:buFont typeface="Arial" panose="020B0604020202020204" pitchFamily="34" charset="0"/>
+                  <a:buChar char="•"/>
+                  <a:defRPr sz="2400">
+                    <a:solidFill>
+                      <a:schemeClr val="tx1"/>
+                    </a:solidFill>
+                    <a:latin typeface="Calibri" panose="020F0502020204030204" pitchFamily="34" charset="0"/>
+                    <a:ea typeface="宋体" panose="02010600030101010101" pitchFamily="2" charset="-122"/>
+                  </a:defRPr>
+                </a:lvl3pPr>
+                <a:lvl4pPr marL="1600200" indent="-228600">
+                  <a:spcBef>
+                    <a:spcPct val="20000"/>
+                  </a:spcBef>
+                  <a:buFont typeface="Arial" panose="020B0604020202020204" pitchFamily="34" charset="0"/>
+                  <a:buChar char="–"/>
+                  <a:defRPr sz="2000">
+                    <a:solidFill>
+                      <a:schemeClr val="tx1"/>
+                    </a:solidFill>
+                    <a:latin typeface="Calibri" panose="020F0502020204030204" pitchFamily="34" charset="0"/>
+                    <a:ea typeface="宋体" panose="02010600030101010101" pitchFamily="2" charset="-122"/>
+                  </a:defRPr>
+                </a:lvl4pPr>
+                <a:lvl5pPr marL="2057400" indent="-228600">
+                  <a:spcBef>
+                    <a:spcPct val="20000"/>
+                  </a:spcBef>
+                  <a:buFont typeface="Arial" panose="020B0604020202020204" pitchFamily="34" charset="0"/>
+                  <a:buChar char="»"/>
+                  <a:defRPr sz="2000">
+                    <a:solidFill>
+                      <a:schemeClr val="tx1"/>
+                    </a:solidFill>
+                    <a:latin typeface="Calibri" panose="020F0502020204030204" pitchFamily="34" charset="0"/>
+                    <a:ea typeface="宋体" panose="02010600030101010101" pitchFamily="2" charset="-122"/>
+                  </a:defRPr>
+                </a:lvl5pPr>
+                <a:lvl6pPr marL="2514600" indent="-228600" eaLnBrk="0" fontAlgn="base" hangingPunct="0">
+                  <a:spcBef>
+                    <a:spcPct val="20000"/>
+                  </a:spcBef>
+                  <a:spcAft>
+                    <a:spcPct val="0"/>
+                  </a:spcAft>
+                  <a:buFont typeface="Arial" panose="020B0604020202020204" pitchFamily="34" charset="0"/>
+                  <a:buChar char="»"/>
+                  <a:defRPr sz="2000">
+                    <a:solidFill>
+                      <a:schemeClr val="tx1"/>
+                    </a:solidFill>
+                    <a:latin typeface="Calibri" panose="020F0502020204030204" pitchFamily="34" charset="0"/>
+                    <a:ea typeface="宋体" panose="02010600030101010101" pitchFamily="2" charset="-122"/>
+                  </a:defRPr>
+                </a:lvl6pPr>
+                <a:lvl7pPr marL="2971800" indent="-228600" eaLnBrk="0" fontAlgn="base" hangingPunct="0">
+                  <a:spcBef>
+                    <a:spcPct val="20000"/>
+                  </a:spcBef>
+                  <a:spcAft>
+                    <a:spcPct val="0"/>
+                  </a:spcAft>
+                  <a:buFont typeface="Arial" panose="020B0604020202020204" pitchFamily="34" charset="0"/>
+                  <a:buChar char="»"/>
+                  <a:defRPr sz="2000">
+                    <a:solidFill>
+                      <a:schemeClr val="tx1"/>
+                    </a:solidFill>
+                    <a:latin typeface="Calibri" panose="020F0502020204030204" pitchFamily="34" charset="0"/>
+                    <a:ea typeface="宋体" panose="02010600030101010101" pitchFamily="2" charset="-122"/>
+                  </a:defRPr>
+                </a:lvl7pPr>
+                <a:lvl8pPr marL="3429000" indent="-228600" eaLnBrk="0" fontAlgn="base" hangingPunct="0">
+                  <a:spcBef>
+                    <a:spcPct val="20000"/>
+                  </a:spcBef>
+                  <a:spcAft>
+                    <a:spcPct val="0"/>
+                  </a:spcAft>
+                  <a:buFont typeface="Arial" panose="020B0604020202020204" pitchFamily="34" charset="0"/>
+                  <a:buChar char="»"/>
+                  <a:defRPr sz="2000">
+                    <a:solidFill>
+                      <a:schemeClr val="tx1"/>
+                    </a:solidFill>
+                    <a:latin typeface="Calibri" panose="020F0502020204030204" pitchFamily="34" charset="0"/>
+                    <a:ea typeface="宋体" panose="02010600030101010101" pitchFamily="2" charset="-122"/>
+                  </a:defRPr>
+                </a:lvl8pPr>
+                <a:lvl9pPr marL="3886200" indent="-228600" eaLnBrk="0" fontAlgn="base" hangingPunct="0">
+                  <a:spcBef>
+                    <a:spcPct val="20000"/>
+                  </a:spcBef>
+                  <a:spcAft>
+                    <a:spcPct val="0"/>
+                  </a:spcAft>
+                  <a:buFont typeface="Arial" panose="020B0604020202020204" pitchFamily="34" charset="0"/>
+                  <a:buChar char="»"/>
+                  <a:defRPr sz="2000">
+                    <a:solidFill>
+                      <a:schemeClr val="tx1"/>
+                    </a:solidFill>
+                    <a:latin typeface="Calibri" panose="020F0502020204030204" pitchFamily="34" charset="0"/>
+                    <a:ea typeface="宋体" panose="02010600030101010101" pitchFamily="2" charset="-122"/>
+                  </a:defRPr>
+                </a:lvl9pPr>
+              </a:lstStyle>
+              <a:p>
+                <a:pPr eaLnBrk="1" hangingPunct="1">
+                  <a:spcBef>
+                    <a:spcPct val="0"/>
+                  </a:spcBef>
+                  <a:buFontTx/>
+                  <a:buNone/>
+                </a:pPr>
+                <a:r>
+                  <a:rPr lang="en-US" altLang="zh-CN" sz="2400">
+                    <a:latin typeface="Arial" panose="020B0604020202020204" pitchFamily="34" charset="0"/>
+                  </a:rPr>
+                  <a:t>3</a:t>
+                </a:r>
+              </a:p>
+            </p:txBody>
+          </p:sp>
+          <p:sp>
+            <p:nvSpPr>
+              <p:cNvPr id="23570" name="Text Box 28">
+                <a:extLst>
+                  <a:ext uri="{FF2B5EF4-FFF2-40B4-BE49-F238E27FC236}">
+                    <a16:creationId xmlns:a16="http://schemas.microsoft.com/office/drawing/2014/main" id="{0C2474CB-E0AB-4792-BA96-8F0DAD2F4CFF}"/>
+                  </a:ext>
+                </a:extLst>
+              </p:cNvPr>
+              <p:cNvSpPr txBox="1">
+                <a:spLocks noChangeArrowheads="1"/>
+              </p:cNvSpPr>
+              <p:nvPr/>
+            </p:nvSpPr>
+            <p:spPr bwMode="auto">
+              <a:xfrm>
+                <a:off x="5412" y="2801"/>
+                <a:ext cx="115" cy="245"/>
+              </a:xfrm>
+              <a:prstGeom prst="rect">
+                <a:avLst/>
+              </a:prstGeom>
+              <a:noFill/>
+              <a:ln>
+                <a:noFill/>
+              </a:ln>
+              <a:extLst>
+                <a:ext uri="{909E8E84-426E-40DD-AFC4-6F175D3DCCD1}">
+                  <a14:hiddenFill xmlns:a14="http://schemas.microsoft.com/office/drawing/2010/main">
+                    <a:solidFill>
+                      <a:srgbClr val="FFFFFF"/>
+                    </a:solidFill>
+                  </a14:hiddenFill>
+                </a:ext>
+                <a:ext uri="{91240B29-F687-4F45-9708-019B960494DF}">
+                  <a14:hiddenLine xmlns:a14="http://schemas.microsoft.com/office/drawing/2010/main" w="9525">
+                    <a:solidFill>
+                      <a:srgbClr val="000000"/>
+                    </a:solidFill>
+                    <a:miter lim="800000"/>
+                    <a:headEnd/>
+                    <a:tailEnd/>
+                  </a14:hiddenLine>
+                </a:ext>
+              </a:extLst>
+            </p:spPr>
+            <p:txBody>
+              <a:bodyPr wrap="none">
+                <a:spAutoFit/>
+              </a:bodyPr>
+              <a:lstStyle>
+                <a:lvl1pPr>
+                  <a:spcBef>
+                    <a:spcPct val="20000"/>
+                  </a:spcBef>
+                  <a:buFont typeface="Arial" panose="020B0604020202020204" pitchFamily="34" charset="0"/>
+                  <a:buChar char="•"/>
+                  <a:defRPr sz="3200">
+                    <a:solidFill>
+                      <a:schemeClr val="tx1"/>
+                    </a:solidFill>
+                    <a:latin typeface="Calibri" panose="020F0502020204030204" pitchFamily="34" charset="0"/>
+                    <a:ea typeface="宋体" panose="02010600030101010101" pitchFamily="2" charset="-122"/>
+                  </a:defRPr>
+                </a:lvl1pPr>
+                <a:lvl2pPr marL="742950" indent="-285750">
+                  <a:spcBef>
+                    <a:spcPct val="20000"/>
+                  </a:spcBef>
+                  <a:buFont typeface="Arial" panose="020B0604020202020204" pitchFamily="34" charset="0"/>
+                  <a:buChar char="–"/>
+                  <a:defRPr sz="2800">
+                    <a:solidFill>
+                      <a:schemeClr val="tx1"/>
+                    </a:solidFill>
+                    <a:latin typeface="Calibri" panose="020F0502020204030204" pitchFamily="34" charset="0"/>
+                    <a:ea typeface="宋体" panose="02010600030101010101" pitchFamily="2" charset="-122"/>
+                  </a:defRPr>
+                </a:lvl2pPr>
+                <a:lvl3pPr marL="1143000" indent="-228600">
+                  <a:spcBef>
+                    <a:spcPct val="20000"/>
+                  </a:spcBef>
+                  <a:buFont typeface="Arial" panose="020B0604020202020204" pitchFamily="34" charset="0"/>
+                  <a:buChar char="•"/>
+                  <a:defRPr sz="2400">
+                    <a:solidFill>
+                      <a:schemeClr val="tx1"/>
+                    </a:solidFill>
+                    <a:latin typeface="Calibri" panose="020F0502020204030204" pitchFamily="34" charset="0"/>
+                    <a:ea typeface="宋体" panose="02010600030101010101" pitchFamily="2" charset="-122"/>
+                  </a:defRPr>
+                </a:lvl3pPr>
+                <a:lvl4pPr marL="1600200" indent="-228600">
+                  <a:spcBef>
+                    <a:spcPct val="20000"/>
+                  </a:spcBef>
+                  <a:buFont typeface="Arial" panose="020B0604020202020204" pitchFamily="34" charset="0"/>
+                  <a:buChar char="–"/>
+                  <a:defRPr sz="2000">
+                    <a:solidFill>
+                      <a:schemeClr val="tx1"/>
+                    </a:solidFill>
+                    <a:latin typeface="Calibri" panose="020F0502020204030204" pitchFamily="34" charset="0"/>
+                    <a:ea typeface="宋体" panose="02010600030101010101" pitchFamily="2" charset="-122"/>
+                  </a:defRPr>
+                </a:lvl4pPr>
+                <a:lvl5pPr marL="2057400" indent="-228600">
+                  <a:spcBef>
+                    <a:spcPct val="20000"/>
+                  </a:spcBef>
+                  <a:buFont typeface="Arial" panose="020B0604020202020204" pitchFamily="34" charset="0"/>
+                  <a:buChar char="»"/>
+                  <a:defRPr sz="2000">
+                    <a:solidFill>
+                      <a:schemeClr val="tx1"/>
+                    </a:solidFill>
+                    <a:latin typeface="Calibri" panose="020F0502020204030204" pitchFamily="34" charset="0"/>
+                    <a:ea typeface="宋体" panose="02010600030101010101" pitchFamily="2" charset="-122"/>
+                  </a:defRPr>
+                </a:lvl5pPr>
+                <a:lvl6pPr marL="2514600" indent="-228600" eaLnBrk="0" fontAlgn="base" hangingPunct="0">
+                  <a:spcBef>
+                    <a:spcPct val="20000"/>
+                  </a:spcBef>
+                  <a:spcAft>
+                    <a:spcPct val="0"/>
+                  </a:spcAft>
+                  <a:buFont typeface="Arial" panose="020B0604020202020204" pitchFamily="34" charset="0"/>
+                  <a:buChar char="»"/>
+                  <a:defRPr sz="2000">
+                    <a:solidFill>
+                      <a:schemeClr val="tx1"/>
+                    </a:solidFill>
+                    <a:latin typeface="Calibri" panose="020F0502020204030204" pitchFamily="34" charset="0"/>
+                    <a:ea typeface="宋体" panose="02010600030101010101" pitchFamily="2" charset="-122"/>
+                  </a:defRPr>
+                </a:lvl6pPr>
+                <a:lvl7pPr marL="2971800" indent="-228600" eaLnBrk="0" fontAlgn="base" hangingPunct="0">
+                  <a:spcBef>
+                    <a:spcPct val="20000"/>
+                  </a:spcBef>
+                  <a:spcAft>
+                    <a:spcPct val="0"/>
+                  </a:spcAft>
+                  <a:buFont typeface="Arial" panose="020B0604020202020204" pitchFamily="34" charset="0"/>
+                  <a:buChar char="»"/>
+                  <a:defRPr sz="2000">
+                    <a:solidFill>
+                      <a:schemeClr val="tx1"/>
+                    </a:solidFill>
+                    <a:latin typeface="Calibri" panose="020F0502020204030204" pitchFamily="34" charset="0"/>
+                    <a:ea typeface="宋体" panose="02010600030101010101" pitchFamily="2" charset="-122"/>
+                  </a:defRPr>
+                </a:lvl7pPr>
+                <a:lvl8pPr marL="3429000" indent="-228600" eaLnBrk="0" fontAlgn="base" hangingPunct="0">
+                  <a:spcBef>
+                    <a:spcPct val="20000"/>
+                  </a:spcBef>
+                  <a:spcAft>
+                    <a:spcPct val="0"/>
+                  </a:spcAft>
+                  <a:buFont typeface="Arial" panose="020B0604020202020204" pitchFamily="34" charset="0"/>
+                  <a:buChar char="»"/>
+                  <a:defRPr sz="2000">
+                    <a:solidFill>
+                      <a:schemeClr val="tx1"/>
+                    </a:solidFill>
+                    <a:latin typeface="Calibri" panose="020F0502020204030204" pitchFamily="34" charset="0"/>
+                    <a:ea typeface="宋体" panose="02010600030101010101" pitchFamily="2" charset="-122"/>
+                  </a:defRPr>
+                </a:lvl8pPr>
+                <a:lvl9pPr marL="3886200" indent="-228600" eaLnBrk="0" fontAlgn="base" hangingPunct="0">
+                  <a:spcBef>
+                    <a:spcPct val="20000"/>
+                  </a:spcBef>
+                  <a:spcAft>
+                    <a:spcPct val="0"/>
+                  </a:spcAft>
+                  <a:buFont typeface="Arial" panose="020B0604020202020204" pitchFamily="34" charset="0"/>
+                  <a:buChar char="»"/>
+                  <a:defRPr sz="2000">
+                    <a:solidFill>
+                      <a:schemeClr val="tx1"/>
+                    </a:solidFill>
+                    <a:latin typeface="Calibri" panose="020F0502020204030204" pitchFamily="34" charset="0"/>
+                    <a:ea typeface="宋体" panose="02010600030101010101" pitchFamily="2" charset="-122"/>
+                  </a:defRPr>
+                </a:lvl9pPr>
+              </a:lstStyle>
+              <a:p>
+                <a:pPr eaLnBrk="1" hangingPunct="1">
+                  <a:spcBef>
+                    <a:spcPct val="0"/>
+                  </a:spcBef>
+                  <a:buFontTx/>
+                  <a:buNone/>
+                </a:pPr>
+                <a:endParaRPr lang="zh-CN" altLang="zh-CN" sz="2400">
+                  <a:latin typeface="Arial" panose="020B0604020202020204" pitchFamily="34" charset="0"/>
+                </a:endParaRPr>
+              </a:p>
+            </p:txBody>
+          </p:sp>
+          <p:sp>
+            <p:nvSpPr>
+              <p:cNvPr id="23571" name="Text Box 29">
+                <a:extLst>
+                  <a:ext uri="{FF2B5EF4-FFF2-40B4-BE49-F238E27FC236}">
+                    <a16:creationId xmlns:a16="http://schemas.microsoft.com/office/drawing/2014/main" id="{AE73DC94-E4F1-4CA6-8757-464A78110195}"/>
+                  </a:ext>
+                </a:extLst>
+              </p:cNvPr>
+              <p:cNvSpPr txBox="1">
+                <a:spLocks noChangeArrowheads="1"/>
+              </p:cNvSpPr>
+              <p:nvPr/>
+            </p:nvSpPr>
+            <p:spPr bwMode="auto">
+              <a:xfrm>
+                <a:off x="5412" y="3037"/>
+                <a:ext cx="221" cy="245"/>
+              </a:xfrm>
+              <a:prstGeom prst="rect">
+                <a:avLst/>
+              </a:prstGeom>
+              <a:noFill/>
+              <a:ln>
+                <a:noFill/>
+              </a:ln>
+              <a:extLst>
+                <a:ext uri="{909E8E84-426E-40DD-AFC4-6F175D3DCCD1}">
+                  <a14:hiddenFill xmlns:a14="http://schemas.microsoft.com/office/drawing/2010/main">
+                    <a:solidFill>
+                      <a:srgbClr val="FFFFFF"/>
+                    </a:solidFill>
+                  </a14:hiddenFill>
+                </a:ext>
+                <a:ext uri="{91240B29-F687-4F45-9708-019B960494DF}">
+                  <a14:hiddenLine xmlns:a14="http://schemas.microsoft.com/office/drawing/2010/main" w="9525">
+                    <a:solidFill>
+                      <a:srgbClr val="000000"/>
+                    </a:solidFill>
+                    <a:miter lim="800000"/>
+                    <a:headEnd/>
+                    <a:tailEnd/>
+                  </a14:hiddenLine>
+                </a:ext>
+              </a:extLst>
+            </p:spPr>
+            <p:txBody>
+              <a:bodyPr wrap="none">
+                <a:spAutoFit/>
+              </a:bodyPr>
+              <a:lstStyle>
+                <a:lvl1pPr>
+                  <a:spcBef>
+                    <a:spcPct val="20000"/>
+                  </a:spcBef>
+                  <a:buFont typeface="Arial" panose="020B0604020202020204" pitchFamily="34" charset="0"/>
+                  <a:buChar char="•"/>
+                  <a:defRPr sz="3200">
+                    <a:solidFill>
+                      <a:schemeClr val="tx1"/>
+                    </a:solidFill>
+                    <a:latin typeface="Calibri" panose="020F0502020204030204" pitchFamily="34" charset="0"/>
+                    <a:ea typeface="宋体" panose="02010600030101010101" pitchFamily="2" charset="-122"/>
+                  </a:defRPr>
+                </a:lvl1pPr>
+                <a:lvl2pPr marL="742950" indent="-285750">
+                  <a:spcBef>
+                    <a:spcPct val="20000"/>
+                  </a:spcBef>
+                  <a:buFont typeface="Arial" panose="020B0604020202020204" pitchFamily="34" charset="0"/>
+                  <a:buChar char="–"/>
+                  <a:defRPr sz="2800">
+                    <a:solidFill>
+                      <a:schemeClr val="tx1"/>
+                    </a:solidFill>
+                    <a:latin typeface="Calibri" panose="020F0502020204030204" pitchFamily="34" charset="0"/>
+                    <a:ea typeface="宋体" panose="02010600030101010101" pitchFamily="2" charset="-122"/>
+                  </a:defRPr>
+                </a:lvl2pPr>
+                <a:lvl3pPr marL="1143000" indent="-228600">
+                  <a:spcBef>
+                    <a:spcPct val="20000"/>
+                  </a:spcBef>
+                  <a:buFont typeface="Arial" panose="020B0604020202020204" pitchFamily="34" charset="0"/>
+                  <a:buChar char="•"/>
+                  <a:defRPr sz="2400">
+                    <a:solidFill>
+                      <a:schemeClr val="tx1"/>
+                    </a:solidFill>
+                    <a:latin typeface="Calibri" panose="020F0502020204030204" pitchFamily="34" charset="0"/>
+                    <a:ea typeface="宋体" panose="02010600030101010101" pitchFamily="2" charset="-122"/>
+                  </a:defRPr>
+                </a:lvl3pPr>
+                <a:lvl4pPr marL="1600200" indent="-228600">
+                  <a:spcBef>
+                    <a:spcPct val="20000"/>
+                  </a:spcBef>
+                  <a:buFont typeface="Arial" panose="020B0604020202020204" pitchFamily="34" charset="0"/>
+                  <a:buChar char="–"/>
+                  <a:defRPr sz="2000">
+                    <a:solidFill>
+                      <a:schemeClr val="tx1"/>
+                    </a:solidFill>
+                    <a:latin typeface="Calibri" panose="020F0502020204030204" pitchFamily="34" charset="0"/>
+                    <a:ea typeface="宋体" panose="02010600030101010101" pitchFamily="2" charset="-122"/>
+                  </a:defRPr>
+                </a:lvl4pPr>
+                <a:lvl5pPr marL="2057400" indent="-228600">
+                  <a:spcBef>
+                    <a:spcPct val="20000"/>
+                  </a:spcBef>
+                  <a:buFont typeface="Arial" panose="020B0604020202020204" pitchFamily="34" charset="0"/>
+                  <a:buChar char="»"/>
+                  <a:defRPr sz="2000">
+                    <a:solidFill>
+                      <a:schemeClr val="tx1"/>
+                    </a:solidFill>
+                    <a:latin typeface="Calibri" panose="020F0502020204030204" pitchFamily="34" charset="0"/>
+                    <a:ea typeface="宋体" panose="02010600030101010101" pitchFamily="2" charset="-122"/>
+                  </a:defRPr>
+                </a:lvl5pPr>
+                <a:lvl6pPr marL="2514600" indent="-228600" eaLnBrk="0" fontAlgn="base" hangingPunct="0">
+                  <a:spcBef>
+                    <a:spcPct val="20000"/>
+                  </a:spcBef>
+                  <a:spcAft>
+                    <a:spcPct val="0"/>
+                  </a:spcAft>
+                  <a:buFont typeface="Arial" panose="020B0604020202020204" pitchFamily="34" charset="0"/>
+                  <a:buChar char="»"/>
+                  <a:defRPr sz="2000">
+                    <a:solidFill>
+                      <a:schemeClr val="tx1"/>
+                    </a:solidFill>
+                    <a:latin typeface="Calibri" panose="020F0502020204030204" pitchFamily="34" charset="0"/>
+                    <a:ea typeface="宋体" panose="02010600030101010101" pitchFamily="2" charset="-122"/>
+                  </a:defRPr>
+                </a:lvl6pPr>
+                <a:lvl7pPr marL="2971800" indent="-228600" eaLnBrk="0" fontAlgn="base" hangingPunct="0">
+                  <a:spcBef>
+                    <a:spcPct val="20000"/>
+                  </a:spcBef>
+                  <a:spcAft>
+                    <a:spcPct val="0"/>
+                  </a:spcAft>
+                  <a:buFont typeface="Arial" panose="020B0604020202020204" pitchFamily="34" charset="0"/>
+                  <a:buChar char="»"/>
+                  <a:defRPr sz="2000">
+                    <a:solidFill>
+                      <a:schemeClr val="tx1"/>
+                    </a:solidFill>
+                    <a:latin typeface="Calibri" panose="020F0502020204030204" pitchFamily="34" charset="0"/>
+                    <a:ea typeface="宋体" panose="02010600030101010101" pitchFamily="2" charset="-122"/>
+                  </a:defRPr>
+                </a:lvl7pPr>
+                <a:lvl8pPr marL="3429000" indent="-228600" eaLnBrk="0" fontAlgn="base" hangingPunct="0">
+                  <a:spcBef>
+                    <a:spcPct val="20000"/>
+                  </a:spcBef>
+                  <a:spcAft>
+                    <a:spcPct val="0"/>
+                  </a:spcAft>
+                  <a:buFont typeface="Arial" panose="020B0604020202020204" pitchFamily="34" charset="0"/>
+                  <a:buChar char="»"/>
+                  <a:defRPr sz="2000">
+                    <a:solidFill>
+                      <a:schemeClr val="tx1"/>
+                    </a:solidFill>
+                    <a:latin typeface="Calibri" panose="020F0502020204030204" pitchFamily="34" charset="0"/>
+                    <a:ea typeface="宋体" panose="02010600030101010101" pitchFamily="2" charset="-122"/>
+                  </a:defRPr>
+                </a:lvl8pPr>
+                <a:lvl9pPr marL="3886200" indent="-228600" eaLnBrk="0" fontAlgn="base" hangingPunct="0">
+                  <a:spcBef>
+                    <a:spcPct val="20000"/>
+                  </a:spcBef>
+                  <a:spcAft>
+                    <a:spcPct val="0"/>
+                  </a:spcAft>
+                  <a:buFont typeface="Arial" panose="020B0604020202020204" pitchFamily="34" charset="0"/>
+                  <a:buChar char="»"/>
+                  <a:defRPr sz="2000">
+                    <a:solidFill>
+                      <a:schemeClr val="tx1"/>
+                    </a:solidFill>
+                    <a:latin typeface="Calibri" panose="020F0502020204030204" pitchFamily="34" charset="0"/>
+                    <a:ea typeface="宋体" panose="02010600030101010101" pitchFamily="2" charset="-122"/>
+                  </a:defRPr>
+                </a:lvl9pPr>
+              </a:lstStyle>
+              <a:p>
+                <a:pPr eaLnBrk="1" hangingPunct="1">
+                  <a:spcBef>
+                    <a:spcPct val="0"/>
+                  </a:spcBef>
+                  <a:buFontTx/>
+                  <a:buNone/>
+                </a:pPr>
+                <a:r>
+                  <a:rPr lang="en-US" altLang="zh-CN" sz="2400">
+                    <a:latin typeface="Arial" panose="020B0604020202020204" pitchFamily="34" charset="0"/>
+                  </a:rPr>
+                  <a:t>2</a:t>
+                </a:r>
+              </a:p>
+            </p:txBody>
+          </p:sp>
+          <p:sp>
+            <p:nvSpPr>
+              <p:cNvPr id="23572" name="Text Box 30">
+                <a:extLst>
+                  <a:ext uri="{FF2B5EF4-FFF2-40B4-BE49-F238E27FC236}">
+                    <a16:creationId xmlns:a16="http://schemas.microsoft.com/office/drawing/2014/main" id="{EA7F4FBB-86C4-40BF-AAE8-6788A50820D3}"/>
+                  </a:ext>
+                </a:extLst>
+              </p:cNvPr>
+              <p:cNvSpPr txBox="1">
+                <a:spLocks noChangeArrowheads="1"/>
+              </p:cNvSpPr>
+              <p:nvPr/>
+            </p:nvSpPr>
+            <p:spPr bwMode="auto">
+              <a:xfrm>
+                <a:off x="5412" y="3255"/>
+                <a:ext cx="115" cy="245"/>
+              </a:xfrm>
+              <a:prstGeom prst="rect">
+                <a:avLst/>
+              </a:prstGeom>
+              <a:noFill/>
+              <a:ln>
+                <a:noFill/>
+              </a:ln>
+              <a:extLst>
+                <a:ext uri="{909E8E84-426E-40DD-AFC4-6F175D3DCCD1}">
+                  <a14:hiddenFill xmlns:a14="http://schemas.microsoft.com/office/drawing/2010/main">
+                    <a:solidFill>
+                      <a:srgbClr val="FFFFFF"/>
+                    </a:solidFill>
+                  </a14:hiddenFill>
+                </a:ext>
+                <a:ext uri="{91240B29-F687-4F45-9708-019B960494DF}">
+                  <a14:hiddenLine xmlns:a14="http://schemas.microsoft.com/office/drawing/2010/main" w="9525">
+                    <a:solidFill>
+                      <a:srgbClr val="000000"/>
+                    </a:solidFill>
+                    <a:miter lim="800000"/>
+                    <a:headEnd/>
+                    <a:tailEnd/>
+                  </a14:hiddenLine>
+                </a:ext>
+              </a:extLst>
+            </p:spPr>
+            <p:txBody>
+              <a:bodyPr wrap="none">
+                <a:spAutoFit/>
+              </a:bodyPr>
+              <a:lstStyle>
+                <a:lvl1pPr>
+                  <a:spcBef>
+                    <a:spcPct val="20000"/>
+                  </a:spcBef>
+                  <a:buFont typeface="Arial" panose="020B0604020202020204" pitchFamily="34" charset="0"/>
+                  <a:buChar char="•"/>
+                  <a:defRPr sz="3200">
+                    <a:solidFill>
+                      <a:schemeClr val="tx1"/>
+                    </a:solidFill>
+                    <a:latin typeface="Calibri" panose="020F0502020204030204" pitchFamily="34" charset="0"/>
+                    <a:ea typeface="宋体" panose="02010600030101010101" pitchFamily="2" charset="-122"/>
+                  </a:defRPr>
+                </a:lvl1pPr>
+                <a:lvl2pPr marL="742950" indent="-285750">
+                  <a:spcBef>
+                    <a:spcPct val="20000"/>
+                  </a:spcBef>
+                  <a:buFont typeface="Arial" panose="020B0604020202020204" pitchFamily="34" charset="0"/>
+                  <a:buChar char="–"/>
+                  <a:defRPr sz="2800">
+                    <a:solidFill>
+                      <a:schemeClr val="tx1"/>
+                    </a:solidFill>
+                    <a:latin typeface="Calibri" panose="020F0502020204030204" pitchFamily="34" charset="0"/>
+                    <a:ea typeface="宋体" panose="02010600030101010101" pitchFamily="2" charset="-122"/>
+                  </a:defRPr>
+                </a:lvl2pPr>
+                <a:lvl3pPr marL="1143000" indent="-228600">
+                  <a:spcBef>
+                    <a:spcPct val="20000"/>
+                  </a:spcBef>
+                  <a:buFont typeface="Arial" panose="020B0604020202020204" pitchFamily="34" charset="0"/>
+                  <a:buChar char="•"/>
+                  <a:defRPr sz="2400">
+                    <a:solidFill>
+                      <a:schemeClr val="tx1"/>
+                    </a:solidFill>
+                    <a:latin typeface="Calibri" panose="020F0502020204030204" pitchFamily="34" charset="0"/>
+                    <a:ea typeface="宋体" panose="02010600030101010101" pitchFamily="2" charset="-122"/>
+                  </a:defRPr>
+                </a:lvl3pPr>
+                <a:lvl4pPr marL="1600200" indent="-228600">
+                  <a:spcBef>
+                    <a:spcPct val="20000"/>
+                  </a:spcBef>
+                  <a:buFont typeface="Arial" panose="020B0604020202020204" pitchFamily="34" charset="0"/>
+                  <a:buChar char="–"/>
+                  <a:defRPr sz="2000">
+                    <a:solidFill>
+                      <a:schemeClr val="tx1"/>
+                    </a:solidFill>
+                    <a:latin typeface="Calibri" panose="020F0502020204030204" pitchFamily="34" charset="0"/>
+                    <a:ea typeface="宋体" panose="02010600030101010101" pitchFamily="2" charset="-122"/>
+                  </a:defRPr>
+                </a:lvl4pPr>
+                <a:lvl5pPr marL="2057400" indent="-228600">
+                  <a:spcBef>
+                    <a:spcPct val="20000"/>
+                  </a:spcBef>
+                  <a:buFont typeface="Arial" panose="020B0604020202020204" pitchFamily="34" charset="0"/>
+                  <a:buChar char="»"/>
+                  <a:defRPr sz="2000">
+                    <a:solidFill>
+                      <a:schemeClr val="tx1"/>
+                    </a:solidFill>
+                    <a:latin typeface="Calibri" panose="020F0502020204030204" pitchFamily="34" charset="0"/>
+                    <a:ea typeface="宋体" panose="02010600030101010101" pitchFamily="2" charset="-122"/>
+                  </a:defRPr>
+                </a:lvl5pPr>
+                <a:lvl6pPr marL="2514600" indent="-228600" eaLnBrk="0" fontAlgn="base" hangingPunct="0">
+                  <a:spcBef>
+                    <a:spcPct val="20000"/>
+                  </a:spcBef>
+                  <a:spcAft>
+                    <a:spcPct val="0"/>
+                  </a:spcAft>
+                  <a:buFont typeface="Arial" panose="020B0604020202020204" pitchFamily="34" charset="0"/>
+                  <a:buChar char="»"/>
+                  <a:defRPr sz="2000">
+                    <a:solidFill>
+                      <a:schemeClr val="tx1"/>
+                    </a:solidFill>
+                    <a:latin typeface="Calibri" panose="020F0502020204030204" pitchFamily="34" charset="0"/>
+                    <a:ea typeface="宋体" panose="02010600030101010101" pitchFamily="2" charset="-122"/>
+                  </a:defRPr>
+                </a:lvl6pPr>
+                <a:lvl7pPr marL="2971800" indent="-228600" eaLnBrk="0" fontAlgn="base" hangingPunct="0">
+                  <a:spcBef>
+                    <a:spcPct val="20000"/>
+                  </a:spcBef>
+                  <a:spcAft>
+                    <a:spcPct val="0"/>
+                  </a:spcAft>
+                  <a:buFont typeface="Arial" panose="020B0604020202020204" pitchFamily="34" charset="0"/>
+                  <a:buChar char="»"/>
+                  <a:defRPr sz="2000">
+                    <a:solidFill>
+                      <a:schemeClr val="tx1"/>
+                    </a:solidFill>
+                    <a:latin typeface="Calibri" panose="020F0502020204030204" pitchFamily="34" charset="0"/>
+                    <a:ea typeface="宋体" panose="02010600030101010101" pitchFamily="2" charset="-122"/>
+                  </a:defRPr>
+                </a:lvl7pPr>
+                <a:lvl8pPr marL="3429000" indent="-228600" eaLnBrk="0" fontAlgn="base" hangingPunct="0">
+                  <a:spcBef>
+                    <a:spcPct val="20000"/>
+                  </a:spcBef>
+                  <a:spcAft>
+                    <a:spcPct val="0"/>
+                  </a:spcAft>
+                  <a:buFont typeface="Arial" panose="020B0604020202020204" pitchFamily="34" charset="0"/>
+                  <a:buChar char="»"/>
+                  <a:defRPr sz="2000">
+                    <a:solidFill>
+                      <a:schemeClr val="tx1"/>
+                    </a:solidFill>
+                    <a:latin typeface="Calibri" panose="020F0502020204030204" pitchFamily="34" charset="0"/>
+                    <a:ea typeface="宋体" panose="02010600030101010101" pitchFamily="2" charset="-122"/>
+                  </a:defRPr>
+                </a:lvl8pPr>
+                <a:lvl9pPr marL="3886200" indent="-228600" eaLnBrk="0" fontAlgn="base" hangingPunct="0">
+                  <a:spcBef>
+                    <a:spcPct val="20000"/>
+                  </a:spcBef>
+                  <a:spcAft>
+                    <a:spcPct val="0"/>
+                  </a:spcAft>
+                  <a:buFont typeface="Arial" panose="020B0604020202020204" pitchFamily="34" charset="0"/>
+                  <a:buChar char="»"/>
+                  <a:defRPr sz="2000">
+                    <a:solidFill>
+                      <a:schemeClr val="tx1"/>
+                    </a:solidFill>
+                    <a:latin typeface="Calibri" panose="020F0502020204030204" pitchFamily="34" charset="0"/>
+                    <a:ea typeface="宋体" panose="02010600030101010101" pitchFamily="2" charset="-122"/>
+                  </a:defRPr>
+                </a:lvl9pPr>
+              </a:lstStyle>
+              <a:p>
+                <a:pPr eaLnBrk="1" hangingPunct="1">
+                  <a:spcBef>
+                    <a:spcPct val="0"/>
+                  </a:spcBef>
+                  <a:buFontTx/>
+                  <a:buNone/>
+                </a:pPr>
+                <a:endParaRPr lang="zh-CN" altLang="zh-CN" sz="2400">
+                  <a:latin typeface="Arial" panose="020B0604020202020204" pitchFamily="34" charset="0"/>
+                </a:endParaRPr>
+              </a:p>
+            </p:txBody>
+          </p:sp>
+          <p:sp>
+            <p:nvSpPr>
+              <p:cNvPr id="23573" name="Text Box 31">
+                <a:extLst>
+                  <a:ext uri="{FF2B5EF4-FFF2-40B4-BE49-F238E27FC236}">
+                    <a16:creationId xmlns:a16="http://schemas.microsoft.com/office/drawing/2014/main" id="{CBBCF155-B9A0-4EBD-9FBA-AFE0B4B20C9D}"/>
+                  </a:ext>
+                </a:extLst>
+              </p:cNvPr>
+              <p:cNvSpPr txBox="1">
+                <a:spLocks noChangeArrowheads="1"/>
+              </p:cNvSpPr>
+              <p:nvPr/>
+            </p:nvSpPr>
+            <p:spPr bwMode="auto">
+              <a:xfrm>
+                <a:off x="5412" y="3491"/>
+                <a:ext cx="221" cy="245"/>
+              </a:xfrm>
+              <a:prstGeom prst="rect">
+                <a:avLst/>
+              </a:prstGeom>
+              <a:noFill/>
+              <a:ln>
+                <a:noFill/>
+              </a:ln>
+              <a:extLst>
+                <a:ext uri="{909E8E84-426E-40DD-AFC4-6F175D3DCCD1}">
+                  <a14:hiddenFill xmlns:a14="http://schemas.microsoft.com/office/drawing/2010/main">
+                    <a:solidFill>
+                      <a:srgbClr val="FFFFFF"/>
+                    </a:solidFill>
+                  </a14:hiddenFill>
+                </a:ext>
+                <a:ext uri="{91240B29-F687-4F45-9708-019B960494DF}">
+                  <a14:hiddenLine xmlns:a14="http://schemas.microsoft.com/office/drawing/2010/main" w="9525">
+                    <a:solidFill>
+                      <a:srgbClr val="000000"/>
+                    </a:solidFill>
+                    <a:miter lim="800000"/>
+                    <a:headEnd/>
+                    <a:tailEnd/>
+                  </a14:hiddenLine>
+                </a:ext>
+              </a:extLst>
+            </p:spPr>
+            <p:txBody>
+              <a:bodyPr wrap="none">
+                <a:spAutoFit/>
+              </a:bodyPr>
+              <a:lstStyle>
+                <a:lvl1pPr>
+                  <a:spcBef>
+                    <a:spcPct val="20000"/>
+                  </a:spcBef>
+                  <a:buFont typeface="Arial" panose="020B0604020202020204" pitchFamily="34" charset="0"/>
+                  <a:buChar char="•"/>
+                  <a:defRPr sz="3200">
+                    <a:solidFill>
+                      <a:schemeClr val="tx1"/>
+                    </a:solidFill>
+                    <a:latin typeface="Calibri" panose="020F0502020204030204" pitchFamily="34" charset="0"/>
+                    <a:ea typeface="宋体" panose="02010600030101010101" pitchFamily="2" charset="-122"/>
+                  </a:defRPr>
+                </a:lvl1pPr>
+                <a:lvl2pPr marL="742950" indent="-285750">
+                  <a:spcBef>
+                    <a:spcPct val="20000"/>
+                  </a:spcBef>
+                  <a:buFont typeface="Arial" panose="020B0604020202020204" pitchFamily="34" charset="0"/>
+                  <a:buChar char="–"/>
+                  <a:defRPr sz="2800">
+                    <a:solidFill>
+                      <a:schemeClr val="tx1"/>
+                    </a:solidFill>
+                    <a:latin typeface="Calibri" panose="020F0502020204030204" pitchFamily="34" charset="0"/>
+                    <a:ea typeface="宋体" panose="02010600030101010101" pitchFamily="2" charset="-122"/>
+                  </a:defRPr>
+                </a:lvl2pPr>
+                <a:lvl3pPr marL="1143000" indent="-228600">
+                  <a:spcBef>
+                    <a:spcPct val="20000"/>
+                  </a:spcBef>
+                  <a:buFont typeface="Arial" panose="020B0604020202020204" pitchFamily="34" charset="0"/>
+                  <a:buChar char="•"/>
+                  <a:defRPr sz="2400">
+                    <a:solidFill>
+                      <a:schemeClr val="tx1"/>
+                    </a:solidFill>
+                    <a:latin typeface="Calibri" panose="020F0502020204030204" pitchFamily="34" charset="0"/>
+                    <a:ea typeface="宋体" panose="02010600030101010101" pitchFamily="2" charset="-122"/>
+                  </a:defRPr>
+                </a:lvl3pPr>
+                <a:lvl4pPr marL="1600200" indent="-228600">
+                  <a:spcBef>
+                    <a:spcPct val="20000"/>
+                  </a:spcBef>
+                  <a:buFont typeface="Arial" panose="020B0604020202020204" pitchFamily="34" charset="0"/>
+                  <a:buChar char="–"/>
+                  <a:defRPr sz="2000">
+                    <a:solidFill>
+                      <a:schemeClr val="tx1"/>
+                    </a:solidFill>
+                    <a:latin typeface="Calibri" panose="020F0502020204030204" pitchFamily="34" charset="0"/>
+                    <a:ea typeface="宋体" panose="02010600030101010101" pitchFamily="2" charset="-122"/>
+                  </a:defRPr>
+                </a:lvl4pPr>
+                <a:lvl5pPr marL="2057400" indent="-228600">
+                  <a:spcBef>
+                    <a:spcPct val="20000"/>
+                  </a:spcBef>
+                  <a:buFont typeface="Arial" panose="020B0604020202020204" pitchFamily="34" charset="0"/>
+                  <a:buChar char="»"/>
+                  <a:defRPr sz="2000">
+                    <a:solidFill>
+                      <a:schemeClr val="tx1"/>
+                    </a:solidFill>
+                    <a:latin typeface="Calibri" panose="020F0502020204030204" pitchFamily="34" charset="0"/>
+                    <a:ea typeface="宋体" panose="02010600030101010101" pitchFamily="2" charset="-122"/>
+                  </a:defRPr>
+                </a:lvl5pPr>
+                <a:lvl6pPr marL="2514600" indent="-228600" eaLnBrk="0" fontAlgn="base" hangingPunct="0">
+                  <a:spcBef>
+                    <a:spcPct val="20000"/>
+                  </a:spcBef>
+                  <a:spcAft>
+                    <a:spcPct val="0"/>
+                  </a:spcAft>
+                  <a:buFont typeface="Arial" panose="020B0604020202020204" pitchFamily="34" charset="0"/>
+                  <a:buChar char="»"/>
+                  <a:defRPr sz="2000">
+                    <a:solidFill>
+                      <a:schemeClr val="tx1"/>
+                    </a:solidFill>
+                    <a:latin typeface="Calibri" panose="020F0502020204030204" pitchFamily="34" charset="0"/>
+                    <a:ea typeface="宋体" panose="02010600030101010101" pitchFamily="2" charset="-122"/>
+                  </a:defRPr>
+                </a:lvl6pPr>
+                <a:lvl7pPr marL="2971800" indent="-228600" eaLnBrk="0" fontAlgn="base" hangingPunct="0">
+                  <a:spcBef>
+                    <a:spcPct val="20000"/>
+                  </a:spcBef>
+                  <a:spcAft>
+                    <a:spcPct val="0"/>
+                  </a:spcAft>
+                  <a:buFont typeface="Arial" panose="020B0604020202020204" pitchFamily="34" charset="0"/>
+                  <a:buChar char="»"/>
+                  <a:defRPr sz="2000">
+                    <a:solidFill>
+                      <a:schemeClr val="tx1"/>
+                    </a:solidFill>
+                    <a:latin typeface="Calibri" panose="020F0502020204030204" pitchFamily="34" charset="0"/>
+                    <a:ea typeface="宋体" panose="02010600030101010101" pitchFamily="2" charset="-122"/>
+                  </a:defRPr>
+                </a:lvl7pPr>
+                <a:lvl8pPr marL="3429000" indent="-228600" eaLnBrk="0" fontAlgn="base" hangingPunct="0">
+                  <a:spcBef>
+                    <a:spcPct val="20000"/>
+                  </a:spcBef>
+                  <a:spcAft>
+                    <a:spcPct val="0"/>
+                  </a:spcAft>
+                  <a:buFont typeface="Arial" panose="020B0604020202020204" pitchFamily="34" charset="0"/>
+                  <a:buChar char="»"/>
+                  <a:defRPr sz="2000">
+                    <a:solidFill>
+                      <a:schemeClr val="tx1"/>
+                    </a:solidFill>
+                    <a:latin typeface="Calibri" panose="020F0502020204030204" pitchFamily="34" charset="0"/>
+                    <a:ea typeface="宋体" panose="02010600030101010101" pitchFamily="2" charset="-122"/>
+                  </a:defRPr>
+                </a:lvl8pPr>
+                <a:lvl9pPr marL="3886200" indent="-228600" eaLnBrk="0" fontAlgn="base" hangingPunct="0">
+                  <a:spcBef>
+                    <a:spcPct val="20000"/>
+                  </a:spcBef>
+                  <a:spcAft>
+                    <a:spcPct val="0"/>
+                  </a:spcAft>
+                  <a:buFont typeface="Arial" panose="020B0604020202020204" pitchFamily="34" charset="0"/>
+                  <a:buChar char="»"/>
+                  <a:defRPr sz="2000">
+                    <a:solidFill>
+                      <a:schemeClr val="tx1"/>
+                    </a:solidFill>
+                    <a:latin typeface="Calibri" panose="020F0502020204030204" pitchFamily="34" charset="0"/>
+                    <a:ea typeface="宋体" panose="02010600030101010101" pitchFamily="2" charset="-122"/>
+                  </a:defRPr>
+                </a:lvl9pPr>
+              </a:lstStyle>
+              <a:p>
+                <a:pPr eaLnBrk="1" hangingPunct="1">
+                  <a:spcBef>
+                    <a:spcPct val="0"/>
+                  </a:spcBef>
+                  <a:buFontTx/>
+                  <a:buNone/>
+                </a:pPr>
+                <a:r>
+                  <a:rPr lang="en-US" altLang="zh-CN" sz="2400">
+                    <a:latin typeface="Arial" panose="020B0604020202020204" pitchFamily="34" charset="0"/>
+                  </a:rPr>
+                  <a:t>1</a:t>
+                </a:r>
+              </a:p>
+            </p:txBody>
+          </p:sp>
+          <p:sp>
+            <p:nvSpPr>
+              <p:cNvPr id="23574" name="Text Box 32">
+                <a:extLst>
+                  <a:ext uri="{FF2B5EF4-FFF2-40B4-BE49-F238E27FC236}">
+                    <a16:creationId xmlns:a16="http://schemas.microsoft.com/office/drawing/2014/main" id="{41A344CF-FC9A-46F4-A4CE-016F244D07D4}"/>
+                  </a:ext>
+                </a:extLst>
+              </p:cNvPr>
+              <p:cNvSpPr txBox="1">
+                <a:spLocks noChangeArrowheads="1"/>
+              </p:cNvSpPr>
+              <p:nvPr/>
+            </p:nvSpPr>
+            <p:spPr bwMode="auto">
+              <a:xfrm>
+                <a:off x="5412" y="3709"/>
+                <a:ext cx="115" cy="245"/>
+              </a:xfrm>
+              <a:prstGeom prst="rect">
+                <a:avLst/>
+              </a:prstGeom>
+              <a:noFill/>
+              <a:ln>
+                <a:noFill/>
+              </a:ln>
+              <a:extLst>
+                <a:ext uri="{909E8E84-426E-40DD-AFC4-6F175D3DCCD1}">
+                  <a14:hiddenFill xmlns:a14="http://schemas.microsoft.com/office/drawing/2010/main">
+                    <a:solidFill>
+                      <a:srgbClr val="FFFFFF"/>
+                    </a:solidFill>
+                  </a14:hiddenFill>
+                </a:ext>
+                <a:ext uri="{91240B29-F687-4F45-9708-019B960494DF}">
+                  <a14:hiddenLine xmlns:a14="http://schemas.microsoft.com/office/drawing/2010/main" w="9525">
+                    <a:solidFill>
+                      <a:srgbClr val="000000"/>
+                    </a:solidFill>
+                    <a:miter lim="800000"/>
+                    <a:headEnd/>
+                    <a:tailEnd/>
+                  </a14:hiddenLine>
+                </a:ext>
+              </a:extLst>
+            </p:spPr>
+            <p:txBody>
+              <a:bodyPr wrap="none">
+                <a:spAutoFit/>
+              </a:bodyPr>
+              <a:lstStyle>
+                <a:lvl1pPr>
+                  <a:spcBef>
+                    <a:spcPct val="20000"/>
+                  </a:spcBef>
+                  <a:buFont typeface="Arial" panose="020B0604020202020204" pitchFamily="34" charset="0"/>
+                  <a:buChar char="•"/>
+                  <a:defRPr sz="3200">
+                    <a:solidFill>
+                      <a:schemeClr val="tx1"/>
+                    </a:solidFill>
+                    <a:latin typeface="Calibri" panose="020F0502020204030204" pitchFamily="34" charset="0"/>
+                    <a:ea typeface="宋体" panose="02010600030101010101" pitchFamily="2" charset="-122"/>
+                  </a:defRPr>
+                </a:lvl1pPr>
+                <a:lvl2pPr marL="742950" indent="-285750">
+                  <a:spcBef>
+                    <a:spcPct val="20000"/>
+                  </a:spcBef>
+                  <a:buFont typeface="Arial" panose="020B0604020202020204" pitchFamily="34" charset="0"/>
+                  <a:buChar char="–"/>
+                  <a:defRPr sz="2800">
+                    <a:solidFill>
+                      <a:schemeClr val="tx1"/>
+                    </a:solidFill>
+                    <a:latin typeface="Calibri" panose="020F0502020204030204" pitchFamily="34" charset="0"/>
+                    <a:ea typeface="宋体" panose="02010600030101010101" pitchFamily="2" charset="-122"/>
+                  </a:defRPr>
+                </a:lvl2pPr>
+                <a:lvl3pPr marL="1143000" indent="-228600">
+                  <a:spcBef>
+                    <a:spcPct val="20000"/>
+                  </a:spcBef>
+                  <a:buFont typeface="Arial" panose="020B0604020202020204" pitchFamily="34" charset="0"/>
+                  <a:buChar char="•"/>
+                  <a:defRPr sz="2400">
+                    <a:solidFill>
+                      <a:schemeClr val="tx1"/>
+                    </a:solidFill>
+                    <a:latin typeface="Calibri" panose="020F0502020204030204" pitchFamily="34" charset="0"/>
+                    <a:ea typeface="宋体" panose="02010600030101010101" pitchFamily="2" charset="-122"/>
+                  </a:defRPr>
+                </a:lvl3pPr>
+                <a:lvl4pPr marL="1600200" indent="-228600">
+                  <a:spcBef>
+                    <a:spcPct val="20000"/>
+                  </a:spcBef>
+                  <a:buFont typeface="Arial" panose="020B0604020202020204" pitchFamily="34" charset="0"/>
+                  <a:buChar char="–"/>
+                  <a:defRPr sz="2000">
+                    <a:solidFill>
+                      <a:schemeClr val="tx1"/>
+                    </a:solidFill>
+                    <a:latin typeface="Calibri" panose="020F0502020204030204" pitchFamily="34" charset="0"/>
+                    <a:ea typeface="宋体" panose="02010600030101010101" pitchFamily="2" charset="-122"/>
+                  </a:defRPr>
+                </a:lvl4pPr>
+                <a:lvl5pPr marL="2057400" indent="-228600">
+                  <a:spcBef>
+                    <a:spcPct val="20000"/>
+                  </a:spcBef>
+                  <a:buFont typeface="Arial" panose="020B0604020202020204" pitchFamily="34" charset="0"/>
+                  <a:buChar char="»"/>
+                  <a:defRPr sz="2000">
+                    <a:solidFill>
+                      <a:schemeClr val="tx1"/>
+                    </a:solidFill>
+                    <a:latin typeface="Calibri" panose="020F0502020204030204" pitchFamily="34" charset="0"/>
+                    <a:ea typeface="宋体" panose="02010600030101010101" pitchFamily="2" charset="-122"/>
+                  </a:defRPr>
+                </a:lvl5pPr>
+                <a:lvl6pPr marL="2514600" indent="-228600" eaLnBrk="0" fontAlgn="base" hangingPunct="0">
+                  <a:spcBef>
+                    <a:spcPct val="20000"/>
+                  </a:spcBef>
+                  <a:spcAft>
+                    <a:spcPct val="0"/>
+                  </a:spcAft>
+                  <a:buFont typeface="Arial" panose="020B0604020202020204" pitchFamily="34" charset="0"/>
+                  <a:buChar char="»"/>
+                  <a:defRPr sz="2000">
+                    <a:solidFill>
+                      <a:schemeClr val="tx1"/>
+                    </a:solidFill>
+                    <a:latin typeface="Calibri" panose="020F0502020204030204" pitchFamily="34" charset="0"/>
+                    <a:ea typeface="宋体" panose="02010600030101010101" pitchFamily="2" charset="-122"/>
+                  </a:defRPr>
+                </a:lvl6pPr>
+                <a:lvl7pPr marL="2971800" indent="-228600" eaLnBrk="0" fontAlgn="base" hangingPunct="0">
+                  <a:spcBef>
+                    <a:spcPct val="20000"/>
+                  </a:spcBef>
+                  <a:spcAft>
+                    <a:spcPct val="0"/>
+                  </a:spcAft>
+                  <a:buFont typeface="Arial" panose="020B0604020202020204" pitchFamily="34" charset="0"/>
+                  <a:buChar char="»"/>
+                  <a:defRPr sz="2000">
+                    <a:solidFill>
+                      <a:schemeClr val="tx1"/>
+                    </a:solidFill>
+                    <a:latin typeface="Calibri" panose="020F0502020204030204" pitchFamily="34" charset="0"/>
+                    <a:ea typeface="宋体" panose="02010600030101010101" pitchFamily="2" charset="-122"/>
+                  </a:defRPr>
+                </a:lvl7pPr>
+                <a:lvl8pPr marL="3429000" indent="-228600" eaLnBrk="0" fontAlgn="base" hangingPunct="0">
+                  <a:spcBef>
+                    <a:spcPct val="20000"/>
+                  </a:spcBef>
+                  <a:spcAft>
+                    <a:spcPct val="0"/>
+                  </a:spcAft>
+                  <a:buFont typeface="Arial" panose="020B0604020202020204" pitchFamily="34" charset="0"/>
+                  <a:buChar char="»"/>
+                  <a:defRPr sz="2000">
+                    <a:solidFill>
+                      <a:schemeClr val="tx1"/>
+                    </a:solidFill>
+                    <a:latin typeface="Calibri" panose="020F0502020204030204" pitchFamily="34" charset="0"/>
+                    <a:ea typeface="宋体" panose="02010600030101010101" pitchFamily="2" charset="-122"/>
+                  </a:defRPr>
+                </a:lvl8pPr>
+                <a:lvl9pPr marL="3886200" indent="-228600" eaLnBrk="0" fontAlgn="base" hangingPunct="0">
+                  <a:spcBef>
+                    <a:spcPct val="20000"/>
+                  </a:spcBef>
+                  <a:spcAft>
+                    <a:spcPct val="0"/>
+                  </a:spcAft>
+                  <a:buFont typeface="Arial" panose="020B0604020202020204" pitchFamily="34" charset="0"/>
+                  <a:buChar char="»"/>
+                  <a:defRPr sz="2000">
+                    <a:solidFill>
+                      <a:schemeClr val="tx1"/>
+                    </a:solidFill>
+                    <a:latin typeface="Calibri" panose="020F0502020204030204" pitchFamily="34" charset="0"/>
+                    <a:ea typeface="宋体" panose="02010600030101010101" pitchFamily="2" charset="-122"/>
+                  </a:defRPr>
+                </a:lvl9pPr>
+              </a:lstStyle>
+              <a:p>
+                <a:pPr eaLnBrk="1" hangingPunct="1">
+                  <a:spcBef>
+                    <a:spcPct val="0"/>
+                  </a:spcBef>
+                  <a:buFontTx/>
+                  <a:buNone/>
+                </a:pPr>
+                <a:endParaRPr lang="zh-CN" altLang="zh-CN" sz="2400">
+                  <a:latin typeface="Arial" panose="020B0604020202020204" pitchFamily="34" charset="0"/>
+                </a:endParaRPr>
+              </a:p>
+            </p:txBody>
+          </p:sp>
+        </p:grpSp>
+        <p:sp>
+          <p:nvSpPr>
+            <p:cNvPr id="23562" name="Text Box 33">
+              <a:extLst>
+                <a:ext uri="{FF2B5EF4-FFF2-40B4-BE49-F238E27FC236}">
+                  <a16:creationId xmlns:a16="http://schemas.microsoft.com/office/drawing/2014/main" id="{81E32723-20BC-4035-B905-2E3CB7347D46}"/>
+                </a:ext>
+              </a:extLst>
+            </p:cNvPr>
+            <p:cNvSpPr txBox="1">
+              <a:spLocks noChangeArrowheads="1"/>
+            </p:cNvSpPr>
+            <p:nvPr/>
+          </p:nvSpPr>
+          <p:spPr bwMode="auto">
+            <a:xfrm>
+              <a:off x="3790" y="649"/>
+              <a:ext cx="275" cy="605"/>
+            </a:xfrm>
+            <a:prstGeom prst="rect">
+              <a:avLst/>
+            </a:prstGeom>
+            <a:noFill/>
+            <a:ln>
+              <a:noFill/>
+            </a:ln>
+            <a:extLst>
+              <a:ext uri="{909E8E84-426E-40DD-AFC4-6F175D3DCCD1}">
+                <a14:hiddenFill xmlns:a14="http://schemas.microsoft.com/office/drawing/2010/main">
+                  <a:solidFill>
+                    <a:srgbClr val="FFFFFF"/>
+                  </a:solidFill>
+                </a14:hiddenFill>
+              </a:ext>
+              <a:ext uri="{91240B29-F687-4F45-9708-019B960494DF}">
+                <a14:hiddenLine xmlns:a14="http://schemas.microsoft.com/office/drawing/2010/main" w="9525">
+                  <a:solidFill>
+                    <a:srgbClr val="000000"/>
+                  </a:solidFill>
+                  <a:miter lim="800000"/>
+                  <a:headEnd/>
+                  <a:tailEnd/>
+                </a14:hiddenLine>
+              </a:ext>
+            </a:extLst>
+          </p:spPr>
+          <p:txBody>
+            <a:bodyPr wrap="none">
+              <a:spAutoFit/>
+            </a:bodyPr>
+            <a:lstStyle>
+              <a:lvl1pPr>
+                <a:spcBef>
+                  <a:spcPct val="20000"/>
+                </a:spcBef>
+                <a:buFont typeface="Arial" panose="020B0604020202020204" pitchFamily="34" charset="0"/>
+                <a:buChar char="•"/>
+                <a:defRPr sz="3200">
+                  <a:solidFill>
+                    <a:schemeClr val="tx1"/>
+                  </a:solidFill>
+                  <a:latin typeface="Calibri" panose="020F0502020204030204" pitchFamily="34" charset="0"/>
+                  <a:ea typeface="宋体" panose="02010600030101010101" pitchFamily="2" charset="-122"/>
+                </a:defRPr>
+              </a:lvl1pPr>
+              <a:lvl2pPr marL="742950" indent="-285750">
+                <a:spcBef>
+                  <a:spcPct val="20000"/>
+                </a:spcBef>
+                <a:buFont typeface="Arial" panose="020B0604020202020204" pitchFamily="34" charset="0"/>
+                <a:buChar char="–"/>
+                <a:defRPr sz="2800">
+                  <a:solidFill>
+                    <a:schemeClr val="tx1"/>
+                  </a:solidFill>
+                  <a:latin typeface="Calibri" panose="020F0502020204030204" pitchFamily="34" charset="0"/>
+                  <a:ea typeface="宋体" panose="02010600030101010101" pitchFamily="2" charset="-122"/>
+                </a:defRPr>
+              </a:lvl2pPr>
+              <a:lvl3pPr marL="1143000" indent="-228600">
+                <a:spcBef>
+                  <a:spcPct val="20000"/>
+                </a:spcBef>
+                <a:buFont typeface="Arial" panose="020B0604020202020204" pitchFamily="34" charset="0"/>
+                <a:buChar char="•"/>
+                <a:defRPr sz="2400">
+                  <a:solidFill>
+                    <a:schemeClr val="tx1"/>
+                  </a:solidFill>
+                  <a:latin typeface="Calibri" panose="020F0502020204030204" pitchFamily="34" charset="0"/>
+                  <a:ea typeface="宋体" panose="02010600030101010101" pitchFamily="2" charset="-122"/>
+                </a:defRPr>
+              </a:lvl3pPr>
+              <a:lvl4pPr marL="1600200" indent="-228600">
+                <a:spcBef>
+                  <a:spcPct val="20000"/>
+                </a:spcBef>
+                <a:buFont typeface="Arial" panose="020B0604020202020204" pitchFamily="34" charset="0"/>
+                <a:buChar char="–"/>
+                <a:defRPr sz="2000">
+                  <a:solidFill>
+                    <a:schemeClr val="tx1"/>
+                  </a:solidFill>
+                  <a:latin typeface="Calibri" panose="020F0502020204030204" pitchFamily="34" charset="0"/>
+                  <a:ea typeface="宋体" panose="02010600030101010101" pitchFamily="2" charset="-122"/>
+                </a:defRPr>
+              </a:lvl4pPr>
+              <a:lvl5pPr marL="2057400" indent="-228600">
+                <a:spcBef>
+                  <a:spcPct val="20000"/>
+                </a:spcBef>
+                <a:buFont typeface="Arial" panose="020B0604020202020204" pitchFamily="34" charset="0"/>
+                <a:buChar char="»"/>
+                <a:defRPr sz="2000">
+                  <a:solidFill>
+                    <a:schemeClr val="tx1"/>
+                  </a:solidFill>
+                  <a:latin typeface="Calibri" panose="020F0502020204030204" pitchFamily="34" charset="0"/>
+                  <a:ea typeface="宋体" panose="02010600030101010101" pitchFamily="2" charset="-122"/>
+                </a:defRPr>
+              </a:lvl5pPr>
+              <a:lvl6pPr marL="2514600" indent="-228600" eaLnBrk="0" fontAlgn="base" hangingPunct="0">
+                <a:spcBef>
+                  <a:spcPct val="20000"/>
+                </a:spcBef>
+                <a:spcAft>
+                  <a:spcPct val="0"/>
+                </a:spcAft>
+                <a:buFont typeface="Arial" panose="020B0604020202020204" pitchFamily="34" charset="0"/>
+                <a:buChar char="»"/>
+                <a:defRPr sz="2000">
+                  <a:solidFill>
+                    <a:schemeClr val="tx1"/>
+                  </a:solidFill>
+                  <a:latin typeface="Calibri" panose="020F0502020204030204" pitchFamily="34" charset="0"/>
+                  <a:ea typeface="宋体" panose="02010600030101010101" pitchFamily="2" charset="-122"/>
+                </a:defRPr>
+              </a:lvl6pPr>
+              <a:lvl7pPr marL="2971800" indent="-228600" eaLnBrk="0" fontAlgn="base" hangingPunct="0">
+                <a:spcBef>
+                  <a:spcPct val="20000"/>
+                </a:spcBef>
+                <a:spcAft>
+                  <a:spcPct val="0"/>
+                </a:spcAft>
+                <a:buFont typeface="Arial" panose="020B0604020202020204" pitchFamily="34" charset="0"/>
+                <a:buChar char="»"/>
+                <a:defRPr sz="2000">
+                  <a:solidFill>
+                    <a:schemeClr val="tx1"/>
+                  </a:solidFill>
+                  <a:latin typeface="Calibri" panose="020F0502020204030204" pitchFamily="34" charset="0"/>
+                  <a:ea typeface="宋体" panose="02010600030101010101" pitchFamily="2" charset="-122"/>
+                </a:defRPr>
+              </a:lvl7pPr>
+              <a:lvl8pPr marL="3429000" indent="-228600" eaLnBrk="0" fontAlgn="base" hangingPunct="0">
+                <a:spcBef>
+                  <a:spcPct val="20000"/>
+                </a:spcBef>
+                <a:spcAft>
+                  <a:spcPct val="0"/>
+                </a:spcAft>
+                <a:buFont typeface="Arial" panose="020B0604020202020204" pitchFamily="34" charset="0"/>
+                <a:buChar char="»"/>
+                <a:defRPr sz="2000">
+                  <a:solidFill>
+                    <a:schemeClr val="tx1"/>
+                  </a:solidFill>
+                  <a:latin typeface="Calibri" panose="020F0502020204030204" pitchFamily="34" charset="0"/>
+                  <a:ea typeface="宋体" panose="02010600030101010101" pitchFamily="2" charset="-122"/>
+                </a:defRPr>
+              </a:lvl8pPr>
+              <a:lvl9pPr marL="3886200" indent="-228600" eaLnBrk="0" fontAlgn="base" hangingPunct="0">
+                <a:spcBef>
+                  <a:spcPct val="20000"/>
+                </a:spcBef>
+                <a:spcAft>
+                  <a:spcPct val="0"/>
+                </a:spcAft>
+                <a:buFont typeface="Arial" panose="020B0604020202020204" pitchFamily="34" charset="0"/>
+                <a:buChar char="»"/>
+                <a:defRPr sz="2000">
+                  <a:solidFill>
+                    <a:schemeClr val="tx1"/>
+                  </a:solidFill>
+                  <a:latin typeface="Calibri" panose="020F0502020204030204" pitchFamily="34" charset="0"/>
+                  <a:ea typeface="宋体" panose="02010600030101010101" pitchFamily="2" charset="-122"/>
+                </a:defRPr>
+              </a:lvl9pPr>
+            </a:lstStyle>
+            <a:p>
+              <a:pPr eaLnBrk="1" hangingPunct="1">
+                <a:lnSpc>
+                  <a:spcPct val="85000"/>
+                </a:lnSpc>
+                <a:spcBef>
+                  <a:spcPct val="0"/>
+                </a:spcBef>
+                <a:buFontTx/>
+                <a:buNone/>
+              </a:pPr>
+              <a:r>
+                <a:rPr lang="zh-CN" altLang="en-US" sz="2000" b="1">
+                  <a:solidFill>
+                    <a:srgbClr val="FF0000"/>
+                  </a:solidFill>
+                  <a:latin typeface="Arial" panose="020B0604020202020204" pitchFamily="34" charset="0"/>
+                  <a:ea typeface="黑体" panose="02010609060101010101" pitchFamily="49" charset="-122"/>
+                </a:rPr>
+                <a:t>剩</a:t>
+              </a:r>
+              <a:br>
+                <a:rPr lang="zh-CN" altLang="en-US" sz="2000" b="1">
+                  <a:solidFill>
+                    <a:srgbClr val="FF0000"/>
+                  </a:solidFill>
+                  <a:latin typeface="Arial" panose="020B0604020202020204" pitchFamily="34" charset="0"/>
+                  <a:ea typeface="黑体" panose="02010609060101010101" pitchFamily="49" charset="-122"/>
+                </a:rPr>
+              </a:br>
+              <a:r>
+                <a:rPr lang="zh-CN" altLang="en-US" sz="2000" b="1">
+                  <a:solidFill>
+                    <a:srgbClr val="FF0000"/>
+                  </a:solidFill>
+                  <a:latin typeface="Arial" panose="020B0604020202020204" pitchFamily="34" charset="0"/>
+                  <a:ea typeface="黑体" panose="02010609060101010101" pitchFamily="49" charset="-122"/>
+                </a:rPr>
+                <a:t>余</a:t>
+              </a:r>
+              <a:br>
+                <a:rPr lang="zh-CN" altLang="en-US" sz="2000" b="1">
+                  <a:solidFill>
+                    <a:srgbClr val="FF0000"/>
+                  </a:solidFill>
+                  <a:latin typeface="Arial" panose="020B0604020202020204" pitchFamily="34" charset="0"/>
+                  <a:ea typeface="黑体" panose="02010609060101010101" pitchFamily="49" charset="-122"/>
+                </a:rPr>
+              </a:br>
+              <a:r>
+                <a:rPr lang="zh-CN" altLang="en-US" sz="2000" b="1">
+                  <a:solidFill>
+                    <a:srgbClr val="FF0000"/>
+                  </a:solidFill>
+                  <a:latin typeface="Arial" panose="020B0604020202020204" pitchFamily="34" charset="0"/>
+                  <a:ea typeface="黑体" panose="02010609060101010101" pitchFamily="49" charset="-122"/>
+                </a:rPr>
+                <a:t>时</a:t>
+              </a:r>
+              <a:br>
+                <a:rPr lang="zh-CN" altLang="en-US" sz="2000" b="1">
+                  <a:solidFill>
+                    <a:srgbClr val="FF0000"/>
+                  </a:solidFill>
+                  <a:latin typeface="Arial" panose="020B0604020202020204" pitchFamily="34" charset="0"/>
+                  <a:ea typeface="黑体" panose="02010609060101010101" pitchFamily="49" charset="-122"/>
+                </a:rPr>
+              </a:br>
+              <a:r>
+                <a:rPr lang="zh-CN" altLang="en-US" sz="2000" b="1">
+                  <a:solidFill>
+                    <a:srgbClr val="FF0000"/>
+                  </a:solidFill>
+                  <a:latin typeface="Arial" panose="020B0604020202020204" pitchFamily="34" charset="0"/>
+                  <a:ea typeface="黑体" panose="02010609060101010101" pitchFamily="49" charset="-122"/>
+                </a:rPr>
+                <a:t>间</a:t>
+              </a:r>
+            </a:p>
+          </p:txBody>
+        </p:sp>
+      </p:grpSp>
+      <p:sp>
+        <p:nvSpPr>
+          <p:cNvPr id="36" name="AutoShape 35">
+            <a:extLst>
+              <a:ext uri="{FF2B5EF4-FFF2-40B4-BE49-F238E27FC236}">
+                <a16:creationId xmlns:a16="http://schemas.microsoft.com/office/drawing/2014/main" id="{EF2F70BC-7630-4BBF-B537-A221319ACC1B}"/>
+              </a:ext>
+            </a:extLst>
+          </p:cNvPr>
+          <p:cNvSpPr>
+            <a:spLocks noChangeArrowheads="1"/>
+          </p:cNvSpPr>
+          <p:nvPr/>
+        </p:nvSpPr>
+        <p:spPr bwMode="auto">
+          <a:xfrm>
+            <a:off x="4953000" y="4191001"/>
+            <a:ext cx="5615517" cy="2087033"/>
+          </a:xfrm>
+          <a:prstGeom prst="irregularSeal2">
+            <a:avLst/>
+          </a:prstGeom>
+          <a:solidFill>
+            <a:srgbClr val="FF0000"/>
+          </a:solidFill>
+          <a:ln w="9525">
+            <a:solidFill>
+              <a:schemeClr val="tx1"/>
+            </a:solidFill>
+            <a:miter lim="800000"/>
+          </a:ln>
+          <a:effectLst>
+            <a:outerShdw dist="107763" dir="18900000" algn="ctr" rotWithShape="0">
+              <a:schemeClr val="tx1"/>
+            </a:outerShdw>
+          </a:effectLst>
+        </p:spPr>
+        <p:txBody>
+          <a:bodyPr wrap="none" lIns="91440" tIns="45720" rIns="91440" bIns="45720" anchor="ctr"/>
+          <a:lstStyle/>
+          <a:p>
+            <a:pPr algn="ctr" eaLnBrk="1" hangingPunct="1">
+              <a:defRPr/>
+            </a:pPr>
+            <a:r>
+              <a:rPr lang="zh-CN" altLang="en-US" sz="4400" b="1" dirty="0">
+                <a:solidFill>
+                  <a:srgbClr val="FFFF00"/>
+                </a:solidFill>
+                <a:effectLst>
+                  <a:outerShdw blurRad="38100" dist="38100" dir="2700000" algn="tl">
+                    <a:srgbClr val="000000"/>
+                  </a:outerShdw>
+                </a:effectLst>
+                <a:ea typeface="黑体" panose="02010609060101010101" pitchFamily="49" charset="-122"/>
+              </a:rPr>
+              <a:t>时间到</a:t>
+            </a:r>
+          </a:p>
+        </p:txBody>
+      </p:sp>
+    </p:spTree>
+  </p:cSld>
+  <p:clrMapOvr>
+    <a:masterClrMapping/>
+  </p:clrMapOvr>
+  <p:timing>
+    <p:tnLst>
+      <p:par>
+        <p:cTn id="1" dur="indefinite" restart="never" nodeType="tmRoot">
+          <p:childTnLst>
+            <p:seq concurrent="1" nextAc="seek">
+              <p:cTn id="2" dur="indefinite" nodeType="mainSeq">
+                <p:childTnLst>
+                  <p:par>
+                    <p:cTn id="3" fill="hold" nodeType="clickPar">
+                      <p:stCondLst>
+                        <p:cond delay="indefinite"/>
+                        <p:cond evt="onBegin" delay="0">
+                          <p:tn val="2"/>
+                        </p:cond>
+                      </p:stCondLst>
+                      <p:childTnLst>
+                        <p:par>
+                          <p:cTn id="4" fill="hold" nodeType="withGroup">
+                            <p:stCondLst>
+                              <p:cond delay="0"/>
+                            </p:stCondLst>
+                            <p:childTnLst>
+                              <p:par>
+                                <p:cTn id="5" presetID="22" presetClass="exit" presetSubtype="1" fill="hold" grpId="0" nodeType="withEffect">
+                                  <p:stCondLst>
+                                    <p:cond delay="0"/>
+                                  </p:stCondLst>
+                                  <p:childTnLst>
+                                    <p:animEffect transition="out" filter="wipe(up)">
+                                      <p:cBhvr>
+                                        <p:cTn id="6" dur="300000"/>
+                                        <p:tgtEl>
+                                          <p:spTgt spid="4"/>
+                                        </p:tgtEl>
+                                      </p:cBhvr>
+                                    </p:animEffect>
+                                    <p:set>
+                                      <p:cBhvr>
+                                        <p:cTn id="7" dur="1" fill="hold">
+                                          <p:stCondLst>
+                                            <p:cond delay="299999"/>
+                                          </p:stCondLst>
+                                        </p:cTn>
+                                        <p:tgtEl>
+                                          <p:spTgt spid="4"/>
+                                        </p:tgtEl>
+                                        <p:attrNameLst>
+                                          <p:attrName>style.visibility</p:attrName>
+                                        </p:attrNameLst>
+                                      </p:cBhvr>
+                                      <p:to>
+                                        <p:strVal val="hidden"/>
+                                      </p:to>
+                                    </p:set>
+                                  </p:childTnLst>
+                                </p:cTn>
+                              </p:par>
+                            </p:childTnLst>
+                          </p:cTn>
+                        </p:par>
+                        <p:par>
+                          <p:cTn id="8" fill="hold" nodeType="afterGroup">
+                            <p:stCondLst>
+                              <p:cond delay="300000"/>
+                            </p:stCondLst>
+                            <p:childTnLst>
+                              <p:par>
+                                <p:cTn id="9" presetID="23" presetClass="entr" presetSubtype="16" fill="hold" grpId="0" nodeType="afterEffect">
+                                  <p:stCondLst>
+                                    <p:cond delay="0"/>
+                                  </p:stCondLst>
+                                  <p:childTnLst>
+                                    <p:set>
+                                      <p:cBhvr>
+                                        <p:cTn id="10" dur="1" fill="hold">
+                                          <p:stCondLst>
+                                            <p:cond delay="0"/>
+                                          </p:stCondLst>
+                                        </p:cTn>
+                                        <p:tgtEl>
+                                          <p:spTgt spid="36"/>
+                                        </p:tgtEl>
+                                        <p:attrNameLst>
+                                          <p:attrName>style.visibility</p:attrName>
+                                        </p:attrNameLst>
+                                      </p:cBhvr>
+                                      <p:to>
+                                        <p:strVal val="visible"/>
+                                      </p:to>
+                                    </p:set>
+                                    <p:anim calcmode="lin" valueType="num">
+                                      <p:cBhvr>
+                                        <p:cTn id="11" dur="500" fill="hold"/>
+                                        <p:tgtEl>
+                                          <p:spTgt spid="36"/>
+                                        </p:tgtEl>
+                                        <p:attrNameLst>
+                                          <p:attrName>ppt_w</p:attrName>
+                                        </p:attrNameLst>
+                                      </p:cBhvr>
+                                      <p:tavLst>
+                                        <p:tav tm="0">
+                                          <p:val>
+                                            <p:fltVal val="0"/>
+                                          </p:val>
+                                        </p:tav>
+                                        <p:tav tm="100000">
+                                          <p:val>
+                                            <p:strVal val="#ppt_w"/>
+                                          </p:val>
+                                        </p:tav>
+                                      </p:tavLst>
+                                    </p:anim>
+                                    <p:anim calcmode="lin" valueType="num">
+                                      <p:cBhvr>
+                                        <p:cTn id="12" dur="500" fill="hold"/>
+                                        <p:tgtEl>
+                                          <p:spTgt spid="36"/>
+                                        </p:tgtEl>
+                                        <p:attrNameLst>
+                                          <p:attrName>ppt_h</p:attrName>
+                                        </p:attrNameLst>
+                                      </p:cBhvr>
+                                      <p:tavLst>
+                                        <p:tav tm="0">
+                                          <p:val>
+                                            <p:fltVal val="0"/>
+                                          </p:val>
+                                        </p:tav>
+                                        <p:tav tm="100000">
+                                          <p:val>
+                                            <p:strVal val="#ppt_h"/>
+                                          </p:val>
+                                        </p:tav>
+                                      </p:tavLst>
+                                    </p:anim>
+                                  </p:childTnLst>
+                                  <p:subTnLst>
+                                    <p:audio>
+                                      <p:cMediaNode>
+                                        <p:cTn display="0" masterRel="sameClick">
+                                          <p:stCondLst>
+                                            <p:cond evt="begin" delay="0">
+                                              <p:tn val="9"/>
+                                            </p:cond>
+                                          </p:stCondLst>
+                                          <p:endCondLst>
+                                            <p:cond evt="onStopAudio" delay="0">
+                                              <p:tgtEl>
+                                                <p:sldTgt/>
+                                              </p:tgtEl>
+                                            </p:cond>
+                                          </p:endCondLst>
+                                        </p:cTn>
+                                        <p:tgtEl>
+                                          <p:sndTgt r:embed="rId2" name="chimes.wav"/>
+                                        </p:tgtEl>
+                                      </p:cMediaNode>
+                                    </p:audio>
+                                  </p:subTnLst>
+                                </p:cTn>
+                              </p:par>
+                            </p:childTnLst>
+                          </p:cTn>
+                        </p:par>
+                      </p:childTnLst>
+                    </p:cTn>
+                  </p:par>
+                </p:childTnLst>
+              </p:cTn>
+              <p:prevCondLst>
+                <p:cond evt="onPrev" delay="0">
+                  <p:tgtEl>
+                    <p:sldTgt/>
+                  </p:tgtEl>
+                </p:cond>
+              </p:prevCondLst>
+              <p:nextCondLst>
+                <p:cond evt="onNext" delay="0">
+                  <p:tgtEl>
+                    <p:sldTgt/>
+                  </p:tgtEl>
+                </p:cond>
+              </p:nextCondLst>
+            </p:seq>
+          </p:childTnLst>
+        </p:cTn>
+      </p:par>
+    </p:tnLst>
+    <p:bldLst>
+      <p:bldP spid="4" grpId="0" animBg="1"/>
+      <p:bldP spid="36" grpId="0" animBg="1"/>
+    </p:bldLst>
+  </p:timing>
+</p:sld>
+</file>
+
+<file path=ppt/slides/slide17.xml><?xml version="1.0" encoding="utf-8"?>
+<p:sld xmlns:a="http://schemas.openxmlformats.org/drawingml/2006/main" xmlns:r="http://schemas.openxmlformats.org/officeDocument/2006/relationships" xmlns:p="http://schemas.openxmlformats.org/presentationml/2006/main">
+  <p:cSld>
+    <p:spTree>
+      <p:nvGrpSpPr>
+        <p:cNvPr id="1" name=""/>
+        <p:cNvGrpSpPr/>
+        <p:nvPr/>
+      </p:nvGrpSpPr>
+      <p:grpSpPr>
+        <a:xfrm>
+          <a:off x="0" y="0"/>
+          <a:ext cx="0" cy="0"/>
+          <a:chOff x="0" y="0"/>
+          <a:chExt cx="0" cy="0"/>
+        </a:xfrm>
+      </p:grpSpPr>
+      <p:sp>
+        <p:nvSpPr>
+          <p:cNvPr id="4" name="TextBox 3">
+            <a:extLst>
+              <a:ext uri="{FF2B5EF4-FFF2-40B4-BE49-F238E27FC236}">
+                <a16:creationId xmlns:a16="http://schemas.microsoft.com/office/drawing/2014/main" id="{3B165F76-1AAA-4299-AACE-BE98D3D1FECB}"/>
+              </a:ext>
+            </a:extLst>
+          </p:cNvPr>
+          <p:cNvSpPr txBox="1">
+            <a:spLocks noChangeArrowheads="1"/>
+          </p:cNvSpPr>
+          <p:nvPr/>
+        </p:nvSpPr>
+        <p:spPr bwMode="auto">
+          <a:xfrm>
+            <a:off x="0" y="67734"/>
+            <a:ext cx="12048067" cy="4862613"/>
+          </a:xfrm>
+          <a:prstGeom prst="rect">
+            <a:avLst/>
+          </a:prstGeom>
+          <a:noFill/>
+          <a:ln w="9525">
+            <a:noFill/>
+            <a:miter lim="800000"/>
+            <a:headEnd/>
+            <a:tailEnd/>
+          </a:ln>
+        </p:spPr>
+        <p:txBody>
+          <a:bodyPr>
+            <a:spAutoFit/>
+          </a:bodyPr>
+          <a:lstStyle/>
+          <a:p>
+            <a:pPr algn="just">
+              <a:lnSpc>
+                <a:spcPct val="120000"/>
+              </a:lnSpc>
+              <a:defRPr/>
+            </a:pPr>
+            <a:r>
+              <a:rPr lang="zh-CN" altLang="zh-CN" sz="3733" dirty="0"/>
+              <a:t>阅读材料，完成下列要求。</a:t>
+            </a:r>
+            <a:endParaRPr lang="en-US" altLang="zh-CN" sz="3733" dirty="0"/>
+          </a:p>
+          <a:p>
+            <a:pPr algn="just">
+              <a:lnSpc>
+                <a:spcPct val="120000"/>
+              </a:lnSpc>
+              <a:defRPr/>
+            </a:pPr>
+            <a:r>
+              <a:rPr lang="zh-CN" altLang="zh-CN" sz="3733" b="1" kern="100" dirty="0">
+                <a:latin typeface="Times New Roman"/>
+                <a:ea typeface="黑体"/>
+                <a:cs typeface="黑体"/>
+              </a:rPr>
+              <a:t>材料一</a:t>
+            </a:r>
+            <a:r>
+              <a:rPr lang="zh-CN" altLang="zh-CN" sz="3733" b="1" kern="100" dirty="0">
+                <a:latin typeface="Times New Roman"/>
+                <a:ea typeface="楷体"/>
+                <a:cs typeface="楷体"/>
+              </a:rPr>
+              <a:t>“</a:t>
+            </a:r>
+            <a:r>
+              <a:rPr lang="en-US" altLang="zh-CN" sz="3733" b="1" kern="100" dirty="0">
+                <a:latin typeface="Times New Roman"/>
+                <a:ea typeface="楷体"/>
+                <a:cs typeface="楷体"/>
+              </a:rPr>
+              <a:t>1840</a:t>
+            </a:r>
+            <a:r>
+              <a:rPr lang="zh-CN" altLang="zh-CN" sz="3733" b="1" kern="100" dirty="0">
+                <a:latin typeface="Times New Roman"/>
+                <a:ea typeface="楷体"/>
+                <a:cs typeface="楷体"/>
+              </a:rPr>
+              <a:t>年以前是我们对人家不公正，</a:t>
+            </a:r>
+            <a:r>
+              <a:rPr lang="en-US" altLang="zh-CN" sz="3733" b="1" kern="100" dirty="0">
+                <a:latin typeface="Times New Roman"/>
+                <a:ea typeface="楷体"/>
+                <a:cs typeface="楷体"/>
+              </a:rPr>
+              <a:t>1840</a:t>
+            </a:r>
+            <a:r>
+              <a:rPr lang="zh-CN" altLang="zh-CN" sz="3733" b="1" kern="100" dirty="0">
+                <a:latin typeface="Times New Roman"/>
+                <a:ea typeface="楷体"/>
+                <a:cs typeface="楷体"/>
+              </a:rPr>
+              <a:t>年以后是人家对我们不公正。”</a:t>
+            </a:r>
+            <a:endParaRPr lang="en-US" altLang="zh-CN" sz="3733" b="1" kern="100" dirty="0">
+              <a:latin typeface="Times New Roman"/>
+              <a:ea typeface="楷体"/>
+              <a:cs typeface="楷体"/>
+            </a:endParaRPr>
+          </a:p>
+          <a:p>
+            <a:pPr algn="r">
+              <a:lnSpc>
+                <a:spcPct val="120000"/>
+              </a:lnSpc>
+              <a:defRPr/>
+            </a:pPr>
+            <a:r>
+              <a:rPr lang="zh-CN" altLang="zh-CN" sz="3733" b="1" kern="100" dirty="0">
+                <a:latin typeface="Times New Roman"/>
+                <a:ea typeface="楷体"/>
+                <a:cs typeface="楷体"/>
+              </a:rPr>
+              <a:t>——蒋廷黻在《中国近代史》</a:t>
+            </a:r>
+            <a:endParaRPr lang="en-US" altLang="zh-CN" sz="3733" b="1" kern="100" dirty="0">
+              <a:latin typeface="Times New Roman"/>
+              <a:ea typeface="楷体"/>
+              <a:cs typeface="楷体"/>
+            </a:endParaRPr>
+          </a:p>
+          <a:p>
+            <a:pPr>
+              <a:lnSpc>
+                <a:spcPct val="120000"/>
+              </a:lnSpc>
+              <a:defRPr/>
+            </a:pPr>
+            <a:r>
+              <a:rPr lang="en-US" altLang="zh-CN" sz="3733" b="1" kern="100" dirty="0">
+                <a:latin typeface="宋体"/>
+                <a:ea typeface="宋体"/>
+                <a:cs typeface="宋体"/>
+              </a:rPr>
+              <a:t>(1)</a:t>
+            </a:r>
+            <a:r>
+              <a:rPr lang="zh-CN" altLang="zh-CN" sz="3733" b="1" kern="100" dirty="0">
+                <a:latin typeface="Times New Roman"/>
+                <a:ea typeface="宋体"/>
+                <a:cs typeface="宋体"/>
+              </a:rPr>
+              <a:t>材料一中“</a:t>
+            </a:r>
+            <a:r>
+              <a:rPr lang="en-US" altLang="zh-CN" sz="3733" b="1" kern="100" dirty="0">
+                <a:latin typeface="楷体"/>
+                <a:ea typeface="宋体"/>
+                <a:cs typeface="楷体"/>
+              </a:rPr>
+              <a:t>1840</a:t>
+            </a:r>
+            <a:r>
+              <a:rPr lang="zh-CN" altLang="zh-CN" sz="3733" b="1" kern="100" dirty="0">
+                <a:latin typeface="Times New Roman"/>
+                <a:ea typeface="楷体"/>
+                <a:cs typeface="楷体"/>
+              </a:rPr>
+              <a:t>年以前不公正</a:t>
+            </a:r>
+            <a:r>
+              <a:rPr lang="zh-CN" altLang="zh-CN" sz="3733" b="1" kern="100" dirty="0">
+                <a:latin typeface="Times New Roman"/>
+                <a:ea typeface="宋体"/>
+                <a:cs typeface="宋体"/>
+              </a:rPr>
+              <a:t>”主要是</a:t>
+            </a:r>
+            <a:r>
+              <a:rPr lang="zh-CN" altLang="en-US" sz="3733" b="1" kern="100" dirty="0">
+                <a:latin typeface="Times New Roman"/>
+                <a:ea typeface="宋体"/>
+                <a:cs typeface="宋体"/>
+              </a:rPr>
+              <a:t>因为</a:t>
+            </a:r>
+            <a:r>
+              <a:rPr lang="zh-CN" altLang="zh-CN" sz="3733" b="1" kern="100" dirty="0">
+                <a:latin typeface="Times New Roman"/>
+                <a:ea typeface="宋体"/>
+                <a:cs typeface="宋体"/>
+              </a:rPr>
+              <a:t>中国</a:t>
+            </a:r>
+            <a:r>
+              <a:rPr lang="zh-CN" altLang="en-US" sz="3733" b="1" kern="100" dirty="0">
+                <a:latin typeface="Times New Roman"/>
+                <a:ea typeface="宋体"/>
+                <a:cs typeface="宋体"/>
+              </a:rPr>
+              <a:t>当时的</a:t>
+            </a:r>
+            <a:r>
+              <a:rPr lang="zh-CN" altLang="zh-CN" sz="3733" b="1" kern="100" dirty="0">
+                <a:latin typeface="Times New Roman"/>
+                <a:ea typeface="宋体"/>
+                <a:cs typeface="宋体"/>
+              </a:rPr>
+              <a:t>哪一</a:t>
+            </a:r>
+            <a:r>
+              <a:rPr lang="zh-CN" altLang="en-US" sz="3733" b="1" kern="100" dirty="0">
+                <a:latin typeface="Times New Roman"/>
+                <a:ea typeface="宋体"/>
+                <a:cs typeface="宋体"/>
+              </a:rPr>
+              <a:t>外交</a:t>
+            </a:r>
+            <a:r>
+              <a:rPr lang="zh-CN" altLang="zh-CN" sz="3733" b="1" kern="100" dirty="0">
+                <a:latin typeface="Times New Roman"/>
+                <a:ea typeface="宋体"/>
+                <a:cs typeface="宋体"/>
+              </a:rPr>
+              <a:t>政策造成的？这种状态是</a:t>
+            </a:r>
+            <a:r>
+              <a:rPr lang="zh-CN" altLang="en-US" sz="3733" b="1" kern="100" dirty="0">
+                <a:latin typeface="Times New Roman"/>
+                <a:ea typeface="宋体"/>
+                <a:cs typeface="宋体"/>
+              </a:rPr>
+              <a:t>在哪一战争之后</a:t>
+            </a:r>
+            <a:r>
+              <a:rPr lang="zh-CN" altLang="zh-CN" sz="3733" b="1" kern="100" dirty="0">
+                <a:latin typeface="Times New Roman"/>
+                <a:ea typeface="宋体"/>
+                <a:cs typeface="宋体"/>
+              </a:rPr>
+              <a:t>被打破的</a:t>
+            </a:r>
+            <a:r>
+              <a:rPr lang="en-US" altLang="zh-CN" sz="3733" b="1" kern="100" dirty="0">
+                <a:latin typeface="Times New Roman"/>
+                <a:ea typeface="宋体"/>
+                <a:cs typeface="宋体"/>
+              </a:rPr>
+              <a:t>?</a:t>
+            </a:r>
+            <a:r>
+              <a:rPr lang="en-US" altLang="zh-CN" sz="3733" b="1" kern="100" dirty="0">
+                <a:latin typeface="楷体"/>
+                <a:ea typeface="宋体"/>
+                <a:cs typeface="楷体"/>
+              </a:rPr>
+              <a:t> </a:t>
+            </a:r>
+            <a:r>
+              <a:rPr lang="zh-CN" altLang="zh-CN" sz="3733" b="1" kern="100" dirty="0">
+                <a:latin typeface="Times New Roman"/>
+                <a:ea typeface="楷体"/>
+                <a:cs typeface="楷体"/>
+              </a:rPr>
+              <a:t>“</a:t>
+            </a:r>
+            <a:r>
+              <a:rPr lang="en-US" altLang="zh-CN" sz="3733" b="1" kern="100" dirty="0">
+                <a:latin typeface="Times New Roman"/>
+                <a:ea typeface="楷体"/>
+                <a:cs typeface="楷体"/>
+              </a:rPr>
+              <a:t>1840</a:t>
+            </a:r>
+            <a:r>
+              <a:rPr lang="zh-CN" altLang="zh-CN" sz="3733" b="1" kern="100" dirty="0">
+                <a:latin typeface="Times New Roman"/>
+                <a:ea typeface="楷体"/>
+                <a:cs typeface="楷体"/>
+              </a:rPr>
+              <a:t>年以后不公正”</a:t>
+            </a:r>
+            <a:r>
+              <a:rPr lang="zh-CN" altLang="zh-CN" sz="3733" b="1" kern="100" dirty="0">
+                <a:latin typeface="Times New Roman"/>
+                <a:ea typeface="宋体"/>
+                <a:cs typeface="宋体"/>
+              </a:rPr>
+              <a:t>指的是哪一条约的签订？</a:t>
+            </a:r>
+            <a:endParaRPr lang="zh-CN" altLang="en-US" sz="3733" b="1" dirty="0"/>
+          </a:p>
+        </p:txBody>
+      </p:sp>
+      <p:cxnSp>
+        <p:nvCxnSpPr>
+          <p:cNvPr id="5" name="直接连接符 4">
+            <a:extLst>
+              <a:ext uri="{FF2B5EF4-FFF2-40B4-BE49-F238E27FC236}">
+                <a16:creationId xmlns:a16="http://schemas.microsoft.com/office/drawing/2014/main" id="{F444B207-CE38-451C-9421-DE76E6C81D98}"/>
+              </a:ext>
+            </a:extLst>
+          </p:cNvPr>
+          <p:cNvCxnSpPr/>
+          <p:nvPr/>
+        </p:nvCxnSpPr>
+        <p:spPr>
+          <a:xfrm>
+            <a:off x="334433" y="4197351"/>
+            <a:ext cx="4191000" cy="2116"/>
+          </a:xfrm>
+          <a:prstGeom prst="line">
+            <a:avLst/>
+          </a:prstGeom>
+        </p:spPr>
+        <p:style>
+          <a:lnRef idx="3">
+            <a:schemeClr val="accent1"/>
+          </a:lnRef>
+          <a:fillRef idx="0">
+            <a:schemeClr val="accent1"/>
+          </a:fillRef>
+          <a:effectRef idx="2">
+            <a:schemeClr val="accent1"/>
+          </a:effectRef>
+          <a:fontRef idx="minor">
+            <a:schemeClr val="tx1"/>
+          </a:fontRef>
+        </p:style>
+      </p:cxnSp>
+      <p:cxnSp>
+        <p:nvCxnSpPr>
+          <p:cNvPr id="6" name="直接连接符 5">
+            <a:extLst>
+              <a:ext uri="{FF2B5EF4-FFF2-40B4-BE49-F238E27FC236}">
+                <a16:creationId xmlns:a16="http://schemas.microsoft.com/office/drawing/2014/main" id="{BE726ACE-588B-4628-9FEB-E80596B69908}"/>
+              </a:ext>
+            </a:extLst>
+          </p:cNvPr>
+          <p:cNvCxnSpPr/>
+          <p:nvPr/>
+        </p:nvCxnSpPr>
+        <p:spPr>
+          <a:xfrm>
+            <a:off x="7152217" y="4197351"/>
+            <a:ext cx="4191000" cy="2116"/>
+          </a:xfrm>
+          <a:prstGeom prst="line">
+            <a:avLst/>
+          </a:prstGeom>
+        </p:spPr>
+        <p:style>
+          <a:lnRef idx="3">
+            <a:schemeClr val="accent1"/>
+          </a:lnRef>
+          <a:fillRef idx="0">
+            <a:schemeClr val="accent1"/>
+          </a:fillRef>
+          <a:effectRef idx="2">
+            <a:schemeClr val="accent1"/>
+          </a:effectRef>
+          <a:fontRef idx="minor">
+            <a:schemeClr val="tx1"/>
+          </a:fontRef>
+        </p:style>
+      </p:cxnSp>
+      <p:cxnSp>
+        <p:nvCxnSpPr>
+          <p:cNvPr id="7" name="直接连接符 6">
+            <a:extLst>
+              <a:ext uri="{FF2B5EF4-FFF2-40B4-BE49-F238E27FC236}">
+                <a16:creationId xmlns:a16="http://schemas.microsoft.com/office/drawing/2014/main" id="{1E7D529C-190A-42E5-B547-34F4F4367974}"/>
+              </a:ext>
+            </a:extLst>
+          </p:cNvPr>
+          <p:cNvCxnSpPr/>
+          <p:nvPr/>
+        </p:nvCxnSpPr>
+        <p:spPr>
+          <a:xfrm>
+            <a:off x="7440084" y="4868334"/>
+            <a:ext cx="2751667" cy="2117"/>
+          </a:xfrm>
+          <a:prstGeom prst="line">
+            <a:avLst/>
+          </a:prstGeom>
+        </p:spPr>
+        <p:style>
+          <a:lnRef idx="3">
+            <a:schemeClr val="accent1"/>
+          </a:lnRef>
+          <a:fillRef idx="0">
+            <a:schemeClr val="accent1"/>
+          </a:fillRef>
+          <a:effectRef idx="2">
+            <a:schemeClr val="accent1"/>
+          </a:effectRef>
+          <a:fontRef idx="minor">
+            <a:schemeClr val="tx1"/>
+          </a:fontRef>
+        </p:style>
+      </p:cxnSp>
+      <p:cxnSp>
+        <p:nvCxnSpPr>
+          <p:cNvPr id="8" name="直接连接符 7">
+            <a:extLst>
+              <a:ext uri="{FF2B5EF4-FFF2-40B4-BE49-F238E27FC236}">
+                <a16:creationId xmlns:a16="http://schemas.microsoft.com/office/drawing/2014/main" id="{1DBE9B6E-B660-493D-B330-5A895F020D61}"/>
+              </a:ext>
+            </a:extLst>
+          </p:cNvPr>
+          <p:cNvCxnSpPr/>
+          <p:nvPr/>
+        </p:nvCxnSpPr>
+        <p:spPr>
+          <a:xfrm>
+            <a:off x="1678518" y="1411817"/>
+            <a:ext cx="2978149" cy="0"/>
+          </a:xfrm>
+          <a:prstGeom prst="line">
+            <a:avLst/>
+          </a:prstGeom>
+        </p:spPr>
+        <p:style>
+          <a:lnRef idx="3">
+            <a:schemeClr val="accent2"/>
+          </a:lnRef>
+          <a:fillRef idx="0">
+            <a:schemeClr val="accent2"/>
+          </a:fillRef>
+          <a:effectRef idx="2">
+            <a:schemeClr val="accent2"/>
+          </a:effectRef>
+          <a:fontRef idx="minor">
+            <a:schemeClr val="tx1"/>
+          </a:fontRef>
+        </p:style>
+      </p:cxnSp>
+      <p:cxnSp>
+        <p:nvCxnSpPr>
+          <p:cNvPr id="9" name="直接连接符 8">
+            <a:extLst>
+              <a:ext uri="{FF2B5EF4-FFF2-40B4-BE49-F238E27FC236}">
+                <a16:creationId xmlns:a16="http://schemas.microsoft.com/office/drawing/2014/main" id="{323E8A55-7682-4E4E-B5B4-347CA62462D1}"/>
+              </a:ext>
+            </a:extLst>
+          </p:cNvPr>
+          <p:cNvCxnSpPr/>
+          <p:nvPr/>
+        </p:nvCxnSpPr>
+        <p:spPr>
+          <a:xfrm>
+            <a:off x="9552518" y="1411818"/>
+            <a:ext cx="2366433" cy="2116"/>
+          </a:xfrm>
+          <a:prstGeom prst="line">
+            <a:avLst/>
+          </a:prstGeom>
+        </p:spPr>
+        <p:style>
+          <a:lnRef idx="3">
+            <a:schemeClr val="accent2"/>
+          </a:lnRef>
+          <a:fillRef idx="0">
+            <a:schemeClr val="accent2"/>
+          </a:fillRef>
+          <a:effectRef idx="2">
+            <a:schemeClr val="accent2"/>
+          </a:effectRef>
+          <a:fontRef idx="minor">
+            <a:schemeClr val="tx1"/>
+          </a:fontRef>
+        </p:style>
+      </p:cxnSp>
+      <p:sp>
+        <p:nvSpPr>
+          <p:cNvPr id="12" name="TextBox 11">
+            <a:extLst>
+              <a:ext uri="{FF2B5EF4-FFF2-40B4-BE49-F238E27FC236}">
+                <a16:creationId xmlns:a16="http://schemas.microsoft.com/office/drawing/2014/main" id="{6F645D1C-EE9E-4375-B095-1C6736A8AEF5}"/>
+              </a:ext>
+            </a:extLst>
+          </p:cNvPr>
+          <p:cNvSpPr txBox="1">
+            <a:spLocks noChangeArrowheads="1"/>
+          </p:cNvSpPr>
+          <p:nvPr/>
+        </p:nvSpPr>
+        <p:spPr bwMode="auto">
+          <a:xfrm>
+            <a:off x="762001" y="5024967"/>
+            <a:ext cx="2857500" cy="1733616"/>
+          </a:xfrm>
+          <a:prstGeom prst="rect">
+            <a:avLst/>
+          </a:prstGeom>
+          <a:noFill/>
+          <a:ln>
+            <a:noFill/>
+          </a:ln>
+          <a:extLst>
+            <a:ext uri="{909E8E84-426E-40DD-AFC4-6F175D3DCCD1}">
+              <a14:hiddenFill xmlns:a14="http://schemas.microsoft.com/office/drawing/2010/main">
+                <a:solidFill>
+                  <a:srgbClr val="FFFFFF"/>
+                </a:solidFill>
+              </a14:hiddenFill>
+            </a:ext>
+            <a:ext uri="{91240B29-F687-4F45-9708-019B960494DF}">
+              <a14:hiddenLine xmlns:a14="http://schemas.microsoft.com/office/drawing/2010/main" w="9525">
+                <a:solidFill>
+                  <a:srgbClr val="000000"/>
+                </a:solidFill>
+                <a:miter lim="800000"/>
+                <a:headEnd/>
+                <a:tailEnd/>
+              </a14:hiddenLine>
+            </a:ext>
+          </a:extLst>
+        </p:spPr>
+        <p:txBody>
+          <a:bodyPr>
+            <a:spAutoFit/>
+          </a:bodyPr>
+          <a:lstStyle>
+            <a:lvl1pPr>
+              <a:spcBef>
+                <a:spcPct val="20000"/>
+              </a:spcBef>
+              <a:buFont typeface="Arial" panose="020B0604020202020204" pitchFamily="34" charset="0"/>
+              <a:buChar char="•"/>
+              <a:defRPr sz="3200">
+                <a:solidFill>
+                  <a:schemeClr val="tx1"/>
+                </a:solidFill>
+                <a:latin typeface="Calibri" panose="020F0502020204030204" pitchFamily="34" charset="0"/>
+                <a:ea typeface="宋体" panose="02010600030101010101" pitchFamily="2" charset="-122"/>
+              </a:defRPr>
+            </a:lvl1pPr>
+            <a:lvl2pPr marL="742950" indent="-285750">
+              <a:spcBef>
+                <a:spcPct val="20000"/>
+              </a:spcBef>
+              <a:buFont typeface="Arial" panose="020B0604020202020204" pitchFamily="34" charset="0"/>
+              <a:buChar char="–"/>
+              <a:defRPr sz="2800">
+                <a:solidFill>
+                  <a:schemeClr val="tx1"/>
+                </a:solidFill>
+                <a:latin typeface="Calibri" panose="020F0502020204030204" pitchFamily="34" charset="0"/>
+                <a:ea typeface="宋体" panose="02010600030101010101" pitchFamily="2" charset="-122"/>
+              </a:defRPr>
+            </a:lvl2pPr>
+            <a:lvl3pPr marL="1143000" indent="-228600">
+              <a:spcBef>
+                <a:spcPct val="20000"/>
+              </a:spcBef>
+              <a:buFont typeface="Arial" panose="020B0604020202020204" pitchFamily="34" charset="0"/>
+              <a:buChar char="•"/>
+              <a:defRPr sz="2400">
+                <a:solidFill>
+                  <a:schemeClr val="tx1"/>
+                </a:solidFill>
+                <a:latin typeface="Calibri" panose="020F0502020204030204" pitchFamily="34" charset="0"/>
+                <a:ea typeface="宋体" panose="02010600030101010101" pitchFamily="2" charset="-122"/>
+              </a:defRPr>
+            </a:lvl3pPr>
+            <a:lvl4pPr marL="1600200" indent="-228600">
+              <a:spcBef>
+                <a:spcPct val="20000"/>
+              </a:spcBef>
+              <a:buFont typeface="Arial" panose="020B0604020202020204" pitchFamily="34" charset="0"/>
+              <a:buChar char="–"/>
+              <a:defRPr sz="2000">
+                <a:solidFill>
+                  <a:schemeClr val="tx1"/>
+                </a:solidFill>
+                <a:latin typeface="Calibri" panose="020F0502020204030204" pitchFamily="34" charset="0"/>
+                <a:ea typeface="宋体" panose="02010600030101010101" pitchFamily="2" charset="-122"/>
+              </a:defRPr>
+            </a:lvl4pPr>
+            <a:lvl5pPr marL="2057400" indent="-228600">
+              <a:spcBef>
+                <a:spcPct val="20000"/>
+              </a:spcBef>
+              <a:buFont typeface="Arial" panose="020B0604020202020204" pitchFamily="34" charset="0"/>
+              <a:buChar char="»"/>
+              <a:defRPr sz="2000">
+                <a:solidFill>
+                  <a:schemeClr val="tx1"/>
+                </a:solidFill>
+                <a:latin typeface="Calibri" panose="020F0502020204030204" pitchFamily="34" charset="0"/>
+                <a:ea typeface="宋体" panose="02010600030101010101" pitchFamily="2" charset="-122"/>
+              </a:defRPr>
+            </a:lvl5pPr>
+            <a:lvl6pPr marL="2514600" indent="-228600" eaLnBrk="0" fontAlgn="base" hangingPunct="0">
+              <a:spcBef>
+                <a:spcPct val="20000"/>
+              </a:spcBef>
+              <a:spcAft>
+                <a:spcPct val="0"/>
+              </a:spcAft>
+              <a:buFont typeface="Arial" panose="020B0604020202020204" pitchFamily="34" charset="0"/>
+              <a:buChar char="»"/>
+              <a:defRPr sz="2000">
+                <a:solidFill>
+                  <a:schemeClr val="tx1"/>
+                </a:solidFill>
+                <a:latin typeface="Calibri" panose="020F0502020204030204" pitchFamily="34" charset="0"/>
+                <a:ea typeface="宋体" panose="02010600030101010101" pitchFamily="2" charset="-122"/>
+              </a:defRPr>
+            </a:lvl6pPr>
+            <a:lvl7pPr marL="2971800" indent="-228600" eaLnBrk="0" fontAlgn="base" hangingPunct="0">
+              <a:spcBef>
+                <a:spcPct val="20000"/>
+              </a:spcBef>
+              <a:spcAft>
+                <a:spcPct val="0"/>
+              </a:spcAft>
+              <a:buFont typeface="Arial" panose="020B0604020202020204" pitchFamily="34" charset="0"/>
+              <a:buChar char="»"/>
+              <a:defRPr sz="2000">
+                <a:solidFill>
+                  <a:schemeClr val="tx1"/>
+                </a:solidFill>
+                <a:latin typeface="Calibri" panose="020F0502020204030204" pitchFamily="34" charset="0"/>
+                <a:ea typeface="宋体" panose="02010600030101010101" pitchFamily="2" charset="-122"/>
+              </a:defRPr>
+            </a:lvl7pPr>
+            <a:lvl8pPr marL="3429000" indent="-228600" eaLnBrk="0" fontAlgn="base" hangingPunct="0">
+              <a:spcBef>
+                <a:spcPct val="20000"/>
+              </a:spcBef>
+              <a:spcAft>
+                <a:spcPct val="0"/>
+              </a:spcAft>
+              <a:buFont typeface="Arial" panose="020B0604020202020204" pitchFamily="34" charset="0"/>
+              <a:buChar char="»"/>
+              <a:defRPr sz="2000">
+                <a:solidFill>
+                  <a:schemeClr val="tx1"/>
+                </a:solidFill>
+                <a:latin typeface="Calibri" panose="020F0502020204030204" pitchFamily="34" charset="0"/>
+                <a:ea typeface="宋体" panose="02010600030101010101" pitchFamily="2" charset="-122"/>
+              </a:defRPr>
+            </a:lvl8pPr>
+            <a:lvl9pPr marL="3886200" indent="-228600" eaLnBrk="0" fontAlgn="base" hangingPunct="0">
+              <a:spcBef>
+                <a:spcPct val="20000"/>
+              </a:spcBef>
+              <a:spcAft>
+                <a:spcPct val="0"/>
+              </a:spcAft>
+              <a:buFont typeface="Arial" panose="020B0604020202020204" pitchFamily="34" charset="0"/>
+              <a:buChar char="»"/>
+              <a:defRPr sz="2000">
+                <a:solidFill>
+                  <a:schemeClr val="tx1"/>
+                </a:solidFill>
+                <a:latin typeface="Calibri" panose="020F0502020204030204" pitchFamily="34" charset="0"/>
+                <a:ea typeface="宋体" panose="02010600030101010101" pitchFamily="2" charset="-122"/>
+              </a:defRPr>
+            </a:lvl9pPr>
+          </a:lstStyle>
+          <a:p>
+            <a:pPr eaLnBrk="1" hangingPunct="1">
+              <a:lnSpc>
+                <a:spcPct val="114000"/>
+              </a:lnSpc>
+              <a:spcBef>
+                <a:spcPct val="0"/>
+              </a:spcBef>
+              <a:buFontTx/>
+              <a:buNone/>
+            </a:pPr>
+            <a:r>
+              <a:rPr lang="zh-CN" altLang="en-US" b="1">
+                <a:solidFill>
+                  <a:srgbClr val="C00000"/>
+                </a:solidFill>
+                <a:latin typeface="华文中宋" panose="02010600040101010101" pitchFamily="2" charset="-122"/>
+                <a:ea typeface="华文中宋" panose="02010600040101010101" pitchFamily="2" charset="-122"/>
+              </a:rPr>
+              <a:t>政策：</a:t>
+            </a:r>
+            <a:endParaRPr lang="en-US" altLang="zh-CN" b="1">
+              <a:solidFill>
+                <a:srgbClr val="C00000"/>
+              </a:solidFill>
+              <a:latin typeface="华文中宋" panose="02010600040101010101" pitchFamily="2" charset="-122"/>
+              <a:ea typeface="华文中宋" panose="02010600040101010101" pitchFamily="2" charset="-122"/>
+            </a:endParaRPr>
+          </a:p>
+          <a:p>
+            <a:pPr eaLnBrk="1" hangingPunct="1">
+              <a:lnSpc>
+                <a:spcPct val="114000"/>
+              </a:lnSpc>
+              <a:spcBef>
+                <a:spcPct val="0"/>
+              </a:spcBef>
+              <a:buFontTx/>
+              <a:buNone/>
+            </a:pPr>
+            <a:r>
+              <a:rPr lang="zh-CN" altLang="en-US" b="1">
+                <a:solidFill>
+                  <a:srgbClr val="C00000"/>
+                </a:solidFill>
+                <a:latin typeface="华文中宋" panose="02010600040101010101" pitchFamily="2" charset="-122"/>
+                <a:ea typeface="华文中宋" panose="02010600040101010101" pitchFamily="2" charset="-122"/>
+              </a:rPr>
+              <a:t>战争：</a:t>
+            </a:r>
+            <a:endParaRPr lang="en-US" altLang="zh-CN" b="1">
+              <a:solidFill>
+                <a:srgbClr val="C00000"/>
+              </a:solidFill>
+              <a:latin typeface="华文中宋" panose="02010600040101010101" pitchFamily="2" charset="-122"/>
+              <a:ea typeface="华文中宋" panose="02010600040101010101" pitchFamily="2" charset="-122"/>
+            </a:endParaRPr>
+          </a:p>
+          <a:p>
+            <a:pPr eaLnBrk="1" hangingPunct="1">
+              <a:lnSpc>
+                <a:spcPct val="114000"/>
+              </a:lnSpc>
+              <a:spcBef>
+                <a:spcPct val="0"/>
+              </a:spcBef>
+              <a:buFontTx/>
+              <a:buNone/>
+            </a:pPr>
+            <a:r>
+              <a:rPr lang="zh-CN" altLang="en-US" b="1">
+                <a:solidFill>
+                  <a:srgbClr val="C00000"/>
+                </a:solidFill>
+                <a:latin typeface="华文中宋" panose="02010600040101010101" pitchFamily="2" charset="-122"/>
+                <a:ea typeface="华文中宋" panose="02010600040101010101" pitchFamily="2" charset="-122"/>
+              </a:rPr>
+              <a:t>条约：</a:t>
+            </a:r>
+          </a:p>
+        </p:txBody>
+      </p:sp>
+      <p:sp>
+        <p:nvSpPr>
+          <p:cNvPr id="13" name="TextBox 12">
+            <a:extLst>
+              <a:ext uri="{FF2B5EF4-FFF2-40B4-BE49-F238E27FC236}">
+                <a16:creationId xmlns:a16="http://schemas.microsoft.com/office/drawing/2014/main" id="{37B08AD2-F590-4E33-B776-864396D23A77}"/>
+              </a:ext>
+            </a:extLst>
+          </p:cNvPr>
+          <p:cNvSpPr txBox="1"/>
+          <p:nvPr/>
+        </p:nvSpPr>
+        <p:spPr>
+          <a:xfrm>
+            <a:off x="2095500" y="4980518"/>
+            <a:ext cx="4572000" cy="584775"/>
+          </a:xfrm>
+          <a:prstGeom prst="rect">
+            <a:avLst/>
+          </a:prstGeom>
+          <a:noFill/>
+        </p:spPr>
+        <p:txBody>
+          <a:bodyPr>
+            <a:spAutoFit/>
+          </a:bodyPr>
+          <a:lstStyle/>
+          <a:p>
+            <a:pPr eaLnBrk="1" hangingPunct="1">
+              <a:defRPr/>
+            </a:pPr>
+            <a:r>
+              <a:rPr lang="zh-CN" altLang="en-US" sz="3200" b="1" dirty="0">
+                <a:solidFill>
+                  <a:srgbClr val="0000CC"/>
+                </a:solidFill>
+                <a:latin typeface="+mn-ea"/>
+              </a:rPr>
+              <a:t>闭关锁国政策</a:t>
+            </a:r>
+          </a:p>
+        </p:txBody>
+      </p:sp>
+      <p:sp>
+        <p:nvSpPr>
+          <p:cNvPr id="14" name="TextBox 13">
+            <a:extLst>
+              <a:ext uri="{FF2B5EF4-FFF2-40B4-BE49-F238E27FC236}">
+                <a16:creationId xmlns:a16="http://schemas.microsoft.com/office/drawing/2014/main" id="{2FAC8275-29DF-403B-ACB1-A8185EE38887}"/>
+              </a:ext>
+            </a:extLst>
+          </p:cNvPr>
+          <p:cNvSpPr txBox="1"/>
+          <p:nvPr/>
+        </p:nvSpPr>
+        <p:spPr>
+          <a:xfrm>
+            <a:off x="2099733" y="5596467"/>
+            <a:ext cx="4572000" cy="584775"/>
+          </a:xfrm>
+          <a:prstGeom prst="rect">
+            <a:avLst/>
+          </a:prstGeom>
+          <a:noFill/>
+        </p:spPr>
+        <p:txBody>
+          <a:bodyPr>
+            <a:spAutoFit/>
+          </a:bodyPr>
+          <a:lstStyle/>
+          <a:p>
+            <a:pPr eaLnBrk="1" hangingPunct="1">
+              <a:defRPr/>
+            </a:pPr>
+            <a:r>
+              <a:rPr lang="zh-CN" altLang="en-US" sz="3200" b="1" dirty="0">
+                <a:solidFill>
+                  <a:srgbClr val="0000CC"/>
+                </a:solidFill>
+                <a:latin typeface="+mn-ea"/>
+              </a:rPr>
+              <a:t>鸦片战争</a:t>
+            </a:r>
+          </a:p>
+        </p:txBody>
+      </p:sp>
+      <p:sp>
+        <p:nvSpPr>
+          <p:cNvPr id="15" name="TextBox 14">
+            <a:extLst>
+              <a:ext uri="{FF2B5EF4-FFF2-40B4-BE49-F238E27FC236}">
+                <a16:creationId xmlns:a16="http://schemas.microsoft.com/office/drawing/2014/main" id="{0524111E-CA45-434E-AF5F-D5B967734F9B}"/>
+              </a:ext>
+            </a:extLst>
+          </p:cNvPr>
+          <p:cNvSpPr txBox="1"/>
+          <p:nvPr/>
+        </p:nvSpPr>
+        <p:spPr>
+          <a:xfrm>
+            <a:off x="1968500" y="6117167"/>
+            <a:ext cx="4572000" cy="584775"/>
+          </a:xfrm>
+          <a:prstGeom prst="rect">
+            <a:avLst/>
+          </a:prstGeom>
+          <a:noFill/>
+        </p:spPr>
+        <p:txBody>
+          <a:bodyPr>
+            <a:spAutoFit/>
+          </a:bodyPr>
+          <a:lstStyle/>
+          <a:p>
+            <a:pPr eaLnBrk="1" hangingPunct="1">
+              <a:defRPr/>
+            </a:pPr>
+            <a:r>
+              <a:rPr lang="en-US" altLang="zh-CN" sz="3200" b="1" dirty="0">
+                <a:solidFill>
+                  <a:srgbClr val="0000CC"/>
+                </a:solidFill>
+                <a:latin typeface="+mn-ea"/>
+              </a:rPr>
+              <a:t>《</a:t>
+            </a:r>
+            <a:r>
+              <a:rPr lang="zh-CN" altLang="en-US" sz="3200" b="1" dirty="0">
+                <a:solidFill>
+                  <a:srgbClr val="0000CC"/>
+                </a:solidFill>
+                <a:latin typeface="+mn-ea"/>
+              </a:rPr>
+              <a:t>南京条约</a:t>
+            </a:r>
+            <a:r>
+              <a:rPr lang="en-US" altLang="zh-CN" sz="3200" b="1" dirty="0">
+                <a:solidFill>
+                  <a:srgbClr val="0000CC"/>
+                </a:solidFill>
+                <a:latin typeface="+mn-ea"/>
+              </a:rPr>
+              <a:t>》</a:t>
+            </a:r>
+            <a:endParaRPr lang="zh-CN" altLang="en-US" sz="3200" b="1" dirty="0">
+              <a:solidFill>
+                <a:srgbClr val="0000CC"/>
+              </a:solidFill>
+              <a:latin typeface="+mn-ea"/>
+            </a:endParaRPr>
+          </a:p>
+        </p:txBody>
+      </p:sp>
+    </p:spTree>
+  </p:cSld>
+  <p:clrMapOvr>
+    <a:masterClrMapping/>
+  </p:clrMapOvr>
+  <p:timing>
+    <p:tnLst>
+      <p:par>
+        <p:cTn id="1" dur="indefinite" restart="never" nodeType="tmRoot">
+          <p:childTnLst>
+            <p:seq concurrent="1" nextAc="seek">
+              <p:cTn id="2" dur="indefinite" nodeType="mainSeq">
+                <p:childTnLst>
+                  <p:par>
+                    <p:cTn id="3" fill="hold" nodeType="clickPar">
+                      <p:stCondLst>
+                        <p:cond delay="indefinite"/>
+                      </p:stCondLst>
+                      <p:childTnLst>
+                        <p:par>
+                          <p:cTn id="4" fill="hold" nodeType="withGroup">
+                            <p:stCondLst>
+                              <p:cond delay="0"/>
+                            </p:stCondLst>
+                            <p:childTnLst>
+                              <p:par>
+                                <p:cTn id="5" presetID="22" presetClass="entr" presetSubtype="8" fill="hold" nodeType="clickEffect">
+                                  <p:stCondLst>
+                                    <p:cond delay="0"/>
+                                  </p:stCondLst>
+                                  <p:childTnLst>
+                                    <p:set>
+                                      <p:cBhvr>
+                                        <p:cTn id="6" dur="1" fill="hold">
+                                          <p:stCondLst>
+                                            <p:cond delay="0"/>
+                                          </p:stCondLst>
+                                        </p:cTn>
+                                        <p:tgtEl>
+                                          <p:spTgt spid="5"/>
+                                        </p:tgtEl>
+                                        <p:attrNameLst>
+                                          <p:attrName>style.visibility</p:attrName>
+                                        </p:attrNameLst>
+                                      </p:cBhvr>
+                                      <p:to>
+                                        <p:strVal val="visible"/>
+                                      </p:to>
+                                    </p:set>
+                                    <p:animEffect transition="in" filter="wipe(left)">
+                                      <p:cBhvr>
+                                        <p:cTn id="7" dur="500"/>
+                                        <p:tgtEl>
+                                          <p:spTgt spid="5"/>
+                                        </p:tgtEl>
+                                      </p:cBhvr>
+                                    </p:animEffect>
+                                  </p:childTnLst>
+                                </p:cTn>
+                              </p:par>
+                            </p:childTnLst>
+                          </p:cTn>
+                        </p:par>
+                      </p:childTnLst>
+                    </p:cTn>
+                  </p:par>
+                  <p:par>
+                    <p:cTn id="8" fill="hold" nodeType="clickPar">
+                      <p:stCondLst>
+                        <p:cond delay="indefinite"/>
+                      </p:stCondLst>
+                      <p:childTnLst>
+                        <p:par>
+                          <p:cTn id="9" fill="hold" nodeType="withGroup">
+                            <p:stCondLst>
+                              <p:cond delay="0"/>
+                            </p:stCondLst>
+                            <p:childTnLst>
+                              <p:par>
+                                <p:cTn id="10" presetID="22" presetClass="entr" presetSubtype="8" fill="hold" nodeType="clickEffect">
+                                  <p:stCondLst>
+                                    <p:cond delay="0"/>
+                                  </p:stCondLst>
+                                  <p:childTnLst>
+                                    <p:set>
+                                      <p:cBhvr>
+                                        <p:cTn id="11" dur="1" fill="hold">
+                                          <p:stCondLst>
+                                            <p:cond delay="0"/>
+                                          </p:stCondLst>
+                                        </p:cTn>
+                                        <p:tgtEl>
+                                          <p:spTgt spid="6"/>
+                                        </p:tgtEl>
+                                        <p:attrNameLst>
+                                          <p:attrName>style.visibility</p:attrName>
+                                        </p:attrNameLst>
+                                      </p:cBhvr>
+                                      <p:to>
+                                        <p:strVal val="visible"/>
+                                      </p:to>
+                                    </p:set>
+                                    <p:animEffect transition="in" filter="wipe(left)">
+                                      <p:cBhvr>
+                                        <p:cTn id="12" dur="500"/>
+                                        <p:tgtEl>
+                                          <p:spTgt spid="6"/>
+                                        </p:tgtEl>
+                                      </p:cBhvr>
+                                    </p:animEffect>
+                                  </p:childTnLst>
+                                </p:cTn>
+                              </p:par>
+                            </p:childTnLst>
+                          </p:cTn>
+                        </p:par>
+                      </p:childTnLst>
+                    </p:cTn>
+                  </p:par>
+                  <p:par>
+                    <p:cTn id="13" fill="hold" nodeType="clickPar">
+                      <p:stCondLst>
+                        <p:cond delay="indefinite"/>
+                      </p:stCondLst>
+                      <p:childTnLst>
+                        <p:par>
+                          <p:cTn id="14" fill="hold" nodeType="withGroup">
+                            <p:stCondLst>
+                              <p:cond delay="0"/>
+                            </p:stCondLst>
+                            <p:childTnLst>
+                              <p:par>
+                                <p:cTn id="15" presetID="22" presetClass="entr" presetSubtype="8" fill="hold" nodeType="clickEffect">
+                                  <p:stCondLst>
+                                    <p:cond delay="0"/>
+                                  </p:stCondLst>
+                                  <p:childTnLst>
+                                    <p:set>
+                                      <p:cBhvr>
+                                        <p:cTn id="16" dur="1" fill="hold">
+                                          <p:stCondLst>
+                                            <p:cond delay="0"/>
+                                          </p:stCondLst>
+                                        </p:cTn>
+                                        <p:tgtEl>
+                                          <p:spTgt spid="7"/>
+                                        </p:tgtEl>
+                                        <p:attrNameLst>
+                                          <p:attrName>style.visibility</p:attrName>
+                                        </p:attrNameLst>
+                                      </p:cBhvr>
+                                      <p:to>
+                                        <p:strVal val="visible"/>
+                                      </p:to>
+                                    </p:set>
+                                    <p:animEffect transition="in" filter="wipe(left)">
+                                      <p:cBhvr>
+                                        <p:cTn id="17" dur="500"/>
+                                        <p:tgtEl>
+                                          <p:spTgt spid="7"/>
+                                        </p:tgtEl>
+                                      </p:cBhvr>
+                                    </p:animEffect>
+                                  </p:childTnLst>
+                                </p:cTn>
+                              </p:par>
+                            </p:childTnLst>
+                          </p:cTn>
+                        </p:par>
+                      </p:childTnLst>
+                    </p:cTn>
+                  </p:par>
+                  <p:par>
+                    <p:cTn id="18" fill="hold" nodeType="clickPar">
+                      <p:stCondLst>
+                        <p:cond delay="indefinite"/>
+                      </p:stCondLst>
+                      <p:childTnLst>
+                        <p:par>
+                          <p:cTn id="19" fill="hold" nodeType="withGroup">
+                            <p:stCondLst>
+                              <p:cond delay="0"/>
+                            </p:stCondLst>
+                            <p:childTnLst>
+                              <p:par>
+                                <p:cTn id="20" presetID="3" presetClass="entr" presetSubtype="10" fill="hold" grpId="0" nodeType="clickEffect">
+                                  <p:stCondLst>
+                                    <p:cond delay="0"/>
+                                  </p:stCondLst>
+                                  <p:childTnLst>
+                                    <p:set>
+                                      <p:cBhvr>
+                                        <p:cTn id="21" dur="1" fill="hold">
+                                          <p:stCondLst>
+                                            <p:cond delay="0"/>
+                                          </p:stCondLst>
+                                        </p:cTn>
+                                        <p:tgtEl>
+                                          <p:spTgt spid="12"/>
+                                        </p:tgtEl>
+                                        <p:attrNameLst>
+                                          <p:attrName>style.visibility</p:attrName>
+                                        </p:attrNameLst>
+                                      </p:cBhvr>
+                                      <p:to>
+                                        <p:strVal val="visible"/>
+                                      </p:to>
+                                    </p:set>
+                                    <p:animEffect transition="in" filter="blinds(horizontal)">
+                                      <p:cBhvr>
+                                        <p:cTn id="22" dur="500"/>
+                                        <p:tgtEl>
+                                          <p:spTgt spid="12"/>
+                                        </p:tgtEl>
+                                      </p:cBhvr>
+                                    </p:animEffect>
+                                  </p:childTnLst>
+                                </p:cTn>
+                              </p:par>
+                            </p:childTnLst>
+                          </p:cTn>
+                        </p:par>
+                      </p:childTnLst>
+                    </p:cTn>
+                  </p:par>
+                  <p:par>
+                    <p:cTn id="23" fill="hold" nodeType="clickPar">
+                      <p:stCondLst>
+                        <p:cond delay="indefinite"/>
+                      </p:stCondLst>
+                      <p:childTnLst>
+                        <p:par>
+                          <p:cTn id="24" fill="hold" nodeType="withGroup">
+                            <p:stCondLst>
+                              <p:cond delay="0"/>
+                            </p:stCondLst>
+                            <p:childTnLst>
+                              <p:par>
+                                <p:cTn id="25" presetID="22" presetClass="entr" presetSubtype="8" fill="hold" nodeType="clickEffect">
+                                  <p:stCondLst>
+                                    <p:cond delay="0"/>
+                                  </p:stCondLst>
+                                  <p:childTnLst>
+                                    <p:set>
+                                      <p:cBhvr>
+                                        <p:cTn id="26" dur="1" fill="hold">
+                                          <p:stCondLst>
+                                            <p:cond delay="0"/>
+                                          </p:stCondLst>
+                                        </p:cTn>
+                                        <p:tgtEl>
+                                          <p:spTgt spid="8"/>
+                                        </p:tgtEl>
+                                        <p:attrNameLst>
+                                          <p:attrName>style.visibility</p:attrName>
+                                        </p:attrNameLst>
+                                      </p:cBhvr>
+                                      <p:to>
+                                        <p:strVal val="visible"/>
+                                      </p:to>
+                                    </p:set>
+                                    <p:animEffect transition="in" filter="wipe(left)">
+                                      <p:cBhvr>
+                                        <p:cTn id="27" dur="500"/>
+                                        <p:tgtEl>
+                                          <p:spTgt spid="8"/>
+                                        </p:tgtEl>
+                                      </p:cBhvr>
+                                    </p:animEffect>
+                                  </p:childTnLst>
+                                </p:cTn>
+                              </p:par>
+                            </p:childTnLst>
+                          </p:cTn>
+                        </p:par>
+                      </p:childTnLst>
+                    </p:cTn>
+                  </p:par>
+                  <p:par>
+                    <p:cTn id="28" fill="hold" nodeType="clickPar">
+                      <p:stCondLst>
+                        <p:cond delay="indefinite"/>
+                      </p:stCondLst>
+                      <p:childTnLst>
+                        <p:par>
+                          <p:cTn id="29" fill="hold" nodeType="withGroup">
+                            <p:stCondLst>
+                              <p:cond delay="0"/>
+                            </p:stCondLst>
+                            <p:childTnLst>
+                              <p:par>
+                                <p:cTn id="30" presetID="3" presetClass="entr" presetSubtype="10" fill="hold" grpId="0" nodeType="clickEffect">
+                                  <p:stCondLst>
+                                    <p:cond delay="0"/>
+                                  </p:stCondLst>
+                                  <p:childTnLst>
+                                    <p:set>
+                                      <p:cBhvr>
+                                        <p:cTn id="31" dur="1" fill="hold">
+                                          <p:stCondLst>
+                                            <p:cond delay="0"/>
+                                          </p:stCondLst>
+                                        </p:cTn>
+                                        <p:tgtEl>
+                                          <p:spTgt spid="13"/>
+                                        </p:tgtEl>
+                                        <p:attrNameLst>
+                                          <p:attrName>style.visibility</p:attrName>
+                                        </p:attrNameLst>
+                                      </p:cBhvr>
+                                      <p:to>
+                                        <p:strVal val="visible"/>
+                                      </p:to>
+                                    </p:set>
+                                    <p:animEffect transition="in" filter="blinds(horizontal)">
+                                      <p:cBhvr>
+                                        <p:cTn id="32" dur="500"/>
+                                        <p:tgtEl>
+                                          <p:spTgt spid="13"/>
+                                        </p:tgtEl>
+                                      </p:cBhvr>
+                                    </p:animEffect>
+                                  </p:childTnLst>
+                                </p:cTn>
+                              </p:par>
+                            </p:childTnLst>
+                          </p:cTn>
+                        </p:par>
+                      </p:childTnLst>
+                    </p:cTn>
+                  </p:par>
+                  <p:par>
+                    <p:cTn id="33" fill="hold" nodeType="clickPar">
+                      <p:stCondLst>
+                        <p:cond delay="indefinite"/>
+                      </p:stCondLst>
+                      <p:childTnLst>
+                        <p:par>
+                          <p:cTn id="34" fill="hold" nodeType="withGroup">
+                            <p:stCondLst>
+                              <p:cond delay="0"/>
+                            </p:stCondLst>
+                            <p:childTnLst>
+                              <p:par>
+                                <p:cTn id="35" presetID="3" presetClass="entr" presetSubtype="10" fill="hold" grpId="0" nodeType="clickEffect">
+                                  <p:stCondLst>
+                                    <p:cond delay="0"/>
+                                  </p:stCondLst>
+                                  <p:childTnLst>
+                                    <p:set>
+                                      <p:cBhvr>
+                                        <p:cTn id="36" dur="1" fill="hold">
+                                          <p:stCondLst>
+                                            <p:cond delay="0"/>
+                                          </p:stCondLst>
+                                        </p:cTn>
+                                        <p:tgtEl>
+                                          <p:spTgt spid="14"/>
+                                        </p:tgtEl>
+                                        <p:attrNameLst>
+                                          <p:attrName>style.visibility</p:attrName>
+                                        </p:attrNameLst>
+                                      </p:cBhvr>
+                                      <p:to>
+                                        <p:strVal val="visible"/>
+                                      </p:to>
+                                    </p:set>
+                                    <p:animEffect transition="in" filter="blinds(horizontal)">
+                                      <p:cBhvr>
+                                        <p:cTn id="37" dur="500"/>
+                                        <p:tgtEl>
+                                          <p:spTgt spid="14"/>
+                                        </p:tgtEl>
+                                      </p:cBhvr>
+                                    </p:animEffect>
+                                  </p:childTnLst>
+                                </p:cTn>
+                              </p:par>
+                            </p:childTnLst>
+                          </p:cTn>
+                        </p:par>
+                      </p:childTnLst>
+                    </p:cTn>
+                  </p:par>
+                  <p:par>
+                    <p:cTn id="38" fill="hold" nodeType="clickPar">
+                      <p:stCondLst>
+                        <p:cond delay="indefinite"/>
+                      </p:stCondLst>
+                      <p:childTnLst>
+                        <p:par>
+                          <p:cTn id="39" fill="hold" nodeType="withGroup">
+                            <p:stCondLst>
+                              <p:cond delay="0"/>
+                            </p:stCondLst>
+                            <p:childTnLst>
+                              <p:par>
+                                <p:cTn id="40" presetID="22" presetClass="entr" presetSubtype="8" fill="hold" nodeType="clickEffect">
+                                  <p:stCondLst>
+                                    <p:cond delay="0"/>
+                                  </p:stCondLst>
+                                  <p:childTnLst>
+                                    <p:set>
+                                      <p:cBhvr>
+                                        <p:cTn id="41" dur="1" fill="hold">
+                                          <p:stCondLst>
+                                            <p:cond delay="0"/>
+                                          </p:stCondLst>
+                                        </p:cTn>
+                                        <p:tgtEl>
+                                          <p:spTgt spid="9"/>
+                                        </p:tgtEl>
+                                        <p:attrNameLst>
+                                          <p:attrName>style.visibility</p:attrName>
+                                        </p:attrNameLst>
+                                      </p:cBhvr>
+                                      <p:to>
+                                        <p:strVal val="visible"/>
+                                      </p:to>
+                                    </p:set>
+                                    <p:animEffect transition="in" filter="wipe(left)">
+                                      <p:cBhvr>
+                                        <p:cTn id="42" dur="500"/>
+                                        <p:tgtEl>
+                                          <p:spTgt spid="9"/>
+                                        </p:tgtEl>
+                                      </p:cBhvr>
+                                    </p:animEffect>
+                                  </p:childTnLst>
+                                </p:cTn>
+                              </p:par>
+                            </p:childTnLst>
+                          </p:cTn>
+                        </p:par>
+                      </p:childTnLst>
+                    </p:cTn>
+                  </p:par>
+                  <p:par>
+                    <p:cTn id="43" fill="hold" nodeType="clickPar">
+                      <p:stCondLst>
+                        <p:cond delay="indefinite"/>
+                      </p:stCondLst>
+                      <p:childTnLst>
+                        <p:par>
+                          <p:cTn id="44" fill="hold" nodeType="withGroup">
+                            <p:stCondLst>
+                              <p:cond delay="0"/>
+                            </p:stCondLst>
+                            <p:childTnLst>
+                              <p:par>
+                                <p:cTn id="45" presetID="3" presetClass="entr" presetSubtype="10" fill="hold" grpId="0" nodeType="clickEffect">
+                                  <p:stCondLst>
+                                    <p:cond delay="0"/>
+                                  </p:stCondLst>
+                                  <p:childTnLst>
+                                    <p:set>
+                                      <p:cBhvr>
+                                        <p:cTn id="46" dur="1" fill="hold">
+                                          <p:stCondLst>
+                                            <p:cond delay="0"/>
+                                          </p:stCondLst>
+                                        </p:cTn>
+                                        <p:tgtEl>
+                                          <p:spTgt spid="15"/>
+                                        </p:tgtEl>
+                                        <p:attrNameLst>
+                                          <p:attrName>style.visibility</p:attrName>
+                                        </p:attrNameLst>
+                                      </p:cBhvr>
+                                      <p:to>
+                                        <p:strVal val="visible"/>
+                                      </p:to>
+                                    </p:set>
+                                    <p:animEffect transition="in" filter="blinds(horizontal)">
+                                      <p:cBhvr>
+                                        <p:cTn id="47" dur="500"/>
+                                        <p:tgtEl>
+                                          <p:spTgt spid="15"/>
+                                        </p:tgtEl>
+                                      </p:cBhvr>
+                                    </p:animEffect>
+                                  </p:childTnLst>
+                                </p:cTn>
+                              </p:par>
+                            </p:childTnLst>
+                          </p:cTn>
+                        </p:par>
+                      </p:childTnLst>
+                    </p:cTn>
+                  </p:par>
+                </p:childTnLst>
+              </p:cTn>
+              <p:prevCondLst>
+                <p:cond evt="onPrev" delay="0">
+                  <p:tgtEl>
+                    <p:sldTgt/>
+                  </p:tgtEl>
+                </p:cond>
+              </p:prevCondLst>
+              <p:nextCondLst>
+                <p:cond evt="onNext" delay="0">
+                  <p:tgtEl>
+                    <p:sldTgt/>
+                  </p:tgtEl>
+                </p:cond>
+              </p:nextCondLst>
+            </p:seq>
+          </p:childTnLst>
+        </p:cTn>
+      </p:par>
+    </p:tnLst>
+    <p:bldLst>
+      <p:bldP spid="12" grpId="0"/>
+      <p:bldP spid="13" grpId="0"/>
+      <p:bldP spid="14" grpId="0"/>
+      <p:bldP spid="15" grpId="0"/>
+    </p:bldLst>
+  </p:timing>
+</p:sld>
+</file>
+
+<file path=ppt/slides/slide18.xml><?xml version="1.0" encoding="utf-8"?>
+<p:sld xmlns:a="http://schemas.openxmlformats.org/drawingml/2006/main" xmlns:r="http://schemas.openxmlformats.org/officeDocument/2006/relationships" xmlns:p="http://schemas.openxmlformats.org/presentationml/2006/main">
+  <p:cSld>
+    <p:spTree>
+      <p:nvGrpSpPr>
+        <p:cNvPr id="1" name=""/>
+        <p:cNvGrpSpPr/>
+        <p:nvPr/>
+      </p:nvGrpSpPr>
+      <p:grpSpPr>
+        <a:xfrm>
+          <a:off x="0" y="0"/>
+          <a:ext cx="0" cy="0"/>
+          <a:chOff x="0" y="0"/>
+          <a:chExt cx="0" cy="0"/>
+        </a:xfrm>
+      </p:grpSpPr>
+      <p:sp>
+        <p:nvSpPr>
+          <p:cNvPr id="4" name="TextBox 3">
+            <a:extLst>
+              <a:ext uri="{FF2B5EF4-FFF2-40B4-BE49-F238E27FC236}">
+                <a16:creationId xmlns:a16="http://schemas.microsoft.com/office/drawing/2014/main" id="{DB906C89-1DFB-4630-AF41-2CBD0DF2826B}"/>
+              </a:ext>
+            </a:extLst>
+          </p:cNvPr>
+          <p:cNvSpPr txBox="1">
+            <a:spLocks noChangeArrowheads="1"/>
+          </p:cNvSpPr>
+          <p:nvPr/>
+        </p:nvSpPr>
+        <p:spPr bwMode="auto">
+          <a:xfrm>
+            <a:off x="0" y="67734"/>
+            <a:ext cx="12048067" cy="4172296"/>
+          </a:xfrm>
+          <a:prstGeom prst="rect">
+            <a:avLst/>
+          </a:prstGeom>
+          <a:noFill/>
+          <a:ln w="9525">
+            <a:noFill/>
+            <a:miter lim="800000"/>
+            <a:headEnd/>
+            <a:tailEnd/>
+          </a:ln>
+        </p:spPr>
+        <p:txBody>
+          <a:bodyPr>
+            <a:spAutoFit/>
+          </a:bodyPr>
+          <a:lstStyle/>
+          <a:p>
+            <a:pPr>
+              <a:lnSpc>
+                <a:spcPct val="120000"/>
+              </a:lnSpc>
+              <a:defRPr/>
+            </a:pPr>
+            <a:r>
+              <a:rPr lang="zh-CN" altLang="zh-CN" sz="3200" b="1" kern="100" dirty="0">
+                <a:latin typeface="Times New Roman"/>
+                <a:ea typeface="黑体"/>
+                <a:cs typeface="黑体"/>
+              </a:rPr>
+              <a:t>材料二：</a:t>
+            </a:r>
+            <a:r>
+              <a:rPr lang="zh-CN" altLang="zh-CN" sz="3200" b="1" kern="100" dirty="0">
+                <a:latin typeface="Times New Roman"/>
+                <a:ea typeface="楷体"/>
+                <a:cs typeface="楷体"/>
+              </a:rPr>
+              <a:t>英国历史学家马士说：“当中国人实行一种激烈的禁烟运动而使危机加剧的时候，战争果然就来到了；可是它并不是为了维持鸦片贸易而进行的斗争，它不过是一个持续了二十年，并且要决定东方和西方之间应有的国际和商务关系的斗争的开端。”</a:t>
+            </a:r>
+            <a:r>
+              <a:rPr lang="en-US" altLang="zh-CN" sz="3200" b="1" kern="100" dirty="0">
+                <a:latin typeface="Times New Roman"/>
+                <a:ea typeface="楷体"/>
+                <a:cs typeface="楷体"/>
+              </a:rPr>
+              <a:t>                              </a:t>
+            </a:r>
+          </a:p>
+          <a:p>
+            <a:pPr algn="r">
+              <a:lnSpc>
+                <a:spcPct val="120000"/>
+              </a:lnSpc>
+              <a:defRPr/>
+            </a:pPr>
+            <a:r>
+              <a:rPr lang="en-US" altLang="zh-CN" sz="3200" b="1" kern="100" dirty="0">
+                <a:latin typeface="Times New Roman"/>
+                <a:ea typeface="楷体"/>
+                <a:cs typeface="楷体"/>
+              </a:rPr>
+              <a:t>——</a:t>
+            </a:r>
+            <a:r>
+              <a:rPr lang="zh-CN" altLang="zh-CN" sz="3200" b="1" kern="100" dirty="0">
+                <a:latin typeface="Times New Roman"/>
+                <a:ea typeface="楷体"/>
+                <a:cs typeface="楷体"/>
+              </a:rPr>
+              <a:t>《中华帝国对外关系史》</a:t>
+            </a:r>
+            <a:endParaRPr lang="zh-CN" altLang="zh-CN" sz="3200" b="1" kern="100" dirty="0">
+              <a:latin typeface="Times New Roman"/>
+              <a:ea typeface="宋体"/>
+            </a:endParaRPr>
+          </a:p>
+          <a:p>
+            <a:pPr marL="847" algn="just">
+              <a:lnSpc>
+                <a:spcPct val="120000"/>
+              </a:lnSpc>
+              <a:defRPr/>
+            </a:pPr>
+            <a:r>
+              <a:rPr lang="en-US" altLang="zh-CN" sz="3200" b="1" kern="100" dirty="0">
+                <a:latin typeface="宋体"/>
+                <a:ea typeface="宋体"/>
+                <a:cs typeface="宋体"/>
+              </a:rPr>
+              <a:t>(2)</a:t>
+            </a:r>
+            <a:r>
+              <a:rPr lang="zh-CN" altLang="zh-CN" sz="3200" b="1" kern="100" dirty="0">
+                <a:latin typeface="Times New Roman"/>
+                <a:ea typeface="宋体"/>
+                <a:cs typeface="宋体"/>
+              </a:rPr>
+              <a:t>材料二中的“运动”和“战争”分别指的是哪一历史事件？这位英国历史学家认为这场</a:t>
+            </a:r>
+            <a:r>
+              <a:rPr lang="zh-CN" altLang="en-US" sz="3200" b="1" kern="100" dirty="0">
+                <a:latin typeface="Times New Roman"/>
+                <a:ea typeface="宋体"/>
+                <a:cs typeface="宋体"/>
+              </a:rPr>
+              <a:t>“</a:t>
+            </a:r>
+            <a:r>
+              <a:rPr lang="zh-CN" altLang="zh-CN" sz="3200" b="1" kern="100" dirty="0">
+                <a:latin typeface="Times New Roman"/>
+                <a:ea typeface="宋体"/>
+                <a:cs typeface="宋体"/>
+              </a:rPr>
+              <a:t>运动</a:t>
+            </a:r>
+            <a:r>
+              <a:rPr lang="zh-CN" altLang="en-US" sz="3200" b="1" kern="100" dirty="0">
+                <a:latin typeface="Times New Roman"/>
+                <a:ea typeface="宋体"/>
+                <a:cs typeface="宋体"/>
+              </a:rPr>
+              <a:t>”</a:t>
+            </a:r>
+            <a:r>
+              <a:rPr lang="zh-CN" altLang="zh-CN" sz="3200" b="1" kern="100" dirty="0">
+                <a:latin typeface="Times New Roman"/>
+                <a:ea typeface="宋体"/>
+                <a:cs typeface="宋体"/>
+              </a:rPr>
+              <a:t>和</a:t>
+            </a:r>
+            <a:r>
+              <a:rPr lang="zh-CN" altLang="en-US" sz="3200" b="1" kern="100" dirty="0">
+                <a:latin typeface="Times New Roman"/>
+                <a:ea typeface="宋体"/>
+                <a:cs typeface="宋体"/>
+              </a:rPr>
+              <a:t>“</a:t>
+            </a:r>
+            <a:r>
+              <a:rPr lang="zh-CN" altLang="zh-CN" sz="3200" b="1" kern="100" dirty="0">
+                <a:latin typeface="Times New Roman"/>
+                <a:ea typeface="宋体"/>
+                <a:cs typeface="宋体"/>
+              </a:rPr>
+              <a:t>战争</a:t>
+            </a:r>
+            <a:r>
+              <a:rPr lang="zh-CN" altLang="en-US" sz="3200" b="1" kern="100" dirty="0">
+                <a:latin typeface="Times New Roman"/>
+                <a:ea typeface="宋体"/>
+                <a:cs typeface="宋体"/>
+              </a:rPr>
+              <a:t>”</a:t>
+            </a:r>
+            <a:r>
+              <a:rPr lang="zh-CN" altLang="zh-CN" sz="3200" b="1" kern="100" dirty="0">
+                <a:latin typeface="Times New Roman"/>
+                <a:ea typeface="宋体"/>
+                <a:cs typeface="宋体"/>
+              </a:rPr>
+              <a:t>之间的关系是什么？</a:t>
+            </a:r>
+            <a:endParaRPr lang="zh-CN" altLang="zh-CN" sz="3200" b="1" kern="100" dirty="0">
+              <a:latin typeface="Times New Roman"/>
+              <a:ea typeface="宋体"/>
+            </a:endParaRPr>
+          </a:p>
+        </p:txBody>
+      </p:sp>
+      <p:cxnSp>
+        <p:nvCxnSpPr>
+          <p:cNvPr id="5" name="直接连接符 4">
+            <a:extLst>
+              <a:ext uri="{FF2B5EF4-FFF2-40B4-BE49-F238E27FC236}">
+                <a16:creationId xmlns:a16="http://schemas.microsoft.com/office/drawing/2014/main" id="{E3AFDC3F-C1DE-4E06-AA37-FB72A6E809BF}"/>
+              </a:ext>
+            </a:extLst>
+          </p:cNvPr>
+          <p:cNvCxnSpPr/>
+          <p:nvPr/>
+        </p:nvCxnSpPr>
+        <p:spPr>
+          <a:xfrm>
+            <a:off x="2832101" y="3621617"/>
+            <a:ext cx="1536700" cy="0"/>
+          </a:xfrm>
+          <a:prstGeom prst="line">
+            <a:avLst/>
+          </a:prstGeom>
+        </p:spPr>
+        <p:style>
+          <a:lnRef idx="3">
+            <a:schemeClr val="accent1"/>
+          </a:lnRef>
+          <a:fillRef idx="0">
+            <a:schemeClr val="accent1"/>
+          </a:fillRef>
+          <a:effectRef idx="2">
+            <a:schemeClr val="accent1"/>
+          </a:effectRef>
+          <a:fontRef idx="minor">
+            <a:schemeClr val="tx1"/>
+          </a:fontRef>
+        </p:style>
+      </p:cxnSp>
+      <p:cxnSp>
+        <p:nvCxnSpPr>
+          <p:cNvPr id="6" name="直接连接符 5">
+            <a:extLst>
+              <a:ext uri="{FF2B5EF4-FFF2-40B4-BE49-F238E27FC236}">
+                <a16:creationId xmlns:a16="http://schemas.microsoft.com/office/drawing/2014/main" id="{EEEB2E24-B36C-471C-AF95-EADC71AEFA57}"/>
+              </a:ext>
+            </a:extLst>
+          </p:cNvPr>
+          <p:cNvCxnSpPr/>
+          <p:nvPr/>
+        </p:nvCxnSpPr>
+        <p:spPr>
+          <a:xfrm>
+            <a:off x="4751917" y="4197351"/>
+            <a:ext cx="5952067" cy="0"/>
+          </a:xfrm>
+          <a:prstGeom prst="line">
+            <a:avLst/>
+          </a:prstGeom>
+        </p:spPr>
+        <p:style>
+          <a:lnRef idx="3">
+            <a:schemeClr val="accent1"/>
+          </a:lnRef>
+          <a:fillRef idx="0">
+            <a:schemeClr val="accent1"/>
+          </a:fillRef>
+          <a:effectRef idx="2">
+            <a:schemeClr val="accent1"/>
+          </a:effectRef>
+          <a:fontRef idx="minor">
+            <a:schemeClr val="tx1"/>
+          </a:fontRef>
+        </p:style>
+      </p:cxnSp>
+      <p:cxnSp>
+        <p:nvCxnSpPr>
+          <p:cNvPr id="8" name="直接连接符 7">
+            <a:extLst>
+              <a:ext uri="{FF2B5EF4-FFF2-40B4-BE49-F238E27FC236}">
+                <a16:creationId xmlns:a16="http://schemas.microsoft.com/office/drawing/2014/main" id="{AFE21835-42DD-411B-8CAA-5F08CE85F470}"/>
+              </a:ext>
+            </a:extLst>
+          </p:cNvPr>
+          <p:cNvCxnSpPr/>
+          <p:nvPr/>
+        </p:nvCxnSpPr>
+        <p:spPr>
+          <a:xfrm>
+            <a:off x="1390651" y="1221317"/>
+            <a:ext cx="2978149" cy="0"/>
+          </a:xfrm>
+          <a:prstGeom prst="line">
+            <a:avLst/>
+          </a:prstGeom>
+        </p:spPr>
+        <p:style>
+          <a:lnRef idx="3">
+            <a:schemeClr val="accent2"/>
+          </a:lnRef>
+          <a:fillRef idx="0">
+            <a:schemeClr val="accent2"/>
+          </a:fillRef>
+          <a:effectRef idx="2">
+            <a:schemeClr val="accent2"/>
+          </a:effectRef>
+          <a:fontRef idx="minor">
+            <a:schemeClr val="tx1"/>
+          </a:fontRef>
+        </p:style>
+      </p:cxnSp>
+      <p:cxnSp>
+        <p:nvCxnSpPr>
+          <p:cNvPr id="9" name="直接连接符 8">
+            <a:extLst>
+              <a:ext uri="{FF2B5EF4-FFF2-40B4-BE49-F238E27FC236}">
+                <a16:creationId xmlns:a16="http://schemas.microsoft.com/office/drawing/2014/main" id="{6AC42F06-3DBC-41E5-AB4A-29A8AEEA6CC0}"/>
+              </a:ext>
+            </a:extLst>
+          </p:cNvPr>
+          <p:cNvCxnSpPr/>
+          <p:nvPr/>
+        </p:nvCxnSpPr>
+        <p:spPr>
+          <a:xfrm>
+            <a:off x="5039785" y="1221317"/>
+            <a:ext cx="3168649" cy="0"/>
+          </a:xfrm>
+          <a:prstGeom prst="line">
+            <a:avLst/>
+          </a:prstGeom>
+        </p:spPr>
+        <p:style>
+          <a:lnRef idx="3">
+            <a:schemeClr val="accent2"/>
+          </a:lnRef>
+          <a:fillRef idx="0">
+            <a:schemeClr val="accent2"/>
+          </a:fillRef>
+          <a:effectRef idx="2">
+            <a:schemeClr val="accent2"/>
+          </a:effectRef>
+          <a:fontRef idx="minor">
+            <a:schemeClr val="tx1"/>
+          </a:fontRef>
+        </p:style>
+      </p:cxnSp>
+      <p:sp>
+        <p:nvSpPr>
+          <p:cNvPr id="12" name="TextBox 11">
+            <a:extLst>
+              <a:ext uri="{FF2B5EF4-FFF2-40B4-BE49-F238E27FC236}">
+                <a16:creationId xmlns:a16="http://schemas.microsoft.com/office/drawing/2014/main" id="{506D5246-AE4E-4E18-9741-AC0421B87420}"/>
+              </a:ext>
+            </a:extLst>
+          </p:cNvPr>
+          <p:cNvSpPr txBox="1">
+            <a:spLocks noChangeArrowheads="1"/>
+          </p:cNvSpPr>
+          <p:nvPr/>
+        </p:nvSpPr>
+        <p:spPr bwMode="auto">
+          <a:xfrm>
+            <a:off x="814918" y="4389968"/>
+            <a:ext cx="2857500" cy="1882567"/>
+          </a:xfrm>
+          <a:prstGeom prst="rect">
+            <a:avLst/>
+          </a:prstGeom>
+          <a:noFill/>
+          <a:ln>
+            <a:noFill/>
+          </a:ln>
+          <a:extLst>
+            <a:ext uri="{909E8E84-426E-40DD-AFC4-6F175D3DCCD1}">
+              <a14:hiddenFill xmlns:a14="http://schemas.microsoft.com/office/drawing/2010/main">
+                <a:solidFill>
+                  <a:srgbClr val="FFFFFF"/>
+                </a:solidFill>
+              </a14:hiddenFill>
+            </a:ext>
+            <a:ext uri="{91240B29-F687-4F45-9708-019B960494DF}">
+              <a14:hiddenLine xmlns:a14="http://schemas.microsoft.com/office/drawing/2010/main" w="9525">
+                <a:solidFill>
+                  <a:srgbClr val="000000"/>
+                </a:solidFill>
+                <a:miter lim="800000"/>
+                <a:headEnd/>
+                <a:tailEnd/>
+              </a14:hiddenLine>
+            </a:ext>
+          </a:extLst>
+        </p:spPr>
+        <p:txBody>
+          <a:bodyPr>
+            <a:spAutoFit/>
+          </a:bodyPr>
+          <a:lstStyle>
+            <a:lvl1pPr>
+              <a:spcBef>
+                <a:spcPct val="20000"/>
+              </a:spcBef>
+              <a:buFont typeface="Arial" panose="020B0604020202020204" pitchFamily="34" charset="0"/>
+              <a:buChar char="•"/>
+              <a:defRPr sz="3200">
+                <a:solidFill>
+                  <a:schemeClr val="tx1"/>
+                </a:solidFill>
+                <a:latin typeface="Calibri" panose="020F0502020204030204" pitchFamily="34" charset="0"/>
+                <a:ea typeface="宋体" panose="02010600030101010101" pitchFamily="2" charset="-122"/>
+              </a:defRPr>
+            </a:lvl1pPr>
+            <a:lvl2pPr marL="742950" indent="-285750">
+              <a:spcBef>
+                <a:spcPct val="20000"/>
+              </a:spcBef>
+              <a:buFont typeface="Arial" panose="020B0604020202020204" pitchFamily="34" charset="0"/>
+              <a:buChar char="–"/>
+              <a:defRPr sz="2800">
+                <a:solidFill>
+                  <a:schemeClr val="tx1"/>
+                </a:solidFill>
+                <a:latin typeface="Calibri" panose="020F0502020204030204" pitchFamily="34" charset="0"/>
+                <a:ea typeface="宋体" panose="02010600030101010101" pitchFamily="2" charset="-122"/>
+              </a:defRPr>
+            </a:lvl2pPr>
+            <a:lvl3pPr marL="1143000" indent="-228600">
+              <a:spcBef>
+                <a:spcPct val="20000"/>
+              </a:spcBef>
+              <a:buFont typeface="Arial" panose="020B0604020202020204" pitchFamily="34" charset="0"/>
+              <a:buChar char="•"/>
+              <a:defRPr sz="2400">
+                <a:solidFill>
+                  <a:schemeClr val="tx1"/>
+                </a:solidFill>
+                <a:latin typeface="Calibri" panose="020F0502020204030204" pitchFamily="34" charset="0"/>
+                <a:ea typeface="宋体" panose="02010600030101010101" pitchFamily="2" charset="-122"/>
+              </a:defRPr>
+            </a:lvl3pPr>
+            <a:lvl4pPr marL="1600200" indent="-228600">
+              <a:spcBef>
+                <a:spcPct val="20000"/>
+              </a:spcBef>
+              <a:buFont typeface="Arial" panose="020B0604020202020204" pitchFamily="34" charset="0"/>
+              <a:buChar char="–"/>
+              <a:defRPr sz="2000">
+                <a:solidFill>
+                  <a:schemeClr val="tx1"/>
+                </a:solidFill>
+                <a:latin typeface="Calibri" panose="020F0502020204030204" pitchFamily="34" charset="0"/>
+                <a:ea typeface="宋体" panose="02010600030101010101" pitchFamily="2" charset="-122"/>
+              </a:defRPr>
+            </a:lvl4pPr>
+            <a:lvl5pPr marL="2057400" indent="-228600">
+              <a:spcBef>
+                <a:spcPct val="20000"/>
+              </a:spcBef>
+              <a:buFont typeface="Arial" panose="020B0604020202020204" pitchFamily="34" charset="0"/>
+              <a:buChar char="»"/>
+              <a:defRPr sz="2000">
+                <a:solidFill>
+                  <a:schemeClr val="tx1"/>
+                </a:solidFill>
+                <a:latin typeface="Calibri" panose="020F0502020204030204" pitchFamily="34" charset="0"/>
+                <a:ea typeface="宋体" panose="02010600030101010101" pitchFamily="2" charset="-122"/>
+              </a:defRPr>
+            </a:lvl5pPr>
+            <a:lvl6pPr marL="2514600" indent="-228600" eaLnBrk="0" fontAlgn="base" hangingPunct="0">
+              <a:spcBef>
+                <a:spcPct val="20000"/>
+              </a:spcBef>
+              <a:spcAft>
+                <a:spcPct val="0"/>
+              </a:spcAft>
+              <a:buFont typeface="Arial" panose="020B0604020202020204" pitchFamily="34" charset="0"/>
+              <a:buChar char="»"/>
+              <a:defRPr sz="2000">
+                <a:solidFill>
+                  <a:schemeClr val="tx1"/>
+                </a:solidFill>
+                <a:latin typeface="Calibri" panose="020F0502020204030204" pitchFamily="34" charset="0"/>
+                <a:ea typeface="宋体" panose="02010600030101010101" pitchFamily="2" charset="-122"/>
+              </a:defRPr>
+            </a:lvl6pPr>
+            <a:lvl7pPr marL="2971800" indent="-228600" eaLnBrk="0" fontAlgn="base" hangingPunct="0">
+              <a:spcBef>
+                <a:spcPct val="20000"/>
+              </a:spcBef>
+              <a:spcAft>
+                <a:spcPct val="0"/>
+              </a:spcAft>
+              <a:buFont typeface="Arial" panose="020B0604020202020204" pitchFamily="34" charset="0"/>
+              <a:buChar char="»"/>
+              <a:defRPr sz="2000">
+                <a:solidFill>
+                  <a:schemeClr val="tx1"/>
+                </a:solidFill>
+                <a:latin typeface="Calibri" panose="020F0502020204030204" pitchFamily="34" charset="0"/>
+                <a:ea typeface="宋体" panose="02010600030101010101" pitchFamily="2" charset="-122"/>
+              </a:defRPr>
+            </a:lvl7pPr>
+            <a:lvl8pPr marL="3429000" indent="-228600" eaLnBrk="0" fontAlgn="base" hangingPunct="0">
+              <a:spcBef>
+                <a:spcPct val="20000"/>
+              </a:spcBef>
+              <a:spcAft>
+                <a:spcPct val="0"/>
+              </a:spcAft>
+              <a:buFont typeface="Arial" panose="020B0604020202020204" pitchFamily="34" charset="0"/>
+              <a:buChar char="»"/>
+              <a:defRPr sz="2000">
+                <a:solidFill>
+                  <a:schemeClr val="tx1"/>
+                </a:solidFill>
+                <a:latin typeface="Calibri" panose="020F0502020204030204" pitchFamily="34" charset="0"/>
+                <a:ea typeface="宋体" panose="02010600030101010101" pitchFamily="2" charset="-122"/>
+              </a:defRPr>
+            </a:lvl8pPr>
+            <a:lvl9pPr marL="3886200" indent="-228600" eaLnBrk="0" fontAlgn="base" hangingPunct="0">
+              <a:spcBef>
+                <a:spcPct val="20000"/>
+              </a:spcBef>
+              <a:spcAft>
+                <a:spcPct val="0"/>
+              </a:spcAft>
+              <a:buFont typeface="Arial" panose="020B0604020202020204" pitchFamily="34" charset="0"/>
+              <a:buChar char="»"/>
+              <a:defRPr sz="2000">
+                <a:solidFill>
+                  <a:schemeClr val="tx1"/>
+                </a:solidFill>
+                <a:latin typeface="Calibri" panose="020F0502020204030204" pitchFamily="34" charset="0"/>
+                <a:ea typeface="宋体" panose="02010600030101010101" pitchFamily="2" charset="-122"/>
+              </a:defRPr>
+            </a:lvl9pPr>
+          </a:lstStyle>
+          <a:p>
+            <a:pPr eaLnBrk="1" hangingPunct="1">
+              <a:lnSpc>
+                <a:spcPct val="125000"/>
+              </a:lnSpc>
+              <a:spcBef>
+                <a:spcPct val="0"/>
+              </a:spcBef>
+              <a:buFontTx/>
+              <a:buNone/>
+            </a:pPr>
+            <a:r>
+              <a:rPr lang="zh-CN" altLang="en-US" b="1">
+                <a:solidFill>
+                  <a:srgbClr val="C00000"/>
+                </a:solidFill>
+                <a:latin typeface="华文中宋" panose="02010600040101010101" pitchFamily="2" charset="-122"/>
+                <a:ea typeface="华文中宋" panose="02010600040101010101" pitchFamily="2" charset="-122"/>
+              </a:rPr>
+              <a:t>运动：</a:t>
+            </a:r>
+            <a:endParaRPr lang="en-US" altLang="zh-CN" b="1">
+              <a:solidFill>
+                <a:srgbClr val="C00000"/>
+              </a:solidFill>
+              <a:latin typeface="华文中宋" panose="02010600040101010101" pitchFamily="2" charset="-122"/>
+              <a:ea typeface="华文中宋" panose="02010600040101010101" pitchFamily="2" charset="-122"/>
+            </a:endParaRPr>
+          </a:p>
+          <a:p>
+            <a:pPr eaLnBrk="1" hangingPunct="1">
+              <a:lnSpc>
+                <a:spcPct val="125000"/>
+              </a:lnSpc>
+              <a:spcBef>
+                <a:spcPct val="0"/>
+              </a:spcBef>
+              <a:buFontTx/>
+              <a:buNone/>
+            </a:pPr>
+            <a:r>
+              <a:rPr lang="zh-CN" altLang="en-US" b="1">
+                <a:solidFill>
+                  <a:srgbClr val="C00000"/>
+                </a:solidFill>
+                <a:latin typeface="华文中宋" panose="02010600040101010101" pitchFamily="2" charset="-122"/>
+                <a:ea typeface="华文中宋" panose="02010600040101010101" pitchFamily="2" charset="-122"/>
+              </a:rPr>
+              <a:t>战争：</a:t>
+            </a:r>
+            <a:endParaRPr lang="en-US" altLang="zh-CN" b="1">
+              <a:solidFill>
+                <a:srgbClr val="C00000"/>
+              </a:solidFill>
+              <a:latin typeface="华文中宋" panose="02010600040101010101" pitchFamily="2" charset="-122"/>
+              <a:ea typeface="华文中宋" panose="02010600040101010101" pitchFamily="2" charset="-122"/>
+            </a:endParaRPr>
+          </a:p>
+          <a:p>
+            <a:pPr eaLnBrk="1" hangingPunct="1">
+              <a:lnSpc>
+                <a:spcPct val="125000"/>
+              </a:lnSpc>
+              <a:spcBef>
+                <a:spcPct val="0"/>
+              </a:spcBef>
+              <a:buFontTx/>
+              <a:buNone/>
+            </a:pPr>
+            <a:r>
+              <a:rPr lang="zh-CN" altLang="en-US" b="1">
+                <a:solidFill>
+                  <a:srgbClr val="C00000"/>
+                </a:solidFill>
+                <a:latin typeface="华文中宋" panose="02010600040101010101" pitchFamily="2" charset="-122"/>
+                <a:ea typeface="华文中宋" panose="02010600040101010101" pitchFamily="2" charset="-122"/>
+              </a:rPr>
+              <a:t>关系：</a:t>
+            </a:r>
+          </a:p>
+        </p:txBody>
+      </p:sp>
+      <p:sp>
+        <p:nvSpPr>
+          <p:cNvPr id="13" name="TextBox 12">
+            <a:extLst>
+              <a:ext uri="{FF2B5EF4-FFF2-40B4-BE49-F238E27FC236}">
+                <a16:creationId xmlns:a16="http://schemas.microsoft.com/office/drawing/2014/main" id="{C93DF1CE-2F51-4AB1-9137-12C1ADC740B3}"/>
+              </a:ext>
+            </a:extLst>
+          </p:cNvPr>
+          <p:cNvSpPr txBox="1">
+            <a:spLocks noChangeArrowheads="1"/>
+          </p:cNvSpPr>
+          <p:nvPr/>
+        </p:nvSpPr>
+        <p:spPr bwMode="auto">
+          <a:xfrm>
+            <a:off x="2063751" y="4389967"/>
+            <a:ext cx="4572000" cy="584775"/>
+          </a:xfrm>
+          <a:prstGeom prst="rect">
+            <a:avLst/>
+          </a:prstGeom>
+          <a:noFill/>
+          <a:ln>
+            <a:noFill/>
+          </a:ln>
+          <a:extLst>
+            <a:ext uri="{909E8E84-426E-40DD-AFC4-6F175D3DCCD1}">
+              <a14:hiddenFill xmlns:a14="http://schemas.microsoft.com/office/drawing/2010/main">
+                <a:solidFill>
+                  <a:srgbClr val="FFFFFF"/>
+                </a:solidFill>
+              </a14:hiddenFill>
+            </a:ext>
+            <a:ext uri="{91240B29-F687-4F45-9708-019B960494DF}">
+              <a14:hiddenLine xmlns:a14="http://schemas.microsoft.com/office/drawing/2010/main" w="9525">
+                <a:solidFill>
+                  <a:srgbClr val="000000"/>
+                </a:solidFill>
+                <a:miter lim="800000"/>
+                <a:headEnd/>
+                <a:tailEnd/>
+              </a14:hiddenLine>
+            </a:ext>
+          </a:extLst>
+        </p:spPr>
+        <p:txBody>
+          <a:bodyPr>
+            <a:spAutoFit/>
+          </a:bodyPr>
+          <a:lstStyle>
+            <a:lvl1pPr>
+              <a:spcBef>
+                <a:spcPct val="20000"/>
+              </a:spcBef>
+              <a:buFont typeface="Arial" panose="020B0604020202020204" pitchFamily="34" charset="0"/>
+              <a:buChar char="•"/>
+              <a:defRPr sz="3200">
+                <a:solidFill>
+                  <a:schemeClr val="tx1"/>
+                </a:solidFill>
+                <a:latin typeface="Calibri" panose="020F0502020204030204" pitchFamily="34" charset="0"/>
+                <a:ea typeface="宋体" panose="02010600030101010101" pitchFamily="2" charset="-122"/>
+              </a:defRPr>
+            </a:lvl1pPr>
+            <a:lvl2pPr marL="742950" indent="-285750">
+              <a:spcBef>
+                <a:spcPct val="20000"/>
+              </a:spcBef>
+              <a:buFont typeface="Arial" panose="020B0604020202020204" pitchFamily="34" charset="0"/>
+              <a:buChar char="–"/>
+              <a:defRPr sz="2800">
+                <a:solidFill>
+                  <a:schemeClr val="tx1"/>
+                </a:solidFill>
+                <a:latin typeface="Calibri" panose="020F0502020204030204" pitchFamily="34" charset="0"/>
+                <a:ea typeface="宋体" panose="02010600030101010101" pitchFamily="2" charset="-122"/>
+              </a:defRPr>
+            </a:lvl2pPr>
+            <a:lvl3pPr marL="1143000" indent="-228600">
+              <a:spcBef>
+                <a:spcPct val="20000"/>
+              </a:spcBef>
+              <a:buFont typeface="Arial" panose="020B0604020202020204" pitchFamily="34" charset="0"/>
+              <a:buChar char="•"/>
+              <a:defRPr sz="2400">
+                <a:solidFill>
+                  <a:schemeClr val="tx1"/>
+                </a:solidFill>
+                <a:latin typeface="Calibri" panose="020F0502020204030204" pitchFamily="34" charset="0"/>
+                <a:ea typeface="宋体" panose="02010600030101010101" pitchFamily="2" charset="-122"/>
+              </a:defRPr>
+            </a:lvl3pPr>
+            <a:lvl4pPr marL="1600200" indent="-228600">
+              <a:spcBef>
+                <a:spcPct val="20000"/>
+              </a:spcBef>
+              <a:buFont typeface="Arial" panose="020B0604020202020204" pitchFamily="34" charset="0"/>
+              <a:buChar char="–"/>
+              <a:defRPr sz="2000">
+                <a:solidFill>
+                  <a:schemeClr val="tx1"/>
+                </a:solidFill>
+                <a:latin typeface="Calibri" panose="020F0502020204030204" pitchFamily="34" charset="0"/>
+                <a:ea typeface="宋体" panose="02010600030101010101" pitchFamily="2" charset="-122"/>
+              </a:defRPr>
+            </a:lvl4pPr>
+            <a:lvl5pPr marL="2057400" indent="-228600">
+              <a:spcBef>
+                <a:spcPct val="20000"/>
+              </a:spcBef>
+              <a:buFont typeface="Arial" panose="020B0604020202020204" pitchFamily="34" charset="0"/>
+              <a:buChar char="»"/>
+              <a:defRPr sz="2000">
+                <a:solidFill>
+                  <a:schemeClr val="tx1"/>
+                </a:solidFill>
+                <a:latin typeface="Calibri" panose="020F0502020204030204" pitchFamily="34" charset="0"/>
+                <a:ea typeface="宋体" panose="02010600030101010101" pitchFamily="2" charset="-122"/>
+              </a:defRPr>
+            </a:lvl5pPr>
+            <a:lvl6pPr marL="2514600" indent="-228600" eaLnBrk="0" fontAlgn="base" hangingPunct="0">
+              <a:spcBef>
+                <a:spcPct val="20000"/>
+              </a:spcBef>
+              <a:spcAft>
+                <a:spcPct val="0"/>
+              </a:spcAft>
+              <a:buFont typeface="Arial" panose="020B0604020202020204" pitchFamily="34" charset="0"/>
+              <a:buChar char="»"/>
+              <a:defRPr sz="2000">
+                <a:solidFill>
+                  <a:schemeClr val="tx1"/>
+                </a:solidFill>
+                <a:latin typeface="Calibri" panose="020F0502020204030204" pitchFamily="34" charset="0"/>
+                <a:ea typeface="宋体" panose="02010600030101010101" pitchFamily="2" charset="-122"/>
+              </a:defRPr>
+            </a:lvl6pPr>
+            <a:lvl7pPr marL="2971800" indent="-228600" eaLnBrk="0" fontAlgn="base" hangingPunct="0">
+              <a:spcBef>
+                <a:spcPct val="20000"/>
+              </a:spcBef>
+              <a:spcAft>
+                <a:spcPct val="0"/>
+              </a:spcAft>
+              <a:buFont typeface="Arial" panose="020B0604020202020204" pitchFamily="34" charset="0"/>
+              <a:buChar char="»"/>
+              <a:defRPr sz="2000">
+                <a:solidFill>
+                  <a:schemeClr val="tx1"/>
+                </a:solidFill>
+                <a:latin typeface="Calibri" panose="020F0502020204030204" pitchFamily="34" charset="0"/>
+                <a:ea typeface="宋体" panose="02010600030101010101" pitchFamily="2" charset="-122"/>
+              </a:defRPr>
+            </a:lvl7pPr>
+            <a:lvl8pPr marL="3429000" indent="-228600" eaLnBrk="0" fontAlgn="base" hangingPunct="0">
+              <a:spcBef>
+                <a:spcPct val="20000"/>
+              </a:spcBef>
+              <a:spcAft>
+                <a:spcPct val="0"/>
+              </a:spcAft>
+              <a:buFont typeface="Arial" panose="020B0604020202020204" pitchFamily="34" charset="0"/>
+              <a:buChar char="»"/>
+              <a:defRPr sz="2000">
+                <a:solidFill>
+                  <a:schemeClr val="tx1"/>
+                </a:solidFill>
+                <a:latin typeface="Calibri" panose="020F0502020204030204" pitchFamily="34" charset="0"/>
+                <a:ea typeface="宋体" panose="02010600030101010101" pitchFamily="2" charset="-122"/>
+              </a:defRPr>
+            </a:lvl8pPr>
+            <a:lvl9pPr marL="3886200" indent="-228600" eaLnBrk="0" fontAlgn="base" hangingPunct="0">
+              <a:spcBef>
+                <a:spcPct val="20000"/>
+              </a:spcBef>
+              <a:spcAft>
+                <a:spcPct val="0"/>
+              </a:spcAft>
+              <a:buFont typeface="Arial" panose="020B0604020202020204" pitchFamily="34" charset="0"/>
+              <a:buChar char="»"/>
+              <a:defRPr sz="2000">
+                <a:solidFill>
+                  <a:schemeClr val="tx1"/>
+                </a:solidFill>
+                <a:latin typeface="Calibri" panose="020F0502020204030204" pitchFamily="34" charset="0"/>
+                <a:ea typeface="宋体" panose="02010600030101010101" pitchFamily="2" charset="-122"/>
+              </a:defRPr>
+            </a:lvl9pPr>
+          </a:lstStyle>
+          <a:p>
+            <a:pPr eaLnBrk="1" hangingPunct="1">
+              <a:spcBef>
+                <a:spcPct val="0"/>
+              </a:spcBef>
+              <a:buFontTx/>
+              <a:buNone/>
+            </a:pPr>
+            <a:r>
+              <a:rPr lang="zh-CN" altLang="en-US" b="1">
+                <a:solidFill>
+                  <a:srgbClr val="0000CC"/>
+                </a:solidFill>
+                <a:latin typeface="宋体" panose="02010600030101010101" pitchFamily="2" charset="-122"/>
+              </a:rPr>
+              <a:t>虎门销烟</a:t>
+            </a:r>
+          </a:p>
+        </p:txBody>
+      </p:sp>
+      <p:sp>
+        <p:nvSpPr>
+          <p:cNvPr id="14" name="TextBox 13">
+            <a:extLst>
+              <a:ext uri="{FF2B5EF4-FFF2-40B4-BE49-F238E27FC236}">
+                <a16:creationId xmlns:a16="http://schemas.microsoft.com/office/drawing/2014/main" id="{0159068A-9EA3-4A24-936F-01AD1A421F80}"/>
+              </a:ext>
+            </a:extLst>
+          </p:cNvPr>
+          <p:cNvSpPr txBox="1">
+            <a:spLocks noChangeArrowheads="1"/>
+          </p:cNvSpPr>
+          <p:nvPr/>
+        </p:nvSpPr>
+        <p:spPr bwMode="auto">
+          <a:xfrm>
+            <a:off x="2063751" y="5060951"/>
+            <a:ext cx="4572000" cy="584775"/>
+          </a:xfrm>
+          <a:prstGeom prst="rect">
+            <a:avLst/>
+          </a:prstGeom>
+          <a:noFill/>
+          <a:ln>
+            <a:noFill/>
+          </a:ln>
+          <a:extLst>
+            <a:ext uri="{909E8E84-426E-40DD-AFC4-6F175D3DCCD1}">
+              <a14:hiddenFill xmlns:a14="http://schemas.microsoft.com/office/drawing/2010/main">
+                <a:solidFill>
+                  <a:srgbClr val="FFFFFF"/>
+                </a:solidFill>
+              </a14:hiddenFill>
+            </a:ext>
+            <a:ext uri="{91240B29-F687-4F45-9708-019B960494DF}">
+              <a14:hiddenLine xmlns:a14="http://schemas.microsoft.com/office/drawing/2010/main" w="9525">
+                <a:solidFill>
+                  <a:srgbClr val="000000"/>
+                </a:solidFill>
+                <a:miter lim="800000"/>
+                <a:headEnd/>
+                <a:tailEnd/>
+              </a14:hiddenLine>
+            </a:ext>
+          </a:extLst>
+        </p:spPr>
+        <p:txBody>
+          <a:bodyPr>
+            <a:spAutoFit/>
+          </a:bodyPr>
+          <a:lstStyle>
+            <a:lvl1pPr>
+              <a:spcBef>
+                <a:spcPct val="20000"/>
+              </a:spcBef>
+              <a:buFont typeface="Arial" panose="020B0604020202020204" pitchFamily="34" charset="0"/>
+              <a:buChar char="•"/>
+              <a:defRPr sz="3200">
+                <a:solidFill>
+                  <a:schemeClr val="tx1"/>
+                </a:solidFill>
+                <a:latin typeface="Calibri" panose="020F0502020204030204" pitchFamily="34" charset="0"/>
+                <a:ea typeface="宋体" panose="02010600030101010101" pitchFamily="2" charset="-122"/>
+              </a:defRPr>
+            </a:lvl1pPr>
+            <a:lvl2pPr marL="742950" indent="-285750">
+              <a:spcBef>
+                <a:spcPct val="20000"/>
+              </a:spcBef>
+              <a:buFont typeface="Arial" panose="020B0604020202020204" pitchFamily="34" charset="0"/>
+              <a:buChar char="–"/>
+              <a:defRPr sz="2800">
+                <a:solidFill>
+                  <a:schemeClr val="tx1"/>
+                </a:solidFill>
+                <a:latin typeface="Calibri" panose="020F0502020204030204" pitchFamily="34" charset="0"/>
+                <a:ea typeface="宋体" panose="02010600030101010101" pitchFamily="2" charset="-122"/>
+              </a:defRPr>
+            </a:lvl2pPr>
+            <a:lvl3pPr marL="1143000" indent="-228600">
+              <a:spcBef>
+                <a:spcPct val="20000"/>
+              </a:spcBef>
+              <a:buFont typeface="Arial" panose="020B0604020202020204" pitchFamily="34" charset="0"/>
+              <a:buChar char="•"/>
+              <a:defRPr sz="2400">
+                <a:solidFill>
+                  <a:schemeClr val="tx1"/>
+                </a:solidFill>
+                <a:latin typeface="Calibri" panose="020F0502020204030204" pitchFamily="34" charset="0"/>
+                <a:ea typeface="宋体" panose="02010600030101010101" pitchFamily="2" charset="-122"/>
+              </a:defRPr>
+            </a:lvl3pPr>
+            <a:lvl4pPr marL="1600200" indent="-228600">
+              <a:spcBef>
+                <a:spcPct val="20000"/>
+              </a:spcBef>
+              <a:buFont typeface="Arial" panose="020B0604020202020204" pitchFamily="34" charset="0"/>
+              <a:buChar char="–"/>
+              <a:defRPr sz="2000">
+                <a:solidFill>
+                  <a:schemeClr val="tx1"/>
+                </a:solidFill>
+                <a:latin typeface="Calibri" panose="020F0502020204030204" pitchFamily="34" charset="0"/>
+                <a:ea typeface="宋体" panose="02010600030101010101" pitchFamily="2" charset="-122"/>
+              </a:defRPr>
+            </a:lvl4pPr>
+            <a:lvl5pPr marL="2057400" indent="-228600">
+              <a:spcBef>
+                <a:spcPct val="20000"/>
+              </a:spcBef>
+              <a:buFont typeface="Arial" panose="020B0604020202020204" pitchFamily="34" charset="0"/>
+              <a:buChar char="»"/>
+              <a:defRPr sz="2000">
+                <a:solidFill>
+                  <a:schemeClr val="tx1"/>
+                </a:solidFill>
+                <a:latin typeface="Calibri" panose="020F0502020204030204" pitchFamily="34" charset="0"/>
+                <a:ea typeface="宋体" panose="02010600030101010101" pitchFamily="2" charset="-122"/>
+              </a:defRPr>
+            </a:lvl5pPr>
+            <a:lvl6pPr marL="2514600" indent="-228600" eaLnBrk="0" fontAlgn="base" hangingPunct="0">
+              <a:spcBef>
+                <a:spcPct val="20000"/>
+              </a:spcBef>
+              <a:spcAft>
+                <a:spcPct val="0"/>
+              </a:spcAft>
+              <a:buFont typeface="Arial" panose="020B0604020202020204" pitchFamily="34" charset="0"/>
+              <a:buChar char="»"/>
+              <a:defRPr sz="2000">
+                <a:solidFill>
+                  <a:schemeClr val="tx1"/>
+                </a:solidFill>
+                <a:latin typeface="Calibri" panose="020F0502020204030204" pitchFamily="34" charset="0"/>
+                <a:ea typeface="宋体" panose="02010600030101010101" pitchFamily="2" charset="-122"/>
+              </a:defRPr>
+            </a:lvl6pPr>
+            <a:lvl7pPr marL="2971800" indent="-228600" eaLnBrk="0" fontAlgn="base" hangingPunct="0">
+              <a:spcBef>
+                <a:spcPct val="20000"/>
+              </a:spcBef>
+              <a:spcAft>
+                <a:spcPct val="0"/>
+              </a:spcAft>
+              <a:buFont typeface="Arial" panose="020B0604020202020204" pitchFamily="34" charset="0"/>
+              <a:buChar char="»"/>
+              <a:defRPr sz="2000">
+                <a:solidFill>
+                  <a:schemeClr val="tx1"/>
+                </a:solidFill>
+                <a:latin typeface="Calibri" panose="020F0502020204030204" pitchFamily="34" charset="0"/>
+                <a:ea typeface="宋体" panose="02010600030101010101" pitchFamily="2" charset="-122"/>
+              </a:defRPr>
+            </a:lvl7pPr>
+            <a:lvl8pPr marL="3429000" indent="-228600" eaLnBrk="0" fontAlgn="base" hangingPunct="0">
+              <a:spcBef>
+                <a:spcPct val="20000"/>
+              </a:spcBef>
+              <a:spcAft>
+                <a:spcPct val="0"/>
+              </a:spcAft>
+              <a:buFont typeface="Arial" panose="020B0604020202020204" pitchFamily="34" charset="0"/>
+              <a:buChar char="»"/>
+              <a:defRPr sz="2000">
+                <a:solidFill>
+                  <a:schemeClr val="tx1"/>
+                </a:solidFill>
+                <a:latin typeface="Calibri" panose="020F0502020204030204" pitchFamily="34" charset="0"/>
+                <a:ea typeface="宋体" panose="02010600030101010101" pitchFamily="2" charset="-122"/>
+              </a:defRPr>
+            </a:lvl8pPr>
+            <a:lvl9pPr marL="3886200" indent="-228600" eaLnBrk="0" fontAlgn="base" hangingPunct="0">
+              <a:spcBef>
+                <a:spcPct val="20000"/>
+              </a:spcBef>
+              <a:spcAft>
+                <a:spcPct val="0"/>
+              </a:spcAft>
+              <a:buFont typeface="Arial" panose="020B0604020202020204" pitchFamily="34" charset="0"/>
+              <a:buChar char="»"/>
+              <a:defRPr sz="2000">
+                <a:solidFill>
+                  <a:schemeClr val="tx1"/>
+                </a:solidFill>
+                <a:latin typeface="Calibri" panose="020F0502020204030204" pitchFamily="34" charset="0"/>
+                <a:ea typeface="宋体" panose="02010600030101010101" pitchFamily="2" charset="-122"/>
+              </a:defRPr>
+            </a:lvl9pPr>
+          </a:lstStyle>
+          <a:p>
+            <a:pPr eaLnBrk="1" hangingPunct="1">
+              <a:spcBef>
+                <a:spcPct val="0"/>
+              </a:spcBef>
+              <a:buFontTx/>
+              <a:buNone/>
+            </a:pPr>
+            <a:r>
+              <a:rPr lang="zh-CN" altLang="en-US" b="1">
+                <a:solidFill>
+                  <a:srgbClr val="0000CC"/>
+                </a:solidFill>
+                <a:latin typeface="宋体" panose="02010600030101010101" pitchFamily="2" charset="-122"/>
+              </a:rPr>
+              <a:t>鸦片战争</a:t>
+            </a:r>
+          </a:p>
+        </p:txBody>
+      </p:sp>
+      <p:sp>
+        <p:nvSpPr>
+          <p:cNvPr id="15" name="TextBox 14">
+            <a:extLst>
+              <a:ext uri="{FF2B5EF4-FFF2-40B4-BE49-F238E27FC236}">
+                <a16:creationId xmlns:a16="http://schemas.microsoft.com/office/drawing/2014/main" id="{26244110-94ED-4650-99DB-8AD64F3B8A80}"/>
+              </a:ext>
+            </a:extLst>
+          </p:cNvPr>
+          <p:cNvSpPr txBox="1">
+            <a:spLocks noChangeArrowheads="1"/>
+          </p:cNvSpPr>
+          <p:nvPr/>
+        </p:nvSpPr>
+        <p:spPr bwMode="auto">
+          <a:xfrm>
+            <a:off x="2063751" y="5636684"/>
+            <a:ext cx="6527800" cy="584775"/>
+          </a:xfrm>
+          <a:prstGeom prst="rect">
+            <a:avLst/>
+          </a:prstGeom>
+          <a:noFill/>
+          <a:ln>
+            <a:noFill/>
+          </a:ln>
+          <a:extLst>
+            <a:ext uri="{909E8E84-426E-40DD-AFC4-6F175D3DCCD1}">
+              <a14:hiddenFill xmlns:a14="http://schemas.microsoft.com/office/drawing/2010/main">
+                <a:solidFill>
+                  <a:srgbClr val="FFFFFF"/>
+                </a:solidFill>
+              </a14:hiddenFill>
+            </a:ext>
+            <a:ext uri="{91240B29-F687-4F45-9708-019B960494DF}">
+              <a14:hiddenLine xmlns:a14="http://schemas.microsoft.com/office/drawing/2010/main" w="9525">
+                <a:solidFill>
+                  <a:srgbClr val="000000"/>
+                </a:solidFill>
+                <a:miter lim="800000"/>
+                <a:headEnd/>
+                <a:tailEnd/>
+              </a14:hiddenLine>
+            </a:ext>
+          </a:extLst>
+        </p:spPr>
+        <p:txBody>
+          <a:bodyPr>
+            <a:spAutoFit/>
+          </a:bodyPr>
+          <a:lstStyle>
+            <a:lvl1pPr>
+              <a:spcBef>
+                <a:spcPct val="20000"/>
+              </a:spcBef>
+              <a:buFont typeface="Arial" panose="020B0604020202020204" pitchFamily="34" charset="0"/>
+              <a:buChar char="•"/>
+              <a:defRPr sz="3200">
+                <a:solidFill>
+                  <a:schemeClr val="tx1"/>
+                </a:solidFill>
+                <a:latin typeface="Calibri" panose="020F0502020204030204" pitchFamily="34" charset="0"/>
+                <a:ea typeface="宋体" panose="02010600030101010101" pitchFamily="2" charset="-122"/>
+              </a:defRPr>
+            </a:lvl1pPr>
+            <a:lvl2pPr marL="742950" indent="-285750">
+              <a:spcBef>
+                <a:spcPct val="20000"/>
+              </a:spcBef>
+              <a:buFont typeface="Arial" panose="020B0604020202020204" pitchFamily="34" charset="0"/>
+              <a:buChar char="–"/>
+              <a:defRPr sz="2800">
+                <a:solidFill>
+                  <a:schemeClr val="tx1"/>
+                </a:solidFill>
+                <a:latin typeface="Calibri" panose="020F0502020204030204" pitchFamily="34" charset="0"/>
+                <a:ea typeface="宋体" panose="02010600030101010101" pitchFamily="2" charset="-122"/>
+              </a:defRPr>
+            </a:lvl2pPr>
+            <a:lvl3pPr marL="1143000" indent="-228600">
+              <a:spcBef>
+                <a:spcPct val="20000"/>
+              </a:spcBef>
+              <a:buFont typeface="Arial" panose="020B0604020202020204" pitchFamily="34" charset="0"/>
+              <a:buChar char="•"/>
+              <a:defRPr sz="2400">
+                <a:solidFill>
+                  <a:schemeClr val="tx1"/>
+                </a:solidFill>
+                <a:latin typeface="Calibri" panose="020F0502020204030204" pitchFamily="34" charset="0"/>
+                <a:ea typeface="宋体" panose="02010600030101010101" pitchFamily="2" charset="-122"/>
+              </a:defRPr>
+            </a:lvl3pPr>
+            <a:lvl4pPr marL="1600200" indent="-228600">
+              <a:spcBef>
+                <a:spcPct val="20000"/>
+              </a:spcBef>
+              <a:buFont typeface="Arial" panose="020B0604020202020204" pitchFamily="34" charset="0"/>
+              <a:buChar char="–"/>
+              <a:defRPr sz="2000">
+                <a:solidFill>
+                  <a:schemeClr val="tx1"/>
+                </a:solidFill>
+                <a:latin typeface="Calibri" panose="020F0502020204030204" pitchFamily="34" charset="0"/>
+                <a:ea typeface="宋体" panose="02010600030101010101" pitchFamily="2" charset="-122"/>
+              </a:defRPr>
+            </a:lvl4pPr>
+            <a:lvl5pPr marL="2057400" indent="-228600">
+              <a:spcBef>
+                <a:spcPct val="20000"/>
+              </a:spcBef>
+              <a:buFont typeface="Arial" panose="020B0604020202020204" pitchFamily="34" charset="0"/>
+              <a:buChar char="»"/>
+              <a:defRPr sz="2000">
+                <a:solidFill>
+                  <a:schemeClr val="tx1"/>
+                </a:solidFill>
+                <a:latin typeface="Calibri" panose="020F0502020204030204" pitchFamily="34" charset="0"/>
+                <a:ea typeface="宋体" panose="02010600030101010101" pitchFamily="2" charset="-122"/>
+              </a:defRPr>
+            </a:lvl5pPr>
+            <a:lvl6pPr marL="2514600" indent="-228600" eaLnBrk="0" fontAlgn="base" hangingPunct="0">
+              <a:spcBef>
+                <a:spcPct val="20000"/>
+              </a:spcBef>
+              <a:spcAft>
+                <a:spcPct val="0"/>
+              </a:spcAft>
+              <a:buFont typeface="Arial" panose="020B0604020202020204" pitchFamily="34" charset="0"/>
+              <a:buChar char="»"/>
+              <a:defRPr sz="2000">
+                <a:solidFill>
+                  <a:schemeClr val="tx1"/>
+                </a:solidFill>
+                <a:latin typeface="Calibri" panose="020F0502020204030204" pitchFamily="34" charset="0"/>
+                <a:ea typeface="宋体" panose="02010600030101010101" pitchFamily="2" charset="-122"/>
+              </a:defRPr>
+            </a:lvl6pPr>
+            <a:lvl7pPr marL="2971800" indent="-228600" eaLnBrk="0" fontAlgn="base" hangingPunct="0">
+              <a:spcBef>
+                <a:spcPct val="20000"/>
+              </a:spcBef>
+              <a:spcAft>
+                <a:spcPct val="0"/>
+              </a:spcAft>
+              <a:buFont typeface="Arial" panose="020B0604020202020204" pitchFamily="34" charset="0"/>
+              <a:buChar char="»"/>
+              <a:defRPr sz="2000">
+                <a:solidFill>
+                  <a:schemeClr val="tx1"/>
+                </a:solidFill>
+                <a:latin typeface="Calibri" panose="020F0502020204030204" pitchFamily="34" charset="0"/>
+                <a:ea typeface="宋体" panose="02010600030101010101" pitchFamily="2" charset="-122"/>
+              </a:defRPr>
+            </a:lvl7pPr>
+            <a:lvl8pPr marL="3429000" indent="-228600" eaLnBrk="0" fontAlgn="base" hangingPunct="0">
+              <a:spcBef>
+                <a:spcPct val="20000"/>
+              </a:spcBef>
+              <a:spcAft>
+                <a:spcPct val="0"/>
+              </a:spcAft>
+              <a:buFont typeface="Arial" panose="020B0604020202020204" pitchFamily="34" charset="0"/>
+              <a:buChar char="»"/>
+              <a:defRPr sz="2000">
+                <a:solidFill>
+                  <a:schemeClr val="tx1"/>
+                </a:solidFill>
+                <a:latin typeface="Calibri" panose="020F0502020204030204" pitchFamily="34" charset="0"/>
+                <a:ea typeface="宋体" panose="02010600030101010101" pitchFamily="2" charset="-122"/>
+              </a:defRPr>
+            </a:lvl8pPr>
+            <a:lvl9pPr marL="3886200" indent="-228600" eaLnBrk="0" fontAlgn="base" hangingPunct="0">
+              <a:spcBef>
+                <a:spcPct val="20000"/>
+              </a:spcBef>
+              <a:spcAft>
+                <a:spcPct val="0"/>
+              </a:spcAft>
+              <a:buFont typeface="Arial" panose="020B0604020202020204" pitchFamily="34" charset="0"/>
+              <a:buChar char="»"/>
+              <a:defRPr sz="2000">
+                <a:solidFill>
+                  <a:schemeClr val="tx1"/>
+                </a:solidFill>
+                <a:latin typeface="Calibri" panose="020F0502020204030204" pitchFamily="34" charset="0"/>
+                <a:ea typeface="宋体" panose="02010600030101010101" pitchFamily="2" charset="-122"/>
+              </a:defRPr>
+            </a:lvl9pPr>
+          </a:lstStyle>
+          <a:p>
+            <a:pPr eaLnBrk="1" hangingPunct="1">
+              <a:spcBef>
+                <a:spcPct val="0"/>
+              </a:spcBef>
+              <a:buFontTx/>
+              <a:buNone/>
+            </a:pPr>
+            <a:r>
+              <a:rPr lang="zh-CN" altLang="en-US" b="1">
+                <a:solidFill>
+                  <a:srgbClr val="0000CC"/>
+                </a:solidFill>
+                <a:latin typeface="宋体" panose="02010600030101010101" pitchFamily="2" charset="-122"/>
+              </a:rPr>
+              <a:t>虎门销烟是鸦片战争的导火线</a:t>
+            </a:r>
+          </a:p>
+        </p:txBody>
+      </p:sp>
+      <p:cxnSp>
+        <p:nvCxnSpPr>
+          <p:cNvPr id="19" name="直接连接符 18">
+            <a:extLst>
+              <a:ext uri="{FF2B5EF4-FFF2-40B4-BE49-F238E27FC236}">
+                <a16:creationId xmlns:a16="http://schemas.microsoft.com/office/drawing/2014/main" id="{224183EB-F9D8-4F90-AAB7-66F7B8BECAF7}"/>
+              </a:ext>
+            </a:extLst>
+          </p:cNvPr>
+          <p:cNvCxnSpPr/>
+          <p:nvPr/>
+        </p:nvCxnSpPr>
+        <p:spPr>
+          <a:xfrm>
+            <a:off x="4847167" y="3621617"/>
+            <a:ext cx="1534584" cy="0"/>
+          </a:xfrm>
+          <a:prstGeom prst="line">
+            <a:avLst/>
+          </a:prstGeom>
+        </p:spPr>
+        <p:style>
+          <a:lnRef idx="3">
+            <a:schemeClr val="accent1"/>
+          </a:lnRef>
+          <a:fillRef idx="0">
+            <a:schemeClr val="accent1"/>
+          </a:fillRef>
+          <a:effectRef idx="2">
+            <a:schemeClr val="accent1"/>
+          </a:effectRef>
+          <a:fontRef idx="minor">
+            <a:schemeClr val="tx1"/>
+          </a:fontRef>
+        </p:style>
+      </p:cxnSp>
+      <p:cxnSp>
+        <p:nvCxnSpPr>
+          <p:cNvPr id="21" name="直接连接符 20">
+            <a:extLst>
+              <a:ext uri="{FF2B5EF4-FFF2-40B4-BE49-F238E27FC236}">
+                <a16:creationId xmlns:a16="http://schemas.microsoft.com/office/drawing/2014/main" id="{E9EDA532-A72B-44ED-83EC-A5BCDA1AE418}"/>
+              </a:ext>
+            </a:extLst>
+          </p:cNvPr>
+          <p:cNvCxnSpPr/>
+          <p:nvPr/>
+        </p:nvCxnSpPr>
+        <p:spPr>
+          <a:xfrm>
+            <a:off x="6576485" y="3621617"/>
+            <a:ext cx="958849" cy="0"/>
+          </a:xfrm>
+          <a:prstGeom prst="line">
+            <a:avLst/>
+          </a:prstGeom>
+        </p:spPr>
+        <p:style>
+          <a:lnRef idx="3">
+            <a:schemeClr val="accent1"/>
+          </a:lnRef>
+          <a:fillRef idx="0">
+            <a:schemeClr val="accent1"/>
+          </a:fillRef>
+          <a:effectRef idx="2">
+            <a:schemeClr val="accent1"/>
+          </a:effectRef>
+          <a:fontRef idx="minor">
+            <a:schemeClr val="tx1"/>
+          </a:fontRef>
+        </p:style>
+      </p:cxnSp>
+      <p:pic>
+        <p:nvPicPr>
+          <p:cNvPr id="47117" name="Picture 13">
+            <a:extLst>
+              <a:ext uri="{FF2B5EF4-FFF2-40B4-BE49-F238E27FC236}">
+                <a16:creationId xmlns:a16="http://schemas.microsoft.com/office/drawing/2014/main" id="{8BFF3AA6-0C77-481D-8EBC-752E126B0840}"/>
+              </a:ext>
+            </a:extLst>
+          </p:cNvPr>
+          <p:cNvPicPr>
+            <a:picLocks noChangeAspect="1" noChangeArrowheads="1"/>
+          </p:cNvPicPr>
+          <p:nvPr/>
+        </p:nvPicPr>
+        <p:blipFill>
+          <a:blip r:embed="rId2">
+            <a:extLst>
+              <a:ext uri="{28A0092B-C50C-407E-A947-70E740481C1C}">
+                <a14:useLocalDpi xmlns:a14="http://schemas.microsoft.com/office/drawing/2010/main" val="0"/>
+              </a:ext>
+            </a:extLst>
+          </a:blip>
+          <a:srcRect/>
+          <a:stretch>
+            <a:fillRect/>
+          </a:stretch>
+        </p:blipFill>
+        <p:spPr bwMode="auto">
+          <a:xfrm>
+            <a:off x="10513485" y="165101"/>
+            <a:ext cx="1246716" cy="520700"/>
+          </a:xfrm>
+          <a:prstGeom prst="rect">
+            <a:avLst/>
+          </a:prstGeom>
+          <a:noFill/>
+          <a:ln>
+            <a:noFill/>
+          </a:ln>
+          <a:extLst>
+            <a:ext uri="{909E8E84-426E-40DD-AFC4-6F175D3DCCD1}">
+              <a14:hiddenFill xmlns:a14="http://schemas.microsoft.com/office/drawing/2010/main">
+                <a:solidFill>
+                  <a:srgbClr val="FFFFFF"/>
+                </a:solidFill>
+              </a14:hiddenFill>
+            </a:ext>
+            <a:ext uri="{91240B29-F687-4F45-9708-019B960494DF}">
+              <a14:hiddenLine xmlns:a14="http://schemas.microsoft.com/office/drawing/2010/main" w="9525">
+                <a:solidFill>
+                  <a:srgbClr val="000000"/>
+                </a:solidFill>
+                <a:miter lim="800000"/>
+                <a:headEnd/>
+                <a:tailEnd/>
+              </a14:hiddenLine>
+            </a:ext>
+          </a:extLst>
+        </p:spPr>
+      </p:pic>
+      <p:pic>
+        <p:nvPicPr>
+          <p:cNvPr id="47118" name="Picture 14">
+            <a:extLst>
+              <a:ext uri="{FF2B5EF4-FFF2-40B4-BE49-F238E27FC236}">
+                <a16:creationId xmlns:a16="http://schemas.microsoft.com/office/drawing/2014/main" id="{2B1147B6-5903-4950-8C47-9BE5AF887F47}"/>
+              </a:ext>
+            </a:extLst>
+          </p:cNvPr>
+          <p:cNvPicPr>
+            <a:picLocks noChangeAspect="1" noChangeArrowheads="1"/>
+          </p:cNvPicPr>
+          <p:nvPr/>
+        </p:nvPicPr>
+        <p:blipFill>
+          <a:blip r:embed="rId2">
+            <a:extLst>
+              <a:ext uri="{28A0092B-C50C-407E-A947-70E740481C1C}">
+                <a14:useLocalDpi xmlns:a14="http://schemas.microsoft.com/office/drawing/2010/main" val="0"/>
+              </a:ext>
+            </a:extLst>
+          </a:blip>
+          <a:srcRect/>
+          <a:stretch>
+            <a:fillRect/>
+          </a:stretch>
+        </p:blipFill>
+        <p:spPr bwMode="auto">
+          <a:xfrm>
+            <a:off x="1295400" y="1123951"/>
+            <a:ext cx="1729317" cy="960967"/>
+          </a:xfrm>
+          <a:prstGeom prst="rect">
+            <a:avLst/>
+          </a:prstGeom>
+          <a:noFill/>
+          <a:ln>
+            <a:noFill/>
+          </a:ln>
+          <a:extLst>
+            <a:ext uri="{909E8E84-426E-40DD-AFC4-6F175D3DCCD1}">
+              <a14:hiddenFill xmlns:a14="http://schemas.microsoft.com/office/drawing/2010/main">
+                <a:solidFill>
+                  <a:srgbClr val="FFFFFF"/>
+                </a:solidFill>
+              </a14:hiddenFill>
+            </a:ext>
+            <a:ext uri="{91240B29-F687-4F45-9708-019B960494DF}">
+              <a14:hiddenLine xmlns:a14="http://schemas.microsoft.com/office/drawing/2010/main" w="9525">
+                <a:solidFill>
+                  <a:srgbClr val="000000"/>
+                </a:solidFill>
+                <a:miter lim="800000"/>
+                <a:headEnd/>
+                <a:tailEnd/>
+              </a14:hiddenLine>
+            </a:ext>
+          </a:extLst>
+        </p:spPr>
+      </p:pic>
+    </p:spTree>
+  </p:cSld>
+  <p:clrMapOvr>
+    <a:masterClrMapping/>
+  </p:clrMapOvr>
+  <p:timing>
+    <p:tnLst>
+      <p:par>
+        <p:cTn id="1" dur="indefinite" restart="never" nodeType="tmRoot">
+          <p:childTnLst>
+            <p:seq concurrent="1" nextAc="seek">
+              <p:cTn id="2" dur="indefinite" nodeType="mainSeq">
+                <p:childTnLst>
+                  <p:par>
+                    <p:cTn id="3" fill="hold" nodeType="clickPar">
+                      <p:stCondLst>
+                        <p:cond delay="indefinite"/>
+                      </p:stCondLst>
+                      <p:childTnLst>
+                        <p:par>
+                          <p:cTn id="4" fill="hold" nodeType="withGroup">
+                            <p:stCondLst>
+                              <p:cond delay="0"/>
+                            </p:stCondLst>
+                            <p:childTnLst>
+                              <p:par>
+                                <p:cTn id="5" presetID="22" presetClass="entr" presetSubtype="8" fill="hold" nodeType="clickEffect">
+                                  <p:stCondLst>
+                                    <p:cond delay="0"/>
+                                  </p:stCondLst>
+                                  <p:childTnLst>
+                                    <p:set>
+                                      <p:cBhvr>
+                                        <p:cTn id="6" dur="1" fill="hold">
+                                          <p:stCondLst>
+                                            <p:cond delay="0"/>
+                                          </p:stCondLst>
+                                        </p:cTn>
+                                        <p:tgtEl>
+                                          <p:spTgt spid="5"/>
+                                        </p:tgtEl>
+                                        <p:attrNameLst>
+                                          <p:attrName>style.visibility</p:attrName>
+                                        </p:attrNameLst>
+                                      </p:cBhvr>
+                                      <p:to>
+                                        <p:strVal val="visible"/>
+                                      </p:to>
+                                    </p:set>
+                                    <p:animEffect transition="in" filter="wipe(left)">
+                                      <p:cBhvr>
+                                        <p:cTn id="7" dur="500"/>
+                                        <p:tgtEl>
+                                          <p:spTgt spid="5"/>
+                                        </p:tgtEl>
+                                      </p:cBhvr>
+                                    </p:animEffect>
+                                  </p:childTnLst>
+                                </p:cTn>
+                              </p:par>
+                            </p:childTnLst>
+                          </p:cTn>
+                        </p:par>
+                      </p:childTnLst>
+                    </p:cTn>
+                  </p:par>
+                  <p:par>
+                    <p:cTn id="8" fill="hold" nodeType="clickPar">
+                      <p:stCondLst>
+                        <p:cond delay="indefinite"/>
+                      </p:stCondLst>
+                      <p:childTnLst>
+                        <p:par>
+                          <p:cTn id="9" fill="hold" nodeType="withGroup">
+                            <p:stCondLst>
+                              <p:cond delay="0"/>
+                            </p:stCondLst>
+                            <p:childTnLst>
+                              <p:par>
+                                <p:cTn id="10" presetID="22" presetClass="entr" presetSubtype="8" fill="hold" nodeType="clickEffect">
+                                  <p:stCondLst>
+                                    <p:cond delay="0"/>
+                                  </p:stCondLst>
+                                  <p:childTnLst>
+                                    <p:set>
+                                      <p:cBhvr>
+                                        <p:cTn id="11" dur="1" fill="hold">
+                                          <p:stCondLst>
+                                            <p:cond delay="0"/>
+                                          </p:stCondLst>
+                                        </p:cTn>
+                                        <p:tgtEl>
+                                          <p:spTgt spid="19"/>
+                                        </p:tgtEl>
+                                        <p:attrNameLst>
+                                          <p:attrName>style.visibility</p:attrName>
+                                        </p:attrNameLst>
+                                      </p:cBhvr>
+                                      <p:to>
+                                        <p:strVal val="visible"/>
+                                      </p:to>
+                                    </p:set>
+                                    <p:animEffect transition="in" filter="wipe(left)">
+                                      <p:cBhvr>
+                                        <p:cTn id="12" dur="500"/>
+                                        <p:tgtEl>
+                                          <p:spTgt spid="19"/>
+                                        </p:tgtEl>
+                                      </p:cBhvr>
+                                    </p:animEffect>
+                                  </p:childTnLst>
+                                </p:cTn>
+                              </p:par>
+                            </p:childTnLst>
+                          </p:cTn>
+                        </p:par>
+                      </p:childTnLst>
+                    </p:cTn>
+                  </p:par>
+                  <p:par>
+                    <p:cTn id="13" fill="hold" nodeType="clickPar">
+                      <p:stCondLst>
+                        <p:cond delay="indefinite"/>
+                      </p:stCondLst>
+                      <p:childTnLst>
+                        <p:par>
+                          <p:cTn id="14" fill="hold" nodeType="withGroup">
+                            <p:stCondLst>
+                              <p:cond delay="0"/>
+                            </p:stCondLst>
+                            <p:childTnLst>
+                              <p:par>
+                                <p:cTn id="15" presetID="22" presetClass="entr" presetSubtype="8" fill="hold" nodeType="clickEffect">
+                                  <p:stCondLst>
+                                    <p:cond delay="0"/>
+                                  </p:stCondLst>
+                                  <p:childTnLst>
+                                    <p:set>
+                                      <p:cBhvr>
+                                        <p:cTn id="16" dur="1" fill="hold">
+                                          <p:stCondLst>
+                                            <p:cond delay="0"/>
+                                          </p:stCondLst>
+                                        </p:cTn>
+                                        <p:tgtEl>
+                                          <p:spTgt spid="21"/>
+                                        </p:tgtEl>
+                                        <p:attrNameLst>
+                                          <p:attrName>style.visibility</p:attrName>
+                                        </p:attrNameLst>
+                                      </p:cBhvr>
+                                      <p:to>
+                                        <p:strVal val="visible"/>
+                                      </p:to>
+                                    </p:set>
+                                    <p:animEffect transition="in" filter="wipe(left)">
+                                      <p:cBhvr>
+                                        <p:cTn id="17" dur="500"/>
+                                        <p:tgtEl>
+                                          <p:spTgt spid="21"/>
+                                        </p:tgtEl>
+                                      </p:cBhvr>
+                                    </p:animEffect>
+                                  </p:childTnLst>
+                                </p:cTn>
+                              </p:par>
+                            </p:childTnLst>
+                          </p:cTn>
+                        </p:par>
+                      </p:childTnLst>
+                    </p:cTn>
+                  </p:par>
+                  <p:par>
+                    <p:cTn id="18" fill="hold" nodeType="clickPar">
+                      <p:stCondLst>
+                        <p:cond delay="indefinite"/>
+                      </p:stCondLst>
+                      <p:childTnLst>
+                        <p:par>
+                          <p:cTn id="19" fill="hold" nodeType="withGroup">
+                            <p:stCondLst>
+                              <p:cond delay="0"/>
+                            </p:stCondLst>
+                            <p:childTnLst>
+                              <p:par>
+                                <p:cTn id="20" presetID="22" presetClass="entr" presetSubtype="8" fill="hold" nodeType="clickEffect">
+                                  <p:stCondLst>
+                                    <p:cond delay="0"/>
+                                  </p:stCondLst>
+                                  <p:childTnLst>
+                                    <p:set>
+                                      <p:cBhvr>
+                                        <p:cTn id="21" dur="1" fill="hold">
+                                          <p:stCondLst>
+                                            <p:cond delay="0"/>
+                                          </p:stCondLst>
+                                        </p:cTn>
+                                        <p:tgtEl>
+                                          <p:spTgt spid="6"/>
+                                        </p:tgtEl>
+                                        <p:attrNameLst>
+                                          <p:attrName>style.visibility</p:attrName>
+                                        </p:attrNameLst>
+                                      </p:cBhvr>
+                                      <p:to>
+                                        <p:strVal val="visible"/>
+                                      </p:to>
+                                    </p:set>
+                                    <p:animEffect transition="in" filter="wipe(left)">
+                                      <p:cBhvr>
+                                        <p:cTn id="22" dur="500"/>
+                                        <p:tgtEl>
+                                          <p:spTgt spid="6"/>
+                                        </p:tgtEl>
+                                      </p:cBhvr>
+                                    </p:animEffect>
+                                  </p:childTnLst>
+                                </p:cTn>
+                              </p:par>
+                            </p:childTnLst>
+                          </p:cTn>
+                        </p:par>
+                      </p:childTnLst>
+                    </p:cTn>
+                  </p:par>
+                  <p:par>
+                    <p:cTn id="23" fill="hold" nodeType="clickPar">
+                      <p:stCondLst>
+                        <p:cond delay="indefinite"/>
+                      </p:stCondLst>
+                      <p:childTnLst>
+                        <p:par>
+                          <p:cTn id="24" fill="hold" nodeType="withGroup">
+                            <p:stCondLst>
+                              <p:cond delay="0"/>
+                            </p:stCondLst>
+                            <p:childTnLst>
+                              <p:par>
+                                <p:cTn id="25" presetID="3" presetClass="entr" presetSubtype="10" fill="hold" grpId="0" nodeType="clickEffect">
+                                  <p:stCondLst>
+                                    <p:cond delay="0"/>
+                                  </p:stCondLst>
+                                  <p:childTnLst>
+                                    <p:set>
+                                      <p:cBhvr>
+                                        <p:cTn id="26" dur="1" fill="hold">
+                                          <p:stCondLst>
+                                            <p:cond delay="0"/>
+                                          </p:stCondLst>
+                                        </p:cTn>
+                                        <p:tgtEl>
+                                          <p:spTgt spid="12"/>
+                                        </p:tgtEl>
+                                        <p:attrNameLst>
+                                          <p:attrName>style.visibility</p:attrName>
+                                        </p:attrNameLst>
+                                      </p:cBhvr>
+                                      <p:to>
+                                        <p:strVal val="visible"/>
+                                      </p:to>
+                                    </p:set>
+                                    <p:animEffect transition="in" filter="blinds(horizontal)">
+                                      <p:cBhvr>
+                                        <p:cTn id="27" dur="500"/>
+                                        <p:tgtEl>
+                                          <p:spTgt spid="12"/>
+                                        </p:tgtEl>
+                                      </p:cBhvr>
+                                    </p:animEffect>
+                                  </p:childTnLst>
+                                </p:cTn>
+                              </p:par>
+                            </p:childTnLst>
+                          </p:cTn>
+                        </p:par>
+                      </p:childTnLst>
+                    </p:cTn>
+                  </p:par>
+                  <p:par>
+                    <p:cTn id="28" fill="hold" nodeType="clickPar">
+                      <p:stCondLst>
+                        <p:cond delay="indefinite"/>
+                      </p:stCondLst>
+                      <p:childTnLst>
+                        <p:par>
+                          <p:cTn id="29" fill="hold" nodeType="withGroup">
+                            <p:stCondLst>
+                              <p:cond delay="0"/>
+                            </p:stCondLst>
+                            <p:childTnLst>
+                              <p:par>
+                                <p:cTn id="30" presetID="4" presetClass="entr" presetSubtype="16" fill="hold" nodeType="clickEffect">
+                                  <p:stCondLst>
+                                    <p:cond delay="0"/>
+                                  </p:stCondLst>
+                                  <p:childTnLst>
+                                    <p:set>
+                                      <p:cBhvr>
+                                        <p:cTn id="31" dur="1" fill="hold">
+                                          <p:stCondLst>
+                                            <p:cond delay="0"/>
+                                          </p:stCondLst>
+                                        </p:cTn>
+                                        <p:tgtEl>
+                                          <p:spTgt spid="47117"/>
+                                        </p:tgtEl>
+                                        <p:attrNameLst>
+                                          <p:attrName>style.visibility</p:attrName>
+                                        </p:attrNameLst>
+                                      </p:cBhvr>
+                                      <p:to>
+                                        <p:strVal val="visible"/>
+                                      </p:to>
+                                    </p:set>
+                                    <p:animEffect transition="in" filter="box(in)">
+                                      <p:cBhvr>
+                                        <p:cTn id="32" dur="500"/>
+                                        <p:tgtEl>
+                                          <p:spTgt spid="47117"/>
+                                        </p:tgtEl>
+                                      </p:cBhvr>
+                                    </p:animEffect>
+                                  </p:childTnLst>
+                                </p:cTn>
+                              </p:par>
+                            </p:childTnLst>
+                          </p:cTn>
+                        </p:par>
+                      </p:childTnLst>
+                    </p:cTn>
+                  </p:par>
+                  <p:par>
+                    <p:cTn id="33" fill="hold" nodeType="clickPar">
+                      <p:stCondLst>
+                        <p:cond delay="indefinite"/>
+                      </p:stCondLst>
+                      <p:childTnLst>
+                        <p:par>
+                          <p:cTn id="34" fill="hold" nodeType="withGroup">
+                            <p:stCondLst>
+                              <p:cond delay="0"/>
+                            </p:stCondLst>
+                            <p:childTnLst>
+                              <p:par>
+                                <p:cTn id="35" presetID="3" presetClass="entr" presetSubtype="10" fill="hold" nodeType="clickEffect">
+                                  <p:stCondLst>
+                                    <p:cond delay="0"/>
+                                  </p:stCondLst>
+                                  <p:childTnLst>
+                                    <p:set>
+                                      <p:cBhvr>
+                                        <p:cTn id="36" dur="1" fill="hold">
+                                          <p:stCondLst>
+                                            <p:cond delay="0"/>
+                                          </p:stCondLst>
+                                        </p:cTn>
+                                        <p:tgtEl>
+                                          <p:spTgt spid="13"/>
+                                        </p:tgtEl>
+                                        <p:attrNameLst>
+                                          <p:attrName>style.visibility</p:attrName>
+                                        </p:attrNameLst>
+                                      </p:cBhvr>
+                                      <p:to>
+                                        <p:strVal val="visible"/>
+                                      </p:to>
+                                    </p:set>
+                                    <p:animEffect transition="in" filter="blinds(horizontal)">
+                                      <p:cBhvr>
+                                        <p:cTn id="37" dur="500"/>
+                                        <p:tgtEl>
+                                          <p:spTgt spid="13"/>
+                                        </p:tgtEl>
+                                      </p:cBhvr>
+                                    </p:animEffect>
+                                  </p:childTnLst>
+                                </p:cTn>
+                              </p:par>
+                            </p:childTnLst>
+                          </p:cTn>
+                        </p:par>
+                      </p:childTnLst>
+                    </p:cTn>
+                  </p:par>
+                  <p:par>
+                    <p:cTn id="38" fill="hold" nodeType="clickPar">
+                      <p:stCondLst>
+                        <p:cond delay="indefinite"/>
+                      </p:stCondLst>
+                      <p:childTnLst>
+                        <p:par>
+                          <p:cTn id="39" fill="hold" nodeType="withGroup">
+                            <p:stCondLst>
+                              <p:cond delay="0"/>
+                            </p:stCondLst>
+                            <p:childTnLst>
+                              <p:par>
+                                <p:cTn id="40" presetID="3" presetClass="entr" presetSubtype="10" fill="hold" nodeType="clickEffect">
+                                  <p:stCondLst>
+                                    <p:cond delay="0"/>
+                                  </p:stCondLst>
+                                  <p:childTnLst>
+                                    <p:set>
+                                      <p:cBhvr>
+                                        <p:cTn id="41" dur="1" fill="hold">
+                                          <p:stCondLst>
+                                            <p:cond delay="0"/>
+                                          </p:stCondLst>
+                                        </p:cTn>
+                                        <p:tgtEl>
+                                          <p:spTgt spid="47118"/>
+                                        </p:tgtEl>
+                                        <p:attrNameLst>
+                                          <p:attrName>style.visibility</p:attrName>
+                                        </p:attrNameLst>
+                                      </p:cBhvr>
+                                      <p:to>
+                                        <p:strVal val="visible"/>
+                                      </p:to>
+                                    </p:set>
+                                    <p:animEffect transition="in" filter="blinds(horizontal)">
+                                      <p:cBhvr>
+                                        <p:cTn id="42" dur="500"/>
+                                        <p:tgtEl>
+                                          <p:spTgt spid="47118"/>
+                                        </p:tgtEl>
+                                      </p:cBhvr>
+                                    </p:animEffect>
+                                  </p:childTnLst>
+                                </p:cTn>
+                              </p:par>
+                            </p:childTnLst>
+                          </p:cTn>
+                        </p:par>
+                      </p:childTnLst>
+                    </p:cTn>
+                  </p:par>
+                  <p:par>
+                    <p:cTn id="43" fill="hold" nodeType="clickPar">
+                      <p:stCondLst>
+                        <p:cond delay="indefinite"/>
+                      </p:stCondLst>
+                      <p:childTnLst>
+                        <p:par>
+                          <p:cTn id="44" fill="hold" nodeType="withGroup">
+                            <p:stCondLst>
+                              <p:cond delay="0"/>
+                            </p:stCondLst>
+                            <p:childTnLst>
+                              <p:par>
+                                <p:cTn id="45" presetID="3" presetClass="entr" presetSubtype="10" fill="hold" grpId="0" nodeType="clickEffect">
+                                  <p:stCondLst>
+                                    <p:cond delay="0"/>
+                                  </p:stCondLst>
+                                  <p:childTnLst>
+                                    <p:set>
+                                      <p:cBhvr>
+                                        <p:cTn id="46" dur="1" fill="hold">
+                                          <p:stCondLst>
+                                            <p:cond delay="0"/>
+                                          </p:stCondLst>
+                                        </p:cTn>
+                                        <p:tgtEl>
+                                          <p:spTgt spid="14"/>
+                                        </p:tgtEl>
+                                        <p:attrNameLst>
+                                          <p:attrName>style.visibility</p:attrName>
+                                        </p:attrNameLst>
+                                      </p:cBhvr>
+                                      <p:to>
+                                        <p:strVal val="visible"/>
+                                      </p:to>
+                                    </p:set>
+                                    <p:animEffect transition="in" filter="blinds(horizontal)">
+                                      <p:cBhvr>
+                                        <p:cTn id="47" dur="500"/>
+                                        <p:tgtEl>
+                                          <p:spTgt spid="14"/>
+                                        </p:tgtEl>
+                                      </p:cBhvr>
+                                    </p:animEffect>
+                                  </p:childTnLst>
+                                </p:cTn>
+                              </p:par>
+                            </p:childTnLst>
+                          </p:cTn>
+                        </p:par>
+                      </p:childTnLst>
+                    </p:cTn>
+                  </p:par>
+                  <p:par>
+                    <p:cTn id="48" fill="hold" nodeType="clickPar">
+                      <p:stCondLst>
+                        <p:cond delay="indefinite"/>
+                      </p:stCondLst>
+                      <p:childTnLst>
+                        <p:par>
+                          <p:cTn id="49" fill="hold" nodeType="withGroup">
+                            <p:stCondLst>
+                              <p:cond delay="0"/>
+                            </p:stCondLst>
+                            <p:childTnLst>
+                              <p:par>
+                                <p:cTn id="50" presetID="22" presetClass="entr" presetSubtype="8" fill="hold" nodeType="clickEffect">
+                                  <p:stCondLst>
+                                    <p:cond delay="0"/>
+                                  </p:stCondLst>
+                                  <p:childTnLst>
+                                    <p:set>
+                                      <p:cBhvr>
+                                        <p:cTn id="51" dur="1" fill="hold">
+                                          <p:stCondLst>
+                                            <p:cond delay="0"/>
+                                          </p:stCondLst>
+                                        </p:cTn>
+                                        <p:tgtEl>
+                                          <p:spTgt spid="8"/>
+                                        </p:tgtEl>
+                                        <p:attrNameLst>
+                                          <p:attrName>style.visibility</p:attrName>
+                                        </p:attrNameLst>
+                                      </p:cBhvr>
+                                      <p:to>
+                                        <p:strVal val="visible"/>
+                                      </p:to>
+                                    </p:set>
+                                    <p:animEffect transition="in" filter="wipe(left)">
+                                      <p:cBhvr>
+                                        <p:cTn id="52" dur="500"/>
+                                        <p:tgtEl>
+                                          <p:spTgt spid="8"/>
+                                        </p:tgtEl>
+                                      </p:cBhvr>
+                                    </p:animEffect>
+                                  </p:childTnLst>
+                                </p:cTn>
+                              </p:par>
+                            </p:childTnLst>
+                          </p:cTn>
+                        </p:par>
+                      </p:childTnLst>
+                    </p:cTn>
+                  </p:par>
+                  <p:par>
+                    <p:cTn id="53" fill="hold" nodeType="clickPar">
+                      <p:stCondLst>
+                        <p:cond delay="indefinite"/>
+                      </p:stCondLst>
+                      <p:childTnLst>
+                        <p:par>
+                          <p:cTn id="54" fill="hold" nodeType="withGroup">
+                            <p:stCondLst>
+                              <p:cond delay="0"/>
+                            </p:stCondLst>
+                            <p:childTnLst>
+                              <p:par>
+                                <p:cTn id="55" presetID="22" presetClass="entr" presetSubtype="8" fill="hold" nodeType="clickEffect">
+                                  <p:stCondLst>
+                                    <p:cond delay="0"/>
+                                  </p:stCondLst>
+                                  <p:childTnLst>
+                                    <p:set>
+                                      <p:cBhvr>
+                                        <p:cTn id="56" dur="1" fill="hold">
+                                          <p:stCondLst>
+                                            <p:cond delay="0"/>
+                                          </p:stCondLst>
+                                        </p:cTn>
+                                        <p:tgtEl>
+                                          <p:spTgt spid="9"/>
+                                        </p:tgtEl>
+                                        <p:attrNameLst>
+                                          <p:attrName>style.visibility</p:attrName>
+                                        </p:attrNameLst>
+                                      </p:cBhvr>
+                                      <p:to>
+                                        <p:strVal val="visible"/>
+                                      </p:to>
+                                    </p:set>
+                                    <p:animEffect transition="in" filter="wipe(left)">
+                                      <p:cBhvr>
+                                        <p:cTn id="57" dur="500"/>
+                                        <p:tgtEl>
+                                          <p:spTgt spid="9"/>
+                                        </p:tgtEl>
+                                      </p:cBhvr>
+                                    </p:animEffect>
+                                  </p:childTnLst>
+                                </p:cTn>
+                              </p:par>
+                            </p:childTnLst>
+                          </p:cTn>
+                        </p:par>
+                      </p:childTnLst>
+                    </p:cTn>
+                  </p:par>
+                  <p:par>
+                    <p:cTn id="58" fill="hold" nodeType="clickPar">
+                      <p:stCondLst>
+                        <p:cond delay="indefinite"/>
+                      </p:stCondLst>
+                      <p:childTnLst>
+                        <p:par>
+                          <p:cTn id="59" fill="hold" nodeType="withGroup">
+                            <p:stCondLst>
+                              <p:cond delay="0"/>
+                            </p:stCondLst>
+                            <p:childTnLst>
+                              <p:par>
+                                <p:cTn id="60" presetID="3" presetClass="entr" presetSubtype="10" fill="hold" grpId="0" nodeType="clickEffect">
+                                  <p:stCondLst>
+                                    <p:cond delay="0"/>
+                                  </p:stCondLst>
+                                  <p:childTnLst>
+                                    <p:set>
+                                      <p:cBhvr>
+                                        <p:cTn id="61" dur="1" fill="hold">
+                                          <p:stCondLst>
+                                            <p:cond delay="0"/>
+                                          </p:stCondLst>
+                                        </p:cTn>
+                                        <p:tgtEl>
+                                          <p:spTgt spid="15"/>
+                                        </p:tgtEl>
+                                        <p:attrNameLst>
+                                          <p:attrName>style.visibility</p:attrName>
+                                        </p:attrNameLst>
+                                      </p:cBhvr>
+                                      <p:to>
+                                        <p:strVal val="visible"/>
+                                      </p:to>
+                                    </p:set>
+                                    <p:animEffect transition="in" filter="blinds(horizontal)">
+                                      <p:cBhvr>
+                                        <p:cTn id="62" dur="500"/>
+                                        <p:tgtEl>
+                                          <p:spTgt spid="15"/>
+                                        </p:tgtEl>
+                                      </p:cBhvr>
+                                    </p:animEffect>
+                                  </p:childTnLst>
+                                </p:cTn>
+                              </p:par>
+                            </p:childTnLst>
+                          </p:cTn>
+                        </p:par>
+                      </p:childTnLst>
+                    </p:cTn>
+                  </p:par>
+                </p:childTnLst>
+              </p:cTn>
+              <p:prevCondLst>
+                <p:cond evt="onPrev" delay="0">
+                  <p:tgtEl>
+                    <p:sldTgt/>
+                  </p:tgtEl>
+                </p:cond>
+              </p:prevCondLst>
+              <p:nextCondLst>
+                <p:cond evt="onNext" delay="0">
+                  <p:tgtEl>
+                    <p:sldTgt/>
+                  </p:tgtEl>
+                </p:cond>
+              </p:nextCondLst>
+            </p:seq>
+          </p:childTnLst>
+        </p:cTn>
+      </p:par>
+    </p:tnLst>
+    <p:bldLst>
+      <p:bldP spid="12" grpId="0"/>
+      <p:bldP spid="14" grpId="0"/>
+      <p:bldP spid="15" grpId="0"/>
+    </p:bldLst>
+  </p:timing>
+</p:sld>
+</file>
+
+<file path=ppt/slides/slide19.xml><?xml version="1.0" encoding="utf-8"?>
+<p:sld xmlns:a="http://schemas.openxmlformats.org/drawingml/2006/main" xmlns:r="http://schemas.openxmlformats.org/officeDocument/2006/relationships" xmlns:p="http://schemas.openxmlformats.org/presentationml/2006/main">
+  <p:cSld>
+    <p:spTree>
+      <p:nvGrpSpPr>
+        <p:cNvPr id="1" name=""/>
+        <p:cNvGrpSpPr/>
+        <p:nvPr/>
+      </p:nvGrpSpPr>
+      <p:grpSpPr>
+        <a:xfrm>
+          <a:off x="0" y="0"/>
+          <a:ext cx="0" cy="0"/>
+          <a:chOff x="0" y="0"/>
+          <a:chExt cx="0" cy="0"/>
+        </a:xfrm>
+      </p:grpSpPr>
+      <p:sp>
+        <p:nvSpPr>
+          <p:cNvPr id="48130" name="TextBox 2">
+            <a:extLst>
+              <a:ext uri="{FF2B5EF4-FFF2-40B4-BE49-F238E27FC236}">
+                <a16:creationId xmlns:a16="http://schemas.microsoft.com/office/drawing/2014/main" id="{91EE9967-3CDE-4870-81EF-EF0C8C20BE38}"/>
+              </a:ext>
+            </a:extLst>
+          </p:cNvPr>
+          <p:cNvSpPr txBox="1">
+            <a:spLocks noChangeArrowheads="1"/>
+          </p:cNvSpPr>
+          <p:nvPr/>
+        </p:nvSpPr>
+        <p:spPr bwMode="auto">
+          <a:xfrm>
+            <a:off x="0" y="285751"/>
+            <a:ext cx="12192000" cy="4479944"/>
+          </a:xfrm>
+          <a:prstGeom prst="rect">
+            <a:avLst/>
+          </a:prstGeom>
+          <a:noFill/>
+          <a:ln>
+            <a:noFill/>
+          </a:ln>
+          <a:extLst>
+            <a:ext uri="{909E8E84-426E-40DD-AFC4-6F175D3DCCD1}">
+              <a14:hiddenFill xmlns:a14="http://schemas.microsoft.com/office/drawing/2010/main">
+                <a:solidFill>
+                  <a:srgbClr val="FFFFFF"/>
+                </a:solidFill>
+              </a14:hiddenFill>
+            </a:ext>
+            <a:ext uri="{91240B29-F687-4F45-9708-019B960494DF}">
+              <a14:hiddenLine xmlns:a14="http://schemas.microsoft.com/office/drawing/2010/main" w="9525">
+                <a:solidFill>
+                  <a:srgbClr val="000000"/>
+                </a:solidFill>
+                <a:miter lim="800000"/>
+                <a:headEnd/>
+                <a:tailEnd/>
+              </a14:hiddenLine>
+            </a:ext>
+          </a:extLst>
+        </p:spPr>
+        <p:txBody>
+          <a:bodyPr>
+            <a:spAutoFit/>
+          </a:bodyPr>
+          <a:lstStyle>
+            <a:lvl1pPr>
+              <a:spcBef>
+                <a:spcPct val="20000"/>
+              </a:spcBef>
+              <a:buFont typeface="Arial" panose="020B0604020202020204" pitchFamily="34" charset="0"/>
+              <a:buChar char="•"/>
+              <a:defRPr sz="3200">
+                <a:solidFill>
+                  <a:schemeClr val="tx1"/>
+                </a:solidFill>
+                <a:latin typeface="Calibri" panose="020F0502020204030204" pitchFamily="34" charset="0"/>
+                <a:ea typeface="宋体" panose="02010600030101010101" pitchFamily="2" charset="-122"/>
+              </a:defRPr>
+            </a:lvl1pPr>
+            <a:lvl2pPr marL="742950" indent="-285750">
+              <a:spcBef>
+                <a:spcPct val="20000"/>
+              </a:spcBef>
+              <a:buFont typeface="Arial" panose="020B0604020202020204" pitchFamily="34" charset="0"/>
+              <a:buChar char="–"/>
+              <a:defRPr sz="2800">
+                <a:solidFill>
+                  <a:schemeClr val="tx1"/>
+                </a:solidFill>
+                <a:latin typeface="Calibri" panose="020F0502020204030204" pitchFamily="34" charset="0"/>
+                <a:ea typeface="宋体" panose="02010600030101010101" pitchFamily="2" charset="-122"/>
+              </a:defRPr>
+            </a:lvl2pPr>
+            <a:lvl3pPr marL="1143000" indent="-228600">
+              <a:spcBef>
+                <a:spcPct val="20000"/>
+              </a:spcBef>
+              <a:buFont typeface="Arial" panose="020B0604020202020204" pitchFamily="34" charset="0"/>
+              <a:buChar char="•"/>
+              <a:defRPr sz="2400">
+                <a:solidFill>
+                  <a:schemeClr val="tx1"/>
+                </a:solidFill>
+                <a:latin typeface="Calibri" panose="020F0502020204030204" pitchFamily="34" charset="0"/>
+                <a:ea typeface="宋体" panose="02010600030101010101" pitchFamily="2" charset="-122"/>
+              </a:defRPr>
+            </a:lvl3pPr>
+            <a:lvl4pPr marL="1600200" indent="-228600">
+              <a:spcBef>
+                <a:spcPct val="20000"/>
+              </a:spcBef>
+              <a:buFont typeface="Arial" panose="020B0604020202020204" pitchFamily="34" charset="0"/>
+              <a:buChar char="–"/>
+              <a:defRPr sz="2000">
+                <a:solidFill>
+                  <a:schemeClr val="tx1"/>
+                </a:solidFill>
+                <a:latin typeface="Calibri" panose="020F0502020204030204" pitchFamily="34" charset="0"/>
+                <a:ea typeface="宋体" panose="02010600030101010101" pitchFamily="2" charset="-122"/>
+              </a:defRPr>
+            </a:lvl4pPr>
+            <a:lvl5pPr marL="2057400" indent="-228600">
+              <a:spcBef>
+                <a:spcPct val="20000"/>
+              </a:spcBef>
+              <a:buFont typeface="Arial" panose="020B0604020202020204" pitchFamily="34" charset="0"/>
+              <a:buChar char="»"/>
+              <a:defRPr sz="2000">
+                <a:solidFill>
+                  <a:schemeClr val="tx1"/>
+                </a:solidFill>
+                <a:latin typeface="Calibri" panose="020F0502020204030204" pitchFamily="34" charset="0"/>
+                <a:ea typeface="宋体" panose="02010600030101010101" pitchFamily="2" charset="-122"/>
+              </a:defRPr>
+            </a:lvl5pPr>
+            <a:lvl6pPr marL="2514600" indent="-228600" eaLnBrk="0" fontAlgn="base" hangingPunct="0">
+              <a:spcBef>
+                <a:spcPct val="20000"/>
+              </a:spcBef>
+              <a:spcAft>
+                <a:spcPct val="0"/>
+              </a:spcAft>
+              <a:buFont typeface="Arial" panose="020B0604020202020204" pitchFamily="34" charset="0"/>
+              <a:buChar char="»"/>
+              <a:defRPr sz="2000">
+                <a:solidFill>
+                  <a:schemeClr val="tx1"/>
+                </a:solidFill>
+                <a:latin typeface="Calibri" panose="020F0502020204030204" pitchFamily="34" charset="0"/>
+                <a:ea typeface="宋体" panose="02010600030101010101" pitchFamily="2" charset="-122"/>
+              </a:defRPr>
+            </a:lvl6pPr>
+            <a:lvl7pPr marL="2971800" indent="-228600" eaLnBrk="0" fontAlgn="base" hangingPunct="0">
+              <a:spcBef>
+                <a:spcPct val="20000"/>
+              </a:spcBef>
+              <a:spcAft>
+                <a:spcPct val="0"/>
+              </a:spcAft>
+              <a:buFont typeface="Arial" panose="020B0604020202020204" pitchFamily="34" charset="0"/>
+              <a:buChar char="»"/>
+              <a:defRPr sz="2000">
+                <a:solidFill>
+                  <a:schemeClr val="tx1"/>
+                </a:solidFill>
+                <a:latin typeface="Calibri" panose="020F0502020204030204" pitchFamily="34" charset="0"/>
+                <a:ea typeface="宋体" panose="02010600030101010101" pitchFamily="2" charset="-122"/>
+              </a:defRPr>
+            </a:lvl7pPr>
+            <a:lvl8pPr marL="3429000" indent="-228600" eaLnBrk="0" fontAlgn="base" hangingPunct="0">
+              <a:spcBef>
+                <a:spcPct val="20000"/>
+              </a:spcBef>
+              <a:spcAft>
+                <a:spcPct val="0"/>
+              </a:spcAft>
+              <a:buFont typeface="Arial" panose="020B0604020202020204" pitchFamily="34" charset="0"/>
+              <a:buChar char="»"/>
+              <a:defRPr sz="2000">
+                <a:solidFill>
+                  <a:schemeClr val="tx1"/>
+                </a:solidFill>
+                <a:latin typeface="Calibri" panose="020F0502020204030204" pitchFamily="34" charset="0"/>
+                <a:ea typeface="宋体" panose="02010600030101010101" pitchFamily="2" charset="-122"/>
+              </a:defRPr>
+            </a:lvl8pPr>
+            <a:lvl9pPr marL="3886200" indent="-228600" eaLnBrk="0" fontAlgn="base" hangingPunct="0">
+              <a:spcBef>
+                <a:spcPct val="20000"/>
+              </a:spcBef>
+              <a:spcAft>
+                <a:spcPct val="0"/>
+              </a:spcAft>
+              <a:buFont typeface="Arial" panose="020B0604020202020204" pitchFamily="34" charset="0"/>
+              <a:buChar char="»"/>
+              <a:defRPr sz="2000">
+                <a:solidFill>
+                  <a:schemeClr val="tx1"/>
+                </a:solidFill>
+                <a:latin typeface="Calibri" panose="020F0502020204030204" pitchFamily="34" charset="0"/>
+                <a:ea typeface="宋体" panose="02010600030101010101" pitchFamily="2" charset="-122"/>
+              </a:defRPr>
+            </a:lvl9pPr>
+          </a:lstStyle>
+          <a:p>
+            <a:pPr algn="just" eaLnBrk="1" hangingPunct="1">
+              <a:lnSpc>
+                <a:spcPct val="114000"/>
+              </a:lnSpc>
+              <a:spcBef>
+                <a:spcPct val="0"/>
+              </a:spcBef>
+              <a:buFontTx/>
+              <a:buNone/>
+            </a:pPr>
+            <a:r>
+              <a:rPr lang="zh-CN" altLang="zh-CN" b="1">
+                <a:latin typeface="Times New Roman" panose="02020603050405020304" pitchFamily="18" charset="0"/>
+                <a:ea typeface="黑体" panose="02010609060101010101" pitchFamily="49" charset="-122"/>
+              </a:rPr>
+              <a:t>材料三：</a:t>
+            </a:r>
+            <a:r>
+              <a:rPr lang="zh-CN" altLang="zh-CN" b="1">
+                <a:latin typeface="Times New Roman" panose="02020603050405020304" pitchFamily="18" charset="0"/>
+                <a:ea typeface="楷体" panose="02010609060101010101" pitchFamily="49" charset="-122"/>
+              </a:rPr>
+              <a:t>就一般而言，历史事件随着时光流逝而意义日减。鸦片战争则不然，它是中国历史的转折，提出了中国必须近代化的历史使命。中国的现代化一日未完成，鸦片战争的意义就一分不会减。</a:t>
+            </a:r>
+            <a:br>
+              <a:rPr lang="en-US" altLang="zh-CN" b="1">
+                <a:latin typeface="Times New Roman" panose="02020603050405020304" pitchFamily="18" charset="0"/>
+                <a:ea typeface="楷体" panose="02010609060101010101" pitchFamily="49" charset="-122"/>
+              </a:rPr>
+            </a:br>
+            <a:r>
+              <a:rPr lang="en-US" altLang="zh-CN" b="1">
+                <a:latin typeface="Times New Roman" panose="02020603050405020304" pitchFamily="18" charset="0"/>
+                <a:ea typeface="楷体" panose="02010609060101010101" pitchFamily="49" charset="-122"/>
+              </a:rPr>
+              <a:t>                                                                  ——茅海建《天朝的崩溃》</a:t>
+            </a:r>
+            <a:r>
+              <a:rPr lang="zh-CN" altLang="zh-CN" b="1">
+                <a:latin typeface="Times New Roman" panose="02020603050405020304" pitchFamily="18" charset="0"/>
+                <a:ea typeface="楷体" panose="02010609060101010101" pitchFamily="49" charset="-122"/>
+              </a:rPr>
+              <a:t> </a:t>
+            </a:r>
+            <a:r>
+              <a:rPr lang="en-US" altLang="zh-CN" b="1">
+                <a:latin typeface="宋体" panose="02010600030101010101" pitchFamily="2" charset="-122"/>
+              </a:rPr>
+              <a:t>(3)</a:t>
+            </a:r>
+            <a:r>
+              <a:rPr lang="zh-CN" altLang="zh-CN" b="1">
+                <a:latin typeface="Times New Roman" panose="02020603050405020304" pitchFamily="18" charset="0"/>
+              </a:rPr>
+              <a:t>依据材料三概括作者对于鸦片战争的观点。结合所学知识，谈谈作者这样说的理由。从材料三中可以看出，鸦片战争以后中国人的历史使命是什么？</a:t>
+            </a:r>
+            <a:endParaRPr lang="zh-CN" altLang="zh-CN" b="1">
+              <a:latin typeface="Times New Roman" panose="02020603050405020304" pitchFamily="18" charset="0"/>
+              <a:ea typeface="楷体" panose="02010609060101010101" pitchFamily="49" charset="-122"/>
+            </a:endParaRPr>
+          </a:p>
+          <a:p>
+            <a:pPr algn="just" eaLnBrk="1" hangingPunct="1">
+              <a:lnSpc>
+                <a:spcPct val="110000"/>
+              </a:lnSpc>
+              <a:spcBef>
+                <a:spcPct val="0"/>
+              </a:spcBef>
+              <a:buFontTx/>
+              <a:buNone/>
+            </a:pPr>
+            <a:endParaRPr lang="zh-CN" altLang="en-US" sz="2933" b="1">
+              <a:latin typeface="Arial" panose="020B0604020202020204" pitchFamily="34" charset="0"/>
+            </a:endParaRPr>
+          </a:p>
+        </p:txBody>
+      </p:sp>
+      <p:cxnSp>
+        <p:nvCxnSpPr>
+          <p:cNvPr id="4" name="直接连接符 3">
+            <a:extLst>
+              <a:ext uri="{FF2B5EF4-FFF2-40B4-BE49-F238E27FC236}">
+                <a16:creationId xmlns:a16="http://schemas.microsoft.com/office/drawing/2014/main" id="{8B37ADB3-82E2-4CCE-A5E5-54C5DF51E064}"/>
+              </a:ext>
+            </a:extLst>
+          </p:cNvPr>
+          <p:cNvCxnSpPr/>
+          <p:nvPr/>
+        </p:nvCxnSpPr>
+        <p:spPr>
+          <a:xfrm>
+            <a:off x="7239000" y="1333500"/>
+            <a:ext cx="4191000" cy="2117"/>
+          </a:xfrm>
+          <a:prstGeom prst="line">
+            <a:avLst/>
+          </a:prstGeom>
+        </p:spPr>
+        <p:style>
+          <a:lnRef idx="3">
+            <a:schemeClr val="accent2"/>
+          </a:lnRef>
+          <a:fillRef idx="0">
+            <a:schemeClr val="accent2"/>
+          </a:fillRef>
+          <a:effectRef idx="2">
+            <a:schemeClr val="accent2"/>
+          </a:effectRef>
+          <a:fontRef idx="minor">
+            <a:schemeClr val="tx1"/>
+          </a:fontRef>
+        </p:style>
+      </p:cxnSp>
+      <p:cxnSp>
+        <p:nvCxnSpPr>
+          <p:cNvPr id="5" name="直接连接符 4">
+            <a:extLst>
+              <a:ext uri="{FF2B5EF4-FFF2-40B4-BE49-F238E27FC236}">
+                <a16:creationId xmlns:a16="http://schemas.microsoft.com/office/drawing/2014/main" id="{C1119BFB-0A7B-4B92-9985-127213E8B05A}"/>
+              </a:ext>
+            </a:extLst>
+          </p:cNvPr>
+          <p:cNvCxnSpPr/>
+          <p:nvPr/>
+        </p:nvCxnSpPr>
+        <p:spPr>
+          <a:xfrm>
+            <a:off x="1871133" y="1316567"/>
+            <a:ext cx="4191000" cy="2117"/>
+          </a:xfrm>
+          <a:prstGeom prst="line">
+            <a:avLst/>
+          </a:prstGeom>
+        </p:spPr>
+        <p:style>
+          <a:lnRef idx="3">
+            <a:schemeClr val="accent2"/>
+          </a:lnRef>
+          <a:fillRef idx="0">
+            <a:schemeClr val="accent2"/>
+          </a:fillRef>
+          <a:effectRef idx="2">
+            <a:schemeClr val="accent2"/>
+          </a:effectRef>
+          <a:fontRef idx="minor">
+            <a:schemeClr val="tx1"/>
+          </a:fontRef>
+        </p:style>
+      </p:cxnSp>
+      <p:sp>
+        <p:nvSpPr>
+          <p:cNvPr id="6" name="TextBox 5">
+            <a:extLst>
+              <a:ext uri="{FF2B5EF4-FFF2-40B4-BE49-F238E27FC236}">
+                <a16:creationId xmlns:a16="http://schemas.microsoft.com/office/drawing/2014/main" id="{0C5372D7-74A7-4FC5-9CAF-D10ACBE1D91E}"/>
+              </a:ext>
+            </a:extLst>
+          </p:cNvPr>
+          <p:cNvSpPr txBox="1">
+            <a:spLocks noChangeArrowheads="1"/>
+          </p:cNvSpPr>
+          <p:nvPr/>
+        </p:nvSpPr>
+        <p:spPr bwMode="auto">
+          <a:xfrm>
+            <a:off x="814918" y="4292601"/>
+            <a:ext cx="2857500" cy="2405787"/>
+          </a:xfrm>
+          <a:prstGeom prst="rect">
+            <a:avLst/>
+          </a:prstGeom>
+          <a:noFill/>
+          <a:ln>
+            <a:noFill/>
+          </a:ln>
+          <a:extLst>
+            <a:ext uri="{909E8E84-426E-40DD-AFC4-6F175D3DCCD1}">
+              <a14:hiddenFill xmlns:a14="http://schemas.microsoft.com/office/drawing/2010/main">
+                <a:solidFill>
+                  <a:srgbClr val="FFFFFF"/>
+                </a:solidFill>
+              </a14:hiddenFill>
+            </a:ext>
+            <a:ext uri="{91240B29-F687-4F45-9708-019B960494DF}">
+              <a14:hiddenLine xmlns:a14="http://schemas.microsoft.com/office/drawing/2010/main" w="9525">
+                <a:solidFill>
+                  <a:srgbClr val="000000"/>
+                </a:solidFill>
+                <a:miter lim="800000"/>
+                <a:headEnd/>
+                <a:tailEnd/>
+              </a14:hiddenLine>
+            </a:ext>
+          </a:extLst>
+        </p:spPr>
+        <p:txBody>
+          <a:bodyPr>
+            <a:spAutoFit/>
+          </a:bodyPr>
+          <a:lstStyle>
+            <a:lvl1pPr>
+              <a:spcBef>
+                <a:spcPct val="20000"/>
+              </a:spcBef>
+              <a:buFont typeface="Arial" panose="020B0604020202020204" pitchFamily="34" charset="0"/>
+              <a:buChar char="•"/>
+              <a:defRPr sz="3200">
+                <a:solidFill>
+                  <a:schemeClr val="tx1"/>
+                </a:solidFill>
+                <a:latin typeface="Calibri" panose="020F0502020204030204" pitchFamily="34" charset="0"/>
+                <a:ea typeface="宋体" panose="02010600030101010101" pitchFamily="2" charset="-122"/>
+              </a:defRPr>
+            </a:lvl1pPr>
+            <a:lvl2pPr marL="742950" indent="-285750">
+              <a:spcBef>
+                <a:spcPct val="20000"/>
+              </a:spcBef>
+              <a:buFont typeface="Arial" panose="020B0604020202020204" pitchFamily="34" charset="0"/>
+              <a:buChar char="–"/>
+              <a:defRPr sz="2800">
+                <a:solidFill>
+                  <a:schemeClr val="tx1"/>
+                </a:solidFill>
+                <a:latin typeface="Calibri" panose="020F0502020204030204" pitchFamily="34" charset="0"/>
+                <a:ea typeface="宋体" panose="02010600030101010101" pitchFamily="2" charset="-122"/>
+              </a:defRPr>
+            </a:lvl2pPr>
+            <a:lvl3pPr marL="1143000" indent="-228600">
+              <a:spcBef>
+                <a:spcPct val="20000"/>
+              </a:spcBef>
+              <a:buFont typeface="Arial" panose="020B0604020202020204" pitchFamily="34" charset="0"/>
+              <a:buChar char="•"/>
+              <a:defRPr sz="2400">
+                <a:solidFill>
+                  <a:schemeClr val="tx1"/>
+                </a:solidFill>
+                <a:latin typeface="Calibri" panose="020F0502020204030204" pitchFamily="34" charset="0"/>
+                <a:ea typeface="宋体" panose="02010600030101010101" pitchFamily="2" charset="-122"/>
+              </a:defRPr>
+            </a:lvl3pPr>
+            <a:lvl4pPr marL="1600200" indent="-228600">
+              <a:spcBef>
+                <a:spcPct val="20000"/>
+              </a:spcBef>
+              <a:buFont typeface="Arial" panose="020B0604020202020204" pitchFamily="34" charset="0"/>
+              <a:buChar char="–"/>
+              <a:defRPr sz="2000">
+                <a:solidFill>
+                  <a:schemeClr val="tx1"/>
+                </a:solidFill>
+                <a:latin typeface="Calibri" panose="020F0502020204030204" pitchFamily="34" charset="0"/>
+                <a:ea typeface="宋体" panose="02010600030101010101" pitchFamily="2" charset="-122"/>
+              </a:defRPr>
+            </a:lvl4pPr>
+            <a:lvl5pPr marL="2057400" indent="-228600">
+              <a:spcBef>
+                <a:spcPct val="20000"/>
+              </a:spcBef>
+              <a:buFont typeface="Arial" panose="020B0604020202020204" pitchFamily="34" charset="0"/>
+              <a:buChar char="»"/>
+              <a:defRPr sz="2000">
+                <a:solidFill>
+                  <a:schemeClr val="tx1"/>
+                </a:solidFill>
+                <a:latin typeface="Calibri" panose="020F0502020204030204" pitchFamily="34" charset="0"/>
+                <a:ea typeface="宋体" panose="02010600030101010101" pitchFamily="2" charset="-122"/>
+              </a:defRPr>
+            </a:lvl5pPr>
+            <a:lvl6pPr marL="2514600" indent="-228600" eaLnBrk="0" fontAlgn="base" hangingPunct="0">
+              <a:spcBef>
+                <a:spcPct val="20000"/>
+              </a:spcBef>
+              <a:spcAft>
+                <a:spcPct val="0"/>
+              </a:spcAft>
+              <a:buFont typeface="Arial" panose="020B0604020202020204" pitchFamily="34" charset="0"/>
+              <a:buChar char="»"/>
+              <a:defRPr sz="2000">
+                <a:solidFill>
+                  <a:schemeClr val="tx1"/>
+                </a:solidFill>
+                <a:latin typeface="Calibri" panose="020F0502020204030204" pitchFamily="34" charset="0"/>
+                <a:ea typeface="宋体" panose="02010600030101010101" pitchFamily="2" charset="-122"/>
+              </a:defRPr>
+            </a:lvl6pPr>
+            <a:lvl7pPr marL="2971800" indent="-228600" eaLnBrk="0" fontAlgn="base" hangingPunct="0">
+              <a:spcBef>
+                <a:spcPct val="20000"/>
+              </a:spcBef>
+              <a:spcAft>
+                <a:spcPct val="0"/>
+              </a:spcAft>
+              <a:buFont typeface="Arial" panose="020B0604020202020204" pitchFamily="34" charset="0"/>
+              <a:buChar char="»"/>
+              <a:defRPr sz="2000">
+                <a:solidFill>
+                  <a:schemeClr val="tx1"/>
+                </a:solidFill>
+                <a:latin typeface="Calibri" panose="020F0502020204030204" pitchFamily="34" charset="0"/>
+                <a:ea typeface="宋体" panose="02010600030101010101" pitchFamily="2" charset="-122"/>
+              </a:defRPr>
+            </a:lvl7pPr>
+            <a:lvl8pPr marL="3429000" indent="-228600" eaLnBrk="0" fontAlgn="base" hangingPunct="0">
+              <a:spcBef>
+                <a:spcPct val="20000"/>
+              </a:spcBef>
+              <a:spcAft>
+                <a:spcPct val="0"/>
+              </a:spcAft>
+              <a:buFont typeface="Arial" panose="020B0604020202020204" pitchFamily="34" charset="0"/>
+              <a:buChar char="»"/>
+              <a:defRPr sz="2000">
+                <a:solidFill>
+                  <a:schemeClr val="tx1"/>
+                </a:solidFill>
+                <a:latin typeface="Calibri" panose="020F0502020204030204" pitchFamily="34" charset="0"/>
+                <a:ea typeface="宋体" panose="02010600030101010101" pitchFamily="2" charset="-122"/>
+              </a:defRPr>
+            </a:lvl8pPr>
+            <a:lvl9pPr marL="3886200" indent="-228600" eaLnBrk="0" fontAlgn="base" hangingPunct="0">
+              <a:spcBef>
+                <a:spcPct val="20000"/>
+              </a:spcBef>
+              <a:spcAft>
+                <a:spcPct val="0"/>
+              </a:spcAft>
+              <a:buFont typeface="Arial" panose="020B0604020202020204" pitchFamily="34" charset="0"/>
+              <a:buChar char="»"/>
+              <a:defRPr sz="2000">
+                <a:solidFill>
+                  <a:schemeClr val="tx1"/>
+                </a:solidFill>
+                <a:latin typeface="Calibri" panose="020F0502020204030204" pitchFamily="34" charset="0"/>
+                <a:ea typeface="宋体" panose="02010600030101010101" pitchFamily="2" charset="-122"/>
+              </a:defRPr>
+            </a:lvl9pPr>
+          </a:lstStyle>
+          <a:p>
+            <a:pPr eaLnBrk="1" hangingPunct="1">
+              <a:lnSpc>
+                <a:spcPct val="120000"/>
+              </a:lnSpc>
+              <a:spcBef>
+                <a:spcPct val="0"/>
+              </a:spcBef>
+              <a:buFontTx/>
+              <a:buNone/>
+            </a:pPr>
+            <a:r>
+              <a:rPr lang="zh-CN" altLang="en-US" b="1">
+                <a:solidFill>
+                  <a:srgbClr val="C00000"/>
+                </a:solidFill>
+                <a:latin typeface="华文中宋" panose="02010600040101010101" pitchFamily="2" charset="-122"/>
+                <a:ea typeface="华文中宋" panose="02010600040101010101" pitchFamily="2" charset="-122"/>
+              </a:rPr>
+              <a:t>观点：</a:t>
+            </a:r>
+            <a:endParaRPr lang="en-US" altLang="zh-CN" b="1">
+              <a:solidFill>
+                <a:srgbClr val="C00000"/>
+              </a:solidFill>
+              <a:latin typeface="华文中宋" panose="02010600040101010101" pitchFamily="2" charset="-122"/>
+              <a:ea typeface="华文中宋" panose="02010600040101010101" pitchFamily="2" charset="-122"/>
+            </a:endParaRPr>
+          </a:p>
+          <a:p>
+            <a:pPr eaLnBrk="1" hangingPunct="1">
+              <a:lnSpc>
+                <a:spcPct val="120000"/>
+              </a:lnSpc>
+              <a:spcBef>
+                <a:spcPct val="0"/>
+              </a:spcBef>
+              <a:buFontTx/>
+              <a:buNone/>
+            </a:pPr>
+            <a:r>
+              <a:rPr lang="zh-CN" altLang="en-US" b="1">
+                <a:solidFill>
+                  <a:srgbClr val="C00000"/>
+                </a:solidFill>
+                <a:latin typeface="华文中宋" panose="02010600040101010101" pitchFamily="2" charset="-122"/>
+                <a:ea typeface="华文中宋" panose="02010600040101010101" pitchFamily="2" charset="-122"/>
+              </a:rPr>
+              <a:t>理由：</a:t>
+            </a:r>
+            <a:endParaRPr lang="en-US" altLang="zh-CN" b="1">
+              <a:solidFill>
+                <a:srgbClr val="C00000"/>
+              </a:solidFill>
+              <a:latin typeface="华文中宋" panose="02010600040101010101" pitchFamily="2" charset="-122"/>
+              <a:ea typeface="华文中宋" panose="02010600040101010101" pitchFamily="2" charset="-122"/>
+            </a:endParaRPr>
+          </a:p>
+          <a:p>
+            <a:pPr eaLnBrk="1" hangingPunct="1">
+              <a:lnSpc>
+                <a:spcPct val="120000"/>
+              </a:lnSpc>
+              <a:spcBef>
+                <a:spcPct val="0"/>
+              </a:spcBef>
+              <a:buFontTx/>
+              <a:buNone/>
+            </a:pPr>
+            <a:endParaRPr lang="en-US" altLang="zh-CN" b="1">
+              <a:solidFill>
+                <a:srgbClr val="C00000"/>
+              </a:solidFill>
+              <a:latin typeface="华文中宋" panose="02010600040101010101" pitchFamily="2" charset="-122"/>
+              <a:ea typeface="华文中宋" panose="02010600040101010101" pitchFamily="2" charset="-122"/>
+            </a:endParaRPr>
+          </a:p>
+          <a:p>
+            <a:pPr eaLnBrk="1" hangingPunct="1">
+              <a:lnSpc>
+                <a:spcPct val="120000"/>
+              </a:lnSpc>
+              <a:spcBef>
+                <a:spcPct val="0"/>
+              </a:spcBef>
+              <a:buFontTx/>
+              <a:buNone/>
+            </a:pPr>
+            <a:r>
+              <a:rPr lang="zh-CN" altLang="en-US" b="1">
+                <a:solidFill>
+                  <a:srgbClr val="C00000"/>
+                </a:solidFill>
+                <a:latin typeface="华文中宋" panose="02010600040101010101" pitchFamily="2" charset="-122"/>
+                <a:ea typeface="华文中宋" panose="02010600040101010101" pitchFamily="2" charset="-122"/>
+              </a:rPr>
+              <a:t>使命：</a:t>
+            </a:r>
+          </a:p>
+        </p:txBody>
+      </p:sp>
+      <p:sp>
+        <p:nvSpPr>
+          <p:cNvPr id="7" name="TextBox 6">
+            <a:extLst>
+              <a:ext uri="{FF2B5EF4-FFF2-40B4-BE49-F238E27FC236}">
+                <a16:creationId xmlns:a16="http://schemas.microsoft.com/office/drawing/2014/main" id="{B8F59946-484E-4E70-8597-D4A44CE7DDC9}"/>
+              </a:ext>
+            </a:extLst>
+          </p:cNvPr>
+          <p:cNvSpPr txBox="1"/>
+          <p:nvPr/>
+        </p:nvSpPr>
+        <p:spPr>
+          <a:xfrm>
+            <a:off x="2063751" y="4349751"/>
+            <a:ext cx="8257116" cy="584775"/>
+          </a:xfrm>
+          <a:prstGeom prst="rect">
+            <a:avLst/>
+          </a:prstGeom>
+          <a:noFill/>
+        </p:spPr>
+        <p:txBody>
+          <a:bodyPr>
+            <a:spAutoFit/>
+          </a:bodyPr>
+          <a:lstStyle/>
+          <a:p>
+            <a:pPr eaLnBrk="1" hangingPunct="1">
+              <a:defRPr/>
+            </a:pPr>
+            <a:r>
+              <a:rPr lang="zh-CN" altLang="en-US" sz="3200" b="1" dirty="0">
+                <a:solidFill>
+                  <a:srgbClr val="0000CC"/>
+                </a:solidFill>
+                <a:latin typeface="+mn-ea"/>
+              </a:rPr>
+              <a:t>鸦片战争是中国历史的转折。</a:t>
+            </a:r>
+          </a:p>
+        </p:txBody>
+      </p:sp>
+      <p:sp>
+        <p:nvSpPr>
+          <p:cNvPr id="8" name="TextBox 7">
+            <a:extLst>
+              <a:ext uri="{FF2B5EF4-FFF2-40B4-BE49-F238E27FC236}">
+                <a16:creationId xmlns:a16="http://schemas.microsoft.com/office/drawing/2014/main" id="{C3E98A6B-48BB-4F7D-853E-779AE510D503}"/>
+              </a:ext>
+            </a:extLst>
+          </p:cNvPr>
+          <p:cNvSpPr txBox="1"/>
+          <p:nvPr/>
+        </p:nvSpPr>
+        <p:spPr>
+          <a:xfrm>
+            <a:off x="2063751" y="4914900"/>
+            <a:ext cx="9857316" cy="1077218"/>
+          </a:xfrm>
+          <a:prstGeom prst="rect">
+            <a:avLst/>
+          </a:prstGeom>
+          <a:noFill/>
+        </p:spPr>
+        <p:txBody>
+          <a:bodyPr>
+            <a:spAutoFit/>
+          </a:bodyPr>
+          <a:lstStyle/>
+          <a:p>
+            <a:pPr eaLnBrk="1" hangingPunct="1">
+              <a:defRPr/>
+            </a:pPr>
+            <a:r>
+              <a:rPr lang="zh-CN" altLang="en-US" sz="3200" b="1" dirty="0">
+                <a:solidFill>
+                  <a:srgbClr val="0000CC"/>
+                </a:solidFill>
+                <a:latin typeface="+mn-ea"/>
+              </a:rPr>
+              <a:t>鸦片战争后，中国开始沦为半殖民地半封建社会，鸦片战争是中国近代史的开端。</a:t>
+            </a:r>
+          </a:p>
+        </p:txBody>
+      </p:sp>
+      <p:sp>
+        <p:nvSpPr>
+          <p:cNvPr id="10" name="TextBox 9">
+            <a:extLst>
+              <a:ext uri="{FF2B5EF4-FFF2-40B4-BE49-F238E27FC236}">
+                <a16:creationId xmlns:a16="http://schemas.microsoft.com/office/drawing/2014/main" id="{234DD926-8265-4167-86B4-3B47DBE26544}"/>
+              </a:ext>
+            </a:extLst>
+          </p:cNvPr>
+          <p:cNvSpPr txBox="1"/>
+          <p:nvPr/>
+        </p:nvSpPr>
+        <p:spPr>
+          <a:xfrm>
+            <a:off x="2159000" y="6021918"/>
+            <a:ext cx="2305051" cy="584775"/>
+          </a:xfrm>
+          <a:prstGeom prst="rect">
+            <a:avLst/>
+          </a:prstGeom>
+          <a:noFill/>
+        </p:spPr>
+        <p:txBody>
+          <a:bodyPr>
+            <a:spAutoFit/>
+          </a:bodyPr>
+          <a:lstStyle/>
+          <a:p>
+            <a:pPr eaLnBrk="1" hangingPunct="1">
+              <a:defRPr/>
+            </a:pPr>
+            <a:r>
+              <a:rPr lang="zh-CN" altLang="en-US" sz="3200" b="1" dirty="0">
+                <a:solidFill>
+                  <a:srgbClr val="0000CC"/>
+                </a:solidFill>
+                <a:latin typeface="+mn-ea"/>
+              </a:rPr>
+              <a:t>近代化</a:t>
+            </a:r>
+          </a:p>
+        </p:txBody>
+      </p:sp>
+      <p:cxnSp>
+        <p:nvCxnSpPr>
+          <p:cNvPr id="9" name="直接连接符 8">
+            <a:extLst>
+              <a:ext uri="{FF2B5EF4-FFF2-40B4-BE49-F238E27FC236}">
+                <a16:creationId xmlns:a16="http://schemas.microsoft.com/office/drawing/2014/main" id="{CE6B87EF-87A8-4B04-A07D-66EE590787C8}"/>
+              </a:ext>
+            </a:extLst>
+          </p:cNvPr>
+          <p:cNvCxnSpPr/>
+          <p:nvPr/>
+        </p:nvCxnSpPr>
+        <p:spPr>
+          <a:xfrm>
+            <a:off x="719667" y="3045884"/>
+            <a:ext cx="1727200" cy="0"/>
+          </a:xfrm>
+          <a:prstGeom prst="line">
+            <a:avLst/>
+          </a:prstGeom>
+        </p:spPr>
+        <p:style>
+          <a:lnRef idx="3">
+            <a:schemeClr val="accent1"/>
+          </a:lnRef>
+          <a:fillRef idx="0">
+            <a:schemeClr val="accent1"/>
+          </a:fillRef>
+          <a:effectRef idx="2">
+            <a:schemeClr val="accent1"/>
+          </a:effectRef>
+          <a:fontRef idx="minor">
+            <a:schemeClr val="tx1"/>
+          </a:fontRef>
+        </p:style>
+      </p:cxnSp>
+      <p:cxnSp>
+        <p:nvCxnSpPr>
+          <p:cNvPr id="11" name="直接连接符 10">
+            <a:extLst>
+              <a:ext uri="{FF2B5EF4-FFF2-40B4-BE49-F238E27FC236}">
+                <a16:creationId xmlns:a16="http://schemas.microsoft.com/office/drawing/2014/main" id="{E30E0029-A83D-43FF-944F-196B0AD87C29}"/>
+              </a:ext>
+            </a:extLst>
+          </p:cNvPr>
+          <p:cNvCxnSpPr/>
+          <p:nvPr/>
+        </p:nvCxnSpPr>
+        <p:spPr>
+          <a:xfrm>
+            <a:off x="2734733" y="3045884"/>
+            <a:ext cx="1534584" cy="0"/>
+          </a:xfrm>
+          <a:prstGeom prst="line">
+            <a:avLst/>
+          </a:prstGeom>
+        </p:spPr>
+        <p:style>
+          <a:lnRef idx="3">
+            <a:schemeClr val="accent1"/>
+          </a:lnRef>
+          <a:fillRef idx="0">
+            <a:schemeClr val="accent1"/>
+          </a:fillRef>
+          <a:effectRef idx="2">
+            <a:schemeClr val="accent1"/>
+          </a:effectRef>
+          <a:fontRef idx="minor">
+            <a:schemeClr val="tx1"/>
+          </a:fontRef>
+        </p:style>
+      </p:cxnSp>
+      <p:cxnSp>
+        <p:nvCxnSpPr>
+          <p:cNvPr id="12" name="直接连接符 11">
+            <a:extLst>
+              <a:ext uri="{FF2B5EF4-FFF2-40B4-BE49-F238E27FC236}">
+                <a16:creationId xmlns:a16="http://schemas.microsoft.com/office/drawing/2014/main" id="{D710501E-7C25-4CF2-99EF-1CA85456193B}"/>
+              </a:ext>
+            </a:extLst>
+          </p:cNvPr>
+          <p:cNvCxnSpPr/>
+          <p:nvPr/>
+        </p:nvCxnSpPr>
+        <p:spPr>
+          <a:xfrm>
+            <a:off x="4271434" y="3621617"/>
+            <a:ext cx="3841751" cy="0"/>
+          </a:xfrm>
+          <a:prstGeom prst="line">
+            <a:avLst/>
+          </a:prstGeom>
+        </p:spPr>
+        <p:style>
+          <a:lnRef idx="3">
+            <a:schemeClr val="accent1"/>
+          </a:lnRef>
+          <a:fillRef idx="0">
+            <a:schemeClr val="accent1"/>
+          </a:fillRef>
+          <a:effectRef idx="2">
+            <a:schemeClr val="accent1"/>
+          </a:effectRef>
+          <a:fontRef idx="minor">
+            <a:schemeClr val="tx1"/>
+          </a:fontRef>
+        </p:style>
+      </p:cxnSp>
+      <p:cxnSp>
+        <p:nvCxnSpPr>
+          <p:cNvPr id="16" name="直接连接符 15">
+            <a:extLst>
+              <a:ext uri="{FF2B5EF4-FFF2-40B4-BE49-F238E27FC236}">
+                <a16:creationId xmlns:a16="http://schemas.microsoft.com/office/drawing/2014/main" id="{9355A9AF-486E-4A99-B3B3-640AFB03ADA8}"/>
+              </a:ext>
+            </a:extLst>
+          </p:cNvPr>
+          <p:cNvCxnSpPr/>
+          <p:nvPr/>
+        </p:nvCxnSpPr>
+        <p:spPr>
+          <a:xfrm>
+            <a:off x="8208434" y="3045884"/>
+            <a:ext cx="3839633" cy="0"/>
+          </a:xfrm>
+          <a:prstGeom prst="line">
+            <a:avLst/>
+          </a:prstGeom>
+        </p:spPr>
+        <p:style>
+          <a:lnRef idx="3">
+            <a:schemeClr val="accent1"/>
+          </a:lnRef>
+          <a:fillRef idx="0">
+            <a:schemeClr val="accent1"/>
+          </a:fillRef>
+          <a:effectRef idx="2">
+            <a:schemeClr val="accent1"/>
+          </a:effectRef>
+          <a:fontRef idx="minor">
+            <a:schemeClr val="tx1"/>
+          </a:fontRef>
+        </p:style>
+      </p:cxnSp>
+    </p:spTree>
+  </p:cSld>
+  <p:clrMapOvr>
+    <a:masterClrMapping/>
+  </p:clrMapOvr>
+  <p:timing>
+    <p:tnLst>
+      <p:par>
+        <p:cTn id="1" dur="indefinite" restart="never" nodeType="tmRoot">
+          <p:childTnLst>
+            <p:seq concurrent="1" nextAc="seek">
+              <p:cTn id="2" dur="indefinite" nodeType="mainSeq">
+                <p:childTnLst>
+                  <p:par>
+                    <p:cTn id="3" fill="hold" nodeType="clickPar">
+                      <p:stCondLst>
+                        <p:cond delay="indefinite"/>
+                      </p:stCondLst>
+                      <p:childTnLst>
+                        <p:par>
+                          <p:cTn id="4" fill="hold" nodeType="withGroup">
+                            <p:stCondLst>
+                              <p:cond delay="0"/>
+                            </p:stCondLst>
+                            <p:childTnLst>
+                              <p:par>
+                                <p:cTn id="5" presetID="3" presetClass="entr" presetSubtype="10" fill="hold" grpId="0" nodeType="clickEffect">
+                                  <p:stCondLst>
+                                    <p:cond delay="0"/>
+                                  </p:stCondLst>
+                                  <p:childTnLst>
+                                    <p:set>
+                                      <p:cBhvr>
+                                        <p:cTn id="6" dur="1" fill="hold">
+                                          <p:stCondLst>
+                                            <p:cond delay="0"/>
+                                          </p:stCondLst>
+                                        </p:cTn>
+                                        <p:tgtEl>
+                                          <p:spTgt spid="6"/>
+                                        </p:tgtEl>
+                                        <p:attrNameLst>
+                                          <p:attrName>style.visibility</p:attrName>
+                                        </p:attrNameLst>
+                                      </p:cBhvr>
+                                      <p:to>
+                                        <p:strVal val="visible"/>
+                                      </p:to>
+                                    </p:set>
+                                    <p:animEffect transition="in" filter="blinds(horizontal)">
+                                      <p:cBhvr>
+                                        <p:cTn id="7" dur="500"/>
+                                        <p:tgtEl>
+                                          <p:spTgt spid="6"/>
+                                        </p:tgtEl>
+                                      </p:cBhvr>
+                                    </p:animEffect>
+                                  </p:childTnLst>
+                                </p:cTn>
+                              </p:par>
+                            </p:childTnLst>
+                          </p:cTn>
+                        </p:par>
+                      </p:childTnLst>
+                    </p:cTn>
+                  </p:par>
+                  <p:par>
+                    <p:cTn id="8" fill="hold" nodeType="clickPar">
+                      <p:stCondLst>
+                        <p:cond delay="indefinite"/>
+                      </p:stCondLst>
+                      <p:childTnLst>
+                        <p:par>
+                          <p:cTn id="9" fill="hold" nodeType="withGroup">
+                            <p:stCondLst>
+                              <p:cond delay="0"/>
+                            </p:stCondLst>
+                            <p:childTnLst>
+                              <p:par>
+                                <p:cTn id="10" presetID="22" presetClass="entr" presetSubtype="8" fill="hold" nodeType="clickEffect">
+                                  <p:stCondLst>
+                                    <p:cond delay="0"/>
+                                  </p:stCondLst>
+                                  <p:childTnLst>
+                                    <p:set>
+                                      <p:cBhvr>
+                                        <p:cTn id="11" dur="1" fill="hold">
+                                          <p:stCondLst>
+                                            <p:cond delay="0"/>
+                                          </p:stCondLst>
+                                        </p:cTn>
+                                        <p:tgtEl>
+                                          <p:spTgt spid="9"/>
+                                        </p:tgtEl>
+                                        <p:attrNameLst>
+                                          <p:attrName>style.visibility</p:attrName>
+                                        </p:attrNameLst>
+                                      </p:cBhvr>
+                                      <p:to>
+                                        <p:strVal val="visible"/>
+                                      </p:to>
+                                    </p:set>
+                                    <p:animEffect transition="in" filter="wipe(left)">
+                                      <p:cBhvr>
+                                        <p:cTn id="12" dur="500"/>
+                                        <p:tgtEl>
+                                          <p:spTgt spid="9"/>
+                                        </p:tgtEl>
+                                      </p:cBhvr>
+                                    </p:animEffect>
+                                  </p:childTnLst>
+                                </p:cTn>
+                              </p:par>
+                            </p:childTnLst>
+                          </p:cTn>
+                        </p:par>
+                      </p:childTnLst>
+                    </p:cTn>
+                  </p:par>
+                  <p:par>
+                    <p:cTn id="13" fill="hold" nodeType="clickPar">
+                      <p:stCondLst>
+                        <p:cond delay="indefinite"/>
+                      </p:stCondLst>
+                      <p:childTnLst>
+                        <p:par>
+                          <p:cTn id="14" fill="hold" nodeType="withGroup">
+                            <p:stCondLst>
+                              <p:cond delay="0"/>
+                            </p:stCondLst>
+                            <p:childTnLst>
+                              <p:par>
+                                <p:cTn id="15" presetID="22" presetClass="entr" presetSubtype="8" fill="hold" nodeType="clickEffect">
+                                  <p:stCondLst>
+                                    <p:cond delay="0"/>
+                                  </p:stCondLst>
+                                  <p:childTnLst>
+                                    <p:set>
+                                      <p:cBhvr>
+                                        <p:cTn id="16" dur="1" fill="hold">
+                                          <p:stCondLst>
+                                            <p:cond delay="0"/>
+                                          </p:stCondLst>
+                                        </p:cTn>
+                                        <p:tgtEl>
+                                          <p:spTgt spid="11"/>
+                                        </p:tgtEl>
+                                        <p:attrNameLst>
+                                          <p:attrName>style.visibility</p:attrName>
+                                        </p:attrNameLst>
+                                      </p:cBhvr>
+                                      <p:to>
+                                        <p:strVal val="visible"/>
+                                      </p:to>
+                                    </p:set>
+                                    <p:animEffect transition="in" filter="wipe(left)">
+                                      <p:cBhvr>
+                                        <p:cTn id="17" dur="500"/>
+                                        <p:tgtEl>
+                                          <p:spTgt spid="11"/>
+                                        </p:tgtEl>
+                                      </p:cBhvr>
+                                    </p:animEffect>
+                                  </p:childTnLst>
+                                </p:cTn>
+                              </p:par>
+                            </p:childTnLst>
+                          </p:cTn>
+                        </p:par>
+                      </p:childTnLst>
+                    </p:cTn>
+                  </p:par>
+                  <p:par>
+                    <p:cTn id="18" fill="hold" nodeType="clickPar">
+                      <p:stCondLst>
+                        <p:cond delay="indefinite"/>
+                      </p:stCondLst>
+                      <p:childTnLst>
+                        <p:par>
+                          <p:cTn id="19" fill="hold" nodeType="withGroup">
+                            <p:stCondLst>
+                              <p:cond delay="0"/>
+                            </p:stCondLst>
+                            <p:childTnLst>
+                              <p:par>
+                                <p:cTn id="20" presetID="22" presetClass="entr" presetSubtype="8" fill="hold" nodeType="clickEffect">
+                                  <p:stCondLst>
+                                    <p:cond delay="0"/>
+                                  </p:stCondLst>
+                                  <p:childTnLst>
+                                    <p:set>
+                                      <p:cBhvr>
+                                        <p:cTn id="21" dur="1" fill="hold">
+                                          <p:stCondLst>
+                                            <p:cond delay="0"/>
+                                          </p:stCondLst>
+                                        </p:cTn>
+                                        <p:tgtEl>
+                                          <p:spTgt spid="5"/>
+                                        </p:tgtEl>
+                                        <p:attrNameLst>
+                                          <p:attrName>style.visibility</p:attrName>
+                                        </p:attrNameLst>
+                                      </p:cBhvr>
+                                      <p:to>
+                                        <p:strVal val="visible"/>
+                                      </p:to>
+                                    </p:set>
+                                    <p:animEffect transition="in" filter="wipe(left)">
+                                      <p:cBhvr>
+                                        <p:cTn id="22" dur="500"/>
+                                        <p:tgtEl>
+                                          <p:spTgt spid="5"/>
+                                        </p:tgtEl>
+                                      </p:cBhvr>
+                                    </p:animEffect>
+                                  </p:childTnLst>
+                                </p:cTn>
+                              </p:par>
+                            </p:childTnLst>
+                          </p:cTn>
+                        </p:par>
+                      </p:childTnLst>
+                    </p:cTn>
+                  </p:par>
+                  <p:par>
+                    <p:cTn id="23" fill="hold" nodeType="clickPar">
+                      <p:stCondLst>
+                        <p:cond delay="indefinite"/>
+                      </p:stCondLst>
+                      <p:childTnLst>
+                        <p:par>
+                          <p:cTn id="24" fill="hold" nodeType="withGroup">
+                            <p:stCondLst>
+                              <p:cond delay="0"/>
+                            </p:stCondLst>
+                            <p:childTnLst>
+                              <p:par>
+                                <p:cTn id="25" presetID="3" presetClass="entr" presetSubtype="10" fill="hold" grpId="0" nodeType="clickEffect">
+                                  <p:stCondLst>
+                                    <p:cond delay="0"/>
+                                  </p:stCondLst>
+                                  <p:childTnLst>
+                                    <p:set>
+                                      <p:cBhvr>
+                                        <p:cTn id="26" dur="1" fill="hold">
+                                          <p:stCondLst>
+                                            <p:cond delay="0"/>
+                                          </p:stCondLst>
+                                        </p:cTn>
+                                        <p:tgtEl>
+                                          <p:spTgt spid="7"/>
+                                        </p:tgtEl>
+                                        <p:attrNameLst>
+                                          <p:attrName>style.visibility</p:attrName>
+                                        </p:attrNameLst>
+                                      </p:cBhvr>
+                                      <p:to>
+                                        <p:strVal val="visible"/>
+                                      </p:to>
+                                    </p:set>
+                                    <p:animEffect transition="in" filter="blinds(horizontal)">
+                                      <p:cBhvr>
+                                        <p:cTn id="27" dur="500"/>
+                                        <p:tgtEl>
+                                          <p:spTgt spid="7"/>
+                                        </p:tgtEl>
+                                      </p:cBhvr>
+                                    </p:animEffect>
+                                  </p:childTnLst>
+                                </p:cTn>
+                              </p:par>
+                            </p:childTnLst>
+                          </p:cTn>
+                        </p:par>
+                      </p:childTnLst>
+                    </p:cTn>
+                  </p:par>
+                  <p:par>
+                    <p:cTn id="28" fill="hold" nodeType="clickPar">
+                      <p:stCondLst>
+                        <p:cond delay="indefinite"/>
+                      </p:stCondLst>
+                      <p:childTnLst>
+                        <p:par>
+                          <p:cTn id="29" fill="hold" nodeType="withGroup">
+                            <p:stCondLst>
+                              <p:cond delay="0"/>
+                            </p:stCondLst>
+                            <p:childTnLst>
+                              <p:par>
+                                <p:cTn id="30" presetID="22" presetClass="entr" presetSubtype="8" fill="hold" nodeType="clickEffect">
+                                  <p:stCondLst>
+                                    <p:cond delay="0"/>
+                                  </p:stCondLst>
+                                  <p:childTnLst>
+                                    <p:set>
+                                      <p:cBhvr>
+                                        <p:cTn id="31" dur="1" fill="hold">
+                                          <p:stCondLst>
+                                            <p:cond delay="0"/>
+                                          </p:stCondLst>
+                                        </p:cTn>
+                                        <p:tgtEl>
+                                          <p:spTgt spid="16"/>
+                                        </p:tgtEl>
+                                        <p:attrNameLst>
+                                          <p:attrName>style.visibility</p:attrName>
+                                        </p:attrNameLst>
+                                      </p:cBhvr>
+                                      <p:to>
+                                        <p:strVal val="visible"/>
+                                      </p:to>
+                                    </p:set>
+                                    <p:animEffect transition="in" filter="wipe(left)">
+                                      <p:cBhvr>
+                                        <p:cTn id="32" dur="500"/>
+                                        <p:tgtEl>
+                                          <p:spTgt spid="16"/>
+                                        </p:tgtEl>
+                                      </p:cBhvr>
+                                    </p:animEffect>
+                                  </p:childTnLst>
+                                </p:cTn>
+                              </p:par>
+                            </p:childTnLst>
+                          </p:cTn>
+                        </p:par>
+                      </p:childTnLst>
+                    </p:cTn>
+                  </p:par>
+                  <p:par>
+                    <p:cTn id="33" fill="hold" nodeType="clickPar">
+                      <p:stCondLst>
+                        <p:cond delay="indefinite"/>
+                      </p:stCondLst>
+                      <p:childTnLst>
+                        <p:par>
+                          <p:cTn id="34" fill="hold" nodeType="withGroup">
+                            <p:stCondLst>
+                              <p:cond delay="0"/>
+                            </p:stCondLst>
+                            <p:childTnLst>
+                              <p:par>
+                                <p:cTn id="35" presetID="3" presetClass="entr" presetSubtype="10" fill="hold" grpId="0" nodeType="clickEffect">
+                                  <p:stCondLst>
+                                    <p:cond delay="0"/>
+                                  </p:stCondLst>
+                                  <p:childTnLst>
+                                    <p:set>
+                                      <p:cBhvr>
+                                        <p:cTn id="36" dur="1" fill="hold">
+                                          <p:stCondLst>
+                                            <p:cond delay="0"/>
+                                          </p:stCondLst>
+                                        </p:cTn>
+                                        <p:tgtEl>
+                                          <p:spTgt spid="8"/>
+                                        </p:tgtEl>
+                                        <p:attrNameLst>
+                                          <p:attrName>style.visibility</p:attrName>
+                                        </p:attrNameLst>
+                                      </p:cBhvr>
+                                      <p:to>
+                                        <p:strVal val="visible"/>
+                                      </p:to>
+                                    </p:set>
+                                    <p:animEffect transition="in" filter="blinds(horizontal)">
+                                      <p:cBhvr>
+                                        <p:cTn id="37" dur="500"/>
+                                        <p:tgtEl>
+                                          <p:spTgt spid="8"/>
+                                        </p:tgtEl>
+                                      </p:cBhvr>
+                                    </p:animEffect>
+                                  </p:childTnLst>
+                                </p:cTn>
+                              </p:par>
+                            </p:childTnLst>
+                          </p:cTn>
+                        </p:par>
+                      </p:childTnLst>
+                    </p:cTn>
+                  </p:par>
+                  <p:par>
+                    <p:cTn id="38" fill="hold" nodeType="clickPar">
+                      <p:stCondLst>
+                        <p:cond delay="indefinite"/>
+                      </p:stCondLst>
+                      <p:childTnLst>
+                        <p:par>
+                          <p:cTn id="39" fill="hold" nodeType="withGroup">
+                            <p:stCondLst>
+                              <p:cond delay="0"/>
+                            </p:stCondLst>
+                            <p:childTnLst>
+                              <p:par>
+                                <p:cTn id="40" presetID="22" presetClass="entr" presetSubtype="8" fill="hold" nodeType="clickEffect">
+                                  <p:stCondLst>
+                                    <p:cond delay="0"/>
+                                  </p:stCondLst>
+                                  <p:childTnLst>
+                                    <p:set>
+                                      <p:cBhvr>
+                                        <p:cTn id="41" dur="1" fill="hold">
+                                          <p:stCondLst>
+                                            <p:cond delay="0"/>
+                                          </p:stCondLst>
+                                        </p:cTn>
+                                        <p:tgtEl>
+                                          <p:spTgt spid="12"/>
+                                        </p:tgtEl>
+                                        <p:attrNameLst>
+                                          <p:attrName>style.visibility</p:attrName>
+                                        </p:attrNameLst>
+                                      </p:cBhvr>
+                                      <p:to>
+                                        <p:strVal val="visible"/>
+                                      </p:to>
+                                    </p:set>
+                                    <p:animEffect transition="in" filter="wipe(left)">
+                                      <p:cBhvr>
+                                        <p:cTn id="42" dur="500"/>
+                                        <p:tgtEl>
+                                          <p:spTgt spid="12"/>
+                                        </p:tgtEl>
+                                      </p:cBhvr>
+                                    </p:animEffect>
+                                  </p:childTnLst>
+                                </p:cTn>
+                              </p:par>
+                            </p:childTnLst>
+                          </p:cTn>
+                        </p:par>
+                      </p:childTnLst>
+                    </p:cTn>
+                  </p:par>
+                  <p:par>
+                    <p:cTn id="43" fill="hold" nodeType="clickPar">
+                      <p:stCondLst>
+                        <p:cond delay="indefinite"/>
+                      </p:stCondLst>
+                      <p:childTnLst>
+                        <p:par>
+                          <p:cTn id="44" fill="hold" nodeType="withGroup">
+                            <p:stCondLst>
+                              <p:cond delay="0"/>
+                            </p:stCondLst>
+                            <p:childTnLst>
+                              <p:par>
+                                <p:cTn id="45" presetID="22" presetClass="entr" presetSubtype="8" fill="hold" nodeType="clickEffect">
+                                  <p:stCondLst>
+                                    <p:cond delay="0"/>
+                                  </p:stCondLst>
+                                  <p:childTnLst>
+                                    <p:set>
+                                      <p:cBhvr>
+                                        <p:cTn id="46" dur="1" fill="hold">
+                                          <p:stCondLst>
+                                            <p:cond delay="0"/>
+                                          </p:stCondLst>
+                                        </p:cTn>
+                                        <p:tgtEl>
+                                          <p:spTgt spid="4"/>
+                                        </p:tgtEl>
+                                        <p:attrNameLst>
+                                          <p:attrName>style.visibility</p:attrName>
+                                        </p:attrNameLst>
+                                      </p:cBhvr>
+                                      <p:to>
+                                        <p:strVal val="visible"/>
+                                      </p:to>
+                                    </p:set>
+                                    <p:animEffect transition="in" filter="wipe(left)">
+                                      <p:cBhvr>
+                                        <p:cTn id="47" dur="500"/>
+                                        <p:tgtEl>
+                                          <p:spTgt spid="4"/>
+                                        </p:tgtEl>
+                                      </p:cBhvr>
+                                    </p:animEffect>
+                                  </p:childTnLst>
+                                </p:cTn>
+                              </p:par>
+                            </p:childTnLst>
+                          </p:cTn>
+                        </p:par>
+                      </p:childTnLst>
+                    </p:cTn>
+                  </p:par>
+                  <p:par>
+                    <p:cTn id="48" fill="hold" nodeType="clickPar">
+                      <p:stCondLst>
+                        <p:cond delay="indefinite"/>
+                      </p:stCondLst>
+                      <p:childTnLst>
+                        <p:par>
+                          <p:cTn id="49" fill="hold" nodeType="withGroup">
+                            <p:stCondLst>
+                              <p:cond delay="0"/>
+                            </p:stCondLst>
+                            <p:childTnLst>
+                              <p:par>
+                                <p:cTn id="50" presetID="3" presetClass="entr" presetSubtype="10" fill="hold" grpId="0" nodeType="clickEffect">
+                                  <p:stCondLst>
+                                    <p:cond delay="0"/>
+                                  </p:stCondLst>
+                                  <p:childTnLst>
+                                    <p:set>
+                                      <p:cBhvr>
+                                        <p:cTn id="51" dur="1" fill="hold">
+                                          <p:stCondLst>
+                                            <p:cond delay="0"/>
+                                          </p:stCondLst>
+                                        </p:cTn>
+                                        <p:tgtEl>
+                                          <p:spTgt spid="10"/>
+                                        </p:tgtEl>
+                                        <p:attrNameLst>
+                                          <p:attrName>style.visibility</p:attrName>
+                                        </p:attrNameLst>
+                                      </p:cBhvr>
+                                      <p:to>
+                                        <p:strVal val="visible"/>
+                                      </p:to>
+                                    </p:set>
+                                    <p:animEffect transition="in" filter="blinds(horizontal)">
+                                      <p:cBhvr>
+                                        <p:cTn id="52" dur="500"/>
+                                        <p:tgtEl>
+                                          <p:spTgt spid="10"/>
+                                        </p:tgtEl>
+                                      </p:cBhvr>
+                                    </p:animEffect>
+                                  </p:childTnLst>
+                                </p:cTn>
+                              </p:par>
+                            </p:childTnLst>
+                          </p:cTn>
+                        </p:par>
+                      </p:childTnLst>
+                    </p:cTn>
+                  </p:par>
+                </p:childTnLst>
+              </p:cTn>
+              <p:prevCondLst>
+                <p:cond evt="onPrev" delay="0">
+                  <p:tgtEl>
+                    <p:sldTgt/>
+                  </p:tgtEl>
+                </p:cond>
+              </p:prevCondLst>
+              <p:nextCondLst>
+                <p:cond evt="onNext" delay="0">
+                  <p:tgtEl>
+                    <p:sldTgt/>
+                  </p:tgtEl>
+                </p:cond>
+              </p:nextCondLst>
+            </p:seq>
+          </p:childTnLst>
+        </p:cTn>
+      </p:par>
+    </p:tnLst>
+    <p:bldLst>
+      <p:bldP spid="6" grpId="0"/>
+      <p:bldP spid="7" grpId="0"/>
+      <p:bldP spid="8" grpId="0"/>
+      <p:bldP spid="10" grpId="0"/>
     </p:bldLst>
   </p:timing>
 </p:sld>
